--- a/submissions/milestone-1/Milestone 1 Presentation.pptx
+++ b/submissions/milestone-1/Milestone 1 Presentation.pptx
@@ -1,54 +1,54 @@
 
 <file path=ppt/presentation.xml><?xml version="1.0" encoding="utf-8"?>
-<p:presentation xmlns:a="http://schemas.openxmlformats.org/drawingml/2006/main" xmlns:r="http://schemas.openxmlformats.org/officeDocument/2006/relationships" xmlns:mc="http://schemas.openxmlformats.org/markup-compatibility/2006" xmlns:mv="urn:schemas-microsoft-com:mac:vml" xmlns:p="http://schemas.openxmlformats.org/presentationml/2006/main" xmlns:c="http://schemas.openxmlformats.org/drawingml/2006/chart" xmlns:dgm="http://schemas.openxmlformats.org/drawingml/2006/diagram" xmlns:o="urn:schemas-microsoft-com:office:office" xmlns:v="urn:schemas-microsoft-com:vml" xmlns:pvml="urn:schemas-microsoft-com:office:powerpoint" xmlns:com="http://schemas.openxmlformats.org/drawingml/2006/compatibility" xmlns:p14="http://schemas.microsoft.com/office/powerpoint/2010/main" xmlns:p15="http://schemas.microsoft.com/office/powerpoint/2012/main" autoCompressPictures="0" embedTrueTypeFonts="1" strictFirstAndLastChars="0" saveSubsetFonts="1">
+<p:presentation xmlns:a="http://schemas.openxmlformats.org/drawingml/2006/main" xmlns:r="http://schemas.openxmlformats.org/officeDocument/2006/relationships" xmlns:p="http://schemas.openxmlformats.org/presentationml/2006/main" strictFirstAndLastChars="0" embedTrueTypeFonts="1" autoCompressPictures="0">
   <p:sldMasterIdLst>
-    <p:sldMasterId id="2147483659" r:id="rId4"/>
+    <p:sldMasterId id="2147483659" r:id="rId1"/>
   </p:sldMasterIdLst>
   <p:notesMasterIdLst>
-    <p:notesMasterId r:id="rId5"/>
+    <p:notesMasterId r:id="rId17"/>
   </p:notesMasterIdLst>
   <p:sldIdLst>
-    <p:sldId id="256" r:id="rId6"/>
-    <p:sldId id="257" r:id="rId7"/>
-    <p:sldId id="258" r:id="rId8"/>
-    <p:sldId id="259" r:id="rId9"/>
-    <p:sldId id="260" r:id="rId10"/>
-    <p:sldId id="261" r:id="rId11"/>
-    <p:sldId id="262" r:id="rId12"/>
-    <p:sldId id="263" r:id="rId13"/>
-    <p:sldId id="264" r:id="rId14"/>
-    <p:sldId id="265" r:id="rId15"/>
-    <p:sldId id="266" r:id="rId16"/>
-    <p:sldId id="267" r:id="rId17"/>
-    <p:sldId id="268" r:id="rId18"/>
-    <p:sldId id="269" r:id="rId19"/>
-    <p:sldId id="270" r:id="rId20"/>
+    <p:sldId id="256" r:id="rId2"/>
+    <p:sldId id="257" r:id="rId3"/>
+    <p:sldId id="258" r:id="rId4"/>
+    <p:sldId id="259" r:id="rId5"/>
+    <p:sldId id="260" r:id="rId6"/>
+    <p:sldId id="261" r:id="rId7"/>
+    <p:sldId id="262" r:id="rId8"/>
+    <p:sldId id="263" r:id="rId9"/>
+    <p:sldId id="264" r:id="rId10"/>
+    <p:sldId id="265" r:id="rId11"/>
+    <p:sldId id="266" r:id="rId12"/>
+    <p:sldId id="267" r:id="rId13"/>
+    <p:sldId id="268" r:id="rId14"/>
+    <p:sldId id="269" r:id="rId15"/>
+    <p:sldId id="270" r:id="rId16"/>
   </p:sldIdLst>
-  <p:sldSz cy="5143500" cx="9144000"/>
+  <p:sldSz cx="9144000" cy="5143500" type="screen16x9"/>
   <p:notesSz cx="6858000" cy="9144000"/>
   <p:embeddedFontLst>
     <p:embeddedFont>
-      <p:font typeface="Economica"/>
-      <p:regular r:id="rId21"/>
-      <p:bold r:id="rId22"/>
-      <p:italic r:id="rId23"/>
-      <p:boldItalic r:id="rId24"/>
+      <p:font typeface="Economica" panose="02000506040000020004" pitchFamily="2" charset="77"/>
+      <p:regular r:id="rId18"/>
+      <p:bold r:id="rId19"/>
+      <p:italic r:id="rId20"/>
+      <p:boldItalic r:id="rId21"/>
     </p:embeddedFont>
     <p:embeddedFont>
-      <p:font typeface="PT Sans Narrow"/>
-      <p:regular r:id="rId25"/>
-      <p:bold r:id="rId26"/>
+      <p:font typeface="Open Sans" panose="020B0606030504020204" pitchFamily="34" charset="0"/>
+      <p:regular r:id="rId22"/>
+      <p:bold r:id="rId23"/>
+      <p:italic r:id="rId24"/>
+      <p:boldItalic r:id="rId25"/>
     </p:embeddedFont>
     <p:embeddedFont>
-      <p:font typeface="Open Sans"/>
-      <p:regular r:id="rId27"/>
-      <p:bold r:id="rId28"/>
-      <p:italic r:id="rId29"/>
-      <p:boldItalic r:id="rId30"/>
+      <p:font typeface="PT Sans Narrow" panose="020B0506020203020204" pitchFamily="34" charset="77"/>
+      <p:regular r:id="rId26"/>
+      <p:bold r:id="rId27"/>
     </p:embeddedFont>
   </p:embeddedFontLst>
   <p:defaultTextStyle>
-    <a:defPPr lvl="0" marR="0" rtl="0" algn="l">
+    <a:defPPr marR="0" lvl="0" algn="l" rtl="0">
       <a:lnSpc>
         <a:spcPct val="100000"/>
       </a:lnSpc>
@@ -59,7 +59,7 @@
         <a:spcPts val="0"/>
       </a:spcAft>
     </a:defPPr>
-    <a:lvl1pPr lvl="0" marR="0" rtl="0" algn="l">
+    <a:lvl1pPr marR="0" lvl="0" algn="l" rtl="0">
       <a:lnSpc>
         <a:spcPct val="100000"/>
       </a:lnSpc>
@@ -73,7 +73,7 @@
         <a:srgbClr val="000000"/>
       </a:buClr>
       <a:buFont typeface="Arial"/>
-      <a:defRPr b="0" i="0" sz="1400" u="none" cap="none" strike="noStrike">
+      <a:defRPr sz="1400" b="0" i="0" u="none" strike="noStrike" cap="none">
         <a:solidFill>
           <a:srgbClr val="000000"/>
         </a:solidFill>
@@ -83,7 +83,7 @@
         <a:sym typeface="Arial"/>
       </a:defRPr>
     </a:lvl1pPr>
-    <a:lvl2pPr lvl="1" marR="0" rtl="0" algn="l">
+    <a:lvl2pPr marR="0" lvl="1" algn="l" rtl="0">
       <a:lnSpc>
         <a:spcPct val="100000"/>
       </a:lnSpc>
@@ -97,7 +97,7 @@
         <a:srgbClr val="000000"/>
       </a:buClr>
       <a:buFont typeface="Arial"/>
-      <a:defRPr b="0" i="0" sz="1400" u="none" cap="none" strike="noStrike">
+      <a:defRPr sz="1400" b="0" i="0" u="none" strike="noStrike" cap="none">
         <a:solidFill>
           <a:srgbClr val="000000"/>
         </a:solidFill>
@@ -107,7 +107,7 @@
         <a:sym typeface="Arial"/>
       </a:defRPr>
     </a:lvl2pPr>
-    <a:lvl3pPr lvl="2" marR="0" rtl="0" algn="l">
+    <a:lvl3pPr marR="0" lvl="2" algn="l" rtl="0">
       <a:lnSpc>
         <a:spcPct val="100000"/>
       </a:lnSpc>
@@ -121,7 +121,7 @@
         <a:srgbClr val="000000"/>
       </a:buClr>
       <a:buFont typeface="Arial"/>
-      <a:defRPr b="0" i="0" sz="1400" u="none" cap="none" strike="noStrike">
+      <a:defRPr sz="1400" b="0" i="0" u="none" strike="noStrike" cap="none">
         <a:solidFill>
           <a:srgbClr val="000000"/>
         </a:solidFill>
@@ -131,7 +131,7 @@
         <a:sym typeface="Arial"/>
       </a:defRPr>
     </a:lvl3pPr>
-    <a:lvl4pPr lvl="3" marR="0" rtl="0" algn="l">
+    <a:lvl4pPr marR="0" lvl="3" algn="l" rtl="0">
       <a:lnSpc>
         <a:spcPct val="100000"/>
       </a:lnSpc>
@@ -145,7 +145,7 @@
         <a:srgbClr val="000000"/>
       </a:buClr>
       <a:buFont typeface="Arial"/>
-      <a:defRPr b="0" i="0" sz="1400" u="none" cap="none" strike="noStrike">
+      <a:defRPr sz="1400" b="0" i="0" u="none" strike="noStrike" cap="none">
         <a:solidFill>
           <a:srgbClr val="000000"/>
         </a:solidFill>
@@ -155,7 +155,7 @@
         <a:sym typeface="Arial"/>
       </a:defRPr>
     </a:lvl4pPr>
-    <a:lvl5pPr lvl="4" marR="0" rtl="0" algn="l">
+    <a:lvl5pPr marR="0" lvl="4" algn="l" rtl="0">
       <a:lnSpc>
         <a:spcPct val="100000"/>
       </a:lnSpc>
@@ -169,7 +169,7 @@
         <a:srgbClr val="000000"/>
       </a:buClr>
       <a:buFont typeface="Arial"/>
-      <a:defRPr b="0" i="0" sz="1400" u="none" cap="none" strike="noStrike">
+      <a:defRPr sz="1400" b="0" i="0" u="none" strike="noStrike" cap="none">
         <a:solidFill>
           <a:srgbClr val="000000"/>
         </a:solidFill>
@@ -179,7 +179,7 @@
         <a:sym typeface="Arial"/>
       </a:defRPr>
     </a:lvl5pPr>
-    <a:lvl6pPr lvl="5" marR="0" rtl="0" algn="l">
+    <a:lvl6pPr marR="0" lvl="5" algn="l" rtl="0">
       <a:lnSpc>
         <a:spcPct val="100000"/>
       </a:lnSpc>
@@ -193,7 +193,7 @@
         <a:srgbClr val="000000"/>
       </a:buClr>
       <a:buFont typeface="Arial"/>
-      <a:defRPr b="0" i="0" sz="1400" u="none" cap="none" strike="noStrike">
+      <a:defRPr sz="1400" b="0" i="0" u="none" strike="noStrike" cap="none">
         <a:solidFill>
           <a:srgbClr val="000000"/>
         </a:solidFill>
@@ -203,7 +203,7 @@
         <a:sym typeface="Arial"/>
       </a:defRPr>
     </a:lvl6pPr>
-    <a:lvl7pPr lvl="6" marR="0" rtl="0" algn="l">
+    <a:lvl7pPr marR="0" lvl="6" algn="l" rtl="0">
       <a:lnSpc>
         <a:spcPct val="100000"/>
       </a:lnSpc>
@@ -217,7 +217,7 @@
         <a:srgbClr val="000000"/>
       </a:buClr>
       <a:buFont typeface="Arial"/>
-      <a:defRPr b="0" i="0" sz="1400" u="none" cap="none" strike="noStrike">
+      <a:defRPr sz="1400" b="0" i="0" u="none" strike="noStrike" cap="none">
         <a:solidFill>
           <a:srgbClr val="000000"/>
         </a:solidFill>
@@ -227,7 +227,7 @@
         <a:sym typeface="Arial"/>
       </a:defRPr>
     </a:lvl7pPr>
-    <a:lvl8pPr lvl="7" marR="0" rtl="0" algn="l">
+    <a:lvl8pPr marR="0" lvl="7" algn="l" rtl="0">
       <a:lnSpc>
         <a:spcPct val="100000"/>
       </a:lnSpc>
@@ -241,7 +241,7 @@
         <a:srgbClr val="000000"/>
       </a:buClr>
       <a:buFont typeface="Arial"/>
-      <a:defRPr b="0" i="0" sz="1400" u="none" cap="none" strike="noStrike">
+      <a:defRPr sz="1400" b="0" i="0" u="none" strike="noStrike" cap="none">
         <a:solidFill>
           <a:srgbClr val="000000"/>
         </a:solidFill>
@@ -251,7 +251,7 @@
         <a:sym typeface="Arial"/>
       </a:defRPr>
     </a:lvl8pPr>
-    <a:lvl9pPr lvl="8" marR="0" rtl="0" algn="l">
+    <a:lvl9pPr marR="0" lvl="8" algn="l" rtl="0">
       <a:lnSpc>
         <a:spcPct val="100000"/>
       </a:lnSpc>
@@ -265,7 +265,7 @@
         <a:srgbClr val="000000"/>
       </a:buClr>
       <a:buFont typeface="Arial"/>
-      <a:defRPr b="0" i="0" sz="1400" u="none" cap="none" strike="noStrike">
+      <a:defRPr sz="1400" b="0" i="0" u="none" strike="noStrike" cap="none">
         <a:solidFill>
           <a:srgbClr val="000000"/>
         </a:solidFill>
@@ -278,7 +278,7 @@
   </p:defaultTextStyle>
   <p:extLst>
     <p:ext uri="{EFAFB233-063F-42B5-8137-9DF3F51BA10A}">
-      <p15:sldGuideLst>
+      <p15:sldGuideLst xmlns:p15="http://schemas.microsoft.com/office/powerpoint/2012/main">
         <p15:guide id="1" orient="horz" pos="1620">
           <p15:clr>
             <a:srgbClr val="A4A3A4"/>
@@ -296,11 +296,16 @@
 </file>
 
 <file path=ppt/notesMasters/notesMaster1.xml><?xml version="1.0" encoding="utf-8"?>
-<p:notesMaster xmlns:a="http://schemas.openxmlformats.org/drawingml/2006/main" xmlns:r="http://schemas.openxmlformats.org/officeDocument/2006/relationships" xmlns:mc="http://schemas.openxmlformats.org/markup-compatibility/2006" xmlns:mv="urn:schemas-microsoft-com:mac:vml" xmlns:p="http://schemas.openxmlformats.org/presentationml/2006/main" xmlns:c="http://schemas.openxmlformats.org/drawingml/2006/chart" xmlns:dgm="http://schemas.openxmlformats.org/drawingml/2006/diagram" xmlns:o="urn:schemas-microsoft-com:office:office" xmlns:v="urn:schemas-microsoft-com:vml" xmlns:pvml="urn:schemas-microsoft-com:office:powerpoint" xmlns:com="http://schemas.openxmlformats.org/drawingml/2006/compatibility" xmlns:p14="http://schemas.microsoft.com/office/powerpoint/2010/main" xmlns:p15="http://schemas.microsoft.com/office/powerpoint/2012/main">
+<p:notesMaster xmlns:a="http://schemas.openxmlformats.org/drawingml/2006/main" xmlns:r="http://schemas.openxmlformats.org/officeDocument/2006/relationships" xmlns:p="http://schemas.openxmlformats.org/presentationml/2006/main">
   <p:cSld>
+    <p:bg>
+      <p:bgRef idx="1001">
+        <a:schemeClr val="bg1"/>
+      </p:bgRef>
+    </p:bg>
     <p:spTree>
       <p:nvGrpSpPr>
-        <p:cNvPr id="2" name="Shape 2"/>
+        <p:cNvPr id="1" name="Shape 2"/>
         <p:cNvGrpSpPr/>
         <p:nvPr/>
       </p:nvGrpSpPr>
@@ -315,9 +320,11 @@
       <p:sp>
         <p:nvSpPr>
           <p:cNvPr id="3" name="Google Shape;3;n"/>
-          <p:cNvSpPr/>
+          <p:cNvSpPr>
+            <a:spLocks noGrp="1" noRot="1" noChangeAspect="1"/>
+          </p:cNvSpPr>
           <p:nvPr>
-            <p:ph idx="2" type="sldImg"/>
+            <p:ph type="sldImg" idx="2"/>
           </p:nvPr>
         </p:nvSpPr>
         <p:spPr>
@@ -326,9 +333,13 @@
             <a:ext cx="6096075" cy="3429000"/>
           </a:xfrm>
           <a:custGeom>
-            <a:rect b="b" l="l" r="r" t="t"/>
+            <a:avLst/>
+            <a:gdLst/>
+            <a:ahLst/>
+            <a:cxnLst/>
+            <a:rect l="l" t="t" r="r" b="b"/>
             <a:pathLst>
-              <a:path extrusionOk="0" h="120000" w="120000">
+              <a:path w="120000" h="120000" extrusionOk="0">
                 <a:moveTo>
                   <a:pt x="0" y="0"/>
                 </a:moveTo>
@@ -346,23 +357,25 @@
             </a:pathLst>
           </a:custGeom>
           <a:noFill/>
-          <a:ln cap="flat" cmpd="sng" w="9525">
+          <a:ln w="9525" cap="flat" cmpd="sng">
             <a:solidFill>
               <a:srgbClr val="000000"/>
             </a:solidFill>
             <a:prstDash val="solid"/>
             <a:round/>
-            <a:headEnd len="sm" w="sm" type="none"/>
-            <a:tailEnd len="sm" w="sm" type="none"/>
+            <a:headEnd type="none" w="sm" len="sm"/>
+            <a:tailEnd type="none" w="sm" len="sm"/>
           </a:ln>
         </p:spPr>
       </p:sp>
       <p:sp>
         <p:nvSpPr>
           <p:cNvPr id="4" name="Google Shape;4;n"/>
-          <p:cNvSpPr txBox="1"/>
+          <p:cNvSpPr txBox="1">
+            <a:spLocks noGrp="1"/>
+          </p:cNvSpPr>
           <p:nvPr>
-            <p:ph idx="1" type="body"/>
+            <p:ph type="body" idx="1"/>
           </p:nvPr>
         </p:nvSpPr>
         <p:spPr>
@@ -379,11 +392,11 @@
           </a:ln>
         </p:spPr>
         <p:txBody>
-          <a:bodyPr anchorCtr="0" anchor="t" bIns="91425" lIns="91425" spcFirstLastPara="1" rIns="91425" wrap="square" tIns="91425">
+          <a:bodyPr spcFirstLastPara="1" wrap="square" lIns="91425" tIns="91425" rIns="91425" bIns="91425" anchor="t" anchorCtr="0">
             <a:noAutofit/>
           </a:bodyPr>
           <a:lstStyle>
-            <a:lvl1pPr indent="-298450" lvl="0" marL="457200">
+            <a:lvl1pPr marL="457200" lvl="0" indent="-298450">
               <a:spcBef>
                 <a:spcPts val="0"/>
               </a:spcBef>
@@ -394,7 +407,7 @@
               <a:buChar char="●"/>
               <a:defRPr sz="1100"/>
             </a:lvl1pPr>
-            <a:lvl2pPr indent="-298450" lvl="1" marL="914400">
+            <a:lvl2pPr marL="914400" lvl="1" indent="-298450">
               <a:spcBef>
                 <a:spcPts val="0"/>
               </a:spcBef>
@@ -405,7 +418,7 @@
               <a:buChar char="○"/>
               <a:defRPr sz="1100"/>
             </a:lvl2pPr>
-            <a:lvl3pPr indent="-298450" lvl="2" marL="1371600">
+            <a:lvl3pPr marL="1371600" lvl="2" indent="-298450">
               <a:spcBef>
                 <a:spcPts val="0"/>
               </a:spcBef>
@@ -416,7 +429,7 @@
               <a:buChar char="■"/>
               <a:defRPr sz="1100"/>
             </a:lvl3pPr>
-            <a:lvl4pPr indent="-298450" lvl="3" marL="1828800">
+            <a:lvl4pPr marL="1828800" lvl="3" indent="-298450">
               <a:spcBef>
                 <a:spcPts val="0"/>
               </a:spcBef>
@@ -427,7 +440,7 @@
               <a:buChar char="●"/>
               <a:defRPr sz="1100"/>
             </a:lvl4pPr>
-            <a:lvl5pPr indent="-298450" lvl="4" marL="2286000">
+            <a:lvl5pPr marL="2286000" lvl="4" indent="-298450">
               <a:spcBef>
                 <a:spcPts val="0"/>
               </a:spcBef>
@@ -438,7 +451,7 @@
               <a:buChar char="○"/>
               <a:defRPr sz="1100"/>
             </a:lvl5pPr>
-            <a:lvl6pPr indent="-298450" lvl="5" marL="2743200">
+            <a:lvl6pPr marL="2743200" lvl="5" indent="-298450">
               <a:spcBef>
                 <a:spcPts val="0"/>
               </a:spcBef>
@@ -449,7 +462,7 @@
               <a:buChar char="■"/>
               <a:defRPr sz="1100"/>
             </a:lvl6pPr>
-            <a:lvl7pPr indent="-298450" lvl="6" marL="3200400">
+            <a:lvl7pPr marL="3200400" lvl="6" indent="-298450">
               <a:spcBef>
                 <a:spcPts val="0"/>
               </a:spcBef>
@@ -460,7 +473,7 @@
               <a:buChar char="●"/>
               <a:defRPr sz="1100"/>
             </a:lvl7pPr>
-            <a:lvl8pPr indent="-298450" lvl="7" marL="3657600">
+            <a:lvl8pPr marL="3657600" lvl="7" indent="-298450">
               <a:spcBef>
                 <a:spcPts val="0"/>
               </a:spcBef>
@@ -471,7 +484,7 @@
               <a:buChar char="○"/>
               <a:defRPr sz="1100"/>
             </a:lvl8pPr>
-            <a:lvl9pPr indent="-298450" lvl="8" marL="4114800">
+            <a:lvl9pPr marL="4114800" lvl="8" indent="-298450">
               <a:spcBef>
                 <a:spcPts val="0"/>
               </a:spcBef>
@@ -483,14 +496,16 @@
               <a:defRPr sz="1100"/>
             </a:lvl9pPr>
           </a:lstStyle>
-          <a:p/>
+          <a:p>
+            <a:endParaRPr/>
+          </a:p>
         </p:txBody>
       </p:sp>
     </p:spTree>
   </p:cSld>
-  <p:clrMap accent1="accent1" accent2="accent2" accent3="accent3" accent4="accent4" accent5="accent5" accent6="accent6" bg1="lt1" bg2="dk2" tx1="dk1" tx2="lt2" folHlink="folHlink" hlink="hlink"/>
+  <p:clrMap bg1="lt1" tx1="dk1" bg2="dk2" tx2="lt2" accent1="accent1" accent2="accent2" accent3="accent3" accent4="accent4" accent5="accent5" accent6="accent6" hlink="hlink" folHlink="folHlink"/>
   <p:notesStyle>
-    <a:defPPr lvl="0" marR="0" rtl="0" algn="l">
+    <a:defPPr marR="0" lvl="0" algn="l" rtl="0">
       <a:lnSpc>
         <a:spcPct val="100000"/>
       </a:lnSpc>
@@ -501,7 +516,7 @@
         <a:spcPts val="0"/>
       </a:spcAft>
     </a:defPPr>
-    <a:lvl1pPr lvl="0" marR="0" rtl="0" algn="l">
+    <a:lvl1pPr marR="0" lvl="0" algn="l" rtl="0">
       <a:lnSpc>
         <a:spcPct val="100000"/>
       </a:lnSpc>
@@ -515,7 +530,7 @@
         <a:srgbClr val="000000"/>
       </a:buClr>
       <a:buFont typeface="Arial"/>
-      <a:defRPr b="0" i="0" sz="1400" u="none" cap="none" strike="noStrike">
+      <a:defRPr sz="1400" b="0" i="0" u="none" strike="noStrike" cap="none">
         <a:solidFill>
           <a:srgbClr val="000000"/>
         </a:solidFill>
@@ -525,7 +540,7 @@
         <a:sym typeface="Arial"/>
       </a:defRPr>
     </a:lvl1pPr>
-    <a:lvl2pPr lvl="1" marR="0" rtl="0" algn="l">
+    <a:lvl2pPr marR="0" lvl="1" algn="l" rtl="0">
       <a:lnSpc>
         <a:spcPct val="100000"/>
       </a:lnSpc>
@@ -539,7 +554,7 @@
         <a:srgbClr val="000000"/>
       </a:buClr>
       <a:buFont typeface="Arial"/>
-      <a:defRPr b="0" i="0" sz="1400" u="none" cap="none" strike="noStrike">
+      <a:defRPr sz="1400" b="0" i="0" u="none" strike="noStrike" cap="none">
         <a:solidFill>
           <a:srgbClr val="000000"/>
         </a:solidFill>
@@ -549,7 +564,7 @@
         <a:sym typeface="Arial"/>
       </a:defRPr>
     </a:lvl2pPr>
-    <a:lvl3pPr lvl="2" marR="0" rtl="0" algn="l">
+    <a:lvl3pPr marR="0" lvl="2" algn="l" rtl="0">
       <a:lnSpc>
         <a:spcPct val="100000"/>
       </a:lnSpc>
@@ -563,7 +578,7 @@
         <a:srgbClr val="000000"/>
       </a:buClr>
       <a:buFont typeface="Arial"/>
-      <a:defRPr b="0" i="0" sz="1400" u="none" cap="none" strike="noStrike">
+      <a:defRPr sz="1400" b="0" i="0" u="none" strike="noStrike" cap="none">
         <a:solidFill>
           <a:srgbClr val="000000"/>
         </a:solidFill>
@@ -573,7 +588,7 @@
         <a:sym typeface="Arial"/>
       </a:defRPr>
     </a:lvl3pPr>
-    <a:lvl4pPr lvl="3" marR="0" rtl="0" algn="l">
+    <a:lvl4pPr marR="0" lvl="3" algn="l" rtl="0">
       <a:lnSpc>
         <a:spcPct val="100000"/>
       </a:lnSpc>
@@ -587,7 +602,7 @@
         <a:srgbClr val="000000"/>
       </a:buClr>
       <a:buFont typeface="Arial"/>
-      <a:defRPr b="0" i="0" sz="1400" u="none" cap="none" strike="noStrike">
+      <a:defRPr sz="1400" b="0" i="0" u="none" strike="noStrike" cap="none">
         <a:solidFill>
           <a:srgbClr val="000000"/>
         </a:solidFill>
@@ -597,7 +612,7 @@
         <a:sym typeface="Arial"/>
       </a:defRPr>
     </a:lvl4pPr>
-    <a:lvl5pPr lvl="4" marR="0" rtl="0" algn="l">
+    <a:lvl5pPr marR="0" lvl="4" algn="l" rtl="0">
       <a:lnSpc>
         <a:spcPct val="100000"/>
       </a:lnSpc>
@@ -611,7 +626,7 @@
         <a:srgbClr val="000000"/>
       </a:buClr>
       <a:buFont typeface="Arial"/>
-      <a:defRPr b="0" i="0" sz="1400" u="none" cap="none" strike="noStrike">
+      <a:defRPr sz="1400" b="0" i="0" u="none" strike="noStrike" cap="none">
         <a:solidFill>
           <a:srgbClr val="000000"/>
         </a:solidFill>
@@ -621,7 +636,7 @@
         <a:sym typeface="Arial"/>
       </a:defRPr>
     </a:lvl5pPr>
-    <a:lvl6pPr lvl="5" marR="0" rtl="0" algn="l">
+    <a:lvl6pPr marR="0" lvl="5" algn="l" rtl="0">
       <a:lnSpc>
         <a:spcPct val="100000"/>
       </a:lnSpc>
@@ -635,7 +650,7 @@
         <a:srgbClr val="000000"/>
       </a:buClr>
       <a:buFont typeface="Arial"/>
-      <a:defRPr b="0" i="0" sz="1400" u="none" cap="none" strike="noStrike">
+      <a:defRPr sz="1400" b="0" i="0" u="none" strike="noStrike" cap="none">
         <a:solidFill>
           <a:srgbClr val="000000"/>
         </a:solidFill>
@@ -645,7 +660,7 @@
         <a:sym typeface="Arial"/>
       </a:defRPr>
     </a:lvl6pPr>
-    <a:lvl7pPr lvl="6" marR="0" rtl="0" algn="l">
+    <a:lvl7pPr marR="0" lvl="6" algn="l" rtl="0">
       <a:lnSpc>
         <a:spcPct val="100000"/>
       </a:lnSpc>
@@ -659,7 +674,7 @@
         <a:srgbClr val="000000"/>
       </a:buClr>
       <a:buFont typeface="Arial"/>
-      <a:defRPr b="0" i="0" sz="1400" u="none" cap="none" strike="noStrike">
+      <a:defRPr sz="1400" b="0" i="0" u="none" strike="noStrike" cap="none">
         <a:solidFill>
           <a:srgbClr val="000000"/>
         </a:solidFill>
@@ -669,7 +684,7 @@
         <a:sym typeface="Arial"/>
       </a:defRPr>
     </a:lvl7pPr>
-    <a:lvl8pPr lvl="7" marR="0" rtl="0" algn="l">
+    <a:lvl8pPr marR="0" lvl="7" algn="l" rtl="0">
       <a:lnSpc>
         <a:spcPct val="100000"/>
       </a:lnSpc>
@@ -683,7 +698,7 @@
         <a:srgbClr val="000000"/>
       </a:buClr>
       <a:buFont typeface="Arial"/>
-      <a:defRPr b="0" i="0" sz="1400" u="none" cap="none" strike="noStrike">
+      <a:defRPr sz="1400" b="0" i="0" u="none" strike="noStrike" cap="none">
         <a:solidFill>
           <a:srgbClr val="000000"/>
         </a:solidFill>
@@ -693,7 +708,7 @@
         <a:sym typeface="Arial"/>
       </a:defRPr>
     </a:lvl8pPr>
-    <a:lvl9pPr lvl="8" marR="0" rtl="0" algn="l">
+    <a:lvl9pPr marR="0" lvl="8" algn="l" rtl="0">
       <a:lnSpc>
         <a:spcPct val="100000"/>
       </a:lnSpc>
@@ -707,7 +722,7 @@
         <a:srgbClr val="000000"/>
       </a:buClr>
       <a:buFont typeface="Arial"/>
-      <a:defRPr b="0" i="0" sz="1400" u="none" cap="none" strike="noStrike">
+      <a:defRPr sz="1400" b="0" i="0" u="none" strike="noStrike" cap="none">
         <a:solidFill>
           <a:srgbClr val="000000"/>
         </a:solidFill>
@@ -722,11 +737,11 @@
 </file>
 
 <file path=ppt/notesSlides/notesSlide1.xml><?xml version="1.0" encoding="utf-8"?>
-<p:notes xmlns:a="http://schemas.openxmlformats.org/drawingml/2006/main" xmlns:r="http://schemas.openxmlformats.org/officeDocument/2006/relationships" xmlns:mc="http://schemas.openxmlformats.org/markup-compatibility/2006" xmlns:mv="urn:schemas-microsoft-com:mac:vml" xmlns:p="http://schemas.openxmlformats.org/presentationml/2006/main" xmlns:c="http://schemas.openxmlformats.org/drawingml/2006/chart" xmlns:dgm="http://schemas.openxmlformats.org/drawingml/2006/diagram" xmlns:o="urn:schemas-microsoft-com:office:office" xmlns:v="urn:schemas-microsoft-com:vml" xmlns:pvml="urn:schemas-microsoft-com:office:powerpoint" xmlns:com="http://schemas.openxmlformats.org/drawingml/2006/compatibility" xmlns:p14="http://schemas.microsoft.com/office/powerpoint/2010/main" xmlns:p15="http://schemas.microsoft.com/office/powerpoint/2012/main" showMasterPhAnim="0" showMasterSp="0">
+<p:notes xmlns:a="http://schemas.openxmlformats.org/drawingml/2006/main" xmlns:r="http://schemas.openxmlformats.org/officeDocument/2006/relationships" xmlns:p="http://schemas.openxmlformats.org/presentationml/2006/main" showMasterSp="0" showMasterPhAnim="0">
   <p:cSld>
     <p:spTree>
       <p:nvGrpSpPr>
-        <p:cNvPr id="64" name="Shape 64"/>
+        <p:cNvPr id="1" name="Shape 64"/>
         <p:cNvGrpSpPr/>
         <p:nvPr/>
       </p:nvGrpSpPr>
@@ -741,9 +756,11 @@
       <p:sp>
         <p:nvSpPr>
           <p:cNvPr id="65" name="Google Shape;65;p:notes"/>
-          <p:cNvSpPr/>
+          <p:cNvSpPr>
+            <a:spLocks noGrp="1" noRot="1" noChangeAspect="1"/>
+          </p:cNvSpPr>
           <p:nvPr>
-            <p:ph idx="2" type="sldImg"/>
+            <p:ph type="sldImg" idx="2"/>
           </p:nvPr>
         </p:nvSpPr>
         <p:spPr>
@@ -752,9 +769,13 @@
             <a:ext cx="6096075" cy="3429000"/>
           </a:xfrm>
           <a:custGeom>
-            <a:rect b="b" l="l" r="r" t="t"/>
+            <a:avLst/>
+            <a:gdLst/>
+            <a:ahLst/>
+            <a:cxnLst/>
+            <a:rect l="l" t="t" r="r" b="b"/>
             <a:pathLst>
-              <a:path extrusionOk="0" h="120000" w="120000">
+              <a:path w="120000" h="120000" extrusionOk="0">
                 <a:moveTo>
                   <a:pt x="0" y="0"/>
                 </a:moveTo>
@@ -776,9 +797,11 @@
       <p:sp>
         <p:nvSpPr>
           <p:cNvPr id="66" name="Google Shape;66;p:notes"/>
-          <p:cNvSpPr txBox="1"/>
+          <p:cNvSpPr txBox="1">
+            <a:spLocks noGrp="1"/>
+          </p:cNvSpPr>
           <p:nvPr>
-            <p:ph idx="1" type="body"/>
+            <p:ph type="body" idx="1"/>
           </p:nvPr>
         </p:nvSpPr>
         <p:spPr>
@@ -791,12 +814,12 @@
           </a:prstGeom>
         </p:spPr>
         <p:txBody>
-          <a:bodyPr anchorCtr="0" anchor="t" bIns="91425" lIns="91425" spcFirstLastPara="1" rIns="91425" wrap="square" tIns="91425">
+          <a:bodyPr spcFirstLastPara="1" wrap="square" lIns="91425" tIns="91425" rIns="91425" bIns="91425" anchor="t" anchorCtr="0">
             <a:noAutofit/>
           </a:bodyPr>
           <a:lstStyle/>
           <a:p>
-            <a:pPr indent="0" lvl="0" marL="0" rtl="0" algn="l">
+            <a:pPr marL="0" lvl="0" indent="0" algn="l" rtl="0">
               <a:spcBef>
                 <a:spcPts val="0"/>
               </a:spcBef>
@@ -805,9 +828,6 @@
               </a:spcAft>
               <a:buNone/>
             </a:pPr>
-            <a:r>
-              <a:t/>
-            </a:r>
             <a:endParaRPr/>
           </a:p>
         </p:txBody>
@@ -821,11 +841,11 @@
 </file>
 
 <file path=ppt/notesSlides/notesSlide10.xml><?xml version="1.0" encoding="utf-8"?>
-<p:notes xmlns:a="http://schemas.openxmlformats.org/drawingml/2006/main" xmlns:r="http://schemas.openxmlformats.org/officeDocument/2006/relationships" xmlns:mc="http://schemas.openxmlformats.org/markup-compatibility/2006" xmlns:mv="urn:schemas-microsoft-com:mac:vml" xmlns:p="http://schemas.openxmlformats.org/presentationml/2006/main" xmlns:c="http://schemas.openxmlformats.org/drawingml/2006/chart" xmlns:dgm="http://schemas.openxmlformats.org/drawingml/2006/diagram" xmlns:o="urn:schemas-microsoft-com:office:office" xmlns:v="urn:schemas-microsoft-com:vml" xmlns:pvml="urn:schemas-microsoft-com:office:powerpoint" xmlns:com="http://schemas.openxmlformats.org/drawingml/2006/compatibility" xmlns:p14="http://schemas.microsoft.com/office/powerpoint/2010/main" xmlns:p15="http://schemas.microsoft.com/office/powerpoint/2012/main" showMasterPhAnim="0" showMasterSp="0">
+<p:notes xmlns:a="http://schemas.openxmlformats.org/drawingml/2006/main" xmlns:r="http://schemas.openxmlformats.org/officeDocument/2006/relationships" xmlns:p="http://schemas.openxmlformats.org/presentationml/2006/main" showMasterSp="0" showMasterPhAnim="0">
   <p:cSld>
     <p:spTree>
       <p:nvGrpSpPr>
-        <p:cNvPr id="182" name="Shape 182"/>
+        <p:cNvPr id="1" name="Shape 182"/>
         <p:cNvGrpSpPr/>
         <p:nvPr/>
       </p:nvGrpSpPr>
@@ -840,9 +860,11 @@
       <p:sp>
         <p:nvSpPr>
           <p:cNvPr id="183" name="Google Shape;183;g6164d7e31a_4_253:notes"/>
-          <p:cNvSpPr/>
+          <p:cNvSpPr>
+            <a:spLocks noGrp="1" noRot="1" noChangeAspect="1"/>
+          </p:cNvSpPr>
           <p:nvPr>
-            <p:ph idx="2" type="sldImg"/>
+            <p:ph type="sldImg" idx="2"/>
           </p:nvPr>
         </p:nvSpPr>
         <p:spPr>
@@ -851,9 +873,13 @@
             <a:ext cx="6096000" cy="3429000"/>
           </a:xfrm>
           <a:custGeom>
-            <a:rect b="b" l="l" r="r" t="t"/>
+            <a:avLst/>
+            <a:gdLst/>
+            <a:ahLst/>
+            <a:cxnLst/>
+            <a:rect l="l" t="t" r="r" b="b"/>
             <a:pathLst>
-              <a:path extrusionOk="0" h="120000" w="120000">
+              <a:path w="120000" h="120000" extrusionOk="0">
                 <a:moveTo>
                   <a:pt x="0" y="0"/>
                 </a:moveTo>
@@ -875,9 +901,11 @@
       <p:sp>
         <p:nvSpPr>
           <p:cNvPr id="184" name="Google Shape;184;g6164d7e31a_4_253:notes"/>
-          <p:cNvSpPr txBox="1"/>
+          <p:cNvSpPr txBox="1">
+            <a:spLocks noGrp="1"/>
+          </p:cNvSpPr>
           <p:nvPr>
-            <p:ph idx="1" type="body"/>
+            <p:ph type="body" idx="1"/>
           </p:nvPr>
         </p:nvSpPr>
         <p:spPr>
@@ -890,12 +918,12 @@
           </a:prstGeom>
         </p:spPr>
         <p:txBody>
-          <a:bodyPr anchorCtr="0" anchor="t" bIns="91425" lIns="91425" spcFirstLastPara="1" rIns="91425" wrap="square" tIns="91425">
+          <a:bodyPr spcFirstLastPara="1" wrap="square" lIns="91425" tIns="91425" rIns="91425" bIns="91425" anchor="t" anchorCtr="0">
             <a:noAutofit/>
           </a:bodyPr>
           <a:lstStyle/>
           <a:p>
-            <a:pPr indent="0" lvl="0" marL="0" rtl="0" algn="l">
+            <a:pPr marL="0" lvl="0" indent="0" algn="l" rtl="0">
               <a:spcBef>
                 <a:spcPts val="0"/>
               </a:spcBef>
@@ -904,9 +932,6 @@
               </a:spcAft>
               <a:buNone/>
             </a:pPr>
-            <a:r>
-              <a:t/>
-            </a:r>
             <a:endParaRPr/>
           </a:p>
         </p:txBody>
@@ -920,11 +945,11 @@
 </file>
 
 <file path=ppt/notesSlides/notesSlide11.xml><?xml version="1.0" encoding="utf-8"?>
-<p:notes xmlns:a="http://schemas.openxmlformats.org/drawingml/2006/main" xmlns:r="http://schemas.openxmlformats.org/officeDocument/2006/relationships" xmlns:mc="http://schemas.openxmlformats.org/markup-compatibility/2006" xmlns:mv="urn:schemas-microsoft-com:mac:vml" xmlns:p="http://schemas.openxmlformats.org/presentationml/2006/main" xmlns:c="http://schemas.openxmlformats.org/drawingml/2006/chart" xmlns:dgm="http://schemas.openxmlformats.org/drawingml/2006/diagram" xmlns:o="urn:schemas-microsoft-com:office:office" xmlns:v="urn:schemas-microsoft-com:vml" xmlns:pvml="urn:schemas-microsoft-com:office:powerpoint" xmlns:com="http://schemas.openxmlformats.org/drawingml/2006/compatibility" xmlns:p14="http://schemas.microsoft.com/office/powerpoint/2010/main" xmlns:p15="http://schemas.microsoft.com/office/powerpoint/2012/main" showMasterPhAnim="0" showMasterSp="0">
+<p:notes xmlns:a="http://schemas.openxmlformats.org/drawingml/2006/main" xmlns:r="http://schemas.openxmlformats.org/officeDocument/2006/relationships" xmlns:p="http://schemas.openxmlformats.org/presentationml/2006/main" showMasterSp="0" showMasterPhAnim="0">
   <p:cSld>
     <p:spTree>
       <p:nvGrpSpPr>
-        <p:cNvPr id="189" name="Shape 189"/>
+        <p:cNvPr id="1" name="Shape 189"/>
         <p:cNvGrpSpPr/>
         <p:nvPr/>
       </p:nvGrpSpPr>
@@ -939,9 +964,11 @@
       <p:sp>
         <p:nvSpPr>
           <p:cNvPr id="190" name="Google Shape;190;g615fab650a_0_0:notes"/>
-          <p:cNvSpPr/>
+          <p:cNvSpPr>
+            <a:spLocks noGrp="1" noRot="1" noChangeAspect="1"/>
+          </p:cNvSpPr>
           <p:nvPr>
-            <p:ph idx="2" type="sldImg"/>
+            <p:ph type="sldImg" idx="2"/>
           </p:nvPr>
         </p:nvSpPr>
         <p:spPr>
@@ -950,9 +977,13 @@
             <a:ext cx="6096000" cy="3429000"/>
           </a:xfrm>
           <a:custGeom>
-            <a:rect b="b" l="l" r="r" t="t"/>
+            <a:avLst/>
+            <a:gdLst/>
+            <a:ahLst/>
+            <a:cxnLst/>
+            <a:rect l="l" t="t" r="r" b="b"/>
             <a:pathLst>
-              <a:path extrusionOk="0" h="120000" w="120000">
+              <a:path w="120000" h="120000" extrusionOk="0">
                 <a:moveTo>
                   <a:pt x="0" y="0"/>
                 </a:moveTo>
@@ -974,9 +1005,11 @@
       <p:sp>
         <p:nvSpPr>
           <p:cNvPr id="191" name="Google Shape;191;g615fab650a_0_0:notes"/>
-          <p:cNvSpPr txBox="1"/>
+          <p:cNvSpPr txBox="1">
+            <a:spLocks noGrp="1"/>
+          </p:cNvSpPr>
           <p:nvPr>
-            <p:ph idx="1" type="body"/>
+            <p:ph type="body" idx="1"/>
           </p:nvPr>
         </p:nvSpPr>
         <p:spPr>
@@ -989,12 +1022,12 @@
           </a:prstGeom>
         </p:spPr>
         <p:txBody>
-          <a:bodyPr anchorCtr="0" anchor="t" bIns="91425" lIns="91425" spcFirstLastPara="1" rIns="91425" wrap="square" tIns="91425">
+          <a:bodyPr spcFirstLastPara="1" wrap="square" lIns="91425" tIns="91425" rIns="91425" bIns="91425" anchor="t" anchorCtr="0">
             <a:noAutofit/>
           </a:bodyPr>
           <a:lstStyle/>
           <a:p>
-            <a:pPr indent="0" lvl="0" marL="0" rtl="0" algn="l">
+            <a:pPr marL="0" lvl="0" indent="0" algn="l" rtl="0">
               <a:spcBef>
                 <a:spcPts val="0"/>
               </a:spcBef>
@@ -1003,9 +1036,6 @@
               </a:spcAft>
               <a:buNone/>
             </a:pPr>
-            <a:r>
-              <a:t/>
-            </a:r>
             <a:endParaRPr/>
           </a:p>
         </p:txBody>
@@ -1019,11 +1049,11 @@
 </file>
 
 <file path=ppt/notesSlides/notesSlide12.xml><?xml version="1.0" encoding="utf-8"?>
-<p:notes xmlns:a="http://schemas.openxmlformats.org/drawingml/2006/main" xmlns:r="http://schemas.openxmlformats.org/officeDocument/2006/relationships" xmlns:mc="http://schemas.openxmlformats.org/markup-compatibility/2006" xmlns:mv="urn:schemas-microsoft-com:mac:vml" xmlns:p="http://schemas.openxmlformats.org/presentationml/2006/main" xmlns:c="http://schemas.openxmlformats.org/drawingml/2006/chart" xmlns:dgm="http://schemas.openxmlformats.org/drawingml/2006/diagram" xmlns:o="urn:schemas-microsoft-com:office:office" xmlns:v="urn:schemas-microsoft-com:vml" xmlns:pvml="urn:schemas-microsoft-com:office:powerpoint" xmlns:com="http://schemas.openxmlformats.org/drawingml/2006/compatibility" xmlns:p14="http://schemas.microsoft.com/office/powerpoint/2010/main" xmlns:p15="http://schemas.microsoft.com/office/powerpoint/2012/main" showMasterPhAnim="0" showMasterSp="0">
+<p:notes xmlns:a="http://schemas.openxmlformats.org/drawingml/2006/main" xmlns:r="http://schemas.openxmlformats.org/officeDocument/2006/relationships" xmlns:p="http://schemas.openxmlformats.org/presentationml/2006/main" showMasterSp="0" showMasterPhAnim="0">
   <p:cSld>
     <p:spTree>
       <p:nvGrpSpPr>
-        <p:cNvPr id="195" name="Shape 195"/>
+        <p:cNvPr id="1" name="Shape 195"/>
         <p:cNvGrpSpPr/>
         <p:nvPr/>
       </p:nvGrpSpPr>
@@ -1038,9 +1068,11 @@
       <p:sp>
         <p:nvSpPr>
           <p:cNvPr id="196" name="Google Shape;196;g615fab650a_0_11:notes"/>
-          <p:cNvSpPr/>
+          <p:cNvSpPr>
+            <a:spLocks noGrp="1" noRot="1" noChangeAspect="1"/>
+          </p:cNvSpPr>
           <p:nvPr>
-            <p:ph idx="2" type="sldImg"/>
+            <p:ph type="sldImg" idx="2"/>
           </p:nvPr>
         </p:nvSpPr>
         <p:spPr>
@@ -1049,9 +1081,13 @@
             <a:ext cx="6096000" cy="3429000"/>
           </a:xfrm>
           <a:custGeom>
-            <a:rect b="b" l="l" r="r" t="t"/>
+            <a:avLst/>
+            <a:gdLst/>
+            <a:ahLst/>
+            <a:cxnLst/>
+            <a:rect l="l" t="t" r="r" b="b"/>
             <a:pathLst>
-              <a:path extrusionOk="0" h="120000" w="120000">
+              <a:path w="120000" h="120000" extrusionOk="0">
                 <a:moveTo>
                   <a:pt x="0" y="0"/>
                 </a:moveTo>
@@ -1073,9 +1109,11 @@
       <p:sp>
         <p:nvSpPr>
           <p:cNvPr id="197" name="Google Shape;197;g615fab650a_0_11:notes"/>
-          <p:cNvSpPr txBox="1"/>
+          <p:cNvSpPr txBox="1">
+            <a:spLocks noGrp="1"/>
+          </p:cNvSpPr>
           <p:nvPr>
-            <p:ph idx="1" type="body"/>
+            <p:ph type="body" idx="1"/>
           </p:nvPr>
         </p:nvSpPr>
         <p:spPr>
@@ -1088,12 +1126,12 @@
           </a:prstGeom>
         </p:spPr>
         <p:txBody>
-          <a:bodyPr anchorCtr="0" anchor="t" bIns="91425" lIns="91425" spcFirstLastPara="1" rIns="91425" wrap="square" tIns="91425">
+          <a:bodyPr spcFirstLastPara="1" wrap="square" lIns="91425" tIns="91425" rIns="91425" bIns="91425" anchor="t" anchorCtr="0">
             <a:noAutofit/>
           </a:bodyPr>
           <a:lstStyle/>
           <a:p>
-            <a:pPr indent="0" lvl="0" marL="0" rtl="0" algn="l">
+            <a:pPr marL="0" lvl="0" indent="0" algn="l" rtl="0">
               <a:spcBef>
                 <a:spcPts val="0"/>
               </a:spcBef>
@@ -1102,9 +1140,6 @@
               </a:spcAft>
               <a:buNone/>
             </a:pPr>
-            <a:r>
-              <a:t/>
-            </a:r>
             <a:endParaRPr/>
           </a:p>
         </p:txBody>
@@ -1118,11 +1153,11 @@
 </file>
 
 <file path=ppt/notesSlides/notesSlide13.xml><?xml version="1.0" encoding="utf-8"?>
-<p:notes xmlns:a="http://schemas.openxmlformats.org/drawingml/2006/main" xmlns:r="http://schemas.openxmlformats.org/officeDocument/2006/relationships" xmlns:mc="http://schemas.openxmlformats.org/markup-compatibility/2006" xmlns:mv="urn:schemas-microsoft-com:mac:vml" xmlns:p="http://schemas.openxmlformats.org/presentationml/2006/main" xmlns:c="http://schemas.openxmlformats.org/drawingml/2006/chart" xmlns:dgm="http://schemas.openxmlformats.org/drawingml/2006/diagram" xmlns:o="urn:schemas-microsoft-com:office:office" xmlns:v="urn:schemas-microsoft-com:vml" xmlns:pvml="urn:schemas-microsoft-com:office:powerpoint" xmlns:com="http://schemas.openxmlformats.org/drawingml/2006/compatibility" xmlns:p14="http://schemas.microsoft.com/office/powerpoint/2010/main" xmlns:p15="http://schemas.microsoft.com/office/powerpoint/2012/main" showMasterPhAnim="0" showMasterSp="0">
+<p:notes xmlns:a="http://schemas.openxmlformats.org/drawingml/2006/main" xmlns:r="http://schemas.openxmlformats.org/officeDocument/2006/relationships" xmlns:p="http://schemas.openxmlformats.org/presentationml/2006/main" showMasterSp="0" showMasterPhAnim="0">
   <p:cSld>
     <p:spTree>
       <p:nvGrpSpPr>
-        <p:cNvPr id="202" name="Shape 202"/>
+        <p:cNvPr id="1" name="Shape 202"/>
         <p:cNvGrpSpPr/>
         <p:nvPr/>
       </p:nvGrpSpPr>
@@ -1137,9 +1172,11 @@
       <p:sp>
         <p:nvSpPr>
           <p:cNvPr id="203" name="Google Shape;203;g615fab650a_0_6:notes"/>
-          <p:cNvSpPr/>
+          <p:cNvSpPr>
+            <a:spLocks noGrp="1" noRot="1" noChangeAspect="1"/>
+          </p:cNvSpPr>
           <p:nvPr>
-            <p:ph idx="2" type="sldImg"/>
+            <p:ph type="sldImg" idx="2"/>
           </p:nvPr>
         </p:nvSpPr>
         <p:spPr>
@@ -1148,9 +1185,13 @@
             <a:ext cx="6096000" cy="3429000"/>
           </a:xfrm>
           <a:custGeom>
-            <a:rect b="b" l="l" r="r" t="t"/>
+            <a:avLst/>
+            <a:gdLst/>
+            <a:ahLst/>
+            <a:cxnLst/>
+            <a:rect l="l" t="t" r="r" b="b"/>
             <a:pathLst>
-              <a:path extrusionOk="0" h="120000" w="120000">
+              <a:path w="120000" h="120000" extrusionOk="0">
                 <a:moveTo>
                   <a:pt x="0" y="0"/>
                 </a:moveTo>
@@ -1172,9 +1213,11 @@
       <p:sp>
         <p:nvSpPr>
           <p:cNvPr id="204" name="Google Shape;204;g615fab650a_0_6:notes"/>
-          <p:cNvSpPr txBox="1"/>
+          <p:cNvSpPr txBox="1">
+            <a:spLocks noGrp="1"/>
+          </p:cNvSpPr>
           <p:nvPr>
-            <p:ph idx="1" type="body"/>
+            <p:ph type="body" idx="1"/>
           </p:nvPr>
         </p:nvSpPr>
         <p:spPr>
@@ -1187,12 +1230,12 @@
           </a:prstGeom>
         </p:spPr>
         <p:txBody>
-          <a:bodyPr anchorCtr="0" anchor="t" bIns="91425" lIns="91425" spcFirstLastPara="1" rIns="91425" wrap="square" tIns="91425">
+          <a:bodyPr spcFirstLastPara="1" wrap="square" lIns="91425" tIns="91425" rIns="91425" bIns="91425" anchor="t" anchorCtr="0">
             <a:noAutofit/>
           </a:bodyPr>
           <a:lstStyle/>
           <a:p>
-            <a:pPr indent="0" lvl="0" marL="0" rtl="0" algn="l">
+            <a:pPr marL="0" lvl="0" indent="0" algn="l" rtl="0">
               <a:spcBef>
                 <a:spcPts val="0"/>
               </a:spcBef>
@@ -1201,9 +1244,6 @@
               </a:spcAft>
               <a:buNone/>
             </a:pPr>
-            <a:r>
-              <a:t/>
-            </a:r>
             <a:endParaRPr/>
           </a:p>
         </p:txBody>
@@ -1217,11 +1257,11 @@
 </file>
 
 <file path=ppt/notesSlides/notesSlide14.xml><?xml version="1.0" encoding="utf-8"?>
-<p:notes xmlns:a="http://schemas.openxmlformats.org/drawingml/2006/main" xmlns:r="http://schemas.openxmlformats.org/officeDocument/2006/relationships" xmlns:mc="http://schemas.openxmlformats.org/markup-compatibility/2006" xmlns:mv="urn:schemas-microsoft-com:mac:vml" xmlns:p="http://schemas.openxmlformats.org/presentationml/2006/main" xmlns:c="http://schemas.openxmlformats.org/drawingml/2006/chart" xmlns:dgm="http://schemas.openxmlformats.org/drawingml/2006/diagram" xmlns:o="urn:schemas-microsoft-com:office:office" xmlns:v="urn:schemas-microsoft-com:vml" xmlns:pvml="urn:schemas-microsoft-com:office:powerpoint" xmlns:com="http://schemas.openxmlformats.org/drawingml/2006/compatibility" xmlns:p14="http://schemas.microsoft.com/office/powerpoint/2010/main" xmlns:p15="http://schemas.microsoft.com/office/powerpoint/2012/main" showMasterPhAnim="0" showMasterSp="0">
+<p:notes xmlns:a="http://schemas.openxmlformats.org/drawingml/2006/main" xmlns:r="http://schemas.openxmlformats.org/officeDocument/2006/relationships" xmlns:p="http://schemas.openxmlformats.org/presentationml/2006/main" showMasterSp="0" showMasterPhAnim="0">
   <p:cSld>
     <p:spTree>
       <p:nvGrpSpPr>
-        <p:cNvPr id="210" name="Shape 210"/>
+        <p:cNvPr id="1" name="Shape 210"/>
         <p:cNvGrpSpPr/>
         <p:nvPr/>
       </p:nvGrpSpPr>
@@ -1236,9 +1276,11 @@
       <p:sp>
         <p:nvSpPr>
           <p:cNvPr id="211" name="Google Shape;211;g6164d7e31a_4_187:notes"/>
-          <p:cNvSpPr/>
+          <p:cNvSpPr>
+            <a:spLocks noGrp="1" noRot="1" noChangeAspect="1"/>
+          </p:cNvSpPr>
           <p:nvPr>
-            <p:ph idx="2" type="sldImg"/>
+            <p:ph type="sldImg" idx="2"/>
           </p:nvPr>
         </p:nvSpPr>
         <p:spPr>
@@ -1247,9 +1289,13 @@
             <a:ext cx="6096000" cy="3429000"/>
           </a:xfrm>
           <a:custGeom>
-            <a:rect b="b" l="l" r="r" t="t"/>
+            <a:avLst/>
+            <a:gdLst/>
+            <a:ahLst/>
+            <a:cxnLst/>
+            <a:rect l="l" t="t" r="r" b="b"/>
             <a:pathLst>
-              <a:path extrusionOk="0" h="120000" w="120000">
+              <a:path w="120000" h="120000" extrusionOk="0">
                 <a:moveTo>
                   <a:pt x="0" y="0"/>
                 </a:moveTo>
@@ -1271,9 +1317,11 @@
       <p:sp>
         <p:nvSpPr>
           <p:cNvPr id="212" name="Google Shape;212;g6164d7e31a_4_187:notes"/>
-          <p:cNvSpPr txBox="1"/>
+          <p:cNvSpPr txBox="1">
+            <a:spLocks noGrp="1"/>
+          </p:cNvSpPr>
           <p:nvPr>
-            <p:ph idx="1" type="body"/>
+            <p:ph type="body" idx="1"/>
           </p:nvPr>
         </p:nvSpPr>
         <p:spPr>
@@ -1286,12 +1334,12 @@
           </a:prstGeom>
         </p:spPr>
         <p:txBody>
-          <a:bodyPr anchorCtr="0" anchor="t" bIns="91425" lIns="91425" spcFirstLastPara="1" rIns="91425" wrap="square" tIns="91425">
+          <a:bodyPr spcFirstLastPara="1" wrap="square" lIns="91425" tIns="91425" rIns="91425" bIns="91425" anchor="t" anchorCtr="0">
             <a:noAutofit/>
           </a:bodyPr>
           <a:lstStyle/>
           <a:p>
-            <a:pPr indent="0" lvl="0" marL="0" rtl="0" algn="l">
+            <a:pPr marL="0" lvl="0" indent="0" algn="l" rtl="0">
               <a:spcBef>
                 <a:spcPts val="0"/>
               </a:spcBef>
@@ -1300,9 +1348,6 @@
               </a:spcAft>
               <a:buNone/>
             </a:pPr>
-            <a:r>
-              <a:t/>
-            </a:r>
             <a:endParaRPr/>
           </a:p>
         </p:txBody>
@@ -1316,11 +1361,11 @@
 </file>
 
 <file path=ppt/notesSlides/notesSlide15.xml><?xml version="1.0" encoding="utf-8"?>
-<p:notes xmlns:a="http://schemas.openxmlformats.org/drawingml/2006/main" xmlns:r="http://schemas.openxmlformats.org/officeDocument/2006/relationships" xmlns:mc="http://schemas.openxmlformats.org/markup-compatibility/2006" xmlns:mv="urn:schemas-microsoft-com:mac:vml" xmlns:p="http://schemas.openxmlformats.org/presentationml/2006/main" xmlns:c="http://schemas.openxmlformats.org/drawingml/2006/chart" xmlns:dgm="http://schemas.openxmlformats.org/drawingml/2006/diagram" xmlns:o="urn:schemas-microsoft-com:office:office" xmlns:v="urn:schemas-microsoft-com:vml" xmlns:pvml="urn:schemas-microsoft-com:office:powerpoint" xmlns:com="http://schemas.openxmlformats.org/drawingml/2006/compatibility" xmlns:p14="http://schemas.microsoft.com/office/powerpoint/2010/main" xmlns:p15="http://schemas.microsoft.com/office/powerpoint/2012/main" showMasterPhAnim="0" showMasterSp="0">
+<p:notes xmlns:a="http://schemas.openxmlformats.org/drawingml/2006/main" xmlns:r="http://schemas.openxmlformats.org/officeDocument/2006/relationships" xmlns:p="http://schemas.openxmlformats.org/presentationml/2006/main" showMasterSp="0" showMasterPhAnim="0">
   <p:cSld>
     <p:spTree>
       <p:nvGrpSpPr>
-        <p:cNvPr id="217" name="Shape 217"/>
+        <p:cNvPr id="1" name="Shape 217"/>
         <p:cNvGrpSpPr/>
         <p:nvPr/>
       </p:nvGrpSpPr>
@@ -1335,9 +1380,11 @@
       <p:sp>
         <p:nvSpPr>
           <p:cNvPr id="218" name="Google Shape;218;g6164d7e31a_6_6:notes"/>
-          <p:cNvSpPr/>
+          <p:cNvSpPr>
+            <a:spLocks noGrp="1" noRot="1" noChangeAspect="1"/>
+          </p:cNvSpPr>
           <p:nvPr>
-            <p:ph idx="2" type="sldImg"/>
+            <p:ph type="sldImg" idx="2"/>
           </p:nvPr>
         </p:nvSpPr>
         <p:spPr>
@@ -1346,9 +1393,13 @@
             <a:ext cx="6096000" cy="3429000"/>
           </a:xfrm>
           <a:custGeom>
-            <a:rect b="b" l="l" r="r" t="t"/>
+            <a:avLst/>
+            <a:gdLst/>
+            <a:ahLst/>
+            <a:cxnLst/>
+            <a:rect l="l" t="t" r="r" b="b"/>
             <a:pathLst>
-              <a:path extrusionOk="0" h="120000" w="120000">
+              <a:path w="120000" h="120000" extrusionOk="0">
                 <a:moveTo>
                   <a:pt x="0" y="0"/>
                 </a:moveTo>
@@ -1370,9 +1421,11 @@
       <p:sp>
         <p:nvSpPr>
           <p:cNvPr id="219" name="Google Shape;219;g6164d7e31a_6_6:notes"/>
-          <p:cNvSpPr txBox="1"/>
+          <p:cNvSpPr txBox="1">
+            <a:spLocks noGrp="1"/>
+          </p:cNvSpPr>
           <p:nvPr>
-            <p:ph idx="1" type="body"/>
+            <p:ph type="body" idx="1"/>
           </p:nvPr>
         </p:nvSpPr>
         <p:spPr>
@@ -1385,12 +1438,12 @@
           </a:prstGeom>
         </p:spPr>
         <p:txBody>
-          <a:bodyPr anchorCtr="0" anchor="t" bIns="91425" lIns="91425" spcFirstLastPara="1" rIns="91425" wrap="square" tIns="91425">
+          <a:bodyPr spcFirstLastPara="1" wrap="square" lIns="91425" tIns="91425" rIns="91425" bIns="91425" anchor="t" anchorCtr="0">
             <a:noAutofit/>
           </a:bodyPr>
           <a:lstStyle/>
           <a:p>
-            <a:pPr indent="0" lvl="0" marL="0" rtl="0" algn="l">
+            <a:pPr marL="0" lvl="0" indent="0" algn="l" rtl="0">
               <a:spcBef>
                 <a:spcPts val="0"/>
               </a:spcBef>
@@ -1399,9 +1452,6 @@
               </a:spcAft>
               <a:buNone/>
             </a:pPr>
-            <a:r>
-              <a:t/>
-            </a:r>
             <a:endParaRPr/>
           </a:p>
         </p:txBody>
@@ -1415,11 +1465,11 @@
 </file>
 
 <file path=ppt/notesSlides/notesSlide2.xml><?xml version="1.0" encoding="utf-8"?>
-<p:notes xmlns:a="http://schemas.openxmlformats.org/drawingml/2006/main" xmlns:r="http://schemas.openxmlformats.org/officeDocument/2006/relationships" xmlns:mc="http://schemas.openxmlformats.org/markup-compatibility/2006" xmlns:mv="urn:schemas-microsoft-com:mac:vml" xmlns:p="http://schemas.openxmlformats.org/presentationml/2006/main" xmlns:c="http://schemas.openxmlformats.org/drawingml/2006/chart" xmlns:dgm="http://schemas.openxmlformats.org/drawingml/2006/diagram" xmlns:o="urn:schemas-microsoft-com:office:office" xmlns:v="urn:schemas-microsoft-com:vml" xmlns:pvml="urn:schemas-microsoft-com:office:powerpoint" xmlns:com="http://schemas.openxmlformats.org/drawingml/2006/compatibility" xmlns:p14="http://schemas.microsoft.com/office/powerpoint/2010/main" xmlns:p15="http://schemas.microsoft.com/office/powerpoint/2012/main" showMasterPhAnim="0" showMasterSp="0">
+<p:notes xmlns:a="http://schemas.openxmlformats.org/drawingml/2006/main" xmlns:r="http://schemas.openxmlformats.org/officeDocument/2006/relationships" xmlns:p="http://schemas.openxmlformats.org/presentationml/2006/main" showMasterSp="0" showMasterPhAnim="0">
   <p:cSld>
     <p:spTree>
       <p:nvGrpSpPr>
-        <p:cNvPr id="70" name="Shape 70"/>
+        <p:cNvPr id="1" name="Shape 70"/>
         <p:cNvGrpSpPr/>
         <p:nvPr/>
       </p:nvGrpSpPr>
@@ -1434,20 +1484,26 @@
       <p:sp>
         <p:nvSpPr>
           <p:cNvPr id="71" name="Google Shape;71;g616ae4b45a_3_5:notes"/>
-          <p:cNvSpPr/>
+          <p:cNvSpPr>
+            <a:spLocks noGrp="1" noRot="1" noChangeAspect="1"/>
+          </p:cNvSpPr>
           <p:nvPr>
-            <p:ph idx="2" type="sldImg"/>
+            <p:ph type="sldImg" idx="2"/>
           </p:nvPr>
         </p:nvSpPr>
         <p:spPr>
           <a:xfrm>
-            <a:off x="381300" y="685800"/>
+            <a:off x="381000" y="685800"/>
             <a:ext cx="6096000" cy="3429000"/>
           </a:xfrm>
           <a:custGeom>
-            <a:rect b="b" l="l" r="r" t="t"/>
+            <a:avLst/>
+            <a:gdLst/>
+            <a:ahLst/>
+            <a:cxnLst/>
+            <a:rect l="l" t="t" r="r" b="b"/>
             <a:pathLst>
-              <a:path extrusionOk="0" h="120000" w="120000">
+              <a:path w="120000" h="120000" extrusionOk="0">
                 <a:moveTo>
                   <a:pt x="0" y="0"/>
                 </a:moveTo>
@@ -1469,9 +1525,11 @@
       <p:sp>
         <p:nvSpPr>
           <p:cNvPr id="72" name="Google Shape;72;g616ae4b45a_3_5:notes"/>
-          <p:cNvSpPr txBox="1"/>
+          <p:cNvSpPr txBox="1">
+            <a:spLocks noGrp="1"/>
+          </p:cNvSpPr>
           <p:nvPr>
-            <p:ph idx="1" type="body"/>
+            <p:ph type="body" idx="1"/>
           </p:nvPr>
         </p:nvSpPr>
         <p:spPr>
@@ -1484,12 +1542,12 @@
           </a:prstGeom>
         </p:spPr>
         <p:txBody>
-          <a:bodyPr anchorCtr="0" anchor="t" bIns="91425" lIns="91425" spcFirstLastPara="1" rIns="91425" wrap="square" tIns="91425">
+          <a:bodyPr spcFirstLastPara="1" wrap="square" lIns="91425" tIns="91425" rIns="91425" bIns="91425" anchor="t" anchorCtr="0">
             <a:noAutofit/>
           </a:bodyPr>
           <a:lstStyle/>
           <a:p>
-            <a:pPr indent="0" lvl="0" marL="0" rtl="0" algn="l">
+            <a:pPr marL="0" lvl="0" indent="0" algn="l" rtl="0">
               <a:spcBef>
                 <a:spcPts val="0"/>
               </a:spcBef>
@@ -1498,9 +1556,6 @@
               </a:spcAft>
               <a:buNone/>
             </a:pPr>
-            <a:r>
-              <a:t/>
-            </a:r>
             <a:endParaRPr/>
           </a:p>
         </p:txBody>
@@ -1514,11 +1569,11 @@
 </file>
 
 <file path=ppt/notesSlides/notesSlide3.xml><?xml version="1.0" encoding="utf-8"?>
-<p:notes xmlns:a="http://schemas.openxmlformats.org/drawingml/2006/main" xmlns:r="http://schemas.openxmlformats.org/officeDocument/2006/relationships" xmlns:mc="http://schemas.openxmlformats.org/markup-compatibility/2006" xmlns:mv="urn:schemas-microsoft-com:mac:vml" xmlns:p="http://schemas.openxmlformats.org/presentationml/2006/main" xmlns:c="http://schemas.openxmlformats.org/drawingml/2006/chart" xmlns:dgm="http://schemas.openxmlformats.org/drawingml/2006/diagram" xmlns:o="urn:schemas-microsoft-com:office:office" xmlns:v="urn:schemas-microsoft-com:vml" xmlns:pvml="urn:schemas-microsoft-com:office:powerpoint" xmlns:com="http://schemas.openxmlformats.org/drawingml/2006/compatibility" xmlns:p14="http://schemas.microsoft.com/office/powerpoint/2010/main" xmlns:p15="http://schemas.microsoft.com/office/powerpoint/2012/main" showMasterPhAnim="0" showMasterSp="0">
+<p:notes xmlns:a="http://schemas.openxmlformats.org/drawingml/2006/main" xmlns:r="http://schemas.openxmlformats.org/officeDocument/2006/relationships" xmlns:p="http://schemas.openxmlformats.org/presentationml/2006/main" showMasterSp="0" showMasterPhAnim="0">
   <p:cSld>
     <p:spTree>
       <p:nvGrpSpPr>
-        <p:cNvPr id="113" name="Shape 113"/>
+        <p:cNvPr id="1" name="Shape 113"/>
         <p:cNvGrpSpPr/>
         <p:nvPr/>
       </p:nvGrpSpPr>
@@ -1533,20 +1588,26 @@
       <p:sp>
         <p:nvSpPr>
           <p:cNvPr id="114" name="Google Shape;114;g616ae4b45a_3_80:notes"/>
-          <p:cNvSpPr/>
+          <p:cNvSpPr>
+            <a:spLocks noGrp="1" noRot="1" noChangeAspect="1"/>
+          </p:cNvSpPr>
           <p:nvPr>
-            <p:ph idx="2" type="sldImg"/>
+            <p:ph type="sldImg" idx="2"/>
           </p:nvPr>
         </p:nvSpPr>
         <p:spPr>
           <a:xfrm>
-            <a:off x="381300" y="685800"/>
+            <a:off x="381000" y="685800"/>
             <a:ext cx="6096000" cy="3429000"/>
           </a:xfrm>
           <a:custGeom>
-            <a:rect b="b" l="l" r="r" t="t"/>
+            <a:avLst/>
+            <a:gdLst/>
+            <a:ahLst/>
+            <a:cxnLst/>
+            <a:rect l="l" t="t" r="r" b="b"/>
             <a:pathLst>
-              <a:path extrusionOk="0" h="120000" w="120000">
+              <a:path w="120000" h="120000" extrusionOk="0">
                 <a:moveTo>
                   <a:pt x="0" y="0"/>
                 </a:moveTo>
@@ -1568,9 +1629,11 @@
       <p:sp>
         <p:nvSpPr>
           <p:cNvPr id="115" name="Google Shape;115;g616ae4b45a_3_80:notes"/>
-          <p:cNvSpPr txBox="1"/>
+          <p:cNvSpPr txBox="1">
+            <a:spLocks noGrp="1"/>
+          </p:cNvSpPr>
           <p:nvPr>
-            <p:ph idx="1" type="body"/>
+            <p:ph type="body" idx="1"/>
           </p:nvPr>
         </p:nvSpPr>
         <p:spPr>
@@ -1583,12 +1646,12 @@
           </a:prstGeom>
         </p:spPr>
         <p:txBody>
-          <a:bodyPr anchorCtr="0" anchor="t" bIns="91425" lIns="91425" spcFirstLastPara="1" rIns="91425" wrap="square" tIns="91425">
+          <a:bodyPr spcFirstLastPara="1" wrap="square" lIns="91425" tIns="91425" rIns="91425" bIns="91425" anchor="t" anchorCtr="0">
             <a:noAutofit/>
           </a:bodyPr>
           <a:lstStyle/>
           <a:p>
-            <a:pPr indent="-317500" lvl="0" marL="457200" rtl="0" algn="l">
+            <a:pPr marL="457200" lvl="0" indent="-317500" algn="l" rtl="0">
               <a:spcBef>
                 <a:spcPts val="0"/>
               </a:spcBef>
@@ -1616,7 +1679,7 @@
             </a:endParaRPr>
           </a:p>
           <a:p>
-            <a:pPr indent="0" lvl="0" marL="457200" rtl="0" algn="l">
+            <a:pPr marL="457200" lvl="0" indent="0" algn="l" rtl="0">
               <a:spcBef>
                 <a:spcPts val="0"/>
               </a:spcBef>
@@ -1625,9 +1688,6 @@
               </a:spcAft>
               <a:buNone/>
             </a:pPr>
-            <a:r>
-              <a:t/>
-            </a:r>
             <a:endParaRPr sz="1400">
               <a:latin typeface="Open Sans"/>
               <a:ea typeface="Open Sans"/>
@@ -1636,7 +1696,7 @@
             </a:endParaRPr>
           </a:p>
           <a:p>
-            <a:pPr indent="-317500" lvl="0" marL="457200" rtl="0" algn="l">
+            <a:pPr marL="457200" lvl="0" indent="-317500" algn="l" rtl="0">
               <a:spcBef>
                 <a:spcPts val="0"/>
               </a:spcBef>
@@ -1664,7 +1724,7 @@
             </a:endParaRPr>
           </a:p>
           <a:p>
-            <a:pPr indent="-317500" lvl="1" marL="914400" rtl="0" algn="l">
+            <a:pPr marL="914400" lvl="1" indent="-317500" algn="l" rtl="0">
               <a:spcBef>
                 <a:spcPts val="0"/>
               </a:spcBef>
@@ -1697,11 +1757,11 @@
 </file>
 
 <file path=ppt/notesSlides/notesSlide4.xml><?xml version="1.0" encoding="utf-8"?>
-<p:notes xmlns:a="http://schemas.openxmlformats.org/drawingml/2006/main" xmlns:r="http://schemas.openxmlformats.org/officeDocument/2006/relationships" xmlns:mc="http://schemas.openxmlformats.org/markup-compatibility/2006" xmlns:mv="urn:schemas-microsoft-com:mac:vml" xmlns:p="http://schemas.openxmlformats.org/presentationml/2006/main" xmlns:c="http://schemas.openxmlformats.org/drawingml/2006/chart" xmlns:dgm="http://schemas.openxmlformats.org/drawingml/2006/diagram" xmlns:o="urn:schemas-microsoft-com:office:office" xmlns:v="urn:schemas-microsoft-com:vml" xmlns:pvml="urn:schemas-microsoft-com:office:powerpoint" xmlns:com="http://schemas.openxmlformats.org/drawingml/2006/compatibility" xmlns:p14="http://schemas.microsoft.com/office/powerpoint/2010/main" xmlns:p15="http://schemas.microsoft.com/office/powerpoint/2012/main" showMasterPhAnim="0" showMasterSp="0">
+<p:notes xmlns:a="http://schemas.openxmlformats.org/drawingml/2006/main" xmlns:r="http://schemas.openxmlformats.org/officeDocument/2006/relationships" xmlns:p="http://schemas.openxmlformats.org/presentationml/2006/main" showMasterSp="0" showMasterPhAnim="0">
   <p:cSld>
     <p:spTree>
       <p:nvGrpSpPr>
-        <p:cNvPr id="142" name="Shape 142"/>
+        <p:cNvPr id="1" name="Shape 142"/>
         <p:cNvGrpSpPr/>
         <p:nvPr/>
       </p:nvGrpSpPr>
@@ -1716,9 +1776,11 @@
       <p:sp>
         <p:nvSpPr>
           <p:cNvPr id="143" name="Google Shape;143;g6164d7e31a_4_258:notes"/>
-          <p:cNvSpPr/>
+          <p:cNvSpPr>
+            <a:spLocks noGrp="1" noRot="1" noChangeAspect="1"/>
+          </p:cNvSpPr>
           <p:nvPr>
-            <p:ph idx="2" type="sldImg"/>
+            <p:ph type="sldImg" idx="2"/>
           </p:nvPr>
         </p:nvSpPr>
         <p:spPr>
@@ -1727,9 +1789,13 @@
             <a:ext cx="6096000" cy="3429000"/>
           </a:xfrm>
           <a:custGeom>
-            <a:rect b="b" l="l" r="r" t="t"/>
+            <a:avLst/>
+            <a:gdLst/>
+            <a:ahLst/>
+            <a:cxnLst/>
+            <a:rect l="l" t="t" r="r" b="b"/>
             <a:pathLst>
-              <a:path extrusionOk="0" h="120000" w="120000">
+              <a:path w="120000" h="120000" extrusionOk="0">
                 <a:moveTo>
                   <a:pt x="0" y="0"/>
                 </a:moveTo>
@@ -1751,9 +1817,11 @@
       <p:sp>
         <p:nvSpPr>
           <p:cNvPr id="144" name="Google Shape;144;g6164d7e31a_4_258:notes"/>
-          <p:cNvSpPr txBox="1"/>
+          <p:cNvSpPr txBox="1">
+            <a:spLocks noGrp="1"/>
+          </p:cNvSpPr>
           <p:nvPr>
-            <p:ph idx="1" type="body"/>
+            <p:ph type="body" idx="1"/>
           </p:nvPr>
         </p:nvSpPr>
         <p:spPr>
@@ -1766,12 +1834,12 @@
           </a:prstGeom>
         </p:spPr>
         <p:txBody>
-          <a:bodyPr anchorCtr="0" anchor="t" bIns="91425" lIns="91425" spcFirstLastPara="1" rIns="91425" wrap="square" tIns="91425">
+          <a:bodyPr spcFirstLastPara="1" wrap="square" lIns="91425" tIns="91425" rIns="91425" bIns="91425" anchor="t" anchorCtr="0">
             <a:noAutofit/>
           </a:bodyPr>
           <a:lstStyle/>
           <a:p>
-            <a:pPr indent="0" lvl="0" marL="0" rtl="0" algn="l">
+            <a:pPr marL="0" lvl="0" indent="0" algn="l" rtl="0">
               <a:spcBef>
                 <a:spcPts val="0"/>
               </a:spcBef>
@@ -1780,9 +1848,6 @@
               </a:spcAft>
               <a:buNone/>
             </a:pPr>
-            <a:r>
-              <a:t/>
-            </a:r>
             <a:endParaRPr/>
           </a:p>
         </p:txBody>
@@ -1796,11 +1861,11 @@
 </file>
 
 <file path=ppt/notesSlides/notesSlide5.xml><?xml version="1.0" encoding="utf-8"?>
-<p:notes xmlns:a="http://schemas.openxmlformats.org/drawingml/2006/main" xmlns:r="http://schemas.openxmlformats.org/officeDocument/2006/relationships" xmlns:mc="http://schemas.openxmlformats.org/markup-compatibility/2006" xmlns:mv="urn:schemas-microsoft-com:mac:vml" xmlns:p="http://schemas.openxmlformats.org/presentationml/2006/main" xmlns:c="http://schemas.openxmlformats.org/drawingml/2006/chart" xmlns:dgm="http://schemas.openxmlformats.org/drawingml/2006/diagram" xmlns:o="urn:schemas-microsoft-com:office:office" xmlns:v="urn:schemas-microsoft-com:vml" xmlns:pvml="urn:schemas-microsoft-com:office:powerpoint" xmlns:com="http://schemas.openxmlformats.org/drawingml/2006/compatibility" xmlns:p14="http://schemas.microsoft.com/office/powerpoint/2010/main" xmlns:p15="http://schemas.microsoft.com/office/powerpoint/2012/main" showMasterPhAnim="0" showMasterSp="0">
+<p:notes xmlns:a="http://schemas.openxmlformats.org/drawingml/2006/main" xmlns:r="http://schemas.openxmlformats.org/officeDocument/2006/relationships" xmlns:p="http://schemas.openxmlformats.org/presentationml/2006/main" showMasterSp="0" showMasterPhAnim="0">
   <p:cSld>
     <p:spTree>
       <p:nvGrpSpPr>
-        <p:cNvPr id="148" name="Shape 148"/>
+        <p:cNvPr id="1" name="Shape 148"/>
         <p:cNvGrpSpPr/>
         <p:nvPr/>
       </p:nvGrpSpPr>
@@ -1815,9 +1880,11 @@
       <p:sp>
         <p:nvSpPr>
           <p:cNvPr id="149" name="Google Shape;149;g6164d7e31a_4_215:notes"/>
-          <p:cNvSpPr/>
+          <p:cNvSpPr>
+            <a:spLocks noGrp="1" noRot="1" noChangeAspect="1"/>
+          </p:cNvSpPr>
           <p:nvPr>
-            <p:ph idx="2" type="sldImg"/>
+            <p:ph type="sldImg" idx="2"/>
           </p:nvPr>
         </p:nvSpPr>
         <p:spPr>
@@ -1826,9 +1893,13 @@
             <a:ext cx="6096000" cy="3429000"/>
           </a:xfrm>
           <a:custGeom>
-            <a:rect b="b" l="l" r="r" t="t"/>
+            <a:avLst/>
+            <a:gdLst/>
+            <a:ahLst/>
+            <a:cxnLst/>
+            <a:rect l="l" t="t" r="r" b="b"/>
             <a:pathLst>
-              <a:path extrusionOk="0" h="120000" w="120000">
+              <a:path w="120000" h="120000" extrusionOk="0">
                 <a:moveTo>
                   <a:pt x="0" y="0"/>
                 </a:moveTo>
@@ -1850,9 +1921,11 @@
       <p:sp>
         <p:nvSpPr>
           <p:cNvPr id="150" name="Google Shape;150;g6164d7e31a_4_215:notes"/>
-          <p:cNvSpPr txBox="1"/>
+          <p:cNvSpPr txBox="1">
+            <a:spLocks noGrp="1"/>
+          </p:cNvSpPr>
           <p:nvPr>
-            <p:ph idx="1" type="body"/>
+            <p:ph type="body" idx="1"/>
           </p:nvPr>
         </p:nvSpPr>
         <p:spPr>
@@ -1865,12 +1938,12 @@
           </a:prstGeom>
         </p:spPr>
         <p:txBody>
-          <a:bodyPr anchorCtr="0" anchor="t" bIns="91425" lIns="91425" spcFirstLastPara="1" rIns="91425" wrap="square" tIns="91425">
+          <a:bodyPr spcFirstLastPara="1" wrap="square" lIns="91425" tIns="91425" rIns="91425" bIns="91425" anchor="t" anchorCtr="0">
             <a:noAutofit/>
           </a:bodyPr>
           <a:lstStyle/>
           <a:p>
-            <a:pPr indent="-317500" lvl="0" marL="457200" rtl="0" algn="l">
+            <a:pPr marL="457200" lvl="0" indent="-317500" algn="l" rtl="0">
               <a:spcBef>
                 <a:spcPts val="0"/>
               </a:spcBef>
@@ -1898,7 +1971,7 @@
             </a:endParaRPr>
           </a:p>
           <a:p>
-            <a:pPr indent="-317500" lvl="0" marL="457200" rtl="0" algn="l">
+            <a:pPr marL="457200" lvl="0" indent="-317500" algn="l" rtl="0">
               <a:spcBef>
                 <a:spcPts val="0"/>
               </a:spcBef>
@@ -1926,7 +1999,7 @@
             </a:endParaRPr>
           </a:p>
           <a:p>
-            <a:pPr indent="-317500" lvl="0" marL="457200" rtl="0" algn="l">
+            <a:pPr marL="457200" lvl="0" indent="-317500" algn="l" rtl="0">
               <a:lnSpc>
                 <a:spcPct val="115000"/>
               </a:lnSpc>
@@ -1967,11 +2040,11 @@
 </file>
 
 <file path=ppt/notesSlides/notesSlide6.xml><?xml version="1.0" encoding="utf-8"?>
-<p:notes xmlns:a="http://schemas.openxmlformats.org/drawingml/2006/main" xmlns:r="http://schemas.openxmlformats.org/officeDocument/2006/relationships" xmlns:mc="http://schemas.openxmlformats.org/markup-compatibility/2006" xmlns:mv="urn:schemas-microsoft-com:mac:vml" xmlns:p="http://schemas.openxmlformats.org/presentationml/2006/main" xmlns:c="http://schemas.openxmlformats.org/drawingml/2006/chart" xmlns:dgm="http://schemas.openxmlformats.org/drawingml/2006/diagram" xmlns:o="urn:schemas-microsoft-com:office:office" xmlns:v="urn:schemas-microsoft-com:vml" xmlns:pvml="urn:schemas-microsoft-com:office:powerpoint" xmlns:com="http://schemas.openxmlformats.org/drawingml/2006/compatibility" xmlns:p14="http://schemas.microsoft.com/office/powerpoint/2010/main" xmlns:p15="http://schemas.microsoft.com/office/powerpoint/2012/main" showMasterPhAnim="0" showMasterSp="0">
+<p:notes xmlns:a="http://schemas.openxmlformats.org/drawingml/2006/main" xmlns:r="http://schemas.openxmlformats.org/officeDocument/2006/relationships" xmlns:p="http://schemas.openxmlformats.org/presentationml/2006/main" showMasterSp="0" showMasterPhAnim="0">
   <p:cSld>
     <p:spTree>
       <p:nvGrpSpPr>
-        <p:cNvPr id="154" name="Shape 154"/>
+        <p:cNvPr id="1" name="Shape 154"/>
         <p:cNvGrpSpPr/>
         <p:nvPr/>
       </p:nvGrpSpPr>
@@ -1986,9 +2059,11 @@
       <p:sp>
         <p:nvSpPr>
           <p:cNvPr id="155" name="Google Shape;155;g616ae4b45a_4_0:notes"/>
-          <p:cNvSpPr/>
+          <p:cNvSpPr>
+            <a:spLocks noGrp="1" noRot="1" noChangeAspect="1"/>
+          </p:cNvSpPr>
           <p:nvPr>
-            <p:ph idx="2" type="sldImg"/>
+            <p:ph type="sldImg" idx="2"/>
           </p:nvPr>
         </p:nvSpPr>
         <p:spPr>
@@ -1997,9 +2072,13 @@
             <a:ext cx="6096000" cy="3429000"/>
           </a:xfrm>
           <a:custGeom>
-            <a:rect b="b" l="l" r="r" t="t"/>
+            <a:avLst/>
+            <a:gdLst/>
+            <a:ahLst/>
+            <a:cxnLst/>
+            <a:rect l="l" t="t" r="r" b="b"/>
             <a:pathLst>
-              <a:path extrusionOk="0" h="120000" w="120000">
+              <a:path w="120000" h="120000" extrusionOk="0">
                 <a:moveTo>
                   <a:pt x="0" y="0"/>
                 </a:moveTo>
@@ -2021,9 +2100,11 @@
       <p:sp>
         <p:nvSpPr>
           <p:cNvPr id="156" name="Google Shape;156;g616ae4b45a_4_0:notes"/>
-          <p:cNvSpPr txBox="1"/>
+          <p:cNvSpPr txBox="1">
+            <a:spLocks noGrp="1"/>
+          </p:cNvSpPr>
           <p:nvPr>
-            <p:ph idx="1" type="body"/>
+            <p:ph type="body" idx="1"/>
           </p:nvPr>
         </p:nvSpPr>
         <p:spPr>
@@ -2036,12 +2117,12 @@
           </a:prstGeom>
         </p:spPr>
         <p:txBody>
-          <a:bodyPr anchorCtr="0" anchor="t" bIns="91425" lIns="91425" spcFirstLastPara="1" rIns="91425" wrap="square" tIns="91425">
+          <a:bodyPr spcFirstLastPara="1" wrap="square" lIns="91425" tIns="91425" rIns="91425" bIns="91425" anchor="t" anchorCtr="0">
             <a:noAutofit/>
           </a:bodyPr>
           <a:lstStyle/>
           <a:p>
-            <a:pPr indent="-342900" lvl="0" marL="457200" rtl="0" algn="l">
+            <a:pPr marL="457200" lvl="0" indent="-342900" algn="l" rtl="0">
               <a:lnSpc>
                 <a:spcPct val="150000"/>
               </a:lnSpc>
@@ -2081,7 +2162,7 @@
             </a:endParaRPr>
           </a:p>
           <a:p>
-            <a:pPr indent="-342900" lvl="0" marL="457200" rtl="0" algn="l">
+            <a:pPr marL="457200" lvl="0" indent="-342900" algn="l" rtl="0">
               <a:lnSpc>
                 <a:spcPct val="150000"/>
               </a:lnSpc>
@@ -2121,7 +2202,7 @@
             </a:endParaRPr>
           </a:p>
           <a:p>
-            <a:pPr indent="-342900" lvl="0" marL="457200" rtl="0" algn="l">
+            <a:pPr marL="457200" lvl="0" indent="-342900" algn="l" rtl="0">
               <a:lnSpc>
                 <a:spcPct val="115000"/>
               </a:lnSpc>
@@ -2163,11 +2244,11 @@
 </file>
 
 <file path=ppt/notesSlides/notesSlide7.xml><?xml version="1.0" encoding="utf-8"?>
-<p:notes xmlns:a="http://schemas.openxmlformats.org/drawingml/2006/main" xmlns:r="http://schemas.openxmlformats.org/officeDocument/2006/relationships" xmlns:mc="http://schemas.openxmlformats.org/markup-compatibility/2006" xmlns:mv="urn:schemas-microsoft-com:mac:vml" xmlns:p="http://schemas.openxmlformats.org/presentationml/2006/main" xmlns:c="http://schemas.openxmlformats.org/drawingml/2006/chart" xmlns:dgm="http://schemas.openxmlformats.org/drawingml/2006/diagram" xmlns:o="urn:schemas-microsoft-com:office:office" xmlns:v="urn:schemas-microsoft-com:vml" xmlns:pvml="urn:schemas-microsoft-com:office:powerpoint" xmlns:com="http://schemas.openxmlformats.org/drawingml/2006/compatibility" xmlns:p14="http://schemas.microsoft.com/office/powerpoint/2010/main" xmlns:p15="http://schemas.microsoft.com/office/powerpoint/2012/main" showMasterPhAnim="0" showMasterSp="0">
+<p:notes xmlns:a="http://schemas.openxmlformats.org/drawingml/2006/main" xmlns:r="http://schemas.openxmlformats.org/officeDocument/2006/relationships" xmlns:p="http://schemas.openxmlformats.org/presentationml/2006/main" showMasterSp="0" showMasterPhAnim="0">
   <p:cSld>
     <p:spTree>
       <p:nvGrpSpPr>
-        <p:cNvPr id="160" name="Shape 160"/>
+        <p:cNvPr id="1" name="Shape 160"/>
         <p:cNvGrpSpPr/>
         <p:nvPr/>
       </p:nvGrpSpPr>
@@ -2182,9 +2263,11 @@
       <p:sp>
         <p:nvSpPr>
           <p:cNvPr id="161" name="Google Shape;161;g6164d7e31a_4_220:notes"/>
-          <p:cNvSpPr/>
+          <p:cNvSpPr>
+            <a:spLocks noGrp="1" noRot="1" noChangeAspect="1"/>
+          </p:cNvSpPr>
           <p:nvPr>
-            <p:ph idx="2" type="sldImg"/>
+            <p:ph type="sldImg" idx="2"/>
           </p:nvPr>
         </p:nvSpPr>
         <p:spPr>
@@ -2193,9 +2276,13 @@
             <a:ext cx="6096000" cy="3429000"/>
           </a:xfrm>
           <a:custGeom>
-            <a:rect b="b" l="l" r="r" t="t"/>
+            <a:avLst/>
+            <a:gdLst/>
+            <a:ahLst/>
+            <a:cxnLst/>
+            <a:rect l="l" t="t" r="r" b="b"/>
             <a:pathLst>
-              <a:path extrusionOk="0" h="120000" w="120000">
+              <a:path w="120000" h="120000" extrusionOk="0">
                 <a:moveTo>
                   <a:pt x="0" y="0"/>
                 </a:moveTo>
@@ -2217,9 +2304,11 @@
       <p:sp>
         <p:nvSpPr>
           <p:cNvPr id="162" name="Google Shape;162;g6164d7e31a_4_220:notes"/>
-          <p:cNvSpPr txBox="1"/>
+          <p:cNvSpPr txBox="1">
+            <a:spLocks noGrp="1"/>
+          </p:cNvSpPr>
           <p:nvPr>
-            <p:ph idx="1" type="body"/>
+            <p:ph type="body" idx="1"/>
           </p:nvPr>
         </p:nvSpPr>
         <p:spPr>
@@ -2232,12 +2321,12 @@
           </a:prstGeom>
         </p:spPr>
         <p:txBody>
-          <a:bodyPr anchorCtr="0" anchor="t" bIns="91425" lIns="91425" spcFirstLastPara="1" rIns="91425" wrap="square" tIns="91425">
+          <a:bodyPr spcFirstLastPara="1" wrap="square" lIns="91425" tIns="91425" rIns="91425" bIns="91425" anchor="t" anchorCtr="0">
             <a:noAutofit/>
           </a:bodyPr>
           <a:lstStyle/>
           <a:p>
-            <a:pPr indent="0" lvl="0" marL="0" rtl="0" algn="l">
+            <a:pPr marL="0" lvl="0" indent="0" algn="l" rtl="0">
               <a:spcBef>
                 <a:spcPts val="0"/>
               </a:spcBef>
@@ -2251,7 +2340,7 @@
                 <a:solidFill>
                   <a:schemeClr val="hlink"/>
                 </a:solidFill>
-                <a:hlinkClick r:id="rId2"/>
+                <a:hlinkClick r:id="rId3"/>
               </a:rPr>
               <a:t>https://pdfs.semanticscholar.org/d7fb/58dd433645c245be2d38d60262894a8d232f.pdf?fbclid=IwAR1p9_N-XKFAvYgotkDk8FNc2MYGU6I20ByvlfdSLJiOGIQbXdOJ3A1KMFk</a:t>
             </a:r>
@@ -2268,11 +2357,11 @@
 </file>
 
 <file path=ppt/notesSlides/notesSlide8.xml><?xml version="1.0" encoding="utf-8"?>
-<p:notes xmlns:a="http://schemas.openxmlformats.org/drawingml/2006/main" xmlns:r="http://schemas.openxmlformats.org/officeDocument/2006/relationships" xmlns:mc="http://schemas.openxmlformats.org/markup-compatibility/2006" xmlns:mv="urn:schemas-microsoft-com:mac:vml" xmlns:p="http://schemas.openxmlformats.org/presentationml/2006/main" xmlns:c="http://schemas.openxmlformats.org/drawingml/2006/chart" xmlns:dgm="http://schemas.openxmlformats.org/drawingml/2006/diagram" xmlns:o="urn:schemas-microsoft-com:office:office" xmlns:v="urn:schemas-microsoft-com:vml" xmlns:pvml="urn:schemas-microsoft-com:office:powerpoint" xmlns:com="http://schemas.openxmlformats.org/drawingml/2006/compatibility" xmlns:p14="http://schemas.microsoft.com/office/powerpoint/2010/main" xmlns:p15="http://schemas.microsoft.com/office/powerpoint/2012/main" showMasterPhAnim="0" showMasterSp="0">
+<p:notes xmlns:a="http://schemas.openxmlformats.org/drawingml/2006/main" xmlns:r="http://schemas.openxmlformats.org/officeDocument/2006/relationships" xmlns:p="http://schemas.openxmlformats.org/presentationml/2006/main" showMasterSp="0" showMasterPhAnim="0">
   <p:cSld>
     <p:spTree>
       <p:nvGrpSpPr>
-        <p:cNvPr id="169" name="Shape 169"/>
+        <p:cNvPr id="1" name="Shape 169"/>
         <p:cNvGrpSpPr/>
         <p:nvPr/>
       </p:nvGrpSpPr>
@@ -2287,9 +2376,11 @@
       <p:sp>
         <p:nvSpPr>
           <p:cNvPr id="170" name="Google Shape;170;g6164d7e31a_4_232:notes"/>
-          <p:cNvSpPr/>
+          <p:cNvSpPr>
+            <a:spLocks noGrp="1" noRot="1" noChangeAspect="1"/>
+          </p:cNvSpPr>
           <p:nvPr>
-            <p:ph idx="2" type="sldImg"/>
+            <p:ph type="sldImg" idx="2"/>
           </p:nvPr>
         </p:nvSpPr>
         <p:spPr>
@@ -2298,9 +2389,13 @@
             <a:ext cx="6096000" cy="3429000"/>
           </a:xfrm>
           <a:custGeom>
-            <a:rect b="b" l="l" r="r" t="t"/>
+            <a:avLst/>
+            <a:gdLst/>
+            <a:ahLst/>
+            <a:cxnLst/>
+            <a:rect l="l" t="t" r="r" b="b"/>
             <a:pathLst>
-              <a:path extrusionOk="0" h="120000" w="120000">
+              <a:path w="120000" h="120000" extrusionOk="0">
                 <a:moveTo>
                   <a:pt x="0" y="0"/>
                 </a:moveTo>
@@ -2322,9 +2417,11 @@
       <p:sp>
         <p:nvSpPr>
           <p:cNvPr id="171" name="Google Shape;171;g6164d7e31a_4_232:notes"/>
-          <p:cNvSpPr txBox="1"/>
+          <p:cNvSpPr txBox="1">
+            <a:spLocks noGrp="1"/>
+          </p:cNvSpPr>
           <p:nvPr>
-            <p:ph idx="1" type="body"/>
+            <p:ph type="body" idx="1"/>
           </p:nvPr>
         </p:nvSpPr>
         <p:spPr>
@@ -2337,12 +2434,12 @@
           </a:prstGeom>
         </p:spPr>
         <p:txBody>
-          <a:bodyPr anchorCtr="0" anchor="t" bIns="91425" lIns="91425" spcFirstLastPara="1" rIns="91425" wrap="square" tIns="91425">
+          <a:bodyPr spcFirstLastPara="1" wrap="square" lIns="91425" tIns="91425" rIns="91425" bIns="91425" anchor="t" anchorCtr="0">
             <a:noAutofit/>
           </a:bodyPr>
           <a:lstStyle/>
           <a:p>
-            <a:pPr indent="0" lvl="0" marL="0" rtl="0" algn="l">
+            <a:pPr marL="0" lvl="0" indent="0" algn="l" rtl="0">
               <a:spcBef>
                 <a:spcPts val="0"/>
               </a:spcBef>
@@ -2351,9 +2448,6 @@
               </a:spcAft>
               <a:buNone/>
             </a:pPr>
-            <a:r>
-              <a:t/>
-            </a:r>
             <a:endParaRPr/>
           </a:p>
         </p:txBody>
@@ -2367,11 +2461,11 @@
 </file>
 
 <file path=ppt/notesSlides/notesSlide9.xml><?xml version="1.0" encoding="utf-8"?>
-<p:notes xmlns:a="http://schemas.openxmlformats.org/drawingml/2006/main" xmlns:r="http://schemas.openxmlformats.org/officeDocument/2006/relationships" xmlns:mc="http://schemas.openxmlformats.org/markup-compatibility/2006" xmlns:mv="urn:schemas-microsoft-com:mac:vml" xmlns:p="http://schemas.openxmlformats.org/presentationml/2006/main" xmlns:c="http://schemas.openxmlformats.org/drawingml/2006/chart" xmlns:dgm="http://schemas.openxmlformats.org/drawingml/2006/diagram" xmlns:o="urn:schemas-microsoft-com:office:office" xmlns:v="urn:schemas-microsoft-com:vml" xmlns:pvml="urn:schemas-microsoft-com:office:powerpoint" xmlns:com="http://schemas.openxmlformats.org/drawingml/2006/compatibility" xmlns:p14="http://schemas.microsoft.com/office/powerpoint/2010/main" xmlns:p15="http://schemas.microsoft.com/office/powerpoint/2012/main" showMasterPhAnim="0" showMasterSp="0">
+<p:notes xmlns:a="http://schemas.openxmlformats.org/drawingml/2006/main" xmlns:r="http://schemas.openxmlformats.org/officeDocument/2006/relationships" xmlns:p="http://schemas.openxmlformats.org/presentationml/2006/main" showMasterSp="0" showMasterPhAnim="0">
   <p:cSld>
     <p:spTree>
       <p:nvGrpSpPr>
-        <p:cNvPr id="176" name="Shape 176"/>
+        <p:cNvPr id="1" name="Shape 176"/>
         <p:cNvGrpSpPr/>
         <p:nvPr/>
       </p:nvGrpSpPr>
@@ -2386,9 +2480,11 @@
       <p:sp>
         <p:nvSpPr>
           <p:cNvPr id="177" name="Google Shape;177;g6164d7e31a_4_263:notes"/>
-          <p:cNvSpPr/>
+          <p:cNvSpPr>
+            <a:spLocks noGrp="1" noRot="1" noChangeAspect="1"/>
+          </p:cNvSpPr>
           <p:nvPr>
-            <p:ph idx="2" type="sldImg"/>
+            <p:ph type="sldImg" idx="2"/>
           </p:nvPr>
         </p:nvSpPr>
         <p:spPr>
@@ -2397,9 +2493,13 @@
             <a:ext cx="6096000" cy="3429000"/>
           </a:xfrm>
           <a:custGeom>
-            <a:rect b="b" l="l" r="r" t="t"/>
+            <a:avLst/>
+            <a:gdLst/>
+            <a:ahLst/>
+            <a:cxnLst/>
+            <a:rect l="l" t="t" r="r" b="b"/>
             <a:pathLst>
-              <a:path extrusionOk="0" h="120000" w="120000">
+              <a:path w="120000" h="120000" extrusionOk="0">
                 <a:moveTo>
                   <a:pt x="0" y="0"/>
                 </a:moveTo>
@@ -2421,9 +2521,11 @@
       <p:sp>
         <p:nvSpPr>
           <p:cNvPr id="178" name="Google Shape;178;g6164d7e31a_4_263:notes"/>
-          <p:cNvSpPr txBox="1"/>
+          <p:cNvSpPr txBox="1">
+            <a:spLocks noGrp="1"/>
+          </p:cNvSpPr>
           <p:nvPr>
-            <p:ph idx="1" type="body"/>
+            <p:ph type="body" idx="1"/>
           </p:nvPr>
         </p:nvSpPr>
         <p:spPr>
@@ -2436,12 +2538,12 @@
           </a:prstGeom>
         </p:spPr>
         <p:txBody>
-          <a:bodyPr anchorCtr="0" anchor="t" bIns="91425" lIns="91425" spcFirstLastPara="1" rIns="91425" wrap="square" tIns="91425">
+          <a:bodyPr spcFirstLastPara="1" wrap="square" lIns="91425" tIns="91425" rIns="91425" bIns="91425" anchor="t" anchorCtr="0">
             <a:noAutofit/>
           </a:bodyPr>
           <a:lstStyle/>
           <a:p>
-            <a:pPr indent="0" lvl="0" marL="0" rtl="0" algn="l">
+            <a:pPr marL="0" lvl="0" indent="0" algn="l" rtl="0">
               <a:spcBef>
                 <a:spcPts val="0"/>
               </a:spcBef>
@@ -2450,9 +2552,6 @@
               </a:spcAft>
               <a:buNone/>
             </a:pPr>
-            <a:r>
-              <a:t/>
-            </a:r>
             <a:endParaRPr/>
           </a:p>
         </p:txBody>
@@ -2466,11 +2565,11 @@
 </file>
 
 <file path=ppt/slideLayouts/slideLayout1.xml><?xml version="1.0" encoding="utf-8"?>
-<p:sldLayout xmlns:a="http://schemas.openxmlformats.org/drawingml/2006/main" xmlns:r="http://schemas.openxmlformats.org/officeDocument/2006/relationships" xmlns:mc="http://schemas.openxmlformats.org/markup-compatibility/2006" xmlns:mv="urn:schemas-microsoft-com:mac:vml" xmlns:p="http://schemas.openxmlformats.org/presentationml/2006/main" xmlns:c="http://schemas.openxmlformats.org/drawingml/2006/chart" xmlns:dgm="http://schemas.openxmlformats.org/drawingml/2006/diagram" xmlns:o="urn:schemas-microsoft-com:office:office" xmlns:v="urn:schemas-microsoft-com:vml" xmlns:pvml="urn:schemas-microsoft-com:office:powerpoint" xmlns:com="http://schemas.openxmlformats.org/drawingml/2006/compatibility" xmlns:p14="http://schemas.microsoft.com/office/powerpoint/2010/main" xmlns:p15="http://schemas.microsoft.com/office/powerpoint/2012/main" matchingName="Title slide" type="title">
+<p:sldLayout xmlns:a="http://schemas.openxmlformats.org/drawingml/2006/main" xmlns:r="http://schemas.openxmlformats.org/officeDocument/2006/relationships" xmlns:p="http://schemas.openxmlformats.org/presentationml/2006/main" matchingName="Title slide" type="title">
   <p:cSld name="TITLE">
     <p:spTree>
       <p:nvGrpSpPr>
-        <p:cNvPr id="9" name="Shape 9"/>
+        <p:cNvPr id="1" name="Shape 9"/>
         <p:cNvGrpSpPr/>
         <p:nvPr/>
       </p:nvGrpSpPr>
@@ -2497,14 +2596,14 @@
             <a:avLst/>
           </a:prstGeom>
           <a:noFill/>
-          <a:ln cap="flat" cmpd="sng" w="76200">
+          <a:ln w="76200" cap="flat" cmpd="sng">
             <a:solidFill>
               <a:schemeClr val="lt2"/>
             </a:solidFill>
             <a:prstDash val="solid"/>
             <a:round/>
-            <a:headEnd len="sm" w="sm" type="none"/>
-            <a:tailEnd len="sm" w="sm" type="none"/>
+            <a:headEnd type="none" w="sm" len="sm"/>
+            <a:tailEnd type="none" w="sm" len="sm"/>
           </a:ln>
         </p:spPr>
       </p:cxnSp>
@@ -2523,14 +2622,14 @@
             <a:avLst/>
           </a:prstGeom>
           <a:noFill/>
-          <a:ln cap="flat" cmpd="sng" w="76200">
+          <a:ln w="76200" cap="flat" cmpd="sng">
             <a:solidFill>
               <a:schemeClr val="lt2"/>
             </a:solidFill>
             <a:prstDash val="solid"/>
             <a:round/>
-            <a:headEnd len="sm" w="sm" type="none"/>
-            <a:tailEnd len="sm" w="sm" type="none"/>
+            <a:headEnd type="none" w="sm" len="sm"/>
+            <a:tailEnd type="none" w="sm" len="sm"/>
           </a:ln>
         </p:spPr>
       </p:cxnSp>
@@ -2563,14 +2662,14 @@
               <a:avLst/>
             </a:prstGeom>
             <a:noFill/>
-            <a:ln cap="flat" cmpd="sng" w="76200">
+            <a:ln w="76200" cap="flat" cmpd="sng">
               <a:solidFill>
                 <a:schemeClr val="accent3"/>
               </a:solidFill>
               <a:prstDash val="solid"/>
               <a:round/>
-              <a:headEnd len="sm" w="sm" type="none"/>
-              <a:tailEnd len="sm" w="sm" type="none"/>
+              <a:headEnd type="none" w="sm" len="sm"/>
+              <a:tailEnd type="none" w="sm" len="sm"/>
             </a:ln>
           </p:spPr>
         </p:cxnSp>
@@ -2589,14 +2688,14 @@
               <a:avLst/>
             </a:prstGeom>
             <a:noFill/>
-            <a:ln cap="flat" cmpd="sng" w="9525">
+            <a:ln w="9525" cap="flat" cmpd="sng">
               <a:solidFill>
                 <a:schemeClr val="accent3"/>
               </a:solidFill>
               <a:prstDash val="solid"/>
               <a:round/>
-              <a:headEnd len="sm" w="sm" type="none"/>
-              <a:tailEnd len="sm" w="sm" type="none"/>
+              <a:headEnd type="none" w="sm" len="sm"/>
+              <a:tailEnd type="none" w="sm" len="sm"/>
             </a:ln>
           </p:spPr>
         </p:cxnSp>
@@ -2630,14 +2729,14 @@
               <a:avLst/>
             </a:prstGeom>
             <a:noFill/>
-            <a:ln cap="flat" cmpd="sng" w="76200">
+            <a:ln w="76200" cap="flat" cmpd="sng">
               <a:solidFill>
                 <a:schemeClr val="accent3"/>
               </a:solidFill>
               <a:prstDash val="solid"/>
               <a:round/>
-              <a:headEnd len="sm" w="sm" type="none"/>
-              <a:tailEnd len="sm" w="sm" type="none"/>
+              <a:headEnd type="none" w="sm" len="sm"/>
+              <a:tailEnd type="none" w="sm" len="sm"/>
             </a:ln>
           </p:spPr>
         </p:cxnSp>
@@ -2656,14 +2755,14 @@
               <a:avLst/>
             </a:prstGeom>
             <a:noFill/>
-            <a:ln cap="flat" cmpd="sng" w="9525">
+            <a:ln w="9525" cap="flat" cmpd="sng">
               <a:solidFill>
                 <a:schemeClr val="accent3"/>
               </a:solidFill>
               <a:prstDash val="solid"/>
               <a:round/>
-              <a:headEnd len="sm" w="sm" type="none"/>
-              <a:tailEnd len="sm" w="sm" type="none"/>
+              <a:headEnd type="none" w="sm" len="sm"/>
+              <a:tailEnd type="none" w="sm" len="sm"/>
             </a:ln>
           </p:spPr>
         </p:cxnSp>
@@ -2671,7 +2770,9 @@
       <p:sp>
         <p:nvSpPr>
           <p:cNvPr id="18" name="Google Shape;18;p2"/>
-          <p:cNvSpPr txBox="1"/>
+          <p:cNvSpPr txBox="1">
+            <a:spLocks noGrp="1"/>
+          </p:cNvSpPr>
           <p:nvPr>
             <p:ph type="ctrTitle"/>
           </p:nvPr>
@@ -2686,7 +2787,7 @@
           </a:prstGeom>
         </p:spPr>
         <p:txBody>
-          <a:bodyPr anchorCtr="0" anchor="b" bIns="91425" lIns="91425" spcFirstLastPara="1" rIns="91425" wrap="square" tIns="91425">
+          <a:bodyPr spcFirstLastPara="1" wrap="square" lIns="91425" tIns="91425" rIns="91425" bIns="91425" anchor="b" anchorCtr="0">
             <a:noAutofit/>
           </a:bodyPr>
           <a:lstStyle>
@@ -2790,15 +2891,19 @@
               <a:defRPr sz="5400"/>
             </a:lvl9pPr>
           </a:lstStyle>
-          <a:p/>
+          <a:p>
+            <a:endParaRPr/>
+          </a:p>
         </p:txBody>
       </p:sp>
       <p:sp>
         <p:nvSpPr>
           <p:cNvPr id="19" name="Google Shape;19;p2"/>
-          <p:cNvSpPr txBox="1"/>
+          <p:cNvSpPr txBox="1">
+            <a:spLocks noGrp="1"/>
+          </p:cNvSpPr>
           <p:nvPr>
-            <p:ph idx="1" type="subTitle"/>
+            <p:ph type="subTitle" idx="1"/>
           </p:nvPr>
         </p:nvSpPr>
         <p:spPr>
@@ -2811,7 +2916,7 @@
           </a:prstGeom>
         </p:spPr>
         <p:txBody>
-          <a:bodyPr anchorCtr="0" anchor="t" bIns="91425" lIns="91425" spcFirstLastPara="1" rIns="91425" wrap="square" tIns="91425">
+          <a:bodyPr spcFirstLastPara="1" wrap="square" lIns="91425" tIns="91425" rIns="91425" bIns="91425" anchor="t" anchorCtr="0">
             <a:noAutofit/>
           </a:bodyPr>
           <a:lstStyle>
@@ -2942,15 +3047,19 @@
               <a:defRPr sz="2400"/>
             </a:lvl9pPr>
           </a:lstStyle>
-          <a:p/>
+          <a:p>
+            <a:endParaRPr/>
+          </a:p>
         </p:txBody>
       </p:sp>
       <p:sp>
         <p:nvSpPr>
           <p:cNvPr id="20" name="Google Shape;20;p2"/>
-          <p:cNvSpPr txBox="1"/>
+          <p:cNvSpPr txBox="1">
+            <a:spLocks noGrp="1"/>
+          </p:cNvSpPr>
           <p:nvPr>
-            <p:ph idx="12" type="sldNum"/>
+            <p:ph type="sldNum" idx="12"/>
           </p:nvPr>
         </p:nvSpPr>
         <p:spPr>
@@ -2963,7 +3072,7 @@
           </a:prstGeom>
         </p:spPr>
         <p:txBody>
-          <a:bodyPr anchorCtr="0" anchor="ctr" bIns="91425" lIns="91425" spcFirstLastPara="1" rIns="91425" wrap="square" tIns="91425">
+          <a:bodyPr spcFirstLastPara="1" wrap="square" lIns="91425" tIns="91425" rIns="91425" bIns="91425" anchor="ctr" anchorCtr="0">
             <a:noAutofit/>
           </a:bodyPr>
           <a:lstStyle>
@@ -3005,7 +3114,7 @@
             </a:lvl9pPr>
           </a:lstStyle>
           <a:p>
-            <a:pPr indent="0" lvl="0" marL="0" rtl="0" algn="r">
+            <a:pPr marL="0" lvl="0" indent="0" algn="r" rtl="0">
               <a:spcBef>
                 <a:spcPts val="0"/>
               </a:spcBef>
@@ -3059,11 +3168,11 @@
 </file>
 
 <file path=ppt/slideLayouts/slideLayout10.xml><?xml version="1.0" encoding="utf-8"?>
-<p:sldLayout xmlns:a="http://schemas.openxmlformats.org/drawingml/2006/main" xmlns:r="http://schemas.openxmlformats.org/officeDocument/2006/relationships" xmlns:mc="http://schemas.openxmlformats.org/markup-compatibility/2006" xmlns:mv="urn:schemas-microsoft-com:mac:vml" xmlns:p="http://schemas.openxmlformats.org/presentationml/2006/main" xmlns:c="http://schemas.openxmlformats.org/drawingml/2006/chart" xmlns:dgm="http://schemas.openxmlformats.org/drawingml/2006/diagram" xmlns:o="urn:schemas-microsoft-com:office:office" xmlns:v="urn:schemas-microsoft-com:vml" xmlns:pvml="urn:schemas-microsoft-com:office:powerpoint" xmlns:com="http://schemas.openxmlformats.org/drawingml/2006/compatibility" xmlns:p14="http://schemas.microsoft.com/office/powerpoint/2010/main" xmlns:p15="http://schemas.microsoft.com/office/powerpoint/2012/main" matchingName="Big number">
+<p:sldLayout xmlns:a="http://schemas.openxmlformats.org/drawingml/2006/main" xmlns:r="http://schemas.openxmlformats.org/officeDocument/2006/relationships" xmlns:p="http://schemas.openxmlformats.org/presentationml/2006/main" matchingName="Big number">
   <p:cSld name="BIG_NUMBER">
     <p:spTree>
       <p:nvGrpSpPr>
-        <p:cNvPr id="57" name="Shape 57"/>
+        <p:cNvPr id="1" name="Shape 57"/>
         <p:cNvGrpSpPr/>
         <p:nvPr/>
       </p:nvGrpSpPr>
@@ -3097,12 +3206,12 @@
           </a:ln>
         </p:spPr>
         <p:txBody>
-          <a:bodyPr anchorCtr="0" anchor="ctr" bIns="91425" lIns="91425" spcFirstLastPara="1" rIns="91425" wrap="square" tIns="91425">
+          <a:bodyPr spcFirstLastPara="1" wrap="square" lIns="91425" tIns="91425" rIns="91425" bIns="91425" anchor="ctr" anchorCtr="0">
             <a:noAutofit/>
           </a:bodyPr>
           <a:lstStyle/>
           <a:p>
-            <a:pPr indent="0" lvl="0" marL="0" rtl="0" algn="l">
+            <a:pPr marL="0" lvl="0" indent="0" algn="l" rtl="0">
               <a:spcBef>
                 <a:spcPts val="0"/>
               </a:spcBef>
@@ -3111,9 +3220,6 @@
               </a:spcAft>
               <a:buNone/>
             </a:pPr>
-            <a:r>
-              <a:t/>
-            </a:r>
             <a:endParaRPr/>
           </a:p>
         </p:txBody>
@@ -3121,9 +3227,11 @@
       <p:sp>
         <p:nvSpPr>
           <p:cNvPr id="59" name="Google Shape;59;p11"/>
-          <p:cNvSpPr txBox="1"/>
+          <p:cNvSpPr txBox="1">
+            <a:spLocks noGrp="1"/>
+          </p:cNvSpPr>
           <p:nvPr>
-            <p:ph hasCustomPrompt="1" type="title"/>
+            <p:ph type="title" hasCustomPrompt="1"/>
           </p:nvPr>
         </p:nvSpPr>
         <p:spPr>
@@ -3136,7 +3244,7 @@
           </a:prstGeom>
         </p:spPr>
         <p:txBody>
-          <a:bodyPr anchorCtr="0" anchor="ctr" bIns="91425" lIns="91425" spcFirstLastPara="1" rIns="91425" wrap="square" tIns="91425">
+          <a:bodyPr spcFirstLastPara="1" wrap="square" lIns="91425" tIns="91425" rIns="91425" bIns="91425" anchor="ctr" anchorCtr="0">
             <a:noAutofit/>
           </a:bodyPr>
           <a:lstStyle>
@@ -3313,9 +3421,11 @@
       <p:sp>
         <p:nvSpPr>
           <p:cNvPr id="60" name="Google Shape;60;p11"/>
-          <p:cNvSpPr txBox="1"/>
+          <p:cNvSpPr txBox="1">
+            <a:spLocks noGrp="1"/>
+          </p:cNvSpPr>
           <p:nvPr>
-            <p:ph idx="1" type="body"/>
+            <p:ph type="body" idx="1"/>
           </p:nvPr>
         </p:nvSpPr>
         <p:spPr>
@@ -3328,11 +3438,11 @@
           </a:prstGeom>
         </p:spPr>
         <p:txBody>
-          <a:bodyPr anchorCtr="0" anchor="t" bIns="91425" lIns="91425" spcFirstLastPara="1" rIns="91425" wrap="square" tIns="91425">
+          <a:bodyPr spcFirstLastPara="1" wrap="square" lIns="91425" tIns="91425" rIns="91425" bIns="91425" anchor="t" anchorCtr="0">
             <a:noAutofit/>
           </a:bodyPr>
           <a:lstStyle>
-            <a:lvl1pPr indent="-342900" lvl="0" marL="457200" algn="ctr">
+            <a:lvl1pPr marL="457200" lvl="0" indent="-342900" algn="ctr">
               <a:spcBef>
                 <a:spcPts val="0"/>
               </a:spcBef>
@@ -3343,7 +3453,7 @@
               <a:buChar char="●"/>
               <a:defRPr/>
             </a:lvl1pPr>
-            <a:lvl2pPr indent="-317500" lvl="1" marL="914400" algn="ctr">
+            <a:lvl2pPr marL="914400" lvl="1" indent="-317500" algn="ctr">
               <a:spcBef>
                 <a:spcPts val="1600"/>
               </a:spcBef>
@@ -3354,7 +3464,7 @@
               <a:buChar char="○"/>
               <a:defRPr/>
             </a:lvl2pPr>
-            <a:lvl3pPr indent="-317500" lvl="2" marL="1371600" algn="ctr">
+            <a:lvl3pPr marL="1371600" lvl="2" indent="-317500" algn="ctr">
               <a:spcBef>
                 <a:spcPts val="1600"/>
               </a:spcBef>
@@ -3365,7 +3475,7 @@
               <a:buChar char="■"/>
               <a:defRPr/>
             </a:lvl3pPr>
-            <a:lvl4pPr indent="-317500" lvl="3" marL="1828800" algn="ctr">
+            <a:lvl4pPr marL="1828800" lvl="3" indent="-317500" algn="ctr">
               <a:spcBef>
                 <a:spcPts val="1600"/>
               </a:spcBef>
@@ -3376,7 +3486,7 @@
               <a:buChar char="●"/>
               <a:defRPr/>
             </a:lvl4pPr>
-            <a:lvl5pPr indent="-317500" lvl="4" marL="2286000" algn="ctr">
+            <a:lvl5pPr marL="2286000" lvl="4" indent="-317500" algn="ctr">
               <a:spcBef>
                 <a:spcPts val="1600"/>
               </a:spcBef>
@@ -3387,7 +3497,7 @@
               <a:buChar char="○"/>
               <a:defRPr/>
             </a:lvl5pPr>
-            <a:lvl6pPr indent="-317500" lvl="5" marL="2743200" algn="ctr">
+            <a:lvl6pPr marL="2743200" lvl="5" indent="-317500" algn="ctr">
               <a:spcBef>
                 <a:spcPts val="1600"/>
               </a:spcBef>
@@ -3398,7 +3508,7 @@
               <a:buChar char="■"/>
               <a:defRPr/>
             </a:lvl6pPr>
-            <a:lvl7pPr indent="-317500" lvl="6" marL="3200400" algn="ctr">
+            <a:lvl7pPr marL="3200400" lvl="6" indent="-317500" algn="ctr">
               <a:spcBef>
                 <a:spcPts val="1600"/>
               </a:spcBef>
@@ -3409,7 +3519,7 @@
               <a:buChar char="●"/>
               <a:defRPr/>
             </a:lvl7pPr>
-            <a:lvl8pPr indent="-317500" lvl="7" marL="3657600" algn="ctr">
+            <a:lvl8pPr marL="3657600" lvl="7" indent="-317500" algn="ctr">
               <a:spcBef>
                 <a:spcPts val="1600"/>
               </a:spcBef>
@@ -3420,7 +3530,7 @@
               <a:buChar char="○"/>
               <a:defRPr/>
             </a:lvl8pPr>
-            <a:lvl9pPr indent="-317500" lvl="8" marL="4114800" algn="ctr">
+            <a:lvl9pPr marL="4114800" lvl="8" indent="-317500" algn="ctr">
               <a:spcBef>
                 <a:spcPts val="1600"/>
               </a:spcBef>
@@ -3432,15 +3542,19 @@
               <a:defRPr/>
             </a:lvl9pPr>
           </a:lstStyle>
-          <a:p/>
+          <a:p>
+            <a:endParaRPr/>
+          </a:p>
         </p:txBody>
       </p:sp>
       <p:sp>
         <p:nvSpPr>
           <p:cNvPr id="61" name="Google Shape;61;p11"/>
-          <p:cNvSpPr txBox="1"/>
+          <p:cNvSpPr txBox="1">
+            <a:spLocks noGrp="1"/>
+          </p:cNvSpPr>
           <p:nvPr>
-            <p:ph idx="12" type="sldNum"/>
+            <p:ph type="sldNum" idx="12"/>
           </p:nvPr>
         </p:nvSpPr>
         <p:spPr>
@@ -3453,7 +3567,7 @@
           </a:prstGeom>
         </p:spPr>
         <p:txBody>
-          <a:bodyPr anchorCtr="0" anchor="ctr" bIns="91425" lIns="91425" spcFirstLastPara="1" rIns="91425" wrap="square" tIns="91425">
+          <a:bodyPr spcFirstLastPara="1" wrap="square" lIns="91425" tIns="91425" rIns="91425" bIns="91425" anchor="ctr" anchorCtr="0">
             <a:noAutofit/>
           </a:bodyPr>
           <a:lstStyle>
@@ -3495,7 +3609,7 @@
             </a:lvl9pPr>
           </a:lstStyle>
           <a:p>
-            <a:pPr indent="0" lvl="0" marL="0" rtl="0" algn="r">
+            <a:pPr marL="0" lvl="0" indent="0" algn="r" rtl="0">
               <a:spcBef>
                 <a:spcPts val="0"/>
               </a:spcBef>
@@ -3521,11 +3635,11 @@
 </file>
 
 <file path=ppt/slideLayouts/slideLayout11.xml><?xml version="1.0" encoding="utf-8"?>
-<p:sldLayout xmlns:a="http://schemas.openxmlformats.org/drawingml/2006/main" xmlns:r="http://schemas.openxmlformats.org/officeDocument/2006/relationships" xmlns:mc="http://schemas.openxmlformats.org/markup-compatibility/2006" xmlns:mv="urn:schemas-microsoft-com:mac:vml" xmlns:p="http://schemas.openxmlformats.org/presentationml/2006/main" xmlns:c="http://schemas.openxmlformats.org/drawingml/2006/chart" xmlns:dgm="http://schemas.openxmlformats.org/drawingml/2006/diagram" xmlns:o="urn:schemas-microsoft-com:office:office" xmlns:v="urn:schemas-microsoft-com:vml" xmlns:pvml="urn:schemas-microsoft-com:office:powerpoint" xmlns:com="http://schemas.openxmlformats.org/drawingml/2006/compatibility" xmlns:p14="http://schemas.microsoft.com/office/powerpoint/2010/main" xmlns:p15="http://schemas.microsoft.com/office/powerpoint/2012/main" matchingName="Blank" type="blank">
+<p:sldLayout xmlns:a="http://schemas.openxmlformats.org/drawingml/2006/main" xmlns:r="http://schemas.openxmlformats.org/officeDocument/2006/relationships" xmlns:p="http://schemas.openxmlformats.org/presentationml/2006/main" matchingName="Blank" type="blank">
   <p:cSld name="BLANK">
     <p:spTree>
       <p:nvGrpSpPr>
-        <p:cNvPr id="62" name="Shape 62"/>
+        <p:cNvPr id="1" name="Shape 62"/>
         <p:cNvGrpSpPr/>
         <p:nvPr/>
       </p:nvGrpSpPr>
@@ -3540,9 +3654,11 @@
       <p:sp>
         <p:nvSpPr>
           <p:cNvPr id="63" name="Google Shape;63;p12"/>
-          <p:cNvSpPr txBox="1"/>
+          <p:cNvSpPr txBox="1">
+            <a:spLocks noGrp="1"/>
+          </p:cNvSpPr>
           <p:nvPr>
-            <p:ph idx="12" type="sldNum"/>
+            <p:ph type="sldNum" idx="12"/>
           </p:nvPr>
         </p:nvSpPr>
         <p:spPr>
@@ -3555,7 +3671,7 @@
           </a:prstGeom>
         </p:spPr>
         <p:txBody>
-          <a:bodyPr anchorCtr="0" anchor="ctr" bIns="91425" lIns="91425" spcFirstLastPara="1" rIns="91425" wrap="square" tIns="91425">
+          <a:bodyPr spcFirstLastPara="1" wrap="square" lIns="91425" tIns="91425" rIns="91425" bIns="91425" anchor="ctr" anchorCtr="0">
             <a:noAutofit/>
           </a:bodyPr>
           <a:lstStyle>
@@ -3597,7 +3713,7 @@
             </a:lvl9pPr>
           </a:lstStyle>
           <a:p>
-            <a:pPr indent="0" lvl="0" marL="0" rtl="0" algn="r">
+            <a:pPr marL="0" lvl="0" indent="0" algn="r" rtl="0">
               <a:spcBef>
                 <a:spcPts val="0"/>
               </a:spcBef>
@@ -3623,11 +3739,11 @@
 </file>
 
 <file path=ppt/slideLayouts/slideLayout2.xml><?xml version="1.0" encoding="utf-8"?>
-<p:sldLayout xmlns:a="http://schemas.openxmlformats.org/drawingml/2006/main" xmlns:r="http://schemas.openxmlformats.org/officeDocument/2006/relationships" xmlns:mc="http://schemas.openxmlformats.org/markup-compatibility/2006" xmlns:mv="urn:schemas-microsoft-com:mac:vml" xmlns:p="http://schemas.openxmlformats.org/presentationml/2006/main" xmlns:c="http://schemas.openxmlformats.org/drawingml/2006/chart" xmlns:dgm="http://schemas.openxmlformats.org/drawingml/2006/diagram" xmlns:o="urn:schemas-microsoft-com:office:office" xmlns:v="urn:schemas-microsoft-com:vml" xmlns:pvml="urn:schemas-microsoft-com:office:powerpoint" xmlns:com="http://schemas.openxmlformats.org/drawingml/2006/compatibility" xmlns:p14="http://schemas.microsoft.com/office/powerpoint/2010/main" xmlns:p15="http://schemas.microsoft.com/office/powerpoint/2012/main" matchingName="Section header" type="secHead">
+<p:sldLayout xmlns:a="http://schemas.openxmlformats.org/drawingml/2006/main" xmlns:r="http://schemas.openxmlformats.org/officeDocument/2006/relationships" xmlns:p="http://schemas.openxmlformats.org/presentationml/2006/main" matchingName="Section header" type="secHead">
   <p:cSld name="SECTION_HEADER">
     <p:spTree>
       <p:nvGrpSpPr>
-        <p:cNvPr id="22" name="Shape 22"/>
+        <p:cNvPr id="1" name="Shape 22"/>
         <p:cNvGrpSpPr/>
         <p:nvPr/>
       </p:nvGrpSpPr>
@@ -3661,12 +3777,12 @@
           </a:ln>
         </p:spPr>
         <p:txBody>
-          <a:bodyPr anchorCtr="0" anchor="ctr" bIns="91425" lIns="91425" spcFirstLastPara="1" rIns="91425" wrap="square" tIns="91425">
+          <a:bodyPr spcFirstLastPara="1" wrap="square" lIns="91425" tIns="91425" rIns="91425" bIns="91425" anchor="ctr" anchorCtr="0">
             <a:noAutofit/>
           </a:bodyPr>
           <a:lstStyle/>
           <a:p>
-            <a:pPr indent="0" lvl="0" marL="0" rtl="0" algn="l">
+            <a:pPr marL="0" lvl="0" indent="0" algn="l" rtl="0">
               <a:spcBef>
                 <a:spcPts val="0"/>
               </a:spcBef>
@@ -3675,9 +3791,6 @@
               </a:spcAft>
               <a:buNone/>
             </a:pPr>
-            <a:r>
-              <a:t/>
-            </a:r>
             <a:endParaRPr/>
           </a:p>
         </p:txBody>
@@ -3685,7 +3798,9 @@
       <p:sp>
         <p:nvSpPr>
           <p:cNvPr id="24" name="Google Shape;24;p3"/>
-          <p:cNvSpPr txBox="1"/>
+          <p:cNvSpPr txBox="1">
+            <a:spLocks noGrp="1"/>
+          </p:cNvSpPr>
           <p:nvPr>
             <p:ph type="title"/>
           </p:nvPr>
@@ -3700,7 +3815,7 @@
           </a:prstGeom>
         </p:spPr>
         <p:txBody>
-          <a:bodyPr anchorCtr="0" anchor="ctr" bIns="91425" lIns="91425" spcFirstLastPara="1" rIns="91425" wrap="square" tIns="91425">
+          <a:bodyPr spcFirstLastPara="1" wrap="square" lIns="91425" tIns="91425" rIns="91425" bIns="91425" anchor="ctr" anchorCtr="0">
             <a:noAutofit/>
           </a:bodyPr>
           <a:lstStyle>
@@ -3804,15 +3919,19 @@
               <a:defRPr/>
             </a:lvl9pPr>
           </a:lstStyle>
-          <a:p/>
+          <a:p>
+            <a:endParaRPr/>
+          </a:p>
         </p:txBody>
       </p:sp>
       <p:sp>
         <p:nvSpPr>
           <p:cNvPr id="25" name="Google Shape;25;p3"/>
-          <p:cNvSpPr txBox="1"/>
+          <p:cNvSpPr txBox="1">
+            <a:spLocks noGrp="1"/>
+          </p:cNvSpPr>
           <p:nvPr>
-            <p:ph idx="12" type="sldNum"/>
+            <p:ph type="sldNum" idx="12"/>
           </p:nvPr>
         </p:nvSpPr>
         <p:spPr>
@@ -3825,7 +3944,7 @@
           </a:prstGeom>
         </p:spPr>
         <p:txBody>
-          <a:bodyPr anchorCtr="0" anchor="ctr" bIns="91425" lIns="91425" spcFirstLastPara="1" rIns="91425" wrap="square" tIns="91425">
+          <a:bodyPr spcFirstLastPara="1" wrap="square" lIns="91425" tIns="91425" rIns="91425" bIns="91425" anchor="ctr" anchorCtr="0">
             <a:noAutofit/>
           </a:bodyPr>
           <a:lstStyle>
@@ -3903,7 +4022,7 @@
             </a:lvl9pPr>
           </a:lstStyle>
           <a:p>
-            <a:pPr indent="0" lvl="0" marL="0" rtl="0" algn="r">
+            <a:pPr marL="0" lvl="0" indent="0" algn="r" rtl="0">
               <a:spcBef>
                 <a:spcPts val="0"/>
               </a:spcBef>
@@ -3929,11 +4048,11 @@
 </file>
 
 <file path=ppt/slideLayouts/slideLayout3.xml><?xml version="1.0" encoding="utf-8"?>
-<p:sldLayout xmlns:a="http://schemas.openxmlformats.org/drawingml/2006/main" xmlns:r="http://schemas.openxmlformats.org/officeDocument/2006/relationships" xmlns:mc="http://schemas.openxmlformats.org/markup-compatibility/2006" xmlns:mv="urn:schemas-microsoft-com:mac:vml" xmlns:p="http://schemas.openxmlformats.org/presentationml/2006/main" xmlns:c="http://schemas.openxmlformats.org/drawingml/2006/chart" xmlns:dgm="http://schemas.openxmlformats.org/drawingml/2006/diagram" xmlns:o="urn:schemas-microsoft-com:office:office" xmlns:v="urn:schemas-microsoft-com:vml" xmlns:pvml="urn:schemas-microsoft-com:office:powerpoint" xmlns:com="http://schemas.openxmlformats.org/drawingml/2006/compatibility" xmlns:p14="http://schemas.microsoft.com/office/powerpoint/2010/main" xmlns:p15="http://schemas.microsoft.com/office/powerpoint/2012/main" matchingName="Title and body" type="tx">
+<p:sldLayout xmlns:a="http://schemas.openxmlformats.org/drawingml/2006/main" xmlns:r="http://schemas.openxmlformats.org/officeDocument/2006/relationships" xmlns:p="http://schemas.openxmlformats.org/presentationml/2006/main" matchingName="Title and body" type="tx">
   <p:cSld name="TITLE_AND_BODY">
     <p:spTree>
       <p:nvGrpSpPr>
-        <p:cNvPr id="26" name="Shape 26"/>
+        <p:cNvPr id="1" name="Shape 26"/>
         <p:cNvGrpSpPr/>
         <p:nvPr/>
       </p:nvGrpSpPr>
@@ -3967,12 +4086,12 @@
           </a:ln>
         </p:spPr>
         <p:txBody>
-          <a:bodyPr anchorCtr="0" anchor="ctr" bIns="91425" lIns="91425" spcFirstLastPara="1" rIns="91425" wrap="square" tIns="91425">
+          <a:bodyPr spcFirstLastPara="1" wrap="square" lIns="91425" tIns="91425" rIns="91425" bIns="91425" anchor="ctr" anchorCtr="0">
             <a:noAutofit/>
           </a:bodyPr>
           <a:lstStyle/>
           <a:p>
-            <a:pPr indent="0" lvl="0" marL="0" rtl="0" algn="l">
+            <a:pPr marL="0" lvl="0" indent="0" algn="l" rtl="0">
               <a:spcBef>
                 <a:spcPts val="0"/>
               </a:spcBef>
@@ -3981,9 +4100,6 @@
               </a:spcAft>
               <a:buNone/>
             </a:pPr>
-            <a:r>
-              <a:t/>
-            </a:r>
             <a:endParaRPr/>
           </a:p>
         </p:txBody>
@@ -3991,7 +4107,9 @@
       <p:sp>
         <p:nvSpPr>
           <p:cNvPr id="28" name="Google Shape;28;p4"/>
-          <p:cNvSpPr txBox="1"/>
+          <p:cNvSpPr txBox="1">
+            <a:spLocks noGrp="1"/>
+          </p:cNvSpPr>
           <p:nvPr>
             <p:ph type="title"/>
           </p:nvPr>
@@ -4006,7 +4124,7 @@
           </a:prstGeom>
         </p:spPr>
         <p:txBody>
-          <a:bodyPr anchorCtr="0" anchor="t" bIns="91425" lIns="91425" spcFirstLastPara="1" rIns="91425" wrap="square" tIns="91425">
+          <a:bodyPr spcFirstLastPara="1" wrap="square" lIns="91425" tIns="91425" rIns="91425" bIns="91425" anchor="t" anchorCtr="0">
             <a:noAutofit/>
           </a:bodyPr>
           <a:lstStyle>
@@ -4110,15 +4228,19 @@
               <a:defRPr/>
             </a:lvl9pPr>
           </a:lstStyle>
-          <a:p/>
+          <a:p>
+            <a:endParaRPr/>
+          </a:p>
         </p:txBody>
       </p:sp>
       <p:sp>
         <p:nvSpPr>
           <p:cNvPr id="29" name="Google Shape;29;p4"/>
-          <p:cNvSpPr txBox="1"/>
+          <p:cNvSpPr txBox="1">
+            <a:spLocks noGrp="1"/>
+          </p:cNvSpPr>
           <p:nvPr>
-            <p:ph idx="1" type="body"/>
+            <p:ph type="body" idx="1"/>
           </p:nvPr>
         </p:nvSpPr>
         <p:spPr>
@@ -4131,11 +4253,11 @@
           </a:prstGeom>
         </p:spPr>
         <p:txBody>
-          <a:bodyPr anchorCtr="0" anchor="t" bIns="91425" lIns="91425" spcFirstLastPara="1" rIns="91425" wrap="square" tIns="91425">
+          <a:bodyPr spcFirstLastPara="1" wrap="square" lIns="91425" tIns="91425" rIns="91425" bIns="91425" anchor="t" anchorCtr="0">
             <a:noAutofit/>
           </a:bodyPr>
           <a:lstStyle>
-            <a:lvl1pPr indent="-342900" lvl="0" marL="457200">
+            <a:lvl1pPr marL="457200" lvl="0" indent="-342900">
               <a:spcBef>
                 <a:spcPts val="0"/>
               </a:spcBef>
@@ -4146,7 +4268,7 @@
               <a:buChar char="●"/>
               <a:defRPr/>
             </a:lvl1pPr>
-            <a:lvl2pPr indent="-317500" lvl="1" marL="914400">
+            <a:lvl2pPr marL="914400" lvl="1" indent="-317500">
               <a:spcBef>
                 <a:spcPts val="1600"/>
               </a:spcBef>
@@ -4157,7 +4279,7 @@
               <a:buChar char="○"/>
               <a:defRPr/>
             </a:lvl2pPr>
-            <a:lvl3pPr indent="-317500" lvl="2" marL="1371600">
+            <a:lvl3pPr marL="1371600" lvl="2" indent="-317500">
               <a:spcBef>
                 <a:spcPts val="1600"/>
               </a:spcBef>
@@ -4168,7 +4290,7 @@
               <a:buChar char="■"/>
               <a:defRPr/>
             </a:lvl3pPr>
-            <a:lvl4pPr indent="-317500" lvl="3" marL="1828800">
+            <a:lvl4pPr marL="1828800" lvl="3" indent="-317500">
               <a:spcBef>
                 <a:spcPts val="1600"/>
               </a:spcBef>
@@ -4179,7 +4301,7 @@
               <a:buChar char="●"/>
               <a:defRPr/>
             </a:lvl4pPr>
-            <a:lvl5pPr indent="-317500" lvl="4" marL="2286000">
+            <a:lvl5pPr marL="2286000" lvl="4" indent="-317500">
               <a:spcBef>
                 <a:spcPts val="1600"/>
               </a:spcBef>
@@ -4190,7 +4312,7 @@
               <a:buChar char="○"/>
               <a:defRPr/>
             </a:lvl5pPr>
-            <a:lvl6pPr indent="-317500" lvl="5" marL="2743200">
+            <a:lvl6pPr marL="2743200" lvl="5" indent="-317500">
               <a:spcBef>
                 <a:spcPts val="1600"/>
               </a:spcBef>
@@ -4201,7 +4323,7 @@
               <a:buChar char="■"/>
               <a:defRPr/>
             </a:lvl6pPr>
-            <a:lvl7pPr indent="-317500" lvl="6" marL="3200400">
+            <a:lvl7pPr marL="3200400" lvl="6" indent="-317500">
               <a:spcBef>
                 <a:spcPts val="1600"/>
               </a:spcBef>
@@ -4212,7 +4334,7 @@
               <a:buChar char="●"/>
               <a:defRPr/>
             </a:lvl7pPr>
-            <a:lvl8pPr indent="-317500" lvl="7" marL="3657600">
+            <a:lvl8pPr marL="3657600" lvl="7" indent="-317500">
               <a:spcBef>
                 <a:spcPts val="1600"/>
               </a:spcBef>
@@ -4223,7 +4345,7 @@
               <a:buChar char="○"/>
               <a:defRPr/>
             </a:lvl8pPr>
-            <a:lvl9pPr indent="-317500" lvl="8" marL="4114800">
+            <a:lvl9pPr marL="4114800" lvl="8" indent="-317500">
               <a:spcBef>
                 <a:spcPts val="1600"/>
               </a:spcBef>
@@ -4235,15 +4357,19 @@
               <a:defRPr/>
             </a:lvl9pPr>
           </a:lstStyle>
-          <a:p/>
+          <a:p>
+            <a:endParaRPr/>
+          </a:p>
         </p:txBody>
       </p:sp>
       <p:sp>
         <p:nvSpPr>
           <p:cNvPr id="30" name="Google Shape;30;p4"/>
-          <p:cNvSpPr txBox="1"/>
+          <p:cNvSpPr txBox="1">
+            <a:spLocks noGrp="1"/>
+          </p:cNvSpPr>
           <p:nvPr>
-            <p:ph idx="12" type="sldNum"/>
+            <p:ph type="sldNum" idx="12"/>
           </p:nvPr>
         </p:nvSpPr>
         <p:spPr>
@@ -4256,7 +4382,7 @@
           </a:prstGeom>
         </p:spPr>
         <p:txBody>
-          <a:bodyPr anchorCtr="0" anchor="ctr" bIns="91425" lIns="91425" spcFirstLastPara="1" rIns="91425" wrap="square" tIns="91425">
+          <a:bodyPr spcFirstLastPara="1" wrap="square" lIns="91425" tIns="91425" rIns="91425" bIns="91425" anchor="ctr" anchorCtr="0">
             <a:noAutofit/>
           </a:bodyPr>
           <a:lstStyle>
@@ -4298,7 +4424,7 @@
             </a:lvl9pPr>
           </a:lstStyle>
           <a:p>
-            <a:pPr indent="0" lvl="0" marL="0" rtl="0" algn="r">
+            <a:pPr marL="0" lvl="0" indent="0" algn="r" rtl="0">
               <a:spcBef>
                 <a:spcPts val="0"/>
               </a:spcBef>
@@ -4352,11 +4478,11 @@
 </file>
 
 <file path=ppt/slideLayouts/slideLayout4.xml><?xml version="1.0" encoding="utf-8"?>
-<p:sldLayout xmlns:a="http://schemas.openxmlformats.org/drawingml/2006/main" xmlns:r="http://schemas.openxmlformats.org/officeDocument/2006/relationships" xmlns:mc="http://schemas.openxmlformats.org/markup-compatibility/2006" xmlns:mv="urn:schemas-microsoft-com:mac:vml" xmlns:p="http://schemas.openxmlformats.org/presentationml/2006/main" xmlns:c="http://schemas.openxmlformats.org/drawingml/2006/chart" xmlns:dgm="http://schemas.openxmlformats.org/drawingml/2006/diagram" xmlns:o="urn:schemas-microsoft-com:office:office" xmlns:v="urn:schemas-microsoft-com:vml" xmlns:pvml="urn:schemas-microsoft-com:office:powerpoint" xmlns:com="http://schemas.openxmlformats.org/drawingml/2006/compatibility" xmlns:p14="http://schemas.microsoft.com/office/powerpoint/2010/main" xmlns:p15="http://schemas.microsoft.com/office/powerpoint/2012/main" matchingName="Title and two columns" type="twoColTx">
+<p:sldLayout xmlns:a="http://schemas.openxmlformats.org/drawingml/2006/main" xmlns:r="http://schemas.openxmlformats.org/officeDocument/2006/relationships" xmlns:p="http://schemas.openxmlformats.org/presentationml/2006/main" matchingName="Title and two columns" type="twoColTx">
   <p:cSld name="TITLE_AND_TWO_COLUMNS">
     <p:spTree>
       <p:nvGrpSpPr>
-        <p:cNvPr id="32" name="Shape 32"/>
+        <p:cNvPr id="1" name="Shape 32"/>
         <p:cNvGrpSpPr/>
         <p:nvPr/>
       </p:nvGrpSpPr>
@@ -4371,7 +4497,9 @@
       <p:sp>
         <p:nvSpPr>
           <p:cNvPr id="33" name="Google Shape;33;p5"/>
-          <p:cNvSpPr txBox="1"/>
+          <p:cNvSpPr txBox="1">
+            <a:spLocks noGrp="1"/>
+          </p:cNvSpPr>
           <p:nvPr>
             <p:ph type="title"/>
           </p:nvPr>
@@ -4386,7 +4514,7 @@
           </a:prstGeom>
         </p:spPr>
         <p:txBody>
-          <a:bodyPr anchorCtr="0" anchor="t" bIns="91425" lIns="91425" spcFirstLastPara="1" rIns="91425" wrap="square" tIns="91425">
+          <a:bodyPr spcFirstLastPara="1" wrap="square" lIns="91425" tIns="91425" rIns="91425" bIns="91425" anchor="t" anchorCtr="0">
             <a:noAutofit/>
           </a:bodyPr>
           <a:lstStyle>
@@ -4490,15 +4618,19 @@
               <a:defRPr/>
             </a:lvl9pPr>
           </a:lstStyle>
-          <a:p/>
+          <a:p>
+            <a:endParaRPr/>
+          </a:p>
         </p:txBody>
       </p:sp>
       <p:sp>
         <p:nvSpPr>
           <p:cNvPr id="34" name="Google Shape;34;p5"/>
-          <p:cNvSpPr txBox="1"/>
+          <p:cNvSpPr txBox="1">
+            <a:spLocks noGrp="1"/>
+          </p:cNvSpPr>
           <p:nvPr>
-            <p:ph idx="1" type="body"/>
+            <p:ph type="body" idx="1"/>
           </p:nvPr>
         </p:nvSpPr>
         <p:spPr>
@@ -4511,11 +4643,11 @@
           </a:prstGeom>
         </p:spPr>
         <p:txBody>
-          <a:bodyPr anchorCtr="0" anchor="t" bIns="91425" lIns="91425" spcFirstLastPara="1" rIns="91425" wrap="square" tIns="91425">
+          <a:bodyPr spcFirstLastPara="1" wrap="square" lIns="91425" tIns="91425" rIns="91425" bIns="91425" anchor="t" anchorCtr="0">
             <a:noAutofit/>
           </a:bodyPr>
           <a:lstStyle>
-            <a:lvl1pPr indent="-317500" lvl="0" marL="457200">
+            <a:lvl1pPr marL="457200" lvl="0" indent="-317500">
               <a:spcBef>
                 <a:spcPts val="0"/>
               </a:spcBef>
@@ -4526,7 +4658,7 @@
               <a:buChar char="●"/>
               <a:defRPr sz="1400"/>
             </a:lvl1pPr>
-            <a:lvl2pPr indent="-304800" lvl="1" marL="914400">
+            <a:lvl2pPr marL="914400" lvl="1" indent="-304800">
               <a:spcBef>
                 <a:spcPts val="1600"/>
               </a:spcBef>
@@ -4537,7 +4669,7 @@
               <a:buChar char="○"/>
               <a:defRPr sz="1200"/>
             </a:lvl2pPr>
-            <a:lvl3pPr indent="-304800" lvl="2" marL="1371600">
+            <a:lvl3pPr marL="1371600" lvl="2" indent="-304800">
               <a:spcBef>
                 <a:spcPts val="1600"/>
               </a:spcBef>
@@ -4548,7 +4680,7 @@
               <a:buChar char="■"/>
               <a:defRPr sz="1200"/>
             </a:lvl3pPr>
-            <a:lvl4pPr indent="-304800" lvl="3" marL="1828800">
+            <a:lvl4pPr marL="1828800" lvl="3" indent="-304800">
               <a:spcBef>
                 <a:spcPts val="1600"/>
               </a:spcBef>
@@ -4559,7 +4691,7 @@
               <a:buChar char="●"/>
               <a:defRPr sz="1200"/>
             </a:lvl4pPr>
-            <a:lvl5pPr indent="-304800" lvl="4" marL="2286000">
+            <a:lvl5pPr marL="2286000" lvl="4" indent="-304800">
               <a:spcBef>
                 <a:spcPts val="1600"/>
               </a:spcBef>
@@ -4570,7 +4702,7 @@
               <a:buChar char="○"/>
               <a:defRPr sz="1200"/>
             </a:lvl5pPr>
-            <a:lvl6pPr indent="-304800" lvl="5" marL="2743200">
+            <a:lvl6pPr marL="2743200" lvl="5" indent="-304800">
               <a:spcBef>
                 <a:spcPts val="1600"/>
               </a:spcBef>
@@ -4581,7 +4713,7 @@
               <a:buChar char="■"/>
               <a:defRPr sz="1200"/>
             </a:lvl6pPr>
-            <a:lvl7pPr indent="-304800" lvl="6" marL="3200400">
+            <a:lvl7pPr marL="3200400" lvl="6" indent="-304800">
               <a:spcBef>
                 <a:spcPts val="1600"/>
               </a:spcBef>
@@ -4592,7 +4724,7 @@
               <a:buChar char="●"/>
               <a:defRPr sz="1200"/>
             </a:lvl7pPr>
-            <a:lvl8pPr indent="-304800" lvl="7" marL="3657600">
+            <a:lvl8pPr marL="3657600" lvl="7" indent="-304800">
               <a:spcBef>
                 <a:spcPts val="1600"/>
               </a:spcBef>
@@ -4603,7 +4735,7 @@
               <a:buChar char="○"/>
               <a:defRPr sz="1200"/>
             </a:lvl8pPr>
-            <a:lvl9pPr indent="-304800" lvl="8" marL="4114800">
+            <a:lvl9pPr marL="4114800" lvl="8" indent="-304800">
               <a:spcBef>
                 <a:spcPts val="1600"/>
               </a:spcBef>
@@ -4615,15 +4747,19 @@
               <a:defRPr sz="1200"/>
             </a:lvl9pPr>
           </a:lstStyle>
-          <a:p/>
+          <a:p>
+            <a:endParaRPr/>
+          </a:p>
         </p:txBody>
       </p:sp>
       <p:sp>
         <p:nvSpPr>
           <p:cNvPr id="35" name="Google Shape;35;p5"/>
-          <p:cNvSpPr txBox="1"/>
+          <p:cNvSpPr txBox="1">
+            <a:spLocks noGrp="1"/>
+          </p:cNvSpPr>
           <p:nvPr>
-            <p:ph idx="2" type="body"/>
+            <p:ph type="body" idx="2"/>
           </p:nvPr>
         </p:nvSpPr>
         <p:spPr>
@@ -4636,11 +4772,11 @@
           </a:prstGeom>
         </p:spPr>
         <p:txBody>
-          <a:bodyPr anchorCtr="0" anchor="t" bIns="91425" lIns="91425" spcFirstLastPara="1" rIns="91425" wrap="square" tIns="91425">
+          <a:bodyPr spcFirstLastPara="1" wrap="square" lIns="91425" tIns="91425" rIns="91425" bIns="91425" anchor="t" anchorCtr="0">
             <a:noAutofit/>
           </a:bodyPr>
           <a:lstStyle>
-            <a:lvl1pPr indent="-317500" lvl="0" marL="457200">
+            <a:lvl1pPr marL="457200" lvl="0" indent="-317500">
               <a:spcBef>
                 <a:spcPts val="0"/>
               </a:spcBef>
@@ -4651,7 +4787,7 @@
               <a:buChar char="●"/>
               <a:defRPr sz="1400"/>
             </a:lvl1pPr>
-            <a:lvl2pPr indent="-304800" lvl="1" marL="914400">
+            <a:lvl2pPr marL="914400" lvl="1" indent="-304800">
               <a:spcBef>
                 <a:spcPts val="1600"/>
               </a:spcBef>
@@ -4662,7 +4798,7 @@
               <a:buChar char="○"/>
               <a:defRPr sz="1200"/>
             </a:lvl2pPr>
-            <a:lvl3pPr indent="-304800" lvl="2" marL="1371600">
+            <a:lvl3pPr marL="1371600" lvl="2" indent="-304800">
               <a:spcBef>
                 <a:spcPts val="1600"/>
               </a:spcBef>
@@ -4673,7 +4809,7 @@
               <a:buChar char="■"/>
               <a:defRPr sz="1200"/>
             </a:lvl3pPr>
-            <a:lvl4pPr indent="-304800" lvl="3" marL="1828800">
+            <a:lvl4pPr marL="1828800" lvl="3" indent="-304800">
               <a:spcBef>
                 <a:spcPts val="1600"/>
               </a:spcBef>
@@ -4684,7 +4820,7 @@
               <a:buChar char="●"/>
               <a:defRPr sz="1200"/>
             </a:lvl4pPr>
-            <a:lvl5pPr indent="-304800" lvl="4" marL="2286000">
+            <a:lvl5pPr marL="2286000" lvl="4" indent="-304800">
               <a:spcBef>
                 <a:spcPts val="1600"/>
               </a:spcBef>
@@ -4695,7 +4831,7 @@
               <a:buChar char="○"/>
               <a:defRPr sz="1200"/>
             </a:lvl5pPr>
-            <a:lvl6pPr indent="-304800" lvl="5" marL="2743200">
+            <a:lvl6pPr marL="2743200" lvl="5" indent="-304800">
               <a:spcBef>
                 <a:spcPts val="1600"/>
               </a:spcBef>
@@ -4706,7 +4842,7 @@
               <a:buChar char="■"/>
               <a:defRPr sz="1200"/>
             </a:lvl6pPr>
-            <a:lvl7pPr indent="-304800" lvl="6" marL="3200400">
+            <a:lvl7pPr marL="3200400" lvl="6" indent="-304800">
               <a:spcBef>
                 <a:spcPts val="1600"/>
               </a:spcBef>
@@ -4717,7 +4853,7 @@
               <a:buChar char="●"/>
               <a:defRPr sz="1200"/>
             </a:lvl7pPr>
-            <a:lvl8pPr indent="-304800" lvl="7" marL="3657600">
+            <a:lvl8pPr marL="3657600" lvl="7" indent="-304800">
               <a:spcBef>
                 <a:spcPts val="1600"/>
               </a:spcBef>
@@ -4728,7 +4864,7 @@
               <a:buChar char="○"/>
               <a:defRPr sz="1200"/>
             </a:lvl8pPr>
-            <a:lvl9pPr indent="-304800" lvl="8" marL="4114800">
+            <a:lvl9pPr marL="4114800" lvl="8" indent="-304800">
               <a:spcBef>
                 <a:spcPts val="1600"/>
               </a:spcBef>
@@ -4740,15 +4876,19 @@
               <a:defRPr sz="1200"/>
             </a:lvl9pPr>
           </a:lstStyle>
-          <a:p/>
+          <a:p>
+            <a:endParaRPr/>
+          </a:p>
         </p:txBody>
       </p:sp>
       <p:sp>
         <p:nvSpPr>
           <p:cNvPr id="36" name="Google Shape;36;p5"/>
-          <p:cNvSpPr txBox="1"/>
+          <p:cNvSpPr txBox="1">
+            <a:spLocks noGrp="1"/>
+          </p:cNvSpPr>
           <p:nvPr>
-            <p:ph idx="12" type="sldNum"/>
+            <p:ph type="sldNum" idx="12"/>
           </p:nvPr>
         </p:nvSpPr>
         <p:spPr>
@@ -4761,7 +4901,7 @@
           </a:prstGeom>
         </p:spPr>
         <p:txBody>
-          <a:bodyPr anchorCtr="0" anchor="ctr" bIns="91425" lIns="91425" spcFirstLastPara="1" rIns="91425" wrap="square" tIns="91425">
+          <a:bodyPr spcFirstLastPara="1" wrap="square" lIns="91425" tIns="91425" rIns="91425" bIns="91425" anchor="ctr" anchorCtr="0">
             <a:noAutofit/>
           </a:bodyPr>
           <a:lstStyle>
@@ -4803,7 +4943,7 @@
             </a:lvl9pPr>
           </a:lstStyle>
           <a:p>
-            <a:pPr indent="0" lvl="0" marL="0" rtl="0" algn="r">
+            <a:pPr marL="0" lvl="0" indent="0" algn="r" rtl="0">
               <a:spcBef>
                 <a:spcPts val="0"/>
               </a:spcBef>
@@ -4829,11 +4969,11 @@
 </file>
 
 <file path=ppt/slideLayouts/slideLayout5.xml><?xml version="1.0" encoding="utf-8"?>
-<p:sldLayout xmlns:a="http://schemas.openxmlformats.org/drawingml/2006/main" xmlns:r="http://schemas.openxmlformats.org/officeDocument/2006/relationships" xmlns:mc="http://schemas.openxmlformats.org/markup-compatibility/2006" xmlns:mv="urn:schemas-microsoft-com:mac:vml" xmlns:p="http://schemas.openxmlformats.org/presentationml/2006/main" xmlns:c="http://schemas.openxmlformats.org/drawingml/2006/chart" xmlns:dgm="http://schemas.openxmlformats.org/drawingml/2006/diagram" xmlns:o="urn:schemas-microsoft-com:office:office" xmlns:v="urn:schemas-microsoft-com:vml" xmlns:pvml="urn:schemas-microsoft-com:office:powerpoint" xmlns:com="http://schemas.openxmlformats.org/drawingml/2006/compatibility" xmlns:p14="http://schemas.microsoft.com/office/powerpoint/2010/main" xmlns:p15="http://schemas.microsoft.com/office/powerpoint/2012/main" matchingName="Title only" type="titleOnly">
+<p:sldLayout xmlns:a="http://schemas.openxmlformats.org/drawingml/2006/main" xmlns:r="http://schemas.openxmlformats.org/officeDocument/2006/relationships" xmlns:p="http://schemas.openxmlformats.org/presentationml/2006/main" matchingName="Title only" type="titleOnly">
   <p:cSld name="TITLE_ONLY">
     <p:spTree>
       <p:nvGrpSpPr>
-        <p:cNvPr id="37" name="Shape 37"/>
+        <p:cNvPr id="1" name="Shape 37"/>
         <p:cNvGrpSpPr/>
         <p:nvPr/>
       </p:nvGrpSpPr>
@@ -4848,7 +4988,9 @@
       <p:sp>
         <p:nvSpPr>
           <p:cNvPr id="38" name="Google Shape;38;p6"/>
-          <p:cNvSpPr txBox="1"/>
+          <p:cNvSpPr txBox="1">
+            <a:spLocks noGrp="1"/>
+          </p:cNvSpPr>
           <p:nvPr>
             <p:ph type="title"/>
           </p:nvPr>
@@ -4863,7 +5005,7 @@
           </a:prstGeom>
         </p:spPr>
         <p:txBody>
-          <a:bodyPr anchorCtr="0" anchor="t" bIns="91425" lIns="91425" spcFirstLastPara="1" rIns="91425" wrap="square" tIns="91425">
+          <a:bodyPr spcFirstLastPara="1" wrap="square" lIns="91425" tIns="91425" rIns="91425" bIns="91425" anchor="t" anchorCtr="0">
             <a:noAutofit/>
           </a:bodyPr>
           <a:lstStyle>
@@ -4967,15 +5109,19 @@
               <a:defRPr/>
             </a:lvl9pPr>
           </a:lstStyle>
-          <a:p/>
+          <a:p>
+            <a:endParaRPr/>
+          </a:p>
         </p:txBody>
       </p:sp>
       <p:sp>
         <p:nvSpPr>
           <p:cNvPr id="39" name="Google Shape;39;p6"/>
-          <p:cNvSpPr txBox="1"/>
+          <p:cNvSpPr txBox="1">
+            <a:spLocks noGrp="1"/>
+          </p:cNvSpPr>
           <p:nvPr>
-            <p:ph idx="12" type="sldNum"/>
+            <p:ph type="sldNum" idx="12"/>
           </p:nvPr>
         </p:nvSpPr>
         <p:spPr>
@@ -4988,7 +5134,7 @@
           </a:prstGeom>
         </p:spPr>
         <p:txBody>
-          <a:bodyPr anchorCtr="0" anchor="ctr" bIns="91425" lIns="91425" spcFirstLastPara="1" rIns="91425" wrap="square" tIns="91425">
+          <a:bodyPr spcFirstLastPara="1" wrap="square" lIns="91425" tIns="91425" rIns="91425" bIns="91425" anchor="ctr" anchorCtr="0">
             <a:noAutofit/>
           </a:bodyPr>
           <a:lstStyle>
@@ -5030,7 +5176,7 @@
             </a:lvl9pPr>
           </a:lstStyle>
           <a:p>
-            <a:pPr indent="0" lvl="0" marL="0" rtl="0" algn="r">
+            <a:pPr marL="0" lvl="0" indent="0" algn="r" rtl="0">
               <a:spcBef>
                 <a:spcPts val="0"/>
               </a:spcBef>
@@ -5056,11 +5202,11 @@
 </file>
 
 <file path=ppt/slideLayouts/slideLayout6.xml><?xml version="1.0" encoding="utf-8"?>
-<p:sldLayout xmlns:a="http://schemas.openxmlformats.org/drawingml/2006/main" xmlns:r="http://schemas.openxmlformats.org/officeDocument/2006/relationships" xmlns:mc="http://schemas.openxmlformats.org/markup-compatibility/2006" xmlns:mv="urn:schemas-microsoft-com:mac:vml" xmlns:p="http://schemas.openxmlformats.org/presentationml/2006/main" xmlns:c="http://schemas.openxmlformats.org/drawingml/2006/chart" xmlns:dgm="http://schemas.openxmlformats.org/drawingml/2006/diagram" xmlns:o="urn:schemas-microsoft-com:office:office" xmlns:v="urn:schemas-microsoft-com:vml" xmlns:pvml="urn:schemas-microsoft-com:office:powerpoint" xmlns:com="http://schemas.openxmlformats.org/drawingml/2006/compatibility" xmlns:p14="http://schemas.microsoft.com/office/powerpoint/2010/main" xmlns:p15="http://schemas.microsoft.com/office/powerpoint/2012/main" matchingName="One column text">
+<p:sldLayout xmlns:a="http://schemas.openxmlformats.org/drawingml/2006/main" xmlns:r="http://schemas.openxmlformats.org/officeDocument/2006/relationships" xmlns:p="http://schemas.openxmlformats.org/presentationml/2006/main" matchingName="One column text">
   <p:cSld name="ONE_COLUMN_TEXT">
     <p:spTree>
       <p:nvGrpSpPr>
-        <p:cNvPr id="40" name="Shape 40"/>
+        <p:cNvPr id="1" name="Shape 40"/>
         <p:cNvGrpSpPr/>
         <p:nvPr/>
       </p:nvGrpSpPr>
@@ -5075,7 +5221,9 @@
       <p:sp>
         <p:nvSpPr>
           <p:cNvPr id="41" name="Google Shape;41;p7"/>
-          <p:cNvSpPr txBox="1"/>
+          <p:cNvSpPr txBox="1">
+            <a:spLocks noGrp="1"/>
+          </p:cNvSpPr>
           <p:nvPr>
             <p:ph type="title"/>
           </p:nvPr>
@@ -5090,7 +5238,7 @@
           </a:prstGeom>
         </p:spPr>
         <p:txBody>
-          <a:bodyPr anchorCtr="0" anchor="b" bIns="91425" lIns="91425" spcFirstLastPara="1" rIns="91425" wrap="square" tIns="91425">
+          <a:bodyPr spcFirstLastPara="1" wrap="square" lIns="91425" tIns="91425" rIns="91425" bIns="91425" anchor="b" anchorCtr="0">
             <a:noAutofit/>
           </a:bodyPr>
           <a:lstStyle>
@@ -5194,15 +5342,19 @@
               <a:defRPr sz="2400"/>
             </a:lvl9pPr>
           </a:lstStyle>
-          <a:p/>
+          <a:p>
+            <a:endParaRPr/>
+          </a:p>
         </p:txBody>
       </p:sp>
       <p:sp>
         <p:nvSpPr>
           <p:cNvPr id="42" name="Google Shape;42;p7"/>
-          <p:cNvSpPr txBox="1"/>
+          <p:cNvSpPr txBox="1">
+            <a:spLocks noGrp="1"/>
+          </p:cNvSpPr>
           <p:nvPr>
-            <p:ph idx="1" type="body"/>
+            <p:ph type="body" idx="1"/>
           </p:nvPr>
         </p:nvSpPr>
         <p:spPr>
@@ -5215,11 +5367,11 @@
           </a:prstGeom>
         </p:spPr>
         <p:txBody>
-          <a:bodyPr anchorCtr="0" anchor="t" bIns="91425" lIns="91425" spcFirstLastPara="1" rIns="91425" wrap="square" tIns="91425">
+          <a:bodyPr spcFirstLastPara="1" wrap="square" lIns="91425" tIns="91425" rIns="91425" bIns="91425" anchor="t" anchorCtr="0">
             <a:noAutofit/>
           </a:bodyPr>
           <a:lstStyle>
-            <a:lvl1pPr indent="-304800" lvl="0" marL="457200">
+            <a:lvl1pPr marL="457200" lvl="0" indent="-304800">
               <a:spcBef>
                 <a:spcPts val="0"/>
               </a:spcBef>
@@ -5230,7 +5382,7 @@
               <a:buChar char="●"/>
               <a:defRPr sz="1200"/>
             </a:lvl1pPr>
-            <a:lvl2pPr indent="-304800" lvl="1" marL="914400">
+            <a:lvl2pPr marL="914400" lvl="1" indent="-304800">
               <a:spcBef>
                 <a:spcPts val="1600"/>
               </a:spcBef>
@@ -5241,7 +5393,7 @@
               <a:buChar char="○"/>
               <a:defRPr sz="1200"/>
             </a:lvl2pPr>
-            <a:lvl3pPr indent="-304800" lvl="2" marL="1371600">
+            <a:lvl3pPr marL="1371600" lvl="2" indent="-304800">
               <a:spcBef>
                 <a:spcPts val="1600"/>
               </a:spcBef>
@@ -5252,7 +5404,7 @@
               <a:buChar char="■"/>
               <a:defRPr sz="1200"/>
             </a:lvl3pPr>
-            <a:lvl4pPr indent="-304800" lvl="3" marL="1828800">
+            <a:lvl4pPr marL="1828800" lvl="3" indent="-304800">
               <a:spcBef>
                 <a:spcPts val="1600"/>
               </a:spcBef>
@@ -5263,7 +5415,7 @@
               <a:buChar char="●"/>
               <a:defRPr sz="1200"/>
             </a:lvl4pPr>
-            <a:lvl5pPr indent="-304800" lvl="4" marL="2286000">
+            <a:lvl5pPr marL="2286000" lvl="4" indent="-304800">
               <a:spcBef>
                 <a:spcPts val="1600"/>
               </a:spcBef>
@@ -5274,7 +5426,7 @@
               <a:buChar char="○"/>
               <a:defRPr sz="1200"/>
             </a:lvl5pPr>
-            <a:lvl6pPr indent="-304800" lvl="5" marL="2743200">
+            <a:lvl6pPr marL="2743200" lvl="5" indent="-304800">
               <a:spcBef>
                 <a:spcPts val="1600"/>
               </a:spcBef>
@@ -5285,7 +5437,7 @@
               <a:buChar char="■"/>
               <a:defRPr sz="1200"/>
             </a:lvl6pPr>
-            <a:lvl7pPr indent="-304800" lvl="6" marL="3200400">
+            <a:lvl7pPr marL="3200400" lvl="6" indent="-304800">
               <a:spcBef>
                 <a:spcPts val="1600"/>
               </a:spcBef>
@@ -5296,7 +5448,7 @@
               <a:buChar char="●"/>
               <a:defRPr sz="1200"/>
             </a:lvl7pPr>
-            <a:lvl8pPr indent="-304800" lvl="7" marL="3657600">
+            <a:lvl8pPr marL="3657600" lvl="7" indent="-304800">
               <a:spcBef>
                 <a:spcPts val="1600"/>
               </a:spcBef>
@@ -5307,7 +5459,7 @@
               <a:buChar char="○"/>
               <a:defRPr sz="1200"/>
             </a:lvl8pPr>
-            <a:lvl9pPr indent="-304800" lvl="8" marL="4114800">
+            <a:lvl9pPr marL="4114800" lvl="8" indent="-304800">
               <a:spcBef>
                 <a:spcPts val="1600"/>
               </a:spcBef>
@@ -5319,15 +5471,19 @@
               <a:defRPr sz="1200"/>
             </a:lvl9pPr>
           </a:lstStyle>
-          <a:p/>
+          <a:p>
+            <a:endParaRPr/>
+          </a:p>
         </p:txBody>
       </p:sp>
       <p:sp>
         <p:nvSpPr>
           <p:cNvPr id="43" name="Google Shape;43;p7"/>
-          <p:cNvSpPr txBox="1"/>
+          <p:cNvSpPr txBox="1">
+            <a:spLocks noGrp="1"/>
+          </p:cNvSpPr>
           <p:nvPr>
-            <p:ph idx="12" type="sldNum"/>
+            <p:ph type="sldNum" idx="12"/>
           </p:nvPr>
         </p:nvSpPr>
         <p:spPr>
@@ -5340,7 +5496,7 @@
           </a:prstGeom>
         </p:spPr>
         <p:txBody>
-          <a:bodyPr anchorCtr="0" anchor="ctr" bIns="91425" lIns="91425" spcFirstLastPara="1" rIns="91425" wrap="square" tIns="91425">
+          <a:bodyPr spcFirstLastPara="1" wrap="square" lIns="91425" tIns="91425" rIns="91425" bIns="91425" anchor="ctr" anchorCtr="0">
             <a:noAutofit/>
           </a:bodyPr>
           <a:lstStyle>
@@ -5382,7 +5538,7 @@
             </a:lvl9pPr>
           </a:lstStyle>
           <a:p>
-            <a:pPr indent="0" lvl="0" marL="0" rtl="0" algn="r">
+            <a:pPr marL="0" lvl="0" indent="0" algn="r" rtl="0">
               <a:spcBef>
                 <a:spcPts val="0"/>
               </a:spcBef>
@@ -5408,18 +5564,19 @@
 </file>
 
 <file path=ppt/slideLayouts/slideLayout7.xml><?xml version="1.0" encoding="utf-8"?>
-<p:sldLayout xmlns:a="http://schemas.openxmlformats.org/drawingml/2006/main" xmlns:r="http://schemas.openxmlformats.org/officeDocument/2006/relationships" xmlns:mc="http://schemas.openxmlformats.org/markup-compatibility/2006" xmlns:mv="urn:schemas-microsoft-com:mac:vml" xmlns:p="http://schemas.openxmlformats.org/presentationml/2006/main" xmlns:c="http://schemas.openxmlformats.org/drawingml/2006/chart" xmlns:dgm="http://schemas.openxmlformats.org/drawingml/2006/diagram" xmlns:o="urn:schemas-microsoft-com:office:office" xmlns:v="urn:schemas-microsoft-com:vml" xmlns:pvml="urn:schemas-microsoft-com:office:powerpoint" xmlns:com="http://schemas.openxmlformats.org/drawingml/2006/compatibility" xmlns:p14="http://schemas.microsoft.com/office/powerpoint/2010/main" xmlns:p15="http://schemas.microsoft.com/office/powerpoint/2012/main" matchingName="Main point">
+<p:sldLayout xmlns:a="http://schemas.openxmlformats.org/drawingml/2006/main" xmlns:r="http://schemas.openxmlformats.org/officeDocument/2006/relationships" xmlns:p="http://schemas.openxmlformats.org/presentationml/2006/main" matchingName="Main point">
   <p:cSld name="MAIN_POINT">
     <p:bg>
       <p:bgPr>
         <a:solidFill>
           <a:schemeClr val="accent6"/>
         </a:solidFill>
+        <a:effectLst/>
       </p:bgPr>
     </p:bg>
     <p:spTree>
       <p:nvGrpSpPr>
-        <p:cNvPr id="44" name="Shape 44"/>
+        <p:cNvPr id="1" name="Shape 44"/>
         <p:cNvGrpSpPr/>
         <p:nvPr/>
       </p:nvGrpSpPr>
@@ -5434,7 +5591,9 @@
       <p:sp>
         <p:nvSpPr>
           <p:cNvPr id="45" name="Google Shape;45;p8"/>
-          <p:cNvSpPr txBox="1"/>
+          <p:cNvSpPr txBox="1">
+            <a:spLocks noGrp="1"/>
+          </p:cNvSpPr>
           <p:nvPr>
             <p:ph type="title"/>
           </p:nvPr>
@@ -5449,7 +5608,7 @@
           </a:prstGeom>
         </p:spPr>
         <p:txBody>
-          <a:bodyPr anchorCtr="0" anchor="ctr" bIns="91425" lIns="91425" spcFirstLastPara="1" rIns="91425" wrap="square" tIns="91425">
+          <a:bodyPr spcFirstLastPara="1" wrap="square" lIns="91425" tIns="91425" rIns="91425" bIns="91425" anchor="ctr" anchorCtr="0">
             <a:noAutofit/>
           </a:bodyPr>
           <a:lstStyle>
@@ -5465,7 +5624,7 @@
               </a:buClr>
               <a:buSzPts val="5400"/>
               <a:buNone/>
-              <a:defRPr b="0" sz="5400">
+              <a:defRPr sz="5400" b="0">
                 <a:solidFill>
                   <a:schemeClr val="dk2"/>
                 </a:solidFill>
@@ -5483,7 +5642,7 @@
               </a:buClr>
               <a:buSzPts val="5400"/>
               <a:buNone/>
-              <a:defRPr b="0" sz="5400">
+              <a:defRPr sz="5400" b="0">
                 <a:solidFill>
                   <a:schemeClr val="dk2"/>
                 </a:solidFill>
@@ -5501,7 +5660,7 @@
               </a:buClr>
               <a:buSzPts val="5400"/>
               <a:buNone/>
-              <a:defRPr b="0" sz="5400">
+              <a:defRPr sz="5400" b="0">
                 <a:solidFill>
                   <a:schemeClr val="dk2"/>
                 </a:solidFill>
@@ -5519,7 +5678,7 @@
               </a:buClr>
               <a:buSzPts val="5400"/>
               <a:buNone/>
-              <a:defRPr b="0" sz="5400">
+              <a:defRPr sz="5400" b="0">
                 <a:solidFill>
                   <a:schemeClr val="dk2"/>
                 </a:solidFill>
@@ -5537,7 +5696,7 @@
               </a:buClr>
               <a:buSzPts val="5400"/>
               <a:buNone/>
-              <a:defRPr b="0" sz="5400">
+              <a:defRPr sz="5400" b="0">
                 <a:solidFill>
                   <a:schemeClr val="dk2"/>
                 </a:solidFill>
@@ -5555,7 +5714,7 @@
               </a:buClr>
               <a:buSzPts val="5400"/>
               <a:buNone/>
-              <a:defRPr b="0" sz="5400">
+              <a:defRPr sz="5400" b="0">
                 <a:solidFill>
                   <a:schemeClr val="dk2"/>
                 </a:solidFill>
@@ -5573,7 +5732,7 @@
               </a:buClr>
               <a:buSzPts val="5400"/>
               <a:buNone/>
-              <a:defRPr b="0" sz="5400">
+              <a:defRPr sz="5400" b="0">
                 <a:solidFill>
                   <a:schemeClr val="dk2"/>
                 </a:solidFill>
@@ -5591,7 +5750,7 @@
               </a:buClr>
               <a:buSzPts val="5400"/>
               <a:buNone/>
-              <a:defRPr b="0" sz="5400">
+              <a:defRPr sz="5400" b="0">
                 <a:solidFill>
                   <a:schemeClr val="dk2"/>
                 </a:solidFill>
@@ -5609,22 +5768,26 @@
               </a:buClr>
               <a:buSzPts val="5400"/>
               <a:buNone/>
-              <a:defRPr b="0" sz="5400">
+              <a:defRPr sz="5400" b="0">
                 <a:solidFill>
                   <a:schemeClr val="dk2"/>
                 </a:solidFill>
               </a:defRPr>
             </a:lvl9pPr>
           </a:lstStyle>
-          <a:p/>
+          <a:p>
+            <a:endParaRPr/>
+          </a:p>
         </p:txBody>
       </p:sp>
       <p:sp>
         <p:nvSpPr>
           <p:cNvPr id="46" name="Google Shape;46;p8"/>
-          <p:cNvSpPr txBox="1"/>
+          <p:cNvSpPr txBox="1">
+            <a:spLocks noGrp="1"/>
+          </p:cNvSpPr>
           <p:nvPr>
-            <p:ph idx="12" type="sldNum"/>
+            <p:ph type="sldNum" idx="12"/>
           </p:nvPr>
         </p:nvSpPr>
         <p:spPr>
@@ -5637,7 +5800,7 @@
           </a:prstGeom>
         </p:spPr>
         <p:txBody>
-          <a:bodyPr anchorCtr="0" anchor="ctr" bIns="91425" lIns="91425" spcFirstLastPara="1" rIns="91425" wrap="square" tIns="91425">
+          <a:bodyPr spcFirstLastPara="1" wrap="square" lIns="91425" tIns="91425" rIns="91425" bIns="91425" anchor="ctr" anchorCtr="0">
             <a:noAutofit/>
           </a:bodyPr>
           <a:lstStyle>
@@ -5679,7 +5842,7 @@
             </a:lvl9pPr>
           </a:lstStyle>
           <a:p>
-            <a:pPr indent="0" lvl="0" marL="0" rtl="0" algn="r">
+            <a:pPr marL="0" lvl="0" indent="0" algn="r" rtl="0">
               <a:spcBef>
                 <a:spcPts val="0"/>
               </a:spcBef>
@@ -5705,11 +5868,11 @@
 </file>
 
 <file path=ppt/slideLayouts/slideLayout8.xml><?xml version="1.0" encoding="utf-8"?>
-<p:sldLayout xmlns:a="http://schemas.openxmlformats.org/drawingml/2006/main" xmlns:r="http://schemas.openxmlformats.org/officeDocument/2006/relationships" xmlns:mc="http://schemas.openxmlformats.org/markup-compatibility/2006" xmlns:mv="urn:schemas-microsoft-com:mac:vml" xmlns:p="http://schemas.openxmlformats.org/presentationml/2006/main" xmlns:c="http://schemas.openxmlformats.org/drawingml/2006/chart" xmlns:dgm="http://schemas.openxmlformats.org/drawingml/2006/diagram" xmlns:o="urn:schemas-microsoft-com:office:office" xmlns:v="urn:schemas-microsoft-com:vml" xmlns:pvml="urn:schemas-microsoft-com:office:powerpoint" xmlns:com="http://schemas.openxmlformats.org/drawingml/2006/compatibility" xmlns:p14="http://schemas.microsoft.com/office/powerpoint/2010/main" xmlns:p15="http://schemas.microsoft.com/office/powerpoint/2012/main" matchingName="Section title and description">
+<p:sldLayout xmlns:a="http://schemas.openxmlformats.org/drawingml/2006/main" xmlns:r="http://schemas.openxmlformats.org/officeDocument/2006/relationships" xmlns:p="http://schemas.openxmlformats.org/presentationml/2006/main" matchingName="Section title and description">
   <p:cSld name="SECTION_TITLE_AND_DESCRIPTION">
     <p:spTree>
       <p:nvGrpSpPr>
-        <p:cNvPr id="47" name="Shape 47"/>
+        <p:cNvPr id="1" name="Shape 47"/>
         <p:cNvGrpSpPr/>
         <p:nvPr/>
       </p:nvGrpSpPr>
@@ -5743,12 +5906,12 @@
           </a:ln>
         </p:spPr>
         <p:txBody>
-          <a:bodyPr anchorCtr="0" anchor="ctr" bIns="91425" lIns="91425" spcFirstLastPara="1" rIns="91425" wrap="square" tIns="91425">
+          <a:bodyPr spcFirstLastPara="1" wrap="square" lIns="91425" tIns="91425" rIns="91425" bIns="91425" anchor="ctr" anchorCtr="0">
             <a:noAutofit/>
           </a:bodyPr>
           <a:lstStyle/>
           <a:p>
-            <a:pPr indent="0" lvl="0" marL="0" rtl="0" algn="l">
+            <a:pPr marL="0" lvl="0" indent="0" algn="l" rtl="0">
               <a:spcBef>
                 <a:spcPts val="0"/>
               </a:spcBef>
@@ -5757,9 +5920,6 @@
               </a:spcAft>
               <a:buNone/>
             </a:pPr>
-            <a:r>
-              <a:t/>
-            </a:r>
             <a:endParaRPr/>
           </a:p>
         </p:txBody>
@@ -5779,21 +5939,23 @@
             <a:avLst/>
           </a:prstGeom>
           <a:noFill/>
-          <a:ln cap="flat" cmpd="sng" w="19050">
+          <a:ln w="19050" cap="flat" cmpd="sng">
             <a:solidFill>
               <a:schemeClr val="lt1"/>
             </a:solidFill>
             <a:prstDash val="solid"/>
             <a:round/>
-            <a:headEnd len="sm" w="sm" type="none"/>
-            <a:tailEnd len="sm" w="sm" type="none"/>
+            <a:headEnd type="none" w="sm" len="sm"/>
+            <a:tailEnd type="none" w="sm" len="sm"/>
           </a:ln>
         </p:spPr>
       </p:cxnSp>
       <p:sp>
         <p:nvSpPr>
           <p:cNvPr id="50" name="Google Shape;50;p9"/>
-          <p:cNvSpPr txBox="1"/>
+          <p:cNvSpPr txBox="1">
+            <a:spLocks noGrp="1"/>
+          </p:cNvSpPr>
           <p:nvPr>
             <p:ph type="title"/>
           </p:nvPr>
@@ -5808,7 +5970,7 @@
           </a:prstGeom>
         </p:spPr>
         <p:txBody>
-          <a:bodyPr anchorCtr="0" anchor="b" bIns="91425" lIns="91425" spcFirstLastPara="1" rIns="91425" wrap="square" tIns="91425">
+          <a:bodyPr spcFirstLastPara="1" wrap="square" lIns="91425" tIns="91425" rIns="91425" bIns="91425" anchor="b" anchorCtr="0">
             <a:noAutofit/>
           </a:bodyPr>
           <a:lstStyle>
@@ -5912,15 +6074,19 @@
               <a:defRPr sz="4200"/>
             </a:lvl9pPr>
           </a:lstStyle>
-          <a:p/>
+          <a:p>
+            <a:endParaRPr/>
+          </a:p>
         </p:txBody>
       </p:sp>
       <p:sp>
         <p:nvSpPr>
           <p:cNvPr id="51" name="Google Shape;51;p9"/>
-          <p:cNvSpPr txBox="1"/>
+          <p:cNvSpPr txBox="1">
+            <a:spLocks noGrp="1"/>
+          </p:cNvSpPr>
           <p:nvPr>
-            <p:ph idx="1" type="subTitle"/>
+            <p:ph type="subTitle" idx="1"/>
           </p:nvPr>
         </p:nvSpPr>
         <p:spPr>
@@ -5933,7 +6099,7 @@
           </a:prstGeom>
         </p:spPr>
         <p:txBody>
-          <a:bodyPr anchorCtr="0" anchor="t" bIns="91425" lIns="91425" spcFirstLastPara="1" rIns="91425" wrap="square" tIns="91425">
+          <a:bodyPr spcFirstLastPara="1" wrap="square" lIns="91425" tIns="91425" rIns="91425" bIns="91425" anchor="t" anchorCtr="0">
             <a:noAutofit/>
           </a:bodyPr>
           <a:lstStyle>
@@ -6064,15 +6230,19 @@
               <a:defRPr sz="2100"/>
             </a:lvl9pPr>
           </a:lstStyle>
-          <a:p/>
+          <a:p>
+            <a:endParaRPr/>
+          </a:p>
         </p:txBody>
       </p:sp>
       <p:sp>
         <p:nvSpPr>
           <p:cNvPr id="52" name="Google Shape;52;p9"/>
-          <p:cNvSpPr txBox="1"/>
+          <p:cNvSpPr txBox="1">
+            <a:spLocks noGrp="1"/>
+          </p:cNvSpPr>
           <p:nvPr>
-            <p:ph idx="2" type="body"/>
+            <p:ph type="body" idx="2"/>
           </p:nvPr>
         </p:nvSpPr>
         <p:spPr>
@@ -6085,11 +6255,11 @@
           </a:prstGeom>
         </p:spPr>
         <p:txBody>
-          <a:bodyPr anchorCtr="0" anchor="ctr" bIns="91425" lIns="91425" spcFirstLastPara="1" rIns="91425" wrap="square" tIns="91425">
+          <a:bodyPr spcFirstLastPara="1" wrap="square" lIns="91425" tIns="91425" rIns="91425" bIns="91425" anchor="ctr" anchorCtr="0">
             <a:noAutofit/>
           </a:bodyPr>
           <a:lstStyle>
-            <a:lvl1pPr indent="-342900" lvl="0" marL="457200">
+            <a:lvl1pPr marL="457200" lvl="0" indent="-342900">
               <a:spcBef>
                 <a:spcPts val="0"/>
               </a:spcBef>
@@ -6107,7 +6277,7 @@
                 </a:solidFill>
               </a:defRPr>
             </a:lvl1pPr>
-            <a:lvl2pPr indent="-317500" lvl="1" marL="914400">
+            <a:lvl2pPr marL="914400" lvl="1" indent="-317500">
               <a:spcBef>
                 <a:spcPts val="1600"/>
               </a:spcBef>
@@ -6125,7 +6295,7 @@
                 </a:solidFill>
               </a:defRPr>
             </a:lvl2pPr>
-            <a:lvl3pPr indent="-317500" lvl="2" marL="1371600">
+            <a:lvl3pPr marL="1371600" lvl="2" indent="-317500">
               <a:spcBef>
                 <a:spcPts val="1600"/>
               </a:spcBef>
@@ -6143,7 +6313,7 @@
                 </a:solidFill>
               </a:defRPr>
             </a:lvl3pPr>
-            <a:lvl4pPr indent="-317500" lvl="3" marL="1828800">
+            <a:lvl4pPr marL="1828800" lvl="3" indent="-317500">
               <a:spcBef>
                 <a:spcPts val="1600"/>
               </a:spcBef>
@@ -6161,7 +6331,7 @@
                 </a:solidFill>
               </a:defRPr>
             </a:lvl4pPr>
-            <a:lvl5pPr indent="-317500" lvl="4" marL="2286000">
+            <a:lvl5pPr marL="2286000" lvl="4" indent="-317500">
               <a:spcBef>
                 <a:spcPts val="1600"/>
               </a:spcBef>
@@ -6179,7 +6349,7 @@
                 </a:solidFill>
               </a:defRPr>
             </a:lvl5pPr>
-            <a:lvl6pPr indent="-317500" lvl="5" marL="2743200">
+            <a:lvl6pPr marL="2743200" lvl="5" indent="-317500">
               <a:spcBef>
                 <a:spcPts val="1600"/>
               </a:spcBef>
@@ -6197,7 +6367,7 @@
                 </a:solidFill>
               </a:defRPr>
             </a:lvl6pPr>
-            <a:lvl7pPr indent="-317500" lvl="6" marL="3200400">
+            <a:lvl7pPr marL="3200400" lvl="6" indent="-317500">
               <a:spcBef>
                 <a:spcPts val="1600"/>
               </a:spcBef>
@@ -6215,7 +6385,7 @@
                 </a:solidFill>
               </a:defRPr>
             </a:lvl7pPr>
-            <a:lvl8pPr indent="-317500" lvl="7" marL="3657600">
+            <a:lvl8pPr marL="3657600" lvl="7" indent="-317500">
               <a:spcBef>
                 <a:spcPts val="1600"/>
               </a:spcBef>
@@ -6233,7 +6403,7 @@
                 </a:solidFill>
               </a:defRPr>
             </a:lvl8pPr>
-            <a:lvl9pPr indent="-317500" lvl="8" marL="4114800">
+            <a:lvl9pPr marL="4114800" lvl="8" indent="-317500">
               <a:spcBef>
                 <a:spcPts val="1600"/>
               </a:spcBef>
@@ -6252,15 +6422,19 @@
               </a:defRPr>
             </a:lvl9pPr>
           </a:lstStyle>
-          <a:p/>
+          <a:p>
+            <a:endParaRPr/>
+          </a:p>
         </p:txBody>
       </p:sp>
       <p:sp>
         <p:nvSpPr>
           <p:cNvPr id="53" name="Google Shape;53;p9"/>
-          <p:cNvSpPr txBox="1"/>
+          <p:cNvSpPr txBox="1">
+            <a:spLocks noGrp="1"/>
+          </p:cNvSpPr>
           <p:nvPr>
-            <p:ph idx="12" type="sldNum"/>
+            <p:ph type="sldNum" idx="12"/>
           </p:nvPr>
         </p:nvSpPr>
         <p:spPr>
@@ -6273,7 +6447,7 @@
           </a:prstGeom>
         </p:spPr>
         <p:txBody>
-          <a:bodyPr anchorCtr="0" anchor="ctr" bIns="91425" lIns="91425" spcFirstLastPara="1" rIns="91425" wrap="square" tIns="91425">
+          <a:bodyPr spcFirstLastPara="1" wrap="square" lIns="91425" tIns="91425" rIns="91425" bIns="91425" anchor="ctr" anchorCtr="0">
             <a:noAutofit/>
           </a:bodyPr>
           <a:lstStyle>
@@ -6351,7 +6525,7 @@
             </a:lvl9pPr>
           </a:lstStyle>
           <a:p>
-            <a:pPr indent="0" lvl="0" marL="0" rtl="0" algn="r">
+            <a:pPr marL="0" lvl="0" indent="0" algn="r" rtl="0">
               <a:spcBef>
                 <a:spcPts val="0"/>
               </a:spcBef>
@@ -6377,11 +6551,11 @@
 </file>
 
 <file path=ppt/slideLayouts/slideLayout9.xml><?xml version="1.0" encoding="utf-8"?>
-<p:sldLayout xmlns:a="http://schemas.openxmlformats.org/drawingml/2006/main" xmlns:r="http://schemas.openxmlformats.org/officeDocument/2006/relationships" xmlns:mc="http://schemas.openxmlformats.org/markup-compatibility/2006" xmlns:mv="urn:schemas-microsoft-com:mac:vml" xmlns:p="http://schemas.openxmlformats.org/presentationml/2006/main" xmlns:c="http://schemas.openxmlformats.org/drawingml/2006/chart" xmlns:dgm="http://schemas.openxmlformats.org/drawingml/2006/diagram" xmlns:o="urn:schemas-microsoft-com:office:office" xmlns:v="urn:schemas-microsoft-com:vml" xmlns:pvml="urn:schemas-microsoft-com:office:powerpoint" xmlns:com="http://schemas.openxmlformats.org/drawingml/2006/compatibility" xmlns:p14="http://schemas.microsoft.com/office/powerpoint/2010/main" xmlns:p15="http://schemas.microsoft.com/office/powerpoint/2012/main" matchingName="Caption">
+<p:sldLayout xmlns:a="http://schemas.openxmlformats.org/drawingml/2006/main" xmlns:r="http://schemas.openxmlformats.org/officeDocument/2006/relationships" xmlns:p="http://schemas.openxmlformats.org/presentationml/2006/main" matchingName="Caption">
   <p:cSld name="CAPTION_ONLY">
     <p:spTree>
       <p:nvGrpSpPr>
-        <p:cNvPr id="54" name="Shape 54"/>
+        <p:cNvPr id="1" name="Shape 54"/>
         <p:cNvGrpSpPr/>
         <p:nvPr/>
       </p:nvGrpSpPr>
@@ -6396,9 +6570,11 @@
       <p:sp>
         <p:nvSpPr>
           <p:cNvPr id="55" name="Google Shape;55;p10"/>
-          <p:cNvSpPr txBox="1"/>
+          <p:cNvSpPr txBox="1">
+            <a:spLocks noGrp="1"/>
+          </p:cNvSpPr>
           <p:nvPr>
-            <p:ph idx="1" type="body"/>
+            <p:ph type="body" idx="1"/>
           </p:nvPr>
         </p:nvSpPr>
         <p:spPr>
@@ -6411,11 +6587,11 @@
           </a:prstGeom>
         </p:spPr>
         <p:txBody>
-          <a:bodyPr anchorCtr="0" anchor="ctr" bIns="91425" lIns="91425" spcFirstLastPara="1" rIns="91425" wrap="square" tIns="91425">
+          <a:bodyPr spcFirstLastPara="1" wrap="square" lIns="91425" tIns="91425" rIns="91425" bIns="91425" anchor="ctr" anchorCtr="0">
             <a:noAutofit/>
           </a:bodyPr>
           <a:lstStyle>
-            <a:lvl1pPr indent="-228600" lvl="0" marL="457200">
+            <a:lvl1pPr marL="457200" lvl="0" indent="-228600">
               <a:lnSpc>
                 <a:spcPct val="100000"/>
               </a:lnSpc>
@@ -6436,15 +6612,19 @@
               </a:defRPr>
             </a:lvl1pPr>
           </a:lstStyle>
-          <a:p/>
+          <a:p>
+            <a:endParaRPr/>
+          </a:p>
         </p:txBody>
       </p:sp>
       <p:sp>
         <p:nvSpPr>
           <p:cNvPr id="56" name="Google Shape;56;p10"/>
-          <p:cNvSpPr txBox="1"/>
+          <p:cNvSpPr txBox="1">
+            <a:spLocks noGrp="1"/>
+          </p:cNvSpPr>
           <p:nvPr>
-            <p:ph idx="12" type="sldNum"/>
+            <p:ph type="sldNum" idx="12"/>
           </p:nvPr>
         </p:nvSpPr>
         <p:spPr>
@@ -6457,7 +6637,7 @@
           </a:prstGeom>
         </p:spPr>
         <p:txBody>
-          <a:bodyPr anchorCtr="0" anchor="ctr" bIns="91425" lIns="91425" spcFirstLastPara="1" rIns="91425" wrap="square" tIns="91425">
+          <a:bodyPr spcFirstLastPara="1" wrap="square" lIns="91425" tIns="91425" rIns="91425" bIns="91425" anchor="ctr" anchorCtr="0">
             <a:noAutofit/>
           </a:bodyPr>
           <a:lstStyle>
@@ -6499,7 +6679,7 @@
             </a:lvl9pPr>
           </a:lstStyle>
           <a:p>
-            <a:pPr indent="0" lvl="0" marL="0" rtl="0" algn="r">
+            <a:pPr marL="0" lvl="0" indent="0" algn="r" rtl="0">
               <a:spcBef>
                 <a:spcPts val="0"/>
               </a:spcBef>
@@ -6525,18 +6705,19 @@
 </file>
 
 <file path=ppt/slideMasters/slideMaster1.xml><?xml version="1.0" encoding="utf-8"?>
-<p:sldMaster xmlns:a="http://schemas.openxmlformats.org/drawingml/2006/main" xmlns:r="http://schemas.openxmlformats.org/officeDocument/2006/relationships" xmlns:mc="http://schemas.openxmlformats.org/markup-compatibility/2006" xmlns:mv="urn:schemas-microsoft-com:mac:vml" xmlns:p="http://schemas.openxmlformats.org/presentationml/2006/main" xmlns:c="http://schemas.openxmlformats.org/drawingml/2006/chart" xmlns:dgm="http://schemas.openxmlformats.org/drawingml/2006/diagram" xmlns:o="urn:schemas-microsoft-com:office:office" xmlns:v="urn:schemas-microsoft-com:vml" xmlns:pvml="urn:schemas-microsoft-com:office:powerpoint" xmlns:com="http://schemas.openxmlformats.org/drawingml/2006/compatibility" xmlns:p14="http://schemas.microsoft.com/office/powerpoint/2010/main" xmlns:p15="http://schemas.microsoft.com/office/powerpoint/2012/main">
+<p:sldMaster xmlns:a="http://schemas.openxmlformats.org/drawingml/2006/main" xmlns:r="http://schemas.openxmlformats.org/officeDocument/2006/relationships" xmlns:p="http://schemas.openxmlformats.org/presentationml/2006/main">
   <p:cSld name="tropic">
     <p:bg>
       <p:bgPr>
         <a:solidFill>
           <a:schemeClr val="lt1"/>
         </a:solidFill>
+        <a:effectLst/>
       </p:bgPr>
     </p:bg>
     <p:spTree>
       <p:nvGrpSpPr>
-        <p:cNvPr id="5" name="Shape 5"/>
+        <p:cNvPr id="1" name="Shape 5"/>
         <p:cNvGrpSpPr/>
         <p:nvPr/>
       </p:nvGrpSpPr>
@@ -6551,7 +6732,9 @@
       <p:sp>
         <p:nvSpPr>
           <p:cNvPr id="6" name="Google Shape;6;p1"/>
-          <p:cNvSpPr txBox="1"/>
+          <p:cNvSpPr txBox="1">
+            <a:spLocks noGrp="1"/>
+          </p:cNvSpPr>
           <p:nvPr>
             <p:ph type="title"/>
           </p:nvPr>
@@ -6570,7 +6753,7 @@
           </a:ln>
         </p:spPr>
         <p:txBody>
-          <a:bodyPr anchorCtr="0" anchor="t" bIns="91425" lIns="91425" spcFirstLastPara="1" rIns="91425" wrap="square" tIns="91425">
+          <a:bodyPr spcFirstLastPara="1" wrap="square" lIns="91425" tIns="91425" rIns="91425" bIns="91425" anchor="t" anchorCtr="0">
             <a:noAutofit/>
           </a:bodyPr>
           <a:lstStyle>
@@ -6587,7 +6770,7 @@
               <a:buSzPts val="3600"/>
               <a:buFont typeface="PT Sans Narrow"/>
               <a:buNone/>
-              <a:defRPr b="1" sz="3600">
+              <a:defRPr sz="3600" b="1">
                 <a:solidFill>
                   <a:schemeClr val="accent1"/>
                 </a:solidFill>
@@ -6610,7 +6793,7 @@
               <a:buSzPts val="3600"/>
               <a:buFont typeface="PT Sans Narrow"/>
               <a:buNone/>
-              <a:defRPr b="1" sz="3600">
+              <a:defRPr sz="3600" b="1">
                 <a:solidFill>
                   <a:schemeClr val="accent1"/>
                 </a:solidFill>
@@ -6633,7 +6816,7 @@
               <a:buSzPts val="3600"/>
               <a:buFont typeface="PT Sans Narrow"/>
               <a:buNone/>
-              <a:defRPr b="1" sz="3600">
+              <a:defRPr sz="3600" b="1">
                 <a:solidFill>
                   <a:schemeClr val="accent1"/>
                 </a:solidFill>
@@ -6656,7 +6839,7 @@
               <a:buSzPts val="3600"/>
               <a:buFont typeface="PT Sans Narrow"/>
               <a:buNone/>
-              <a:defRPr b="1" sz="3600">
+              <a:defRPr sz="3600" b="1">
                 <a:solidFill>
                   <a:schemeClr val="accent1"/>
                 </a:solidFill>
@@ -6679,7 +6862,7 @@
               <a:buSzPts val="3600"/>
               <a:buFont typeface="PT Sans Narrow"/>
               <a:buNone/>
-              <a:defRPr b="1" sz="3600">
+              <a:defRPr sz="3600" b="1">
                 <a:solidFill>
                   <a:schemeClr val="accent1"/>
                 </a:solidFill>
@@ -6702,7 +6885,7 @@
               <a:buSzPts val="3600"/>
               <a:buFont typeface="PT Sans Narrow"/>
               <a:buNone/>
-              <a:defRPr b="1" sz="3600">
+              <a:defRPr sz="3600" b="1">
                 <a:solidFill>
                   <a:schemeClr val="accent1"/>
                 </a:solidFill>
@@ -6725,7 +6908,7 @@
               <a:buSzPts val="3600"/>
               <a:buFont typeface="PT Sans Narrow"/>
               <a:buNone/>
-              <a:defRPr b="1" sz="3600">
+              <a:defRPr sz="3600" b="1">
                 <a:solidFill>
                   <a:schemeClr val="accent1"/>
                 </a:solidFill>
@@ -6748,7 +6931,7 @@
               <a:buSzPts val="3600"/>
               <a:buFont typeface="PT Sans Narrow"/>
               <a:buNone/>
-              <a:defRPr b="1" sz="3600">
+              <a:defRPr sz="3600" b="1">
                 <a:solidFill>
                   <a:schemeClr val="accent1"/>
                 </a:solidFill>
@@ -6771,7 +6954,7 @@
               <a:buSzPts val="3600"/>
               <a:buFont typeface="PT Sans Narrow"/>
               <a:buNone/>
-              <a:defRPr b="1" sz="3600">
+              <a:defRPr sz="3600" b="1">
                 <a:solidFill>
                   <a:schemeClr val="accent1"/>
                 </a:solidFill>
@@ -6782,15 +6965,19 @@
               </a:defRPr>
             </a:lvl9pPr>
           </a:lstStyle>
-          <a:p/>
+          <a:p>
+            <a:endParaRPr/>
+          </a:p>
         </p:txBody>
       </p:sp>
       <p:sp>
         <p:nvSpPr>
           <p:cNvPr id="7" name="Google Shape;7;p1"/>
-          <p:cNvSpPr txBox="1"/>
+          <p:cNvSpPr txBox="1">
+            <a:spLocks noGrp="1"/>
+          </p:cNvSpPr>
           <p:nvPr>
-            <p:ph idx="1" type="body"/>
+            <p:ph type="body" idx="1"/>
           </p:nvPr>
         </p:nvSpPr>
         <p:spPr>
@@ -6807,11 +6994,11 @@
           </a:ln>
         </p:spPr>
         <p:txBody>
-          <a:bodyPr anchorCtr="0" anchor="t" bIns="91425" lIns="91425" spcFirstLastPara="1" rIns="91425" wrap="square" tIns="91425">
+          <a:bodyPr spcFirstLastPara="1" wrap="square" lIns="91425" tIns="91425" rIns="91425" bIns="91425" anchor="t" anchorCtr="0">
             <a:noAutofit/>
           </a:bodyPr>
           <a:lstStyle>
-            <a:lvl1pPr indent="-342900" lvl="0" marL="457200">
+            <a:lvl1pPr marL="457200" lvl="0" indent="-342900">
               <a:lnSpc>
                 <a:spcPct val="115000"/>
               </a:lnSpc>
@@ -6837,7 +7024,7 @@
                 <a:sym typeface="Open Sans"/>
               </a:defRPr>
             </a:lvl1pPr>
-            <a:lvl2pPr indent="-317500" lvl="1" marL="914400">
+            <a:lvl2pPr marL="914400" lvl="1" indent="-317500">
               <a:lnSpc>
                 <a:spcPct val="115000"/>
               </a:lnSpc>
@@ -6863,7 +7050,7 @@
                 <a:sym typeface="Open Sans"/>
               </a:defRPr>
             </a:lvl2pPr>
-            <a:lvl3pPr indent="-317500" lvl="2" marL="1371600">
+            <a:lvl3pPr marL="1371600" lvl="2" indent="-317500">
               <a:lnSpc>
                 <a:spcPct val="115000"/>
               </a:lnSpc>
@@ -6889,7 +7076,7 @@
                 <a:sym typeface="Open Sans"/>
               </a:defRPr>
             </a:lvl3pPr>
-            <a:lvl4pPr indent="-317500" lvl="3" marL="1828800">
+            <a:lvl4pPr marL="1828800" lvl="3" indent="-317500">
               <a:lnSpc>
                 <a:spcPct val="115000"/>
               </a:lnSpc>
@@ -6915,7 +7102,7 @@
                 <a:sym typeface="Open Sans"/>
               </a:defRPr>
             </a:lvl4pPr>
-            <a:lvl5pPr indent="-317500" lvl="4" marL="2286000">
+            <a:lvl5pPr marL="2286000" lvl="4" indent="-317500">
               <a:lnSpc>
                 <a:spcPct val="115000"/>
               </a:lnSpc>
@@ -6941,7 +7128,7 @@
                 <a:sym typeface="Open Sans"/>
               </a:defRPr>
             </a:lvl5pPr>
-            <a:lvl6pPr indent="-317500" lvl="5" marL="2743200">
+            <a:lvl6pPr marL="2743200" lvl="5" indent="-317500">
               <a:lnSpc>
                 <a:spcPct val="115000"/>
               </a:lnSpc>
@@ -6967,7 +7154,7 @@
                 <a:sym typeface="Open Sans"/>
               </a:defRPr>
             </a:lvl6pPr>
-            <a:lvl7pPr indent="-317500" lvl="6" marL="3200400">
+            <a:lvl7pPr marL="3200400" lvl="6" indent="-317500">
               <a:lnSpc>
                 <a:spcPct val="115000"/>
               </a:lnSpc>
@@ -6993,7 +7180,7 @@
                 <a:sym typeface="Open Sans"/>
               </a:defRPr>
             </a:lvl7pPr>
-            <a:lvl8pPr indent="-317500" lvl="7" marL="3657600">
+            <a:lvl8pPr marL="3657600" lvl="7" indent="-317500">
               <a:lnSpc>
                 <a:spcPct val="115000"/>
               </a:lnSpc>
@@ -7019,7 +7206,7 @@
                 <a:sym typeface="Open Sans"/>
               </a:defRPr>
             </a:lvl8pPr>
-            <a:lvl9pPr indent="-317500" lvl="8" marL="4114800">
+            <a:lvl9pPr marL="4114800" lvl="8" indent="-317500">
               <a:lnSpc>
                 <a:spcPct val="115000"/>
               </a:lnSpc>
@@ -7046,15 +7233,19 @@
               </a:defRPr>
             </a:lvl9pPr>
           </a:lstStyle>
-          <a:p/>
+          <a:p>
+            <a:endParaRPr/>
+          </a:p>
         </p:txBody>
       </p:sp>
       <p:sp>
         <p:nvSpPr>
           <p:cNvPr id="8" name="Google Shape;8;p1"/>
-          <p:cNvSpPr txBox="1"/>
+          <p:cNvSpPr txBox="1">
+            <a:spLocks noGrp="1"/>
+          </p:cNvSpPr>
           <p:nvPr>
-            <p:ph idx="12" type="sldNum"/>
+            <p:ph type="sldNum" idx="12"/>
           </p:nvPr>
         </p:nvSpPr>
         <p:spPr>
@@ -7071,7 +7262,7 @@
           </a:ln>
         </p:spPr>
         <p:txBody>
-          <a:bodyPr anchorCtr="0" anchor="ctr" bIns="91425" lIns="91425" spcFirstLastPara="1" rIns="91425" wrap="square" tIns="91425">
+          <a:bodyPr spcFirstLastPara="1" wrap="square" lIns="91425" tIns="91425" rIns="91425" bIns="91425" anchor="ctr" anchorCtr="0">
             <a:noAutofit/>
           </a:bodyPr>
           <a:lstStyle>
@@ -7185,7 +7376,7 @@
             </a:lvl9pPr>
           </a:lstStyle>
           <a:p>
-            <a:pPr indent="0" lvl="0" marL="0" rtl="0" algn="r">
+            <a:pPr marL="0" lvl="0" indent="0" algn="r" rtl="0">
               <a:spcBef>
                 <a:spcPts val="0"/>
               </a:spcBef>
@@ -7204,7 +7395,7 @@
       </p:sp>
     </p:spTree>
   </p:cSld>
-  <p:clrMap accent1="accent1" accent2="accent2" accent3="accent3" accent4="accent4" accent5="accent5" accent6="accent6" bg1="lt1" bg2="dk2" tx1="dk1" tx2="lt2" folHlink="folHlink" hlink="hlink"/>
+  <p:clrMap bg1="lt1" tx1="dk1" bg2="dk2" tx2="lt2" accent1="accent1" accent2="accent2" accent3="accent3" accent4="accent4" accent5="accent5" accent6="accent6" hlink="hlink" folHlink="folHlink"/>
   <p:sldLayoutIdLst>
     <p:sldLayoutId id="2147483648" r:id="rId1"/>
     <p:sldLayoutId id="2147483649" r:id="rId2"/>
@@ -7218,10 +7409,10 @@
     <p:sldLayoutId id="2147483657" r:id="rId10"/>
     <p:sldLayoutId id="2147483658" r:id="rId11"/>
   </p:sldLayoutIdLst>
-  <p:hf dt="0" ftr="0" hdr="0" sldNum="0"/>
+  <p:hf sldNum="0" hdr="0" ftr="0" dt="0"/>
   <p:txStyles>
     <p:titleStyle>
-      <a:defPPr lvl="0" marR="0" rtl="0" algn="l">
+      <a:defPPr marR="0" lvl="0" algn="l" rtl="0">
         <a:lnSpc>
           <a:spcPct val="100000"/>
         </a:lnSpc>
@@ -7232,7 +7423,7 @@
           <a:spcPts val="0"/>
         </a:spcAft>
       </a:defPPr>
-      <a:lvl1pPr lvl="0" marR="0" rtl="0" algn="l">
+      <a:lvl1pPr marR="0" lvl="0" algn="l" rtl="0">
         <a:lnSpc>
           <a:spcPct val="100000"/>
         </a:lnSpc>
@@ -7246,7 +7437,7 @@
           <a:srgbClr val="000000"/>
         </a:buClr>
         <a:buFont typeface="Arial"/>
-        <a:defRPr b="0" i="0" sz="1400" u="none" cap="none" strike="noStrike">
+        <a:defRPr sz="1400" b="0" i="0" u="none" strike="noStrike" cap="none">
           <a:solidFill>
             <a:srgbClr val="000000"/>
           </a:solidFill>
@@ -7256,7 +7447,7 @@
           <a:sym typeface="Arial"/>
         </a:defRPr>
       </a:lvl1pPr>
-      <a:lvl2pPr lvl="1" marR="0" rtl="0" algn="l">
+      <a:lvl2pPr marR="0" lvl="1" algn="l" rtl="0">
         <a:lnSpc>
           <a:spcPct val="100000"/>
         </a:lnSpc>
@@ -7270,7 +7461,7 @@
           <a:srgbClr val="000000"/>
         </a:buClr>
         <a:buFont typeface="Arial"/>
-        <a:defRPr b="0" i="0" sz="1400" u="none" cap="none" strike="noStrike">
+        <a:defRPr sz="1400" b="0" i="0" u="none" strike="noStrike" cap="none">
           <a:solidFill>
             <a:srgbClr val="000000"/>
           </a:solidFill>
@@ -7280,7 +7471,7 @@
           <a:sym typeface="Arial"/>
         </a:defRPr>
       </a:lvl2pPr>
-      <a:lvl3pPr lvl="2" marR="0" rtl="0" algn="l">
+      <a:lvl3pPr marR="0" lvl="2" algn="l" rtl="0">
         <a:lnSpc>
           <a:spcPct val="100000"/>
         </a:lnSpc>
@@ -7294,7 +7485,7 @@
           <a:srgbClr val="000000"/>
         </a:buClr>
         <a:buFont typeface="Arial"/>
-        <a:defRPr b="0" i="0" sz="1400" u="none" cap="none" strike="noStrike">
+        <a:defRPr sz="1400" b="0" i="0" u="none" strike="noStrike" cap="none">
           <a:solidFill>
             <a:srgbClr val="000000"/>
           </a:solidFill>
@@ -7304,7 +7495,7 @@
           <a:sym typeface="Arial"/>
         </a:defRPr>
       </a:lvl3pPr>
-      <a:lvl4pPr lvl="3" marR="0" rtl="0" algn="l">
+      <a:lvl4pPr marR="0" lvl="3" algn="l" rtl="0">
         <a:lnSpc>
           <a:spcPct val="100000"/>
         </a:lnSpc>
@@ -7318,7 +7509,7 @@
           <a:srgbClr val="000000"/>
         </a:buClr>
         <a:buFont typeface="Arial"/>
-        <a:defRPr b="0" i="0" sz="1400" u="none" cap="none" strike="noStrike">
+        <a:defRPr sz="1400" b="0" i="0" u="none" strike="noStrike" cap="none">
           <a:solidFill>
             <a:srgbClr val="000000"/>
           </a:solidFill>
@@ -7328,7 +7519,7 @@
           <a:sym typeface="Arial"/>
         </a:defRPr>
       </a:lvl4pPr>
-      <a:lvl5pPr lvl="4" marR="0" rtl="0" algn="l">
+      <a:lvl5pPr marR="0" lvl="4" algn="l" rtl="0">
         <a:lnSpc>
           <a:spcPct val="100000"/>
         </a:lnSpc>
@@ -7342,7 +7533,7 @@
           <a:srgbClr val="000000"/>
         </a:buClr>
         <a:buFont typeface="Arial"/>
-        <a:defRPr b="0" i="0" sz="1400" u="none" cap="none" strike="noStrike">
+        <a:defRPr sz="1400" b="0" i="0" u="none" strike="noStrike" cap="none">
           <a:solidFill>
             <a:srgbClr val="000000"/>
           </a:solidFill>
@@ -7352,7 +7543,7 @@
           <a:sym typeface="Arial"/>
         </a:defRPr>
       </a:lvl5pPr>
-      <a:lvl6pPr lvl="5" marR="0" rtl="0" algn="l">
+      <a:lvl6pPr marR="0" lvl="5" algn="l" rtl="0">
         <a:lnSpc>
           <a:spcPct val="100000"/>
         </a:lnSpc>
@@ -7366,7 +7557,7 @@
           <a:srgbClr val="000000"/>
         </a:buClr>
         <a:buFont typeface="Arial"/>
-        <a:defRPr b="0" i="0" sz="1400" u="none" cap="none" strike="noStrike">
+        <a:defRPr sz="1400" b="0" i="0" u="none" strike="noStrike" cap="none">
           <a:solidFill>
             <a:srgbClr val="000000"/>
           </a:solidFill>
@@ -7376,7 +7567,7 @@
           <a:sym typeface="Arial"/>
         </a:defRPr>
       </a:lvl6pPr>
-      <a:lvl7pPr lvl="6" marR="0" rtl="0" algn="l">
+      <a:lvl7pPr marR="0" lvl="6" algn="l" rtl="0">
         <a:lnSpc>
           <a:spcPct val="100000"/>
         </a:lnSpc>
@@ -7390,7 +7581,7 @@
           <a:srgbClr val="000000"/>
         </a:buClr>
         <a:buFont typeface="Arial"/>
-        <a:defRPr b="0" i="0" sz="1400" u="none" cap="none" strike="noStrike">
+        <a:defRPr sz="1400" b="0" i="0" u="none" strike="noStrike" cap="none">
           <a:solidFill>
             <a:srgbClr val="000000"/>
           </a:solidFill>
@@ -7400,7 +7591,7 @@
           <a:sym typeface="Arial"/>
         </a:defRPr>
       </a:lvl7pPr>
-      <a:lvl8pPr lvl="7" marR="0" rtl="0" algn="l">
+      <a:lvl8pPr marR="0" lvl="7" algn="l" rtl="0">
         <a:lnSpc>
           <a:spcPct val="100000"/>
         </a:lnSpc>
@@ -7414,7 +7605,7 @@
           <a:srgbClr val="000000"/>
         </a:buClr>
         <a:buFont typeface="Arial"/>
-        <a:defRPr b="0" i="0" sz="1400" u="none" cap="none" strike="noStrike">
+        <a:defRPr sz="1400" b="0" i="0" u="none" strike="noStrike" cap="none">
           <a:solidFill>
             <a:srgbClr val="000000"/>
           </a:solidFill>
@@ -7424,7 +7615,7 @@
           <a:sym typeface="Arial"/>
         </a:defRPr>
       </a:lvl8pPr>
-      <a:lvl9pPr lvl="8" marR="0" rtl="0" algn="l">
+      <a:lvl9pPr marR="0" lvl="8" algn="l" rtl="0">
         <a:lnSpc>
           <a:spcPct val="100000"/>
         </a:lnSpc>
@@ -7438,7 +7629,7 @@
           <a:srgbClr val="000000"/>
         </a:buClr>
         <a:buFont typeface="Arial"/>
-        <a:defRPr b="0" i="0" sz="1400" u="none" cap="none" strike="noStrike">
+        <a:defRPr sz="1400" b="0" i="0" u="none" strike="noStrike" cap="none">
           <a:solidFill>
             <a:srgbClr val="000000"/>
           </a:solidFill>
@@ -7450,7 +7641,7 @@
       </a:lvl9pPr>
     </p:titleStyle>
     <p:bodyStyle>
-      <a:defPPr lvl="0" marR="0" rtl="0" algn="l">
+      <a:defPPr marR="0" lvl="0" algn="l" rtl="0">
         <a:lnSpc>
           <a:spcPct val="100000"/>
         </a:lnSpc>
@@ -7461,7 +7652,7 @@
           <a:spcPts val="0"/>
         </a:spcAft>
       </a:defPPr>
-      <a:lvl1pPr lvl="0" marR="0" rtl="0" algn="l">
+      <a:lvl1pPr marR="0" lvl="0" algn="l" rtl="0">
         <a:lnSpc>
           <a:spcPct val="100000"/>
         </a:lnSpc>
@@ -7475,7 +7666,7 @@
           <a:srgbClr val="000000"/>
         </a:buClr>
         <a:buFont typeface="Arial"/>
-        <a:defRPr b="0" i="0" sz="1400" u="none" cap="none" strike="noStrike">
+        <a:defRPr sz="1400" b="0" i="0" u="none" strike="noStrike" cap="none">
           <a:solidFill>
             <a:srgbClr val="000000"/>
           </a:solidFill>
@@ -7485,7 +7676,7 @@
           <a:sym typeface="Arial"/>
         </a:defRPr>
       </a:lvl1pPr>
-      <a:lvl2pPr lvl="1" marR="0" rtl="0" algn="l">
+      <a:lvl2pPr marR="0" lvl="1" algn="l" rtl="0">
         <a:lnSpc>
           <a:spcPct val="100000"/>
         </a:lnSpc>
@@ -7499,7 +7690,7 @@
           <a:srgbClr val="000000"/>
         </a:buClr>
         <a:buFont typeface="Arial"/>
-        <a:defRPr b="0" i="0" sz="1400" u="none" cap="none" strike="noStrike">
+        <a:defRPr sz="1400" b="0" i="0" u="none" strike="noStrike" cap="none">
           <a:solidFill>
             <a:srgbClr val="000000"/>
           </a:solidFill>
@@ -7509,7 +7700,7 @@
           <a:sym typeface="Arial"/>
         </a:defRPr>
       </a:lvl2pPr>
-      <a:lvl3pPr lvl="2" marR="0" rtl="0" algn="l">
+      <a:lvl3pPr marR="0" lvl="2" algn="l" rtl="0">
         <a:lnSpc>
           <a:spcPct val="100000"/>
         </a:lnSpc>
@@ -7523,7 +7714,7 @@
           <a:srgbClr val="000000"/>
         </a:buClr>
         <a:buFont typeface="Arial"/>
-        <a:defRPr b="0" i="0" sz="1400" u="none" cap="none" strike="noStrike">
+        <a:defRPr sz="1400" b="0" i="0" u="none" strike="noStrike" cap="none">
           <a:solidFill>
             <a:srgbClr val="000000"/>
           </a:solidFill>
@@ -7533,7 +7724,7 @@
           <a:sym typeface="Arial"/>
         </a:defRPr>
       </a:lvl3pPr>
-      <a:lvl4pPr lvl="3" marR="0" rtl="0" algn="l">
+      <a:lvl4pPr marR="0" lvl="3" algn="l" rtl="0">
         <a:lnSpc>
           <a:spcPct val="100000"/>
         </a:lnSpc>
@@ -7547,7 +7738,7 @@
           <a:srgbClr val="000000"/>
         </a:buClr>
         <a:buFont typeface="Arial"/>
-        <a:defRPr b="0" i="0" sz="1400" u="none" cap="none" strike="noStrike">
+        <a:defRPr sz="1400" b="0" i="0" u="none" strike="noStrike" cap="none">
           <a:solidFill>
             <a:srgbClr val="000000"/>
           </a:solidFill>
@@ -7557,7 +7748,7 @@
           <a:sym typeface="Arial"/>
         </a:defRPr>
       </a:lvl4pPr>
-      <a:lvl5pPr lvl="4" marR="0" rtl="0" algn="l">
+      <a:lvl5pPr marR="0" lvl="4" algn="l" rtl="0">
         <a:lnSpc>
           <a:spcPct val="100000"/>
         </a:lnSpc>
@@ -7571,7 +7762,7 @@
           <a:srgbClr val="000000"/>
         </a:buClr>
         <a:buFont typeface="Arial"/>
-        <a:defRPr b="0" i="0" sz="1400" u="none" cap="none" strike="noStrike">
+        <a:defRPr sz="1400" b="0" i="0" u="none" strike="noStrike" cap="none">
           <a:solidFill>
             <a:srgbClr val="000000"/>
           </a:solidFill>
@@ -7581,7 +7772,7 @@
           <a:sym typeface="Arial"/>
         </a:defRPr>
       </a:lvl5pPr>
-      <a:lvl6pPr lvl="5" marR="0" rtl="0" algn="l">
+      <a:lvl6pPr marR="0" lvl="5" algn="l" rtl="0">
         <a:lnSpc>
           <a:spcPct val="100000"/>
         </a:lnSpc>
@@ -7595,7 +7786,7 @@
           <a:srgbClr val="000000"/>
         </a:buClr>
         <a:buFont typeface="Arial"/>
-        <a:defRPr b="0" i="0" sz="1400" u="none" cap="none" strike="noStrike">
+        <a:defRPr sz="1400" b="0" i="0" u="none" strike="noStrike" cap="none">
           <a:solidFill>
             <a:srgbClr val="000000"/>
           </a:solidFill>
@@ -7605,7 +7796,7 @@
           <a:sym typeface="Arial"/>
         </a:defRPr>
       </a:lvl6pPr>
-      <a:lvl7pPr lvl="6" marR="0" rtl="0" algn="l">
+      <a:lvl7pPr marR="0" lvl="6" algn="l" rtl="0">
         <a:lnSpc>
           <a:spcPct val="100000"/>
         </a:lnSpc>
@@ -7619,7 +7810,7 @@
           <a:srgbClr val="000000"/>
         </a:buClr>
         <a:buFont typeface="Arial"/>
-        <a:defRPr b="0" i="0" sz="1400" u="none" cap="none" strike="noStrike">
+        <a:defRPr sz="1400" b="0" i="0" u="none" strike="noStrike" cap="none">
           <a:solidFill>
             <a:srgbClr val="000000"/>
           </a:solidFill>
@@ -7629,7 +7820,7 @@
           <a:sym typeface="Arial"/>
         </a:defRPr>
       </a:lvl7pPr>
-      <a:lvl8pPr lvl="7" marR="0" rtl="0" algn="l">
+      <a:lvl8pPr marR="0" lvl="7" algn="l" rtl="0">
         <a:lnSpc>
           <a:spcPct val="100000"/>
         </a:lnSpc>
@@ -7643,7 +7834,7 @@
           <a:srgbClr val="000000"/>
         </a:buClr>
         <a:buFont typeface="Arial"/>
-        <a:defRPr b="0" i="0" sz="1400" u="none" cap="none" strike="noStrike">
+        <a:defRPr sz="1400" b="0" i="0" u="none" strike="noStrike" cap="none">
           <a:solidFill>
             <a:srgbClr val="000000"/>
           </a:solidFill>
@@ -7653,7 +7844,7 @@
           <a:sym typeface="Arial"/>
         </a:defRPr>
       </a:lvl8pPr>
-      <a:lvl9pPr lvl="8" marR="0" rtl="0" algn="l">
+      <a:lvl9pPr marR="0" lvl="8" algn="l" rtl="0">
         <a:lnSpc>
           <a:spcPct val="100000"/>
         </a:lnSpc>
@@ -7667,7 +7858,7 @@
           <a:srgbClr val="000000"/>
         </a:buClr>
         <a:buFont typeface="Arial"/>
-        <a:defRPr b="0" i="0" sz="1400" u="none" cap="none" strike="noStrike">
+        <a:defRPr sz="1400" b="0" i="0" u="none" strike="noStrike" cap="none">
           <a:solidFill>
             <a:srgbClr val="000000"/>
           </a:solidFill>
@@ -7679,7 +7870,7 @@
       </a:lvl9pPr>
     </p:bodyStyle>
     <p:otherStyle>
-      <a:defPPr lvl="0" marR="0" rtl="0" algn="l">
+      <a:defPPr marR="0" lvl="0" algn="l" rtl="0">
         <a:lnSpc>
           <a:spcPct val="100000"/>
         </a:lnSpc>
@@ -7690,7 +7881,7 @@
           <a:spcPts val="0"/>
         </a:spcAft>
       </a:defPPr>
-      <a:lvl1pPr lvl="0" marR="0" rtl="0" algn="l">
+      <a:lvl1pPr marR="0" lvl="0" algn="l" rtl="0">
         <a:lnSpc>
           <a:spcPct val="100000"/>
         </a:lnSpc>
@@ -7704,7 +7895,7 @@
           <a:srgbClr val="000000"/>
         </a:buClr>
         <a:buFont typeface="Arial"/>
-        <a:defRPr b="0" i="0" sz="1400" u="none" cap="none" strike="noStrike">
+        <a:defRPr sz="1400" b="0" i="0" u="none" strike="noStrike" cap="none">
           <a:solidFill>
             <a:srgbClr val="000000"/>
           </a:solidFill>
@@ -7714,7 +7905,7 @@
           <a:sym typeface="Arial"/>
         </a:defRPr>
       </a:lvl1pPr>
-      <a:lvl2pPr lvl="1" marR="0" rtl="0" algn="l">
+      <a:lvl2pPr marR="0" lvl="1" algn="l" rtl="0">
         <a:lnSpc>
           <a:spcPct val="100000"/>
         </a:lnSpc>
@@ -7728,7 +7919,7 @@
           <a:srgbClr val="000000"/>
         </a:buClr>
         <a:buFont typeface="Arial"/>
-        <a:defRPr b="0" i="0" sz="1400" u="none" cap="none" strike="noStrike">
+        <a:defRPr sz="1400" b="0" i="0" u="none" strike="noStrike" cap="none">
           <a:solidFill>
             <a:srgbClr val="000000"/>
           </a:solidFill>
@@ -7738,7 +7929,7 @@
           <a:sym typeface="Arial"/>
         </a:defRPr>
       </a:lvl2pPr>
-      <a:lvl3pPr lvl="2" marR="0" rtl="0" algn="l">
+      <a:lvl3pPr marR="0" lvl="2" algn="l" rtl="0">
         <a:lnSpc>
           <a:spcPct val="100000"/>
         </a:lnSpc>
@@ -7752,7 +7943,7 @@
           <a:srgbClr val="000000"/>
         </a:buClr>
         <a:buFont typeface="Arial"/>
-        <a:defRPr b="0" i="0" sz="1400" u="none" cap="none" strike="noStrike">
+        <a:defRPr sz="1400" b="0" i="0" u="none" strike="noStrike" cap="none">
           <a:solidFill>
             <a:srgbClr val="000000"/>
           </a:solidFill>
@@ -7762,7 +7953,7 @@
           <a:sym typeface="Arial"/>
         </a:defRPr>
       </a:lvl3pPr>
-      <a:lvl4pPr lvl="3" marR="0" rtl="0" algn="l">
+      <a:lvl4pPr marR="0" lvl="3" algn="l" rtl="0">
         <a:lnSpc>
           <a:spcPct val="100000"/>
         </a:lnSpc>
@@ -7776,7 +7967,7 @@
           <a:srgbClr val="000000"/>
         </a:buClr>
         <a:buFont typeface="Arial"/>
-        <a:defRPr b="0" i="0" sz="1400" u="none" cap="none" strike="noStrike">
+        <a:defRPr sz="1400" b="0" i="0" u="none" strike="noStrike" cap="none">
           <a:solidFill>
             <a:srgbClr val="000000"/>
           </a:solidFill>
@@ -7786,7 +7977,7 @@
           <a:sym typeface="Arial"/>
         </a:defRPr>
       </a:lvl4pPr>
-      <a:lvl5pPr lvl="4" marR="0" rtl="0" algn="l">
+      <a:lvl5pPr marR="0" lvl="4" algn="l" rtl="0">
         <a:lnSpc>
           <a:spcPct val="100000"/>
         </a:lnSpc>
@@ -7800,7 +7991,7 @@
           <a:srgbClr val="000000"/>
         </a:buClr>
         <a:buFont typeface="Arial"/>
-        <a:defRPr b="0" i="0" sz="1400" u="none" cap="none" strike="noStrike">
+        <a:defRPr sz="1400" b="0" i="0" u="none" strike="noStrike" cap="none">
           <a:solidFill>
             <a:srgbClr val="000000"/>
           </a:solidFill>
@@ -7810,7 +8001,7 @@
           <a:sym typeface="Arial"/>
         </a:defRPr>
       </a:lvl5pPr>
-      <a:lvl6pPr lvl="5" marR="0" rtl="0" algn="l">
+      <a:lvl6pPr marR="0" lvl="5" algn="l" rtl="0">
         <a:lnSpc>
           <a:spcPct val="100000"/>
         </a:lnSpc>
@@ -7824,7 +8015,7 @@
           <a:srgbClr val="000000"/>
         </a:buClr>
         <a:buFont typeface="Arial"/>
-        <a:defRPr b="0" i="0" sz="1400" u="none" cap="none" strike="noStrike">
+        <a:defRPr sz="1400" b="0" i="0" u="none" strike="noStrike" cap="none">
           <a:solidFill>
             <a:srgbClr val="000000"/>
           </a:solidFill>
@@ -7834,7 +8025,7 @@
           <a:sym typeface="Arial"/>
         </a:defRPr>
       </a:lvl6pPr>
-      <a:lvl7pPr lvl="6" marR="0" rtl="0" algn="l">
+      <a:lvl7pPr marR="0" lvl="6" algn="l" rtl="0">
         <a:lnSpc>
           <a:spcPct val="100000"/>
         </a:lnSpc>
@@ -7848,7 +8039,7 @@
           <a:srgbClr val="000000"/>
         </a:buClr>
         <a:buFont typeface="Arial"/>
-        <a:defRPr b="0" i="0" sz="1400" u="none" cap="none" strike="noStrike">
+        <a:defRPr sz="1400" b="0" i="0" u="none" strike="noStrike" cap="none">
           <a:solidFill>
             <a:srgbClr val="000000"/>
           </a:solidFill>
@@ -7858,7 +8049,7 @@
           <a:sym typeface="Arial"/>
         </a:defRPr>
       </a:lvl7pPr>
-      <a:lvl8pPr lvl="7" marR="0" rtl="0" algn="l">
+      <a:lvl8pPr marR="0" lvl="7" algn="l" rtl="0">
         <a:lnSpc>
           <a:spcPct val="100000"/>
         </a:lnSpc>
@@ -7872,7 +8063,7 @@
           <a:srgbClr val="000000"/>
         </a:buClr>
         <a:buFont typeface="Arial"/>
-        <a:defRPr b="0" i="0" sz="1400" u="none" cap="none" strike="noStrike">
+        <a:defRPr sz="1400" b="0" i="0" u="none" strike="noStrike" cap="none">
           <a:solidFill>
             <a:srgbClr val="000000"/>
           </a:solidFill>
@@ -7882,7 +8073,7 @@
           <a:sym typeface="Arial"/>
         </a:defRPr>
       </a:lvl8pPr>
-      <a:lvl9pPr lvl="8" marR="0" rtl="0" algn="l">
+      <a:lvl9pPr marR="0" lvl="8" algn="l" rtl="0">
         <a:lnSpc>
           <a:spcPct val="100000"/>
         </a:lnSpc>
@@ -7896,7 +8087,7 @@
           <a:srgbClr val="000000"/>
         </a:buClr>
         <a:buFont typeface="Arial"/>
-        <a:defRPr b="0" i="0" sz="1400" u="none" cap="none" strike="noStrike">
+        <a:defRPr sz="1400" b="0" i="0" u="none" strike="noStrike" cap="none">
           <a:solidFill>
             <a:srgbClr val="000000"/>
           </a:solidFill>
@@ -7912,11 +8103,11 @@
 </file>
 
 <file path=ppt/slides/slide1.xml><?xml version="1.0" encoding="utf-8"?>
-<p:sld xmlns:a="http://schemas.openxmlformats.org/drawingml/2006/main" xmlns:r="http://schemas.openxmlformats.org/officeDocument/2006/relationships" xmlns:mc="http://schemas.openxmlformats.org/markup-compatibility/2006" xmlns:mv="urn:schemas-microsoft-com:mac:vml" xmlns:p="http://schemas.openxmlformats.org/presentationml/2006/main" xmlns:c="http://schemas.openxmlformats.org/drawingml/2006/chart" xmlns:dgm="http://schemas.openxmlformats.org/drawingml/2006/diagram" xmlns:o="urn:schemas-microsoft-com:office:office" xmlns:v="urn:schemas-microsoft-com:vml" xmlns:pvml="urn:schemas-microsoft-com:office:powerpoint" xmlns:com="http://schemas.openxmlformats.org/drawingml/2006/compatibility" xmlns:p14="http://schemas.microsoft.com/office/powerpoint/2010/main" xmlns:p15="http://schemas.microsoft.com/office/powerpoint/2012/main">
+<p:sld xmlns:a="http://schemas.openxmlformats.org/drawingml/2006/main" xmlns:r="http://schemas.openxmlformats.org/officeDocument/2006/relationships" xmlns:p="http://schemas.openxmlformats.org/presentationml/2006/main">
   <p:cSld>
     <p:spTree>
       <p:nvGrpSpPr>
-        <p:cNvPr id="67" name="Shape 67"/>
+        <p:cNvPr id="1" name="Shape 67"/>
         <p:cNvGrpSpPr/>
         <p:nvPr/>
       </p:nvGrpSpPr>
@@ -7931,7 +8122,9 @@
       <p:sp>
         <p:nvSpPr>
           <p:cNvPr id="68" name="Google Shape;68;p13"/>
-          <p:cNvSpPr txBox="1"/>
+          <p:cNvSpPr txBox="1">
+            <a:spLocks noGrp="1"/>
+          </p:cNvSpPr>
           <p:nvPr>
             <p:ph type="ctrTitle"/>
           </p:nvPr>
@@ -7946,12 +8139,12 @@
           </a:prstGeom>
         </p:spPr>
         <p:txBody>
-          <a:bodyPr anchorCtr="0" anchor="b" bIns="91425" lIns="91425" spcFirstLastPara="1" rIns="91425" wrap="square" tIns="91425">
+          <a:bodyPr spcFirstLastPara="1" wrap="square" lIns="91425" tIns="91425" rIns="91425" bIns="91425" anchor="b" anchorCtr="0">
             <a:noAutofit/>
           </a:bodyPr>
           <a:lstStyle/>
           <a:p>
-            <a:pPr indent="0" lvl="0" marL="0" rtl="0" algn="ctr">
+            <a:pPr marL="0" lvl="0" indent="0" algn="ctr" rtl="0">
               <a:spcBef>
                 <a:spcPts val="0"/>
               </a:spcBef>
@@ -7971,9 +8164,11 @@
       <p:sp>
         <p:nvSpPr>
           <p:cNvPr id="69" name="Google Shape;69;p13"/>
-          <p:cNvSpPr txBox="1"/>
+          <p:cNvSpPr txBox="1">
+            <a:spLocks noGrp="1"/>
+          </p:cNvSpPr>
           <p:nvPr>
-            <p:ph idx="1" type="subTitle"/>
+            <p:ph type="subTitle" idx="1"/>
           </p:nvPr>
         </p:nvSpPr>
         <p:spPr>
@@ -7986,12 +8181,12 @@
           </a:prstGeom>
         </p:spPr>
         <p:txBody>
-          <a:bodyPr anchorCtr="0" anchor="t" bIns="91425" lIns="91425" spcFirstLastPara="1" rIns="91425" wrap="square" tIns="91425">
+          <a:bodyPr spcFirstLastPara="1" wrap="square" lIns="91425" tIns="91425" rIns="91425" bIns="91425" anchor="t" anchorCtr="0">
             <a:noAutofit/>
           </a:bodyPr>
           <a:lstStyle/>
           <a:p>
-            <a:pPr indent="0" lvl="0" marL="0" rtl="0" algn="ctr">
+            <a:pPr marL="0" lvl="0" indent="0" algn="ctr" rtl="0">
               <a:spcBef>
                 <a:spcPts val="0"/>
               </a:spcBef>
@@ -8007,7 +8202,7 @@
             <a:endParaRPr/>
           </a:p>
           <a:p>
-            <a:pPr indent="0" lvl="0" marL="0" rtl="0" algn="ctr">
+            <a:pPr marL="0" lvl="0" indent="0" algn="ctr" rtl="0">
               <a:spcBef>
                 <a:spcPts val="0"/>
               </a:spcBef>
@@ -8023,7 +8218,7 @@
             <a:endParaRPr/>
           </a:p>
           <a:p>
-            <a:pPr indent="0" lvl="0" marL="0" rtl="0" algn="ctr">
+            <a:pPr marL="0" lvl="0" indent="0" algn="ctr" rtl="0">
               <a:spcBef>
                 <a:spcPts val="0"/>
               </a:spcBef>
@@ -8039,7 +8234,7 @@
             <a:endParaRPr/>
           </a:p>
           <a:p>
-            <a:pPr indent="0" lvl="0" marL="0" rtl="0" algn="ctr">
+            <a:pPr marL="0" lvl="0" indent="0" algn="ctr" rtl="0">
               <a:spcBef>
                 <a:spcPts val="0"/>
               </a:spcBef>
@@ -8055,7 +8250,7 @@
             <a:endParaRPr/>
           </a:p>
           <a:p>
-            <a:pPr indent="0" lvl="0" marL="0" rtl="0" algn="ctr">
+            <a:pPr marL="0" lvl="0" indent="0" algn="ctr" rtl="0">
               <a:spcBef>
                 <a:spcPts val="0"/>
               </a:spcBef>
@@ -8064,9 +8259,6 @@
               </a:spcAft>
               <a:buNone/>
             </a:pPr>
-            <a:r>
-              <a:t/>
-            </a:r>
             <a:endParaRPr/>
           </a:p>
         </p:txBody>
@@ -8080,11 +8272,11 @@
 </file>
 
 <file path=ppt/slides/slide10.xml><?xml version="1.0" encoding="utf-8"?>
-<p:sld xmlns:a="http://schemas.openxmlformats.org/drawingml/2006/main" xmlns:r="http://schemas.openxmlformats.org/officeDocument/2006/relationships" xmlns:mc="http://schemas.openxmlformats.org/markup-compatibility/2006" xmlns:mv="urn:schemas-microsoft-com:mac:vml" xmlns:p="http://schemas.openxmlformats.org/presentationml/2006/main" xmlns:c="http://schemas.openxmlformats.org/drawingml/2006/chart" xmlns:dgm="http://schemas.openxmlformats.org/drawingml/2006/diagram" xmlns:o="urn:schemas-microsoft-com:office:office" xmlns:v="urn:schemas-microsoft-com:vml" xmlns:pvml="urn:schemas-microsoft-com:office:powerpoint" xmlns:com="http://schemas.openxmlformats.org/drawingml/2006/compatibility" xmlns:p14="http://schemas.microsoft.com/office/powerpoint/2010/main" xmlns:p15="http://schemas.microsoft.com/office/powerpoint/2012/main">
+<p:sld xmlns:a="http://schemas.openxmlformats.org/drawingml/2006/main" xmlns:r="http://schemas.openxmlformats.org/officeDocument/2006/relationships" xmlns:p="http://schemas.openxmlformats.org/presentationml/2006/main">
   <p:cSld>
     <p:spTree>
       <p:nvGrpSpPr>
-        <p:cNvPr id="185" name="Shape 185"/>
+        <p:cNvPr id="1" name="Shape 185"/>
         <p:cNvGrpSpPr/>
         <p:nvPr/>
       </p:nvGrpSpPr>
@@ -8099,7 +8291,9 @@
       <p:sp>
         <p:nvSpPr>
           <p:cNvPr id="186" name="Google Shape;186;p22"/>
-          <p:cNvSpPr txBox="1"/>
+          <p:cNvSpPr txBox="1">
+            <a:spLocks noGrp="1"/>
+          </p:cNvSpPr>
           <p:nvPr>
             <p:ph type="title"/>
           </p:nvPr>
@@ -8114,12 +8308,12 @@
           </a:prstGeom>
         </p:spPr>
         <p:txBody>
-          <a:bodyPr anchorCtr="0" anchor="t" bIns="91425" lIns="91425" spcFirstLastPara="1" rIns="91425" wrap="square" tIns="91425">
+          <a:bodyPr spcFirstLastPara="1" wrap="square" lIns="91425" tIns="91425" rIns="91425" bIns="91425" anchor="t" anchorCtr="0">
             <a:noAutofit/>
           </a:bodyPr>
           <a:lstStyle/>
           <a:p>
-            <a:pPr indent="0" lvl="0" marL="0" rtl="0" algn="l">
+            <a:pPr marL="0" lvl="0" indent="0" algn="l" rtl="0">
               <a:spcBef>
                 <a:spcPts val="0"/>
               </a:spcBef>
@@ -8139,9 +8333,11 @@
       <p:sp>
         <p:nvSpPr>
           <p:cNvPr id="187" name="Google Shape;187;p22"/>
-          <p:cNvSpPr txBox="1"/>
+          <p:cNvSpPr txBox="1">
+            <a:spLocks noGrp="1"/>
+          </p:cNvSpPr>
           <p:nvPr>
-            <p:ph idx="1" type="body"/>
+            <p:ph type="body" idx="1"/>
           </p:nvPr>
         </p:nvSpPr>
         <p:spPr>
@@ -8154,12 +8350,12 @@
           </a:prstGeom>
         </p:spPr>
         <p:txBody>
-          <a:bodyPr anchorCtr="0" anchor="t" bIns="91425" lIns="91425" spcFirstLastPara="1" rIns="91425" wrap="square" tIns="91425">
+          <a:bodyPr spcFirstLastPara="1" wrap="square" lIns="91425" tIns="91425" rIns="91425" bIns="91425" anchor="t" anchorCtr="0">
             <a:noAutofit/>
           </a:bodyPr>
           <a:lstStyle/>
           <a:p>
-            <a:pPr indent="0" lvl="0" marL="0" rtl="0" algn="l">
+            <a:pPr marL="0" lvl="0" indent="0" algn="l" rtl="0">
               <a:spcBef>
                 <a:spcPts val="0"/>
               </a:spcBef>
@@ -8175,7 +8371,7 @@
             <a:endParaRPr/>
           </a:p>
           <a:p>
-            <a:pPr indent="0" lvl="0" marL="0" rtl="0" algn="l">
+            <a:pPr marL="0" lvl="0" indent="0" algn="l" rtl="0">
               <a:spcBef>
                 <a:spcPts val="1600"/>
               </a:spcBef>
@@ -8184,9 +8380,6 @@
               </a:spcAft>
               <a:buNone/>
             </a:pPr>
-            <a:r>
-              <a:t/>
-            </a:r>
             <a:endParaRPr/>
           </a:p>
         </p:txBody>
@@ -8228,11 +8421,11 @@
 </file>
 
 <file path=ppt/slides/slide11.xml><?xml version="1.0" encoding="utf-8"?>
-<p:sld xmlns:a="http://schemas.openxmlformats.org/drawingml/2006/main" xmlns:r="http://schemas.openxmlformats.org/officeDocument/2006/relationships" xmlns:mc="http://schemas.openxmlformats.org/markup-compatibility/2006" xmlns:mv="urn:schemas-microsoft-com:mac:vml" xmlns:p="http://schemas.openxmlformats.org/presentationml/2006/main" xmlns:c="http://schemas.openxmlformats.org/drawingml/2006/chart" xmlns:dgm="http://schemas.openxmlformats.org/drawingml/2006/diagram" xmlns:o="urn:schemas-microsoft-com:office:office" xmlns:v="urn:schemas-microsoft-com:vml" xmlns:pvml="urn:schemas-microsoft-com:office:powerpoint" xmlns:com="http://schemas.openxmlformats.org/drawingml/2006/compatibility" xmlns:p14="http://schemas.microsoft.com/office/powerpoint/2010/main" xmlns:p15="http://schemas.microsoft.com/office/powerpoint/2012/main">
+<p:sld xmlns:a="http://schemas.openxmlformats.org/drawingml/2006/main" xmlns:r="http://schemas.openxmlformats.org/officeDocument/2006/relationships" xmlns:p="http://schemas.openxmlformats.org/presentationml/2006/main">
   <p:cSld>
     <p:spTree>
       <p:nvGrpSpPr>
-        <p:cNvPr id="192" name="Shape 192"/>
+        <p:cNvPr id="1" name="Shape 192"/>
         <p:cNvGrpSpPr/>
         <p:nvPr/>
       </p:nvGrpSpPr>
@@ -8247,7 +8440,9 @@
       <p:sp>
         <p:nvSpPr>
           <p:cNvPr id="193" name="Google Shape;193;p23"/>
-          <p:cNvSpPr txBox="1"/>
+          <p:cNvSpPr txBox="1">
+            <a:spLocks noGrp="1"/>
+          </p:cNvSpPr>
           <p:nvPr>
             <p:ph type="title"/>
           </p:nvPr>
@@ -8262,12 +8457,12 @@
           </a:prstGeom>
         </p:spPr>
         <p:txBody>
-          <a:bodyPr anchorCtr="0" anchor="t" bIns="91425" lIns="91425" spcFirstLastPara="1" rIns="91425" wrap="square" tIns="91425">
+          <a:bodyPr spcFirstLastPara="1" wrap="square" lIns="91425" tIns="91425" rIns="91425" bIns="91425" anchor="t" anchorCtr="0">
             <a:noAutofit/>
           </a:bodyPr>
           <a:lstStyle/>
           <a:p>
-            <a:pPr indent="0" lvl="0" marL="0" rtl="0" algn="l">
+            <a:pPr marL="0" lvl="0" indent="0" algn="l" rtl="0">
               <a:spcBef>
                 <a:spcPts val="0"/>
               </a:spcBef>
@@ -8276,9 +8471,6 @@
               </a:spcAft>
               <a:buNone/>
             </a:pPr>
-            <a:r>
-              <a:t/>
-            </a:r>
             <a:endParaRPr/>
           </a:p>
         </p:txBody>
@@ -8320,11 +8512,11 @@
 </file>
 
 <file path=ppt/slides/slide12.xml><?xml version="1.0" encoding="utf-8"?>
-<p:sld xmlns:a="http://schemas.openxmlformats.org/drawingml/2006/main" xmlns:r="http://schemas.openxmlformats.org/officeDocument/2006/relationships" xmlns:mc="http://schemas.openxmlformats.org/markup-compatibility/2006" xmlns:mv="urn:schemas-microsoft-com:mac:vml" xmlns:p="http://schemas.openxmlformats.org/presentationml/2006/main" xmlns:c="http://schemas.openxmlformats.org/drawingml/2006/chart" xmlns:dgm="http://schemas.openxmlformats.org/drawingml/2006/diagram" xmlns:o="urn:schemas-microsoft-com:office:office" xmlns:v="urn:schemas-microsoft-com:vml" xmlns:pvml="urn:schemas-microsoft-com:office:powerpoint" xmlns:com="http://schemas.openxmlformats.org/drawingml/2006/compatibility" xmlns:p14="http://schemas.microsoft.com/office/powerpoint/2010/main" xmlns:p15="http://schemas.microsoft.com/office/powerpoint/2012/main">
+<p:sld xmlns:a="http://schemas.openxmlformats.org/drawingml/2006/main" xmlns:r="http://schemas.openxmlformats.org/officeDocument/2006/relationships" xmlns:p="http://schemas.openxmlformats.org/presentationml/2006/main">
   <p:cSld>
     <p:spTree>
       <p:nvGrpSpPr>
-        <p:cNvPr id="198" name="Shape 198"/>
+        <p:cNvPr id="1" name="Shape 198"/>
         <p:cNvGrpSpPr/>
         <p:nvPr/>
       </p:nvGrpSpPr>
@@ -8339,7 +8531,9 @@
       <p:sp>
         <p:nvSpPr>
           <p:cNvPr id="199" name="Google Shape;199;p24"/>
-          <p:cNvSpPr txBox="1"/>
+          <p:cNvSpPr txBox="1">
+            <a:spLocks noGrp="1"/>
+          </p:cNvSpPr>
           <p:nvPr>
             <p:ph type="title"/>
           </p:nvPr>
@@ -8354,12 +8548,12 @@
           </a:prstGeom>
         </p:spPr>
         <p:txBody>
-          <a:bodyPr anchorCtr="0" anchor="t" bIns="91425" lIns="91425" spcFirstLastPara="1" rIns="91425" wrap="square" tIns="91425">
+          <a:bodyPr spcFirstLastPara="1" wrap="square" lIns="91425" tIns="91425" rIns="91425" bIns="91425" anchor="t" anchorCtr="0">
             <a:noAutofit/>
           </a:bodyPr>
           <a:lstStyle/>
           <a:p>
-            <a:pPr indent="0" lvl="0" marL="0" rtl="0" algn="l">
+            <a:pPr marL="0" lvl="0" indent="0" algn="l" rtl="0">
               <a:spcBef>
                 <a:spcPts val="0"/>
               </a:spcBef>
@@ -8379,9 +8573,11 @@
       <p:sp>
         <p:nvSpPr>
           <p:cNvPr id="200" name="Google Shape;200;p24"/>
-          <p:cNvSpPr txBox="1"/>
+          <p:cNvSpPr txBox="1">
+            <a:spLocks noGrp="1"/>
+          </p:cNvSpPr>
           <p:nvPr>
-            <p:ph idx="1" type="body"/>
+            <p:ph type="body" idx="1"/>
           </p:nvPr>
         </p:nvSpPr>
         <p:spPr>
@@ -8394,12 +8590,12 @@
           </a:prstGeom>
         </p:spPr>
         <p:txBody>
-          <a:bodyPr anchorCtr="0" anchor="t" bIns="91425" lIns="91425" spcFirstLastPara="1" rIns="91425" wrap="square" tIns="91425">
+          <a:bodyPr spcFirstLastPara="1" wrap="square" lIns="91425" tIns="91425" rIns="91425" bIns="91425" anchor="t" anchorCtr="0">
             <a:noAutofit/>
           </a:bodyPr>
           <a:lstStyle/>
           <a:p>
-            <a:pPr indent="-342900" lvl="0" marL="457200" rtl="0" algn="l">
+            <a:pPr marL="457200" lvl="0" indent="-342900" algn="l" rtl="0">
               <a:spcBef>
                 <a:spcPts val="0"/>
               </a:spcBef>
@@ -8416,7 +8612,7 @@
             <a:endParaRPr/>
           </a:p>
           <a:p>
-            <a:pPr indent="-317500" lvl="1" marL="914400" rtl="0" algn="l">
+            <a:pPr marL="914400" lvl="1" indent="-317500" algn="l" rtl="0">
               <a:spcBef>
                 <a:spcPts val="0"/>
               </a:spcBef>
@@ -8433,7 +8629,7 @@
             <a:endParaRPr/>
           </a:p>
           <a:p>
-            <a:pPr indent="-317500" lvl="1" marL="914400" rtl="0" algn="l">
+            <a:pPr marL="914400" lvl="1" indent="-317500" algn="l" rtl="0">
               <a:spcBef>
                 <a:spcPts val="0"/>
               </a:spcBef>
@@ -8450,7 +8646,7 @@
             <a:endParaRPr/>
           </a:p>
           <a:p>
-            <a:pPr indent="-317500" lvl="1" marL="914400" rtl="0" algn="l">
+            <a:pPr marL="914400" lvl="1" indent="-317500" algn="l" rtl="0">
               <a:spcBef>
                 <a:spcPts val="0"/>
               </a:spcBef>
@@ -8467,7 +8663,7 @@
             <a:endParaRPr/>
           </a:p>
           <a:p>
-            <a:pPr indent="-342900" lvl="0" marL="457200" rtl="0" algn="l">
+            <a:pPr marL="457200" lvl="0" indent="-342900" algn="l" rtl="0">
               <a:spcBef>
                 <a:spcPts val="0"/>
               </a:spcBef>
@@ -8484,7 +8680,7 @@
             <a:endParaRPr/>
           </a:p>
           <a:p>
-            <a:pPr indent="-317500" lvl="1" marL="914400" rtl="0" algn="l">
+            <a:pPr marL="914400" lvl="1" indent="-317500" algn="l" rtl="0">
               <a:spcBef>
                 <a:spcPts val="0"/>
               </a:spcBef>
@@ -8501,7 +8697,7 @@
             <a:endParaRPr/>
           </a:p>
           <a:p>
-            <a:pPr indent="-317500" lvl="2" marL="1371600" rtl="0" algn="l">
+            <a:pPr marL="1371600" lvl="2" indent="-317500" algn="l" rtl="0">
               <a:spcBef>
                 <a:spcPts val="0"/>
               </a:spcBef>
@@ -8518,7 +8714,7 @@
             <a:endParaRPr/>
           </a:p>
           <a:p>
-            <a:pPr indent="-317500" lvl="2" marL="1371600" rtl="0" algn="l">
+            <a:pPr marL="1371600" lvl="2" indent="-317500" algn="l" rtl="0">
               <a:spcBef>
                 <a:spcPts val="0"/>
               </a:spcBef>
@@ -8535,7 +8731,7 @@
             <a:endParaRPr/>
           </a:p>
           <a:p>
-            <a:pPr indent="-317500" lvl="1" marL="914400" rtl="0" algn="l">
+            <a:pPr marL="914400" lvl="1" indent="-317500" algn="l" rtl="0">
               <a:spcBef>
                 <a:spcPts val="0"/>
               </a:spcBef>
@@ -8552,7 +8748,7 @@
             <a:endParaRPr/>
           </a:p>
           <a:p>
-            <a:pPr indent="-317500" lvl="2" marL="1371600" rtl="0" algn="l">
+            <a:pPr marL="1371600" lvl="2" indent="-317500" algn="l" rtl="0">
               <a:spcBef>
                 <a:spcPts val="0"/>
               </a:spcBef>
@@ -8607,11 +8803,11 @@
 </file>
 
 <file path=ppt/slides/slide13.xml><?xml version="1.0" encoding="utf-8"?>
-<p:sld xmlns:a="http://schemas.openxmlformats.org/drawingml/2006/main" xmlns:r="http://schemas.openxmlformats.org/officeDocument/2006/relationships" xmlns:mc="http://schemas.openxmlformats.org/markup-compatibility/2006" xmlns:mv="urn:schemas-microsoft-com:mac:vml" xmlns:p="http://schemas.openxmlformats.org/presentationml/2006/main" xmlns:c="http://schemas.openxmlformats.org/drawingml/2006/chart" xmlns:dgm="http://schemas.openxmlformats.org/drawingml/2006/diagram" xmlns:o="urn:schemas-microsoft-com:office:office" xmlns:v="urn:schemas-microsoft-com:vml" xmlns:pvml="urn:schemas-microsoft-com:office:powerpoint" xmlns:com="http://schemas.openxmlformats.org/drawingml/2006/compatibility" xmlns:p14="http://schemas.microsoft.com/office/powerpoint/2010/main" xmlns:p15="http://schemas.microsoft.com/office/powerpoint/2012/main">
+<p:sld xmlns:a="http://schemas.openxmlformats.org/drawingml/2006/main" xmlns:r="http://schemas.openxmlformats.org/officeDocument/2006/relationships" xmlns:p="http://schemas.openxmlformats.org/presentationml/2006/main">
   <p:cSld>
     <p:spTree>
       <p:nvGrpSpPr>
-        <p:cNvPr id="205" name="Shape 205"/>
+        <p:cNvPr id="1" name="Shape 205"/>
         <p:cNvGrpSpPr/>
         <p:nvPr/>
       </p:nvGrpSpPr>
@@ -8626,7 +8822,9 @@
       <p:sp>
         <p:nvSpPr>
           <p:cNvPr id="206" name="Google Shape;206;p25"/>
-          <p:cNvSpPr txBox="1"/>
+          <p:cNvSpPr txBox="1">
+            <a:spLocks noGrp="1"/>
+          </p:cNvSpPr>
           <p:nvPr>
             <p:ph type="title"/>
           </p:nvPr>
@@ -8641,12 +8839,12 @@
           </a:prstGeom>
         </p:spPr>
         <p:txBody>
-          <a:bodyPr anchorCtr="0" anchor="t" bIns="91425" lIns="91425" spcFirstLastPara="1" rIns="91425" wrap="square" tIns="91425">
+          <a:bodyPr spcFirstLastPara="1" wrap="square" lIns="91425" tIns="91425" rIns="91425" bIns="91425" anchor="t" anchorCtr="0">
             <a:noAutofit/>
           </a:bodyPr>
           <a:lstStyle/>
           <a:p>
-            <a:pPr indent="0" lvl="0" marL="0" rtl="0" algn="l">
+            <a:pPr marL="0" lvl="0" indent="0" algn="l" rtl="0">
               <a:spcBef>
                 <a:spcPts val="0"/>
               </a:spcBef>
@@ -8666,9 +8864,11 @@
       <p:sp>
         <p:nvSpPr>
           <p:cNvPr id="207" name="Google Shape;207;p25"/>
-          <p:cNvSpPr txBox="1"/>
+          <p:cNvSpPr txBox="1">
+            <a:spLocks noGrp="1"/>
+          </p:cNvSpPr>
           <p:nvPr>
-            <p:ph idx="1" type="body"/>
+            <p:ph type="body" idx="1"/>
           </p:nvPr>
         </p:nvSpPr>
         <p:spPr>
@@ -8681,12 +8881,12 @@
           </a:prstGeom>
         </p:spPr>
         <p:txBody>
-          <a:bodyPr anchorCtr="0" anchor="t" bIns="91425" lIns="91425" spcFirstLastPara="1" rIns="91425" wrap="square" tIns="91425">
+          <a:bodyPr spcFirstLastPara="1" wrap="square" lIns="91425" tIns="91425" rIns="91425" bIns="91425" anchor="t" anchorCtr="0">
             <a:noAutofit/>
           </a:bodyPr>
           <a:lstStyle/>
           <a:p>
-            <a:pPr indent="-342900" lvl="0" marL="457200" rtl="0" algn="l">
+            <a:pPr marL="457200" lvl="0" indent="-342900" algn="l" rtl="0">
               <a:spcBef>
                 <a:spcPts val="0"/>
               </a:spcBef>
@@ -8703,7 +8903,7 @@
             <a:endParaRPr/>
           </a:p>
           <a:p>
-            <a:pPr indent="0" lvl="0" marL="0" rtl="0" algn="l">
+            <a:pPr marL="0" lvl="0" indent="0" algn="l" rtl="0">
               <a:spcBef>
                 <a:spcPts val="1600"/>
               </a:spcBef>
@@ -8712,9 +8912,6 @@
               </a:spcAft>
               <a:buNone/>
             </a:pPr>
-            <a:r>
-              <a:t/>
-            </a:r>
             <a:endParaRPr/>
           </a:p>
         </p:txBody>
@@ -8784,11 +8981,11 @@
 </file>
 
 <file path=ppt/slides/slide14.xml><?xml version="1.0" encoding="utf-8"?>
-<p:sld xmlns:a="http://schemas.openxmlformats.org/drawingml/2006/main" xmlns:r="http://schemas.openxmlformats.org/officeDocument/2006/relationships" xmlns:mc="http://schemas.openxmlformats.org/markup-compatibility/2006" xmlns:mv="urn:schemas-microsoft-com:mac:vml" xmlns:p="http://schemas.openxmlformats.org/presentationml/2006/main" xmlns:c="http://schemas.openxmlformats.org/drawingml/2006/chart" xmlns:dgm="http://schemas.openxmlformats.org/drawingml/2006/diagram" xmlns:o="urn:schemas-microsoft-com:office:office" xmlns:v="urn:schemas-microsoft-com:vml" xmlns:pvml="urn:schemas-microsoft-com:office:powerpoint" xmlns:com="http://schemas.openxmlformats.org/drawingml/2006/compatibility" xmlns:p14="http://schemas.microsoft.com/office/powerpoint/2010/main" xmlns:p15="http://schemas.microsoft.com/office/powerpoint/2012/main">
+<p:sld xmlns:a="http://schemas.openxmlformats.org/drawingml/2006/main" xmlns:r="http://schemas.openxmlformats.org/officeDocument/2006/relationships" xmlns:p="http://schemas.openxmlformats.org/presentationml/2006/main">
   <p:cSld>
     <p:spTree>
       <p:nvGrpSpPr>
-        <p:cNvPr id="213" name="Shape 213"/>
+        <p:cNvPr id="1" name="Shape 213"/>
         <p:cNvGrpSpPr/>
         <p:nvPr/>
       </p:nvGrpSpPr>
@@ -8803,7 +9000,9 @@
       <p:sp>
         <p:nvSpPr>
           <p:cNvPr id="214" name="Google Shape;214;p26"/>
-          <p:cNvSpPr txBox="1"/>
+          <p:cNvSpPr txBox="1">
+            <a:spLocks noGrp="1"/>
+          </p:cNvSpPr>
           <p:nvPr>
             <p:ph type="title"/>
           </p:nvPr>
@@ -8818,12 +9017,12 @@
           </a:prstGeom>
         </p:spPr>
         <p:txBody>
-          <a:bodyPr anchorCtr="0" anchor="t" bIns="91425" lIns="91425" spcFirstLastPara="1" rIns="91425" wrap="square" tIns="91425">
+          <a:bodyPr spcFirstLastPara="1" wrap="square" lIns="91425" tIns="91425" rIns="91425" bIns="91425" anchor="t" anchorCtr="0">
             <a:noAutofit/>
           </a:bodyPr>
           <a:lstStyle/>
           <a:p>
-            <a:pPr indent="0" lvl="0" marL="0" rtl="0" algn="l">
+            <a:pPr marL="0" lvl="0" indent="0" algn="l" rtl="0">
               <a:spcBef>
                 <a:spcPts val="0"/>
               </a:spcBef>
@@ -8905,11 +9104,11 @@
 </file>
 
 <file path=ppt/slides/slide15.xml><?xml version="1.0" encoding="utf-8"?>
-<p:sld xmlns:a="http://schemas.openxmlformats.org/drawingml/2006/main" xmlns:r="http://schemas.openxmlformats.org/officeDocument/2006/relationships" xmlns:mc="http://schemas.openxmlformats.org/markup-compatibility/2006" xmlns:mv="urn:schemas-microsoft-com:mac:vml" xmlns:p="http://schemas.openxmlformats.org/presentationml/2006/main" xmlns:c="http://schemas.openxmlformats.org/drawingml/2006/chart" xmlns:dgm="http://schemas.openxmlformats.org/drawingml/2006/diagram" xmlns:o="urn:schemas-microsoft-com:office:office" xmlns:v="urn:schemas-microsoft-com:vml" xmlns:pvml="urn:schemas-microsoft-com:office:powerpoint" xmlns:com="http://schemas.openxmlformats.org/drawingml/2006/compatibility" xmlns:p14="http://schemas.microsoft.com/office/powerpoint/2010/main" xmlns:p15="http://schemas.microsoft.com/office/powerpoint/2012/main">
+<p:sld xmlns:a="http://schemas.openxmlformats.org/drawingml/2006/main" xmlns:r="http://schemas.openxmlformats.org/officeDocument/2006/relationships" xmlns:p="http://schemas.openxmlformats.org/presentationml/2006/main">
   <p:cSld>
     <p:spTree>
       <p:nvGrpSpPr>
-        <p:cNvPr id="220" name="Shape 220"/>
+        <p:cNvPr id="1" name="Shape 220"/>
         <p:cNvGrpSpPr/>
         <p:nvPr/>
       </p:nvGrpSpPr>
@@ -8924,7 +9123,9 @@
       <p:sp>
         <p:nvSpPr>
           <p:cNvPr id="221" name="Google Shape;221;p27"/>
-          <p:cNvSpPr txBox="1"/>
+          <p:cNvSpPr txBox="1">
+            <a:spLocks noGrp="1"/>
+          </p:cNvSpPr>
           <p:nvPr>
             <p:ph type="title"/>
           </p:nvPr>
@@ -8939,12 +9140,12 @@
           </a:prstGeom>
         </p:spPr>
         <p:txBody>
-          <a:bodyPr anchorCtr="0" anchor="t" bIns="91425" lIns="91425" spcFirstLastPara="1" rIns="91425" wrap="square" tIns="91425">
+          <a:bodyPr spcFirstLastPara="1" wrap="square" lIns="91425" tIns="91425" rIns="91425" bIns="91425" anchor="t" anchorCtr="0">
             <a:noAutofit/>
           </a:bodyPr>
           <a:lstStyle/>
           <a:p>
-            <a:pPr indent="0" lvl="0" marL="0" rtl="0" algn="l">
+            <a:pPr marL="0" lvl="0" indent="0" algn="l" rtl="0">
               <a:spcBef>
                 <a:spcPts val="0"/>
               </a:spcBef>
@@ -9026,11 +9227,11 @@
 </file>
 
 <file path=ppt/slides/slide2.xml><?xml version="1.0" encoding="utf-8"?>
-<p:sld xmlns:a="http://schemas.openxmlformats.org/drawingml/2006/main" xmlns:r="http://schemas.openxmlformats.org/officeDocument/2006/relationships" xmlns:mc="http://schemas.openxmlformats.org/markup-compatibility/2006" xmlns:mv="urn:schemas-microsoft-com:mac:vml" xmlns:p="http://schemas.openxmlformats.org/presentationml/2006/main" xmlns:c="http://schemas.openxmlformats.org/drawingml/2006/chart" xmlns:dgm="http://schemas.openxmlformats.org/drawingml/2006/diagram" xmlns:o="urn:schemas-microsoft-com:office:office" xmlns:v="urn:schemas-microsoft-com:vml" xmlns:pvml="urn:schemas-microsoft-com:office:powerpoint" xmlns:com="http://schemas.openxmlformats.org/drawingml/2006/compatibility" xmlns:p14="http://schemas.microsoft.com/office/powerpoint/2010/main" xmlns:p15="http://schemas.microsoft.com/office/powerpoint/2012/main">
+<p:sld xmlns:a="http://schemas.openxmlformats.org/drawingml/2006/main" xmlns:r="http://schemas.openxmlformats.org/officeDocument/2006/relationships" xmlns:p="http://schemas.openxmlformats.org/presentationml/2006/main">
   <p:cSld>
     <p:spTree>
       <p:nvGrpSpPr>
-        <p:cNvPr id="73" name="Shape 73"/>
+        <p:cNvPr id="1" name="Shape 73"/>
         <p:cNvGrpSpPr/>
         <p:nvPr/>
       </p:nvGrpSpPr>
@@ -9045,7 +9246,9 @@
       <p:sp>
         <p:nvSpPr>
           <p:cNvPr id="74" name="Google Shape;74;p14"/>
-          <p:cNvSpPr txBox="1"/>
+          <p:cNvSpPr txBox="1">
+            <a:spLocks noGrp="1"/>
+          </p:cNvSpPr>
           <p:nvPr>
             <p:ph type="title"/>
           </p:nvPr>
@@ -9060,12 +9263,12 @@
           </a:prstGeom>
         </p:spPr>
         <p:txBody>
-          <a:bodyPr anchorCtr="0" anchor="t" bIns="91425" lIns="91425" spcFirstLastPara="1" rIns="91425" wrap="square" tIns="91425">
+          <a:bodyPr spcFirstLastPara="1" wrap="square" lIns="91425" tIns="91425" rIns="91425" bIns="91425" anchor="t" anchorCtr="0">
             <a:noAutofit/>
           </a:bodyPr>
           <a:lstStyle/>
           <a:p>
-            <a:pPr indent="0" lvl="0" marL="0" rtl="0" algn="l">
+            <a:pPr marL="0" lvl="0" indent="0" algn="l" rtl="0">
               <a:spcBef>
                 <a:spcPts val="0"/>
               </a:spcBef>
@@ -9090,7 +9293,7 @@
         </p:nvGrpSpPr>
         <p:grpSpPr>
           <a:xfrm>
-            <a:off x="152500" y="1152425"/>
+            <a:off x="204787" y="1152425"/>
             <a:ext cx="8734426" cy="3805625"/>
             <a:chOff x="152500" y="1152425"/>
             <a:chExt cx="8734426" cy="3805625"/>
@@ -9113,23 +9316,23 @@
             <a:solidFill>
               <a:schemeClr val="dk1"/>
             </a:solidFill>
-            <a:ln cap="flat" cmpd="sng" w="9525">
+            <a:ln w="9525" cap="flat" cmpd="sng">
               <a:solidFill>
                 <a:schemeClr val="dk2"/>
               </a:solidFill>
               <a:prstDash val="solid"/>
               <a:round/>
-              <a:headEnd len="sm" w="sm" type="none"/>
-              <a:tailEnd len="sm" w="sm" type="none"/>
+              <a:headEnd type="none" w="sm" len="sm"/>
+              <a:tailEnd type="none" w="sm" len="sm"/>
             </a:ln>
           </p:spPr>
           <p:txBody>
-            <a:bodyPr anchorCtr="0" anchor="ctr" bIns="91425" lIns="91425" spcFirstLastPara="1" rIns="70625" wrap="square" tIns="91425">
+            <a:bodyPr spcFirstLastPara="1" wrap="square" lIns="91425" tIns="91425" rIns="70625" bIns="91425" anchor="ctr" anchorCtr="0">
               <a:noAutofit/>
             </a:bodyPr>
             <a:lstStyle/>
             <a:p>
-              <a:pPr indent="0" lvl="0" marL="0" rtl="0" algn="ctr">
+              <a:pPr marL="0" lvl="0" indent="0" algn="ctr" rtl="0">
                 <a:spcBef>
                   <a:spcPts val="0"/>
                 </a:spcBef>
@@ -9138,9 +9341,6 @@
                 </a:spcAft>
                 <a:buNone/>
               </a:pPr>
-              <a:r>
-                <a:t/>
-              </a:r>
               <a:endParaRPr/>
             </a:p>
           </p:txBody>
@@ -9162,23 +9362,23 @@
             <a:solidFill>
               <a:schemeClr val="dk1"/>
             </a:solidFill>
-            <a:ln cap="flat" cmpd="sng" w="9525">
+            <a:ln w="9525" cap="flat" cmpd="sng">
               <a:solidFill>
                 <a:schemeClr val="dk2"/>
               </a:solidFill>
               <a:prstDash val="solid"/>
               <a:round/>
-              <a:headEnd len="sm" w="sm" type="none"/>
-              <a:tailEnd len="sm" w="sm" type="none"/>
+              <a:headEnd type="none" w="sm" len="sm"/>
+              <a:tailEnd type="none" w="sm" len="sm"/>
             </a:ln>
           </p:spPr>
           <p:txBody>
-            <a:bodyPr anchorCtr="0" anchor="ctr" bIns="91425" lIns="91425" spcFirstLastPara="1" rIns="70625" wrap="square" tIns="91425">
+            <a:bodyPr spcFirstLastPara="1" wrap="square" lIns="91425" tIns="91425" rIns="70625" bIns="91425" anchor="ctr" anchorCtr="0">
               <a:noAutofit/>
             </a:bodyPr>
             <a:lstStyle/>
             <a:p>
-              <a:pPr indent="0" lvl="0" marL="0" rtl="0" algn="ctr">
+              <a:pPr marL="0" lvl="0" indent="0" algn="ctr" rtl="0">
                 <a:spcBef>
                   <a:spcPts val="0"/>
                 </a:spcBef>
@@ -9187,9 +9387,6 @@
                 </a:spcAft>
                 <a:buNone/>
               </a:pPr>
-              <a:r>
-                <a:t/>
-              </a:r>
               <a:endParaRPr/>
             </a:p>
           </p:txBody>
@@ -9211,23 +9408,23 @@
             <a:solidFill>
               <a:schemeClr val="dk1"/>
             </a:solidFill>
-            <a:ln cap="flat" cmpd="sng" w="9525">
+            <a:ln w="9525" cap="flat" cmpd="sng">
               <a:solidFill>
                 <a:schemeClr val="dk2"/>
               </a:solidFill>
               <a:prstDash val="solid"/>
               <a:round/>
-              <a:headEnd len="sm" w="sm" type="none"/>
-              <a:tailEnd len="sm" w="sm" type="none"/>
+              <a:headEnd type="none" w="sm" len="sm"/>
+              <a:tailEnd type="none" w="sm" len="sm"/>
             </a:ln>
           </p:spPr>
           <p:txBody>
-            <a:bodyPr anchorCtr="0" anchor="ctr" bIns="91425" lIns="91425" spcFirstLastPara="1" rIns="70625" wrap="square" tIns="91425">
+            <a:bodyPr spcFirstLastPara="1" wrap="square" lIns="91425" tIns="91425" rIns="70625" bIns="91425" anchor="ctr" anchorCtr="0">
               <a:noAutofit/>
             </a:bodyPr>
             <a:lstStyle/>
             <a:p>
-              <a:pPr indent="0" lvl="0" marL="0" rtl="0" algn="ctr">
+              <a:pPr marL="0" lvl="0" indent="0" algn="ctr" rtl="0">
                 <a:spcBef>
                   <a:spcPts val="0"/>
                 </a:spcBef>
@@ -9236,9 +9433,6 @@
                 </a:spcAft>
                 <a:buNone/>
               </a:pPr>
-              <a:r>
-                <a:t/>
-              </a:r>
               <a:endParaRPr/>
             </a:p>
           </p:txBody>
@@ -9260,23 +9454,23 @@
             <a:solidFill>
               <a:schemeClr val="dk1"/>
             </a:solidFill>
-            <a:ln cap="flat" cmpd="sng" w="9525">
+            <a:ln w="9525" cap="flat" cmpd="sng">
               <a:solidFill>
                 <a:schemeClr val="dk2"/>
               </a:solidFill>
               <a:prstDash val="solid"/>
               <a:round/>
-              <a:headEnd len="sm" w="sm" type="none"/>
-              <a:tailEnd len="sm" w="sm" type="none"/>
+              <a:headEnd type="none" w="sm" len="sm"/>
+              <a:tailEnd type="none" w="sm" len="sm"/>
             </a:ln>
           </p:spPr>
           <p:txBody>
-            <a:bodyPr anchorCtr="0" anchor="ctr" bIns="91425" lIns="91425" spcFirstLastPara="1" rIns="70625" wrap="square" tIns="91425">
+            <a:bodyPr spcFirstLastPara="1" wrap="square" lIns="91425" tIns="91425" rIns="70625" bIns="91425" anchor="ctr" anchorCtr="0">
               <a:noAutofit/>
             </a:bodyPr>
             <a:lstStyle/>
             <a:p>
-              <a:pPr indent="0" lvl="0" marL="0" rtl="0" algn="ctr">
+              <a:pPr marL="0" lvl="0" indent="0" algn="ctr" rtl="0">
                 <a:spcBef>
                   <a:spcPts val="0"/>
                 </a:spcBef>
@@ -9285,9 +9479,6 @@
                 </a:spcAft>
                 <a:buNone/>
               </a:pPr>
-              <a:r>
-                <a:t/>
-              </a:r>
               <a:endParaRPr/>
             </a:p>
           </p:txBody>
@@ -9309,23 +9500,23 @@
             <a:solidFill>
               <a:schemeClr val="dk1"/>
             </a:solidFill>
-            <a:ln cap="flat" cmpd="sng" w="9525">
+            <a:ln w="9525" cap="flat" cmpd="sng">
               <a:solidFill>
                 <a:schemeClr val="dk2"/>
               </a:solidFill>
               <a:prstDash val="solid"/>
               <a:round/>
-              <a:headEnd len="sm" w="sm" type="none"/>
-              <a:tailEnd len="sm" w="sm" type="none"/>
+              <a:headEnd type="none" w="sm" len="sm"/>
+              <a:tailEnd type="none" w="sm" len="sm"/>
             </a:ln>
           </p:spPr>
           <p:txBody>
-            <a:bodyPr anchorCtr="0" anchor="ctr" bIns="91425" lIns="91425" spcFirstLastPara="1" rIns="70625" wrap="square" tIns="91425">
+            <a:bodyPr spcFirstLastPara="1" wrap="square" lIns="91425" tIns="91425" rIns="70625" bIns="91425" anchor="ctr" anchorCtr="0">
               <a:noAutofit/>
             </a:bodyPr>
             <a:lstStyle/>
             <a:p>
-              <a:pPr indent="0" lvl="0" marL="0" rtl="0" algn="ctr">
+              <a:pPr marL="0" lvl="0" indent="0" algn="ctr" rtl="0">
                 <a:spcBef>
                   <a:spcPts val="0"/>
                 </a:spcBef>
@@ -9334,9 +9525,6 @@
                 </a:spcAft>
                 <a:buNone/>
               </a:pPr>
-              <a:r>
-                <a:t/>
-              </a:r>
               <a:endParaRPr/>
             </a:p>
           </p:txBody>
@@ -9358,23 +9546,23 @@
             <a:solidFill>
               <a:schemeClr val="dk1"/>
             </a:solidFill>
-            <a:ln cap="flat" cmpd="sng" w="9525">
+            <a:ln w="9525" cap="flat" cmpd="sng">
               <a:solidFill>
                 <a:schemeClr val="dk2"/>
               </a:solidFill>
               <a:prstDash val="solid"/>
               <a:round/>
-              <a:headEnd len="sm" w="sm" type="none"/>
-              <a:tailEnd len="sm" w="sm" type="none"/>
+              <a:headEnd type="none" w="sm" len="sm"/>
+              <a:tailEnd type="none" w="sm" len="sm"/>
             </a:ln>
           </p:spPr>
           <p:txBody>
-            <a:bodyPr anchorCtr="0" anchor="ctr" bIns="91425" lIns="91425" spcFirstLastPara="1" rIns="70625" wrap="square" tIns="91425">
+            <a:bodyPr spcFirstLastPara="1" wrap="square" lIns="91425" tIns="91425" rIns="70625" bIns="91425" anchor="ctr" anchorCtr="0">
               <a:noAutofit/>
             </a:bodyPr>
             <a:lstStyle/>
             <a:p>
-              <a:pPr indent="0" lvl="0" marL="0" rtl="0" algn="ctr">
+              <a:pPr marL="0" lvl="0" indent="0" algn="ctr" rtl="0">
                 <a:spcBef>
                   <a:spcPts val="0"/>
                 </a:spcBef>
@@ -9383,9 +9571,6 @@
                 </a:spcAft>
                 <a:buNone/>
               </a:pPr>
-              <a:r>
-                <a:t/>
-              </a:r>
               <a:endParaRPr/>
             </a:p>
           </p:txBody>
@@ -9410,12 +9595,12 @@
             </a:ln>
           </p:spPr>
           <p:txBody>
-            <a:bodyPr anchorCtr="0" anchor="t" bIns="91425" lIns="91425" spcFirstLastPara="1" rIns="91425" wrap="square" tIns="91425">
+            <a:bodyPr spcFirstLastPara="1" wrap="square" lIns="91425" tIns="91425" rIns="91425" bIns="91425" anchor="t" anchorCtr="0">
               <a:noAutofit/>
             </a:bodyPr>
             <a:lstStyle/>
             <a:p>
-              <a:pPr indent="0" lvl="0" marL="0" rtl="0" algn="l">
+              <a:pPr marL="0" lvl="0" indent="0" algn="l" rtl="0">
                 <a:spcBef>
                   <a:spcPts val="0"/>
                 </a:spcBef>
@@ -9462,12 +9647,12 @@
             </a:ln>
           </p:spPr>
           <p:txBody>
-            <a:bodyPr anchorCtr="0" anchor="t" bIns="91425" lIns="91425" spcFirstLastPara="1" rIns="91425" wrap="square" tIns="91425">
+            <a:bodyPr spcFirstLastPara="1" wrap="square" lIns="91425" tIns="91425" rIns="91425" bIns="91425" anchor="t" anchorCtr="0">
               <a:noAutofit/>
             </a:bodyPr>
             <a:lstStyle/>
             <a:p>
-              <a:pPr indent="0" lvl="0" marL="0" rtl="0" algn="l">
+              <a:pPr marL="0" lvl="0" indent="0" algn="l" rtl="0">
                 <a:spcBef>
                   <a:spcPts val="0"/>
                 </a:spcBef>
@@ -9514,12 +9699,12 @@
             </a:ln>
           </p:spPr>
           <p:txBody>
-            <a:bodyPr anchorCtr="0" anchor="t" bIns="91425" lIns="91425" spcFirstLastPara="1" rIns="91425" wrap="square" tIns="91425">
+            <a:bodyPr spcFirstLastPara="1" wrap="square" lIns="91425" tIns="91425" rIns="91425" bIns="91425" anchor="t" anchorCtr="0">
               <a:noAutofit/>
             </a:bodyPr>
             <a:lstStyle/>
             <a:p>
-              <a:pPr indent="0" lvl="0" marL="0" rtl="0" algn="l">
+              <a:pPr marL="0" lvl="0" indent="0" algn="l" rtl="0">
                 <a:spcBef>
                   <a:spcPts val="0"/>
                 </a:spcBef>
@@ -9566,12 +9751,12 @@
             </a:ln>
           </p:spPr>
           <p:txBody>
-            <a:bodyPr anchorCtr="0" anchor="t" bIns="91425" lIns="91425" spcFirstLastPara="1" rIns="91425" wrap="square" tIns="91425">
+            <a:bodyPr spcFirstLastPara="1" wrap="square" lIns="91425" tIns="91425" rIns="91425" bIns="91425" anchor="t" anchorCtr="0">
               <a:noAutofit/>
             </a:bodyPr>
             <a:lstStyle/>
             <a:p>
-              <a:pPr indent="0" lvl="0" marL="0" rtl="0" algn="l">
+              <a:pPr marL="0" lvl="0" indent="0" algn="l" rtl="0">
                 <a:spcBef>
                   <a:spcPts val="0"/>
                 </a:spcBef>
@@ -9581,7 +9766,7 @@
                 <a:buNone/>
               </a:pPr>
               <a:r>
-                <a:rPr lang="en">
+                <a:rPr lang="en" dirty="0">
                   <a:latin typeface="Open Sans"/>
                   <a:ea typeface="Open Sans"/>
                   <a:cs typeface="Open Sans"/>
@@ -9589,7 +9774,7 @@
                 </a:rPr>
                 <a:t>Vehicles</a:t>
               </a:r>
-              <a:endParaRPr>
+              <a:endParaRPr dirty="0">
                 <a:latin typeface="Open Sans"/>
                 <a:ea typeface="Open Sans"/>
                 <a:cs typeface="Open Sans"/>
@@ -9618,12 +9803,12 @@
             </a:ln>
           </p:spPr>
           <p:txBody>
-            <a:bodyPr anchorCtr="0" anchor="t" bIns="91425" lIns="91425" spcFirstLastPara="1" rIns="91425" wrap="square" tIns="91425">
+            <a:bodyPr spcFirstLastPara="1" wrap="square" lIns="91425" tIns="91425" rIns="91425" bIns="91425" anchor="t" anchorCtr="0">
               <a:noAutofit/>
             </a:bodyPr>
             <a:lstStyle/>
             <a:p>
-              <a:pPr indent="0" lvl="0" marL="0" rtl="0" algn="l">
+              <a:pPr marL="0" lvl="0" indent="0" algn="l" rtl="0">
                 <a:spcBef>
                   <a:spcPts val="0"/>
                 </a:spcBef>
@@ -9670,12 +9855,12 @@
             </a:ln>
           </p:spPr>
           <p:txBody>
-            <a:bodyPr anchorCtr="0" anchor="t" bIns="91425" lIns="91425" spcFirstLastPara="1" rIns="91425" wrap="square" tIns="91425">
+            <a:bodyPr spcFirstLastPara="1" wrap="square" lIns="91425" tIns="91425" rIns="91425" bIns="91425" anchor="t" anchorCtr="0">
               <a:noAutofit/>
             </a:bodyPr>
             <a:lstStyle/>
             <a:p>
-              <a:pPr indent="0" lvl="0" marL="0" rtl="0" algn="l">
+              <a:pPr marL="0" lvl="0" indent="0" algn="l" rtl="0">
                 <a:spcBef>
                   <a:spcPts val="0"/>
                 </a:spcBef>
@@ -9702,122 +9887,6 @@
             </a:p>
           </p:txBody>
         </p:sp>
-        <p:cxnSp>
-          <p:nvCxnSpPr>
-            <p:cNvPr id="88" name="Google Shape;88;p14"/>
-            <p:cNvCxnSpPr>
-              <a:stCxn id="76" idx="4"/>
-              <a:endCxn id="81" idx="0"/>
-            </p:cNvCxnSpPr>
-            <p:nvPr/>
-          </p:nvCxnSpPr>
-          <p:spPr>
-            <a:xfrm>
-              <a:off x="1167675" y="2231800"/>
-              <a:ext cx="1191000" cy="780600"/>
-            </a:xfrm>
-            <a:prstGeom prst="straightConnector1">
-              <a:avLst/>
-            </a:prstGeom>
-            <a:noFill/>
-            <a:ln cap="flat" cmpd="sng" w="9525">
-              <a:solidFill>
-                <a:schemeClr val="dk2"/>
-              </a:solidFill>
-              <a:prstDash val="solid"/>
-              <a:round/>
-              <a:headEnd len="med" w="med" type="none"/>
-              <a:tailEnd len="med" w="med" type="none"/>
-            </a:ln>
-          </p:spPr>
-        </p:cxnSp>
-        <p:cxnSp>
-          <p:nvCxnSpPr>
-            <p:cNvPr id="89" name="Google Shape;89;p14"/>
-            <p:cNvCxnSpPr>
-              <a:stCxn id="76" idx="4"/>
-              <a:endCxn id="80" idx="0"/>
-            </p:cNvCxnSpPr>
-            <p:nvPr/>
-          </p:nvCxnSpPr>
-          <p:spPr>
-            <a:xfrm flipH="1">
-              <a:off x="800175" y="2231800"/>
-              <a:ext cx="367500" cy="1704600"/>
-            </a:xfrm>
-            <a:prstGeom prst="straightConnector1">
-              <a:avLst/>
-            </a:prstGeom>
-            <a:noFill/>
-            <a:ln cap="flat" cmpd="sng" w="9525">
-              <a:solidFill>
-                <a:schemeClr val="dk2"/>
-              </a:solidFill>
-              <a:prstDash val="solid"/>
-              <a:round/>
-              <a:headEnd len="med" w="med" type="none"/>
-              <a:tailEnd len="med" w="med" type="none"/>
-            </a:ln>
-          </p:spPr>
-        </p:cxnSp>
-        <p:cxnSp>
-          <p:nvCxnSpPr>
-            <p:cNvPr id="90" name="Google Shape;90;p14"/>
-            <p:cNvCxnSpPr>
-              <a:stCxn id="76" idx="6"/>
-              <a:endCxn id="78" idx="2"/>
-            </p:cNvCxnSpPr>
-            <p:nvPr/>
-          </p:nvCxnSpPr>
-          <p:spPr>
-            <a:xfrm>
-              <a:off x="1509825" y="1878100"/>
-              <a:ext cx="1496700" cy="7800"/>
-            </a:xfrm>
-            <a:prstGeom prst="straightConnector1">
-              <a:avLst/>
-            </a:prstGeom>
-            <a:noFill/>
-            <a:ln cap="flat" cmpd="sng" w="9525">
-              <a:solidFill>
-                <a:schemeClr val="dk2"/>
-              </a:solidFill>
-              <a:prstDash val="solid"/>
-              <a:round/>
-              <a:headEnd len="med" w="med" type="none"/>
-              <a:tailEnd len="med" w="med" type="none"/>
-            </a:ln>
-          </p:spPr>
-        </p:cxnSp>
-        <p:cxnSp>
-          <p:nvCxnSpPr>
-            <p:cNvPr id="91" name="Google Shape;91;p14"/>
-            <p:cNvCxnSpPr>
-              <a:stCxn id="77" idx="2"/>
-              <a:endCxn id="78" idx="6"/>
-            </p:cNvCxnSpPr>
-            <p:nvPr/>
-          </p:nvCxnSpPr>
-          <p:spPr>
-            <a:xfrm rot="10800000">
-              <a:off x="3690650" y="1885975"/>
-              <a:ext cx="1772100" cy="0"/>
-            </a:xfrm>
-            <a:prstGeom prst="straightConnector1">
-              <a:avLst/>
-            </a:prstGeom>
-            <a:noFill/>
-            <a:ln cap="flat" cmpd="sng" w="9525">
-              <a:solidFill>
-                <a:schemeClr val="dk2"/>
-              </a:solidFill>
-              <a:prstDash val="solid"/>
-              <a:round/>
-              <a:headEnd len="med" w="med" type="none"/>
-              <a:tailEnd len="med" w="med" type="none"/>
-            </a:ln>
-          </p:spPr>
-        </p:cxnSp>
         <p:sp>
           <p:nvSpPr>
             <p:cNvPr id="92" name="Google Shape;92;p14"/>
@@ -9838,12 +9907,12 @@
             </a:ln>
           </p:spPr>
           <p:txBody>
-            <a:bodyPr anchorCtr="0" anchor="t" bIns="91425" lIns="91425" spcFirstLastPara="1" rIns="91425" wrap="square" tIns="91425">
+            <a:bodyPr spcFirstLastPara="1" wrap="square" lIns="91425" tIns="91425" rIns="91425" bIns="91425" anchor="t" anchorCtr="0">
               <a:noAutofit/>
             </a:bodyPr>
             <a:lstStyle/>
             <a:p>
-              <a:pPr indent="0" lvl="0" marL="0" rtl="0" algn="l">
+              <a:pPr marL="0" lvl="0" indent="0" algn="l" rtl="0">
                 <a:spcBef>
                   <a:spcPts val="0"/>
                 </a:spcBef>
@@ -9890,12 +9959,12 @@
             </a:ln>
           </p:spPr>
           <p:txBody>
-            <a:bodyPr anchorCtr="0" anchor="t" bIns="91425" lIns="91425" spcFirstLastPara="1" rIns="91425" wrap="square" tIns="91425">
+            <a:bodyPr spcFirstLastPara="1" wrap="square" lIns="91425" tIns="91425" rIns="91425" bIns="91425" anchor="t" anchorCtr="0">
               <a:noAutofit/>
             </a:bodyPr>
             <a:lstStyle/>
             <a:p>
-              <a:pPr indent="0" lvl="0" marL="0" rtl="0" algn="l">
+              <a:pPr marL="0" lvl="0" indent="0" algn="l" rtl="0">
                 <a:spcBef>
                   <a:spcPts val="0"/>
                 </a:spcBef>
@@ -9942,12 +10011,12 @@
             </a:ln>
           </p:spPr>
           <p:txBody>
-            <a:bodyPr anchorCtr="0" anchor="t" bIns="91425" lIns="91425" spcFirstLastPara="1" rIns="91425" wrap="square" tIns="91425">
+            <a:bodyPr spcFirstLastPara="1" wrap="square" lIns="91425" tIns="91425" rIns="91425" bIns="91425" anchor="t" anchorCtr="0">
               <a:noAutofit/>
             </a:bodyPr>
             <a:lstStyle/>
             <a:p>
-              <a:pPr indent="0" lvl="0" marL="0" rtl="0" algn="l">
+              <a:pPr marL="0" lvl="0" indent="0" algn="l" rtl="0">
                 <a:spcBef>
                   <a:spcPts val="0"/>
                 </a:spcBef>
@@ -9994,12 +10063,12 @@
             </a:ln>
           </p:spPr>
           <p:txBody>
-            <a:bodyPr anchorCtr="0" anchor="t" bIns="91425" lIns="91425" spcFirstLastPara="1" rIns="91425" wrap="square" tIns="91425">
+            <a:bodyPr spcFirstLastPara="1" wrap="square" lIns="91425" tIns="91425" rIns="91425" bIns="91425" anchor="t" anchorCtr="0">
               <a:noAutofit/>
             </a:bodyPr>
             <a:lstStyle/>
             <a:p>
-              <a:pPr indent="0" lvl="0" marL="0" rtl="0" algn="l">
+              <a:pPr marL="0" lvl="0" indent="0" algn="l" rtl="0">
                 <a:spcBef>
                   <a:spcPts val="0"/>
                 </a:spcBef>
@@ -10026,35 +10095,6 @@
             </a:p>
           </p:txBody>
         </p:sp>
-        <p:cxnSp>
-          <p:nvCxnSpPr>
-            <p:cNvPr id="96" name="Google Shape;96;p14"/>
-            <p:cNvCxnSpPr>
-              <a:stCxn id="80" idx="6"/>
-              <a:endCxn id="79" idx="2"/>
-            </p:cNvCxnSpPr>
-            <p:nvPr/>
-          </p:nvCxnSpPr>
-          <p:spPr>
-            <a:xfrm>
-              <a:off x="1142300" y="4290025"/>
-              <a:ext cx="1652100" cy="0"/>
-            </a:xfrm>
-            <a:prstGeom prst="straightConnector1">
-              <a:avLst/>
-            </a:prstGeom>
-            <a:noFill/>
-            <a:ln cap="flat" cmpd="sng" w="9525">
-              <a:solidFill>
-                <a:schemeClr val="dk2"/>
-              </a:solidFill>
-              <a:prstDash val="solid"/>
-              <a:round/>
-              <a:headEnd len="med" w="med" type="none"/>
-              <a:tailEnd len="med" w="med" type="none"/>
-            </a:ln>
-          </p:spPr>
-        </p:cxnSp>
         <p:sp>
           <p:nvSpPr>
             <p:cNvPr id="97" name="Google Shape;97;p14"/>
@@ -10075,12 +10115,12 @@
             </a:ln>
           </p:spPr>
           <p:txBody>
-            <a:bodyPr anchorCtr="0" anchor="t" bIns="91425" lIns="91425" spcFirstLastPara="1" rIns="91425" wrap="square" tIns="91425">
+            <a:bodyPr spcFirstLastPara="1" wrap="square" lIns="91425" tIns="91425" rIns="91425" bIns="91425" anchor="t" anchorCtr="0">
               <a:noAutofit/>
             </a:bodyPr>
             <a:lstStyle/>
             <a:p>
-              <a:pPr indent="0" lvl="0" marL="0" rtl="0" algn="l">
+              <a:pPr marL="0" lvl="0" indent="0" algn="l" rtl="0">
                 <a:spcBef>
                   <a:spcPts val="0"/>
                 </a:spcBef>
@@ -10124,23 +10164,23 @@
             <a:solidFill>
               <a:schemeClr val="dk1"/>
             </a:solidFill>
-            <a:ln cap="flat" cmpd="sng" w="9525">
+            <a:ln w="9525" cap="flat" cmpd="sng">
               <a:solidFill>
                 <a:schemeClr val="dk2"/>
               </a:solidFill>
               <a:prstDash val="solid"/>
               <a:round/>
-              <a:headEnd len="sm" w="sm" type="none"/>
-              <a:tailEnd len="sm" w="sm" type="none"/>
+              <a:headEnd type="none" w="sm" len="sm"/>
+              <a:tailEnd type="none" w="sm" len="sm"/>
             </a:ln>
           </p:spPr>
           <p:txBody>
-            <a:bodyPr anchorCtr="0" anchor="ctr" bIns="91425" lIns="91425" spcFirstLastPara="1" rIns="70625" wrap="square" tIns="91425">
+            <a:bodyPr spcFirstLastPara="1" wrap="square" lIns="91425" tIns="91425" rIns="70625" bIns="91425" anchor="ctr" anchorCtr="0">
               <a:noAutofit/>
             </a:bodyPr>
             <a:lstStyle/>
             <a:p>
-              <a:pPr indent="0" lvl="0" marL="0" rtl="0" algn="ctr">
+              <a:pPr marL="0" lvl="0" indent="0" algn="ctr" rtl="0">
                 <a:spcBef>
                   <a:spcPts val="0"/>
                 </a:spcBef>
@@ -10149,9 +10189,6 @@
                 </a:spcAft>
                 <a:buNone/>
               </a:pPr>
-              <a:r>
-                <a:t/>
-              </a:r>
               <a:endParaRPr/>
             </a:p>
           </p:txBody>
@@ -10176,12 +10213,12 @@
             </a:ln>
           </p:spPr>
           <p:txBody>
-            <a:bodyPr anchorCtr="0" anchor="t" bIns="91425" lIns="91425" spcFirstLastPara="1" rIns="91425" wrap="square" tIns="91425">
+            <a:bodyPr spcFirstLastPara="1" wrap="square" lIns="91425" tIns="91425" rIns="91425" bIns="91425" anchor="t" anchorCtr="0">
               <a:noAutofit/>
             </a:bodyPr>
             <a:lstStyle/>
             <a:p>
-              <a:pPr indent="0" lvl="0" marL="0" rtl="0" algn="l">
+              <a:pPr marL="0" lvl="0" indent="0" algn="l" rtl="0">
                 <a:spcBef>
                   <a:spcPts val="0"/>
                 </a:spcBef>
@@ -10208,35 +10245,6 @@
             </a:p>
           </p:txBody>
         </p:sp>
-        <p:cxnSp>
-          <p:nvCxnSpPr>
-            <p:cNvPr id="100" name="Google Shape;100;p14"/>
-            <p:cNvCxnSpPr>
-              <a:stCxn id="77" idx="4"/>
-              <a:endCxn id="98" idx="0"/>
-            </p:cNvCxnSpPr>
-            <p:nvPr/>
-          </p:nvCxnSpPr>
-          <p:spPr>
-            <a:xfrm flipH="1">
-              <a:off x="4685000" y="2239675"/>
-              <a:ext cx="1119900" cy="772500"/>
-            </a:xfrm>
-            <a:prstGeom prst="straightConnector1">
-              <a:avLst/>
-            </a:prstGeom>
-            <a:noFill/>
-            <a:ln cap="flat" cmpd="sng" w="9525">
-              <a:solidFill>
-                <a:schemeClr val="dk2"/>
-              </a:solidFill>
-              <a:prstDash val="solid"/>
-              <a:round/>
-              <a:headEnd len="med" w="med" type="none"/>
-              <a:tailEnd len="med" w="med" type="none"/>
-            </a:ln>
-          </p:spPr>
-        </p:cxnSp>
         <p:sp>
           <p:nvSpPr>
             <p:cNvPr id="101" name="Google Shape;101;p14"/>
@@ -10257,12 +10265,12 @@
             </a:ln>
           </p:spPr>
           <p:txBody>
-            <a:bodyPr anchorCtr="0" anchor="t" bIns="91425" lIns="91425" spcFirstLastPara="1" rIns="91425" wrap="square" tIns="91425">
+            <a:bodyPr spcFirstLastPara="1" wrap="square" lIns="91425" tIns="91425" rIns="91425" bIns="91425" anchor="t" anchorCtr="0">
               <a:noAutofit/>
             </a:bodyPr>
             <a:lstStyle/>
             <a:p>
-              <a:pPr indent="0" lvl="0" marL="0" rtl="0" algn="l">
+              <a:pPr marL="0" lvl="0" indent="0" algn="l" rtl="0">
                 <a:spcBef>
                   <a:spcPts val="0"/>
                 </a:spcBef>
@@ -10306,23 +10314,23 @@
             <a:solidFill>
               <a:schemeClr val="dk1"/>
             </a:solidFill>
-            <a:ln cap="flat" cmpd="sng" w="9525">
+            <a:ln w="9525" cap="flat" cmpd="sng">
               <a:solidFill>
                 <a:schemeClr val="dk2"/>
               </a:solidFill>
               <a:prstDash val="solid"/>
               <a:round/>
-              <a:headEnd len="sm" w="sm" type="none"/>
-              <a:tailEnd len="sm" w="sm" type="none"/>
+              <a:headEnd type="none" w="sm" len="sm"/>
+              <a:tailEnd type="none" w="sm" len="sm"/>
             </a:ln>
           </p:spPr>
           <p:txBody>
-            <a:bodyPr anchorCtr="0" anchor="ctr" bIns="91425" lIns="91425" spcFirstLastPara="1" rIns="70625" wrap="square" tIns="91425">
+            <a:bodyPr spcFirstLastPara="1" wrap="square" lIns="91425" tIns="91425" rIns="70625" bIns="91425" anchor="ctr" anchorCtr="0">
               <a:noAutofit/>
             </a:bodyPr>
             <a:lstStyle/>
             <a:p>
-              <a:pPr indent="0" lvl="0" marL="0" rtl="0" algn="ctr">
+              <a:pPr marL="0" lvl="0" indent="0" algn="ctr" rtl="0">
                 <a:spcBef>
                   <a:spcPts val="0"/>
                 </a:spcBef>
@@ -10331,9 +10339,6 @@
                 </a:spcAft>
                 <a:buNone/>
               </a:pPr>
-              <a:r>
-                <a:t/>
-              </a:r>
               <a:endParaRPr/>
             </a:p>
           </p:txBody>
@@ -10358,12 +10363,12 @@
             </a:ln>
           </p:spPr>
           <p:txBody>
-            <a:bodyPr anchorCtr="0" anchor="t" bIns="91425" lIns="91425" spcFirstLastPara="1" rIns="91425" wrap="square" tIns="91425">
+            <a:bodyPr spcFirstLastPara="1" wrap="square" lIns="91425" tIns="91425" rIns="91425" bIns="91425" anchor="t" anchorCtr="0">
               <a:noAutofit/>
             </a:bodyPr>
             <a:lstStyle/>
             <a:p>
-              <a:pPr indent="0" lvl="0" marL="0" rtl="0" algn="l">
+              <a:pPr marL="0" lvl="0" indent="0" algn="l" rtl="0">
                 <a:spcBef>
                   <a:spcPts val="0"/>
                 </a:spcBef>
@@ -10390,64 +10395,6 @@
             </a:p>
           </p:txBody>
         </p:sp>
-        <p:cxnSp>
-          <p:nvCxnSpPr>
-            <p:cNvPr id="104" name="Google Shape;104;p14"/>
-            <p:cNvCxnSpPr>
-              <a:stCxn id="77" idx="4"/>
-              <a:endCxn id="102" idx="0"/>
-            </p:cNvCxnSpPr>
-            <p:nvPr/>
-          </p:nvCxnSpPr>
-          <p:spPr>
-            <a:xfrm>
-              <a:off x="5804900" y="2239675"/>
-              <a:ext cx="1206900" cy="834600"/>
-            </a:xfrm>
-            <a:prstGeom prst="straightConnector1">
-              <a:avLst/>
-            </a:prstGeom>
-            <a:noFill/>
-            <a:ln cap="flat" cmpd="sng" w="9525">
-              <a:solidFill>
-                <a:schemeClr val="dk2"/>
-              </a:solidFill>
-              <a:prstDash val="solid"/>
-              <a:round/>
-              <a:headEnd len="med" w="med" type="none"/>
-              <a:tailEnd len="med" w="med" type="none"/>
-            </a:ln>
-          </p:spPr>
-        </p:cxnSp>
-        <p:cxnSp>
-          <p:nvCxnSpPr>
-            <p:cNvPr id="105" name="Google Shape;105;p14"/>
-            <p:cNvCxnSpPr>
-              <a:stCxn id="98" idx="6"/>
-              <a:endCxn id="102" idx="2"/>
-            </p:cNvCxnSpPr>
-            <p:nvPr/>
-          </p:nvCxnSpPr>
-          <p:spPr>
-            <a:xfrm>
-              <a:off x="5027300" y="3365950"/>
-              <a:ext cx="1642200" cy="62100"/>
-            </a:xfrm>
-            <a:prstGeom prst="straightConnector1">
-              <a:avLst/>
-            </a:prstGeom>
-            <a:noFill/>
-            <a:ln cap="flat" cmpd="sng" w="9525">
-              <a:solidFill>
-                <a:schemeClr val="dk2"/>
-              </a:solidFill>
-              <a:prstDash val="solid"/>
-              <a:round/>
-              <a:headEnd len="med" w="med" type="none"/>
-              <a:tailEnd len="med" w="med" type="none"/>
-            </a:ln>
-          </p:spPr>
-        </p:cxnSp>
         <p:sp>
           <p:nvSpPr>
             <p:cNvPr id="106" name="Google Shape;106;p14"/>
@@ -10468,12 +10415,12 @@
             </a:ln>
           </p:spPr>
           <p:txBody>
-            <a:bodyPr anchorCtr="0" anchor="t" bIns="91425" lIns="91425" spcFirstLastPara="1" rIns="91425" wrap="square" tIns="91425">
+            <a:bodyPr spcFirstLastPara="1" wrap="square" lIns="91425" tIns="91425" rIns="91425" bIns="91425" anchor="t" anchorCtr="0">
               <a:noAutofit/>
             </a:bodyPr>
             <a:lstStyle/>
             <a:p>
-              <a:pPr indent="0" lvl="0" marL="0" rtl="0" algn="l">
+              <a:pPr marL="0" lvl="0" indent="0" algn="l" rtl="0">
                 <a:spcBef>
                   <a:spcPts val="0"/>
                 </a:spcBef>
@@ -10520,12 +10467,12 @@
             </a:ln>
           </p:spPr>
           <p:txBody>
-            <a:bodyPr anchorCtr="0" anchor="t" bIns="91425" lIns="91425" spcFirstLastPara="1" rIns="91425" wrap="square" tIns="91425">
+            <a:bodyPr spcFirstLastPara="1" wrap="square" lIns="91425" tIns="91425" rIns="91425" bIns="91425" anchor="t" anchorCtr="0">
               <a:noAutofit/>
             </a:bodyPr>
             <a:lstStyle/>
             <a:p>
-              <a:pPr indent="0" lvl="0" marL="0" rtl="0" algn="l">
+              <a:pPr marL="0" lvl="0" indent="0" algn="l" rtl="0">
                 <a:spcBef>
                   <a:spcPts val="0"/>
                 </a:spcBef>
@@ -10535,7 +10482,7 @@
                 <a:buNone/>
               </a:pPr>
               <a:r>
-                <a:rPr lang="en" sz="1200">
+                <a:rPr lang="en" sz="1200" dirty="0">
                   <a:latin typeface="Open Sans"/>
                   <a:ea typeface="Open Sans"/>
                   <a:cs typeface="Open Sans"/>
@@ -10543,7 +10490,7 @@
                 </a:rPr>
                 <a:t>competes with</a:t>
               </a:r>
-              <a:endParaRPr sz="1200">
+              <a:endParaRPr sz="1200" dirty="0">
                 <a:latin typeface="Open Sans"/>
                 <a:ea typeface="Open Sans"/>
                 <a:cs typeface="Open Sans"/>
@@ -10572,12 +10519,12 @@
             </a:ln>
           </p:spPr>
           <p:txBody>
-            <a:bodyPr anchorCtr="0" anchor="t" bIns="91425" lIns="91425" spcFirstLastPara="1" rIns="91425" wrap="square" tIns="91425">
+            <a:bodyPr spcFirstLastPara="1" wrap="square" lIns="91425" tIns="91425" rIns="91425" bIns="91425" anchor="t" anchorCtr="0">
               <a:noAutofit/>
             </a:bodyPr>
             <a:lstStyle/>
             <a:p>
-              <a:pPr indent="0" lvl="0" marL="0" rtl="0" algn="l">
+              <a:pPr marL="0" lvl="0" indent="0" algn="l" rtl="0">
                 <a:spcBef>
                   <a:spcPts val="0"/>
                 </a:spcBef>
@@ -10621,23 +10568,23 @@
             <a:solidFill>
               <a:schemeClr val="dk1"/>
             </a:solidFill>
-            <a:ln cap="flat" cmpd="sng" w="9525">
+            <a:ln w="9525" cap="flat" cmpd="sng">
               <a:solidFill>
                 <a:schemeClr val="dk2"/>
               </a:solidFill>
               <a:prstDash val="solid"/>
               <a:round/>
-              <a:headEnd len="sm" w="sm" type="none"/>
-              <a:tailEnd len="sm" w="sm" type="none"/>
+              <a:headEnd type="none" w="sm" len="sm"/>
+              <a:tailEnd type="none" w="sm" len="sm"/>
             </a:ln>
           </p:spPr>
           <p:txBody>
-            <a:bodyPr anchorCtr="0" anchor="ctr" bIns="91425" lIns="91425" spcFirstLastPara="1" rIns="70625" wrap="square" tIns="91425">
+            <a:bodyPr spcFirstLastPara="1" wrap="square" lIns="91425" tIns="91425" rIns="70625" bIns="91425" anchor="ctr" anchorCtr="0">
               <a:noAutofit/>
             </a:bodyPr>
             <a:lstStyle/>
             <a:p>
-              <a:pPr indent="0" lvl="0" marL="0" rtl="0" algn="ctr">
+              <a:pPr marL="0" lvl="0" indent="0" algn="ctr" rtl="0">
                 <a:spcBef>
                   <a:spcPts val="0"/>
                 </a:spcBef>
@@ -10646,9 +10593,6 @@
                 </a:spcAft>
                 <a:buNone/>
               </a:pPr>
-              <a:r>
-                <a:t/>
-              </a:r>
               <a:endParaRPr/>
             </a:p>
           </p:txBody>
@@ -10673,12 +10617,12 @@
             </a:ln>
           </p:spPr>
           <p:txBody>
-            <a:bodyPr anchorCtr="0" anchor="t" bIns="91425" lIns="91425" spcFirstLastPara="1" rIns="91425" wrap="square" tIns="91425">
+            <a:bodyPr spcFirstLastPara="1" wrap="square" lIns="91425" tIns="91425" rIns="91425" bIns="91425" anchor="t" anchorCtr="0">
               <a:noAutofit/>
             </a:bodyPr>
             <a:lstStyle/>
             <a:p>
-              <a:pPr indent="0" lvl="0" marL="0" rtl="0" algn="l">
+              <a:pPr marL="0" lvl="0" indent="0" algn="l" rtl="0">
                 <a:spcBef>
                   <a:spcPts val="0"/>
                 </a:spcBef>
@@ -10705,40 +10649,13 @@
             </a:p>
           </p:txBody>
         </p:sp>
-        <p:cxnSp>
-          <p:nvCxnSpPr>
-            <p:cNvPr id="111" name="Google Shape;111;p14"/>
-            <p:cNvCxnSpPr>
-              <a:stCxn id="109" idx="4"/>
-              <a:endCxn id="102" idx="6"/>
-            </p:cNvCxnSpPr>
-            <p:nvPr/>
-          </p:nvCxnSpPr>
-          <p:spPr>
-            <a:xfrm flipH="1">
-              <a:off x="7354075" y="2632050"/>
-              <a:ext cx="907200" cy="795900"/>
-            </a:xfrm>
-            <a:prstGeom prst="straightConnector1">
-              <a:avLst/>
-            </a:prstGeom>
-            <a:noFill/>
-            <a:ln cap="flat" cmpd="sng" w="9525">
-              <a:solidFill>
-                <a:schemeClr val="dk2"/>
-              </a:solidFill>
-              <a:prstDash val="solid"/>
-              <a:round/>
-              <a:headEnd len="med" w="med" type="none"/>
-              <a:tailEnd len="med" w="med" type="none"/>
-            </a:ln>
-          </p:spPr>
-        </p:cxnSp>
       </p:grpSp>
       <p:sp>
         <p:nvSpPr>
           <p:cNvPr id="112" name="Google Shape;112;p14"/>
-          <p:cNvSpPr txBox="1"/>
+          <p:cNvSpPr txBox="1">
+            <a:spLocks noGrp="1"/>
+          </p:cNvSpPr>
           <p:nvPr>
             <p:ph type="title"/>
           </p:nvPr>
@@ -10753,12 +10670,12 @@
           </a:prstGeom>
         </p:spPr>
         <p:txBody>
-          <a:bodyPr anchorCtr="0" anchor="t" bIns="91425" lIns="91425" spcFirstLastPara="1" rIns="91425" wrap="square" tIns="91425">
+          <a:bodyPr spcFirstLastPara="1" wrap="square" lIns="91425" tIns="91425" rIns="91425" bIns="91425" anchor="t" anchorCtr="0">
             <a:noAutofit/>
           </a:bodyPr>
           <a:lstStyle/>
           <a:p>
-            <a:pPr indent="0" lvl="0" marL="0" rtl="0" algn="l">
+            <a:pPr marL="0" lvl="0" indent="0" algn="l" rtl="0">
               <a:spcBef>
                 <a:spcPts val="0"/>
               </a:spcBef>
@@ -10775,6 +10692,389 @@
           </a:p>
         </p:txBody>
       </p:sp>
+      <p:cxnSp>
+        <p:nvCxnSpPr>
+          <p:cNvPr id="3" name="Straight Arrow Connector 2">
+            <a:extLst>
+              <a:ext uri="{FF2B5EF4-FFF2-40B4-BE49-F238E27FC236}">
+                <a16:creationId xmlns:a16="http://schemas.microsoft.com/office/drawing/2014/main" id="{89D882BA-7686-3A41-B7B9-77CEBA32F17B}"/>
+              </a:ext>
+            </a:extLst>
+          </p:cNvPr>
+          <p:cNvCxnSpPr>
+            <a:stCxn id="76" idx="6"/>
+            <a:endCxn id="78" idx="2"/>
+          </p:cNvCxnSpPr>
+          <p:nvPr/>
+        </p:nvCxnSpPr>
+        <p:spPr>
+          <a:xfrm>
+            <a:off x="1562112" y="1878100"/>
+            <a:ext cx="1496550" cy="7863"/>
+          </a:xfrm>
+          <a:prstGeom prst="straightConnector1">
+            <a:avLst/>
+          </a:prstGeom>
+          <a:ln>
+            <a:tailEnd type="triangle"/>
+          </a:ln>
+        </p:spPr>
+        <p:style>
+          <a:lnRef idx="1">
+            <a:schemeClr val="accent1"/>
+          </a:lnRef>
+          <a:fillRef idx="0">
+            <a:schemeClr val="accent1"/>
+          </a:fillRef>
+          <a:effectRef idx="0">
+            <a:schemeClr val="accent1"/>
+          </a:effectRef>
+          <a:fontRef idx="minor">
+            <a:schemeClr val="tx1"/>
+          </a:fontRef>
+        </p:style>
+      </p:cxnSp>
+      <p:cxnSp>
+        <p:nvCxnSpPr>
+          <p:cNvPr id="43" name="Straight Arrow Connector 42">
+            <a:extLst>
+              <a:ext uri="{FF2B5EF4-FFF2-40B4-BE49-F238E27FC236}">
+                <a16:creationId xmlns:a16="http://schemas.microsoft.com/office/drawing/2014/main" id="{F02AB504-1CAB-4F41-8645-2F535CC569B2}"/>
+              </a:ext>
+            </a:extLst>
+          </p:cNvPr>
+          <p:cNvCxnSpPr>
+            <a:cxnSpLocks/>
+            <a:stCxn id="77" idx="2"/>
+            <a:endCxn id="78" idx="6"/>
+          </p:cNvCxnSpPr>
+          <p:nvPr/>
+        </p:nvCxnSpPr>
+        <p:spPr>
+          <a:xfrm flipH="1" flipV="1">
+            <a:off x="3742962" y="1885963"/>
+            <a:ext cx="1772075" cy="12"/>
+          </a:xfrm>
+          <a:prstGeom prst="straightConnector1">
+            <a:avLst/>
+          </a:prstGeom>
+          <a:ln>
+            <a:tailEnd type="triangle"/>
+          </a:ln>
+        </p:spPr>
+        <p:style>
+          <a:lnRef idx="1">
+            <a:schemeClr val="accent1"/>
+          </a:lnRef>
+          <a:fillRef idx="0">
+            <a:schemeClr val="accent1"/>
+          </a:fillRef>
+          <a:effectRef idx="0">
+            <a:schemeClr val="accent1"/>
+          </a:effectRef>
+          <a:fontRef idx="minor">
+            <a:schemeClr val="tx1"/>
+          </a:fontRef>
+        </p:style>
+      </p:cxnSp>
+      <p:cxnSp>
+        <p:nvCxnSpPr>
+          <p:cNvPr id="46" name="Straight Arrow Connector 45">
+            <a:extLst>
+              <a:ext uri="{FF2B5EF4-FFF2-40B4-BE49-F238E27FC236}">
+                <a16:creationId xmlns:a16="http://schemas.microsoft.com/office/drawing/2014/main" id="{D4B5C6C0-9527-D64E-B41A-6735F54B9888}"/>
+              </a:ext>
+            </a:extLst>
+          </p:cNvPr>
+          <p:cNvCxnSpPr>
+            <a:cxnSpLocks/>
+            <a:stCxn id="77" idx="4"/>
+            <a:endCxn id="98" idx="0"/>
+          </p:cNvCxnSpPr>
+          <p:nvPr/>
+        </p:nvCxnSpPr>
+        <p:spPr>
+          <a:xfrm flipH="1">
+            <a:off x="4737437" y="2239675"/>
+            <a:ext cx="1119750" cy="772575"/>
+          </a:xfrm>
+          <a:prstGeom prst="straightConnector1">
+            <a:avLst/>
+          </a:prstGeom>
+          <a:ln>
+            <a:tailEnd type="triangle"/>
+          </a:ln>
+        </p:spPr>
+        <p:style>
+          <a:lnRef idx="1">
+            <a:schemeClr val="accent1"/>
+          </a:lnRef>
+          <a:fillRef idx="0">
+            <a:schemeClr val="accent1"/>
+          </a:fillRef>
+          <a:effectRef idx="0">
+            <a:schemeClr val="accent1"/>
+          </a:effectRef>
+          <a:fontRef idx="minor">
+            <a:schemeClr val="tx1"/>
+          </a:fontRef>
+        </p:style>
+      </p:cxnSp>
+      <p:cxnSp>
+        <p:nvCxnSpPr>
+          <p:cNvPr id="49" name="Straight Arrow Connector 48">
+            <a:extLst>
+              <a:ext uri="{FF2B5EF4-FFF2-40B4-BE49-F238E27FC236}">
+                <a16:creationId xmlns:a16="http://schemas.microsoft.com/office/drawing/2014/main" id="{2D36CC48-6728-AA49-B25E-23B92BC52BC8}"/>
+              </a:ext>
+            </a:extLst>
+          </p:cNvPr>
+          <p:cNvCxnSpPr>
+            <a:cxnSpLocks/>
+            <a:endCxn id="102" idx="0"/>
+          </p:cNvCxnSpPr>
+          <p:nvPr/>
+        </p:nvCxnSpPr>
+        <p:spPr>
+          <a:xfrm>
+            <a:off x="5857187" y="2239663"/>
+            <a:ext cx="1206875" cy="834587"/>
+          </a:xfrm>
+          <a:prstGeom prst="straightConnector1">
+            <a:avLst/>
+          </a:prstGeom>
+          <a:ln>
+            <a:tailEnd type="triangle"/>
+          </a:ln>
+        </p:spPr>
+        <p:style>
+          <a:lnRef idx="1">
+            <a:schemeClr val="accent1"/>
+          </a:lnRef>
+          <a:fillRef idx="0">
+            <a:schemeClr val="accent1"/>
+          </a:fillRef>
+          <a:effectRef idx="0">
+            <a:schemeClr val="accent1"/>
+          </a:effectRef>
+          <a:fontRef idx="minor">
+            <a:schemeClr val="tx1"/>
+          </a:fontRef>
+        </p:style>
+      </p:cxnSp>
+      <p:cxnSp>
+        <p:nvCxnSpPr>
+          <p:cNvPr id="52" name="Straight Arrow Connector 51">
+            <a:extLst>
+              <a:ext uri="{FF2B5EF4-FFF2-40B4-BE49-F238E27FC236}">
+                <a16:creationId xmlns:a16="http://schemas.microsoft.com/office/drawing/2014/main" id="{846B6B51-0992-5A42-A07F-1656AD4CE6AD}"/>
+              </a:ext>
+            </a:extLst>
+          </p:cNvPr>
+          <p:cNvCxnSpPr>
+            <a:cxnSpLocks/>
+            <a:endCxn id="98" idx="6"/>
+          </p:cNvCxnSpPr>
+          <p:nvPr/>
+        </p:nvCxnSpPr>
+        <p:spPr>
+          <a:xfrm flipH="1" flipV="1">
+            <a:off x="5079587" y="3365950"/>
+            <a:ext cx="1642326" cy="62000"/>
+          </a:xfrm>
+          <a:prstGeom prst="straightConnector1">
+            <a:avLst/>
+          </a:prstGeom>
+          <a:ln>
+            <a:tailEnd type="triangle"/>
+          </a:ln>
+        </p:spPr>
+        <p:style>
+          <a:lnRef idx="1">
+            <a:schemeClr val="accent1"/>
+          </a:lnRef>
+          <a:fillRef idx="0">
+            <a:schemeClr val="accent1"/>
+          </a:fillRef>
+          <a:effectRef idx="0">
+            <a:schemeClr val="accent1"/>
+          </a:effectRef>
+          <a:fontRef idx="minor">
+            <a:schemeClr val="tx1"/>
+          </a:fontRef>
+        </p:style>
+      </p:cxnSp>
+      <p:cxnSp>
+        <p:nvCxnSpPr>
+          <p:cNvPr id="55" name="Straight Arrow Connector 54">
+            <a:extLst>
+              <a:ext uri="{FF2B5EF4-FFF2-40B4-BE49-F238E27FC236}">
+                <a16:creationId xmlns:a16="http://schemas.microsoft.com/office/drawing/2014/main" id="{24E2C96F-0E23-D14D-90EC-A895DB15B8B6}"/>
+              </a:ext>
+            </a:extLst>
+          </p:cNvPr>
+          <p:cNvCxnSpPr>
+            <a:cxnSpLocks/>
+            <a:stCxn id="109" idx="4"/>
+            <a:endCxn id="102" idx="6"/>
+          </p:cNvCxnSpPr>
+          <p:nvPr/>
+        </p:nvCxnSpPr>
+        <p:spPr>
+          <a:xfrm flipH="1">
+            <a:off x="7406212" y="2632050"/>
+            <a:ext cx="907350" cy="795900"/>
+          </a:xfrm>
+          <a:prstGeom prst="straightConnector1">
+            <a:avLst/>
+          </a:prstGeom>
+          <a:ln>
+            <a:tailEnd type="triangle"/>
+          </a:ln>
+        </p:spPr>
+        <p:style>
+          <a:lnRef idx="1">
+            <a:schemeClr val="accent1"/>
+          </a:lnRef>
+          <a:fillRef idx="0">
+            <a:schemeClr val="accent1"/>
+          </a:fillRef>
+          <a:effectRef idx="0">
+            <a:schemeClr val="accent1"/>
+          </a:effectRef>
+          <a:fontRef idx="minor">
+            <a:schemeClr val="tx1"/>
+          </a:fontRef>
+        </p:style>
+      </p:cxnSp>
+      <p:cxnSp>
+        <p:nvCxnSpPr>
+          <p:cNvPr id="58" name="Straight Arrow Connector 57">
+            <a:extLst>
+              <a:ext uri="{FF2B5EF4-FFF2-40B4-BE49-F238E27FC236}">
+                <a16:creationId xmlns:a16="http://schemas.microsoft.com/office/drawing/2014/main" id="{B05F2AFA-6E8E-684B-8F5C-546971C7A641}"/>
+              </a:ext>
+            </a:extLst>
+          </p:cNvPr>
+          <p:cNvCxnSpPr>
+            <a:cxnSpLocks/>
+            <a:stCxn id="76" idx="4"/>
+            <a:endCxn id="81" idx="0"/>
+          </p:cNvCxnSpPr>
+          <p:nvPr/>
+        </p:nvCxnSpPr>
+        <p:spPr>
+          <a:xfrm>
+            <a:off x="1219962" y="2231800"/>
+            <a:ext cx="1190850" cy="780450"/>
+          </a:xfrm>
+          <a:prstGeom prst="straightConnector1">
+            <a:avLst/>
+          </a:prstGeom>
+          <a:ln>
+            <a:tailEnd type="triangle"/>
+          </a:ln>
+        </p:spPr>
+        <p:style>
+          <a:lnRef idx="1">
+            <a:schemeClr val="accent1"/>
+          </a:lnRef>
+          <a:fillRef idx="0">
+            <a:schemeClr val="accent1"/>
+          </a:fillRef>
+          <a:effectRef idx="0">
+            <a:schemeClr val="accent1"/>
+          </a:effectRef>
+          <a:fontRef idx="minor">
+            <a:schemeClr val="tx1"/>
+          </a:fontRef>
+        </p:style>
+      </p:cxnSp>
+      <p:cxnSp>
+        <p:nvCxnSpPr>
+          <p:cNvPr id="63" name="Straight Arrow Connector 62">
+            <a:extLst>
+              <a:ext uri="{FF2B5EF4-FFF2-40B4-BE49-F238E27FC236}">
+                <a16:creationId xmlns:a16="http://schemas.microsoft.com/office/drawing/2014/main" id="{000290BE-A34F-4F44-A15D-D5C755DF1D55}"/>
+              </a:ext>
+            </a:extLst>
+          </p:cNvPr>
+          <p:cNvCxnSpPr>
+            <a:cxnSpLocks/>
+            <a:endCxn id="80" idx="0"/>
+          </p:cNvCxnSpPr>
+          <p:nvPr/>
+        </p:nvCxnSpPr>
+        <p:spPr>
+          <a:xfrm flipH="1">
+            <a:off x="852437" y="2254332"/>
+            <a:ext cx="402370" cy="1681993"/>
+          </a:xfrm>
+          <a:prstGeom prst="straightConnector1">
+            <a:avLst/>
+          </a:prstGeom>
+          <a:ln>
+            <a:tailEnd type="triangle"/>
+          </a:ln>
+        </p:spPr>
+        <p:style>
+          <a:lnRef idx="1">
+            <a:schemeClr val="accent1"/>
+          </a:lnRef>
+          <a:fillRef idx="0">
+            <a:schemeClr val="accent1"/>
+          </a:fillRef>
+          <a:effectRef idx="0">
+            <a:schemeClr val="accent1"/>
+          </a:effectRef>
+          <a:fontRef idx="minor">
+            <a:schemeClr val="tx1"/>
+          </a:fontRef>
+        </p:style>
+      </p:cxnSp>
+      <p:cxnSp>
+        <p:nvCxnSpPr>
+          <p:cNvPr id="66" name="Straight Arrow Connector 65">
+            <a:extLst>
+              <a:ext uri="{FF2B5EF4-FFF2-40B4-BE49-F238E27FC236}">
+                <a16:creationId xmlns:a16="http://schemas.microsoft.com/office/drawing/2014/main" id="{4D9D2749-25AD-F444-89D6-7752C8BD9893}"/>
+              </a:ext>
+            </a:extLst>
+          </p:cNvPr>
+          <p:cNvCxnSpPr>
+            <a:cxnSpLocks/>
+            <a:stCxn id="80" idx="6"/>
+            <a:endCxn id="79" idx="2"/>
+          </p:cNvCxnSpPr>
+          <p:nvPr/>
+        </p:nvCxnSpPr>
+        <p:spPr>
+          <a:xfrm>
+            <a:off x="1194587" y="4290025"/>
+            <a:ext cx="1652100" cy="0"/>
+          </a:xfrm>
+          <a:prstGeom prst="straightConnector1">
+            <a:avLst/>
+          </a:prstGeom>
+          <a:ln>
+            <a:tailEnd type="triangle"/>
+          </a:ln>
+        </p:spPr>
+        <p:style>
+          <a:lnRef idx="1">
+            <a:schemeClr val="accent1"/>
+          </a:lnRef>
+          <a:fillRef idx="0">
+            <a:schemeClr val="accent1"/>
+          </a:fillRef>
+          <a:effectRef idx="0">
+            <a:schemeClr val="accent1"/>
+          </a:effectRef>
+          <a:fontRef idx="minor">
+            <a:schemeClr val="tx1"/>
+          </a:fontRef>
+        </p:style>
+      </p:cxnSp>
     </p:spTree>
   </p:cSld>
   <p:clrMapOvr>
@@ -10784,11 +11084,11 @@
 </file>
 
 <file path=ppt/slides/slide3.xml><?xml version="1.0" encoding="utf-8"?>
-<p:sld xmlns:a="http://schemas.openxmlformats.org/drawingml/2006/main" xmlns:r="http://schemas.openxmlformats.org/officeDocument/2006/relationships" xmlns:mc="http://schemas.openxmlformats.org/markup-compatibility/2006" xmlns:mv="urn:schemas-microsoft-com:mac:vml" xmlns:p="http://schemas.openxmlformats.org/presentationml/2006/main" xmlns:c="http://schemas.openxmlformats.org/drawingml/2006/chart" xmlns:dgm="http://schemas.openxmlformats.org/drawingml/2006/diagram" xmlns:o="urn:schemas-microsoft-com:office:office" xmlns:v="urn:schemas-microsoft-com:vml" xmlns:pvml="urn:schemas-microsoft-com:office:powerpoint" xmlns:com="http://schemas.openxmlformats.org/drawingml/2006/compatibility" xmlns:p14="http://schemas.microsoft.com/office/powerpoint/2010/main" xmlns:p15="http://schemas.microsoft.com/office/powerpoint/2012/main">
+<p:sld xmlns:a="http://schemas.openxmlformats.org/drawingml/2006/main" xmlns:r="http://schemas.openxmlformats.org/officeDocument/2006/relationships" xmlns:p="http://schemas.openxmlformats.org/presentationml/2006/main">
   <p:cSld>
     <p:spTree>
       <p:nvGrpSpPr>
-        <p:cNvPr id="116" name="Shape 116"/>
+        <p:cNvPr id="1" name="Shape 116"/>
         <p:cNvGrpSpPr/>
         <p:nvPr/>
       </p:nvGrpSpPr>
@@ -10803,7 +11103,9 @@
       <p:sp>
         <p:nvSpPr>
           <p:cNvPr id="117" name="Google Shape;117;p15"/>
-          <p:cNvSpPr txBox="1"/>
+          <p:cNvSpPr txBox="1">
+            <a:spLocks noGrp="1"/>
+          </p:cNvSpPr>
           <p:nvPr>
             <p:ph type="title"/>
           </p:nvPr>
@@ -10818,12 +11120,12 @@
           </a:prstGeom>
         </p:spPr>
         <p:txBody>
-          <a:bodyPr anchorCtr="0" anchor="t" bIns="91425" lIns="91425" spcFirstLastPara="1" rIns="91425" wrap="square" tIns="91425">
+          <a:bodyPr spcFirstLastPara="1" wrap="square" lIns="91425" tIns="91425" rIns="91425" bIns="91425" anchor="t" anchorCtr="0">
             <a:noAutofit/>
           </a:bodyPr>
           <a:lstStyle/>
           <a:p>
-            <a:pPr indent="0" lvl="0" marL="0" rtl="0" algn="l">
+            <a:pPr marL="0" lvl="0" indent="0" algn="l" rtl="0">
               <a:spcBef>
                 <a:spcPts val="0"/>
               </a:spcBef>
@@ -10857,23 +11159,23 @@
           <a:solidFill>
             <a:schemeClr val="dk1"/>
           </a:solidFill>
-          <a:ln cap="flat" cmpd="sng" w="9525">
+          <a:ln w="9525" cap="flat" cmpd="sng">
             <a:solidFill>
               <a:schemeClr val="dk2"/>
             </a:solidFill>
             <a:prstDash val="solid"/>
             <a:round/>
-            <a:headEnd len="sm" w="sm" type="none"/>
-            <a:tailEnd len="sm" w="sm" type="none"/>
+            <a:headEnd type="none" w="sm" len="sm"/>
+            <a:tailEnd type="none" w="sm" len="sm"/>
           </a:ln>
         </p:spPr>
         <p:txBody>
-          <a:bodyPr anchorCtr="0" anchor="ctr" bIns="91425" lIns="91425" spcFirstLastPara="1" rIns="70625" wrap="square" tIns="91425">
+          <a:bodyPr spcFirstLastPara="1" wrap="square" lIns="91425" tIns="91425" rIns="70625" bIns="91425" anchor="ctr" anchorCtr="0">
             <a:noAutofit/>
           </a:bodyPr>
           <a:lstStyle/>
           <a:p>
-            <a:pPr indent="0" lvl="0" marL="0" rtl="0" algn="ctr">
+            <a:pPr marL="0" lvl="0" indent="0" algn="ctr" rtl="0">
               <a:spcBef>
                 <a:spcPts val="0"/>
               </a:spcBef>
@@ -10882,9 +11184,6 @@
               </a:spcAft>
               <a:buNone/>
             </a:pPr>
-            <a:r>
-              <a:t/>
-            </a:r>
             <a:endParaRPr/>
           </a:p>
         </p:txBody>
@@ -10909,12 +11208,12 @@
           </a:ln>
         </p:spPr>
         <p:txBody>
-          <a:bodyPr anchorCtr="0" anchor="t" bIns="91425" lIns="91425" spcFirstLastPara="1" rIns="91425" wrap="square" tIns="91425">
+          <a:bodyPr spcFirstLastPara="1" wrap="square" lIns="91425" tIns="91425" rIns="91425" bIns="91425" anchor="t" anchorCtr="0">
             <a:noAutofit/>
           </a:bodyPr>
           <a:lstStyle/>
           <a:p>
-            <a:pPr indent="0" lvl="0" marL="0" rtl="0" algn="l">
+            <a:pPr marL="0" lvl="0" indent="0" algn="l" rtl="0">
               <a:spcBef>
                 <a:spcPts val="0"/>
               </a:spcBef>
@@ -10964,23 +11263,23 @@
           <a:solidFill>
             <a:schemeClr val="dk1"/>
           </a:solidFill>
-          <a:ln cap="flat" cmpd="sng" w="9525">
+          <a:ln w="9525" cap="flat" cmpd="sng">
             <a:solidFill>
               <a:schemeClr val="dk2"/>
             </a:solidFill>
             <a:prstDash val="solid"/>
             <a:round/>
-            <a:headEnd len="sm" w="sm" type="none"/>
-            <a:tailEnd len="sm" w="sm" type="none"/>
+            <a:headEnd type="none" w="sm" len="sm"/>
+            <a:tailEnd type="none" w="sm" len="sm"/>
           </a:ln>
         </p:spPr>
         <p:txBody>
-          <a:bodyPr anchorCtr="0" anchor="ctr" bIns="91425" lIns="91425" spcFirstLastPara="1" rIns="70625" wrap="square" tIns="91425">
+          <a:bodyPr spcFirstLastPara="1" wrap="square" lIns="91425" tIns="91425" rIns="70625" bIns="91425" anchor="ctr" anchorCtr="0">
             <a:noAutofit/>
           </a:bodyPr>
           <a:lstStyle/>
           <a:p>
-            <a:pPr indent="0" lvl="0" marL="0" rtl="0" algn="ctr">
+            <a:pPr marL="0" lvl="0" indent="0" algn="ctr" rtl="0">
               <a:spcBef>
                 <a:spcPts val="0"/>
               </a:spcBef>
@@ -10989,9 +11288,6 @@
               </a:spcAft>
               <a:buNone/>
             </a:pPr>
-            <a:r>
-              <a:t/>
-            </a:r>
             <a:endParaRPr/>
           </a:p>
         </p:txBody>
@@ -11016,12 +11312,12 @@
           </a:ln>
         </p:spPr>
         <p:txBody>
-          <a:bodyPr anchorCtr="0" anchor="t" bIns="91425" lIns="91425" spcFirstLastPara="1" rIns="91425" wrap="square" tIns="91425">
+          <a:bodyPr spcFirstLastPara="1" wrap="square" lIns="91425" tIns="91425" rIns="91425" bIns="91425" anchor="t" anchorCtr="0">
             <a:noAutofit/>
           </a:bodyPr>
           <a:lstStyle/>
           <a:p>
-            <a:pPr indent="0" lvl="0" marL="0" rtl="0" algn="l">
+            <a:pPr marL="0" lvl="0" indent="0" algn="l" rtl="0">
               <a:spcBef>
                 <a:spcPts val="0"/>
               </a:spcBef>
@@ -11054,35 +11350,6 @@
           </a:p>
         </p:txBody>
       </p:sp>
-      <p:cxnSp>
-        <p:nvCxnSpPr>
-          <p:cNvPr id="122" name="Google Shape;122;p15"/>
-          <p:cNvCxnSpPr>
-            <a:stCxn id="118" idx="4"/>
-            <a:endCxn id="120" idx="0"/>
-          </p:cNvCxnSpPr>
-          <p:nvPr/>
-        </p:nvCxnSpPr>
-        <p:spPr>
-          <a:xfrm flipH="1">
-            <a:off x="5523200" y="2239675"/>
-            <a:ext cx="1119900" cy="772500"/>
-          </a:xfrm>
-          <a:prstGeom prst="straightConnector1">
-            <a:avLst/>
-          </a:prstGeom>
-          <a:noFill/>
-          <a:ln cap="flat" cmpd="sng" w="9525">
-            <a:solidFill>
-              <a:schemeClr val="dk2"/>
-            </a:solidFill>
-            <a:prstDash val="solid"/>
-            <a:round/>
-            <a:headEnd len="med" w="med" type="none"/>
-            <a:tailEnd len="med" w="med" type="none"/>
-          </a:ln>
-        </p:spPr>
-      </p:cxnSp>
       <p:sp>
         <p:nvSpPr>
           <p:cNvPr id="123" name="Google Shape;123;p15"/>
@@ -11103,12 +11370,12 @@
           </a:ln>
         </p:spPr>
         <p:txBody>
-          <a:bodyPr anchorCtr="0" anchor="t" bIns="91425" lIns="91425" spcFirstLastPara="1" rIns="91425" wrap="square" tIns="91425">
+          <a:bodyPr spcFirstLastPara="1" wrap="square" lIns="91425" tIns="91425" rIns="91425" bIns="91425" anchor="t" anchorCtr="0">
             <a:noAutofit/>
           </a:bodyPr>
           <a:lstStyle/>
           <a:p>
-            <a:pPr indent="0" lvl="0" marL="0" rtl="0" algn="l">
+            <a:pPr marL="0" lvl="0" indent="0" algn="l" rtl="0">
               <a:spcBef>
                 <a:spcPts val="0"/>
               </a:spcBef>
@@ -11152,23 +11419,23 @@
           <a:solidFill>
             <a:schemeClr val="dk1"/>
           </a:solidFill>
-          <a:ln cap="flat" cmpd="sng" w="9525">
+          <a:ln w="9525" cap="flat" cmpd="sng">
             <a:solidFill>
               <a:schemeClr val="dk2"/>
             </a:solidFill>
             <a:prstDash val="solid"/>
             <a:round/>
-            <a:headEnd len="sm" w="sm" type="none"/>
-            <a:tailEnd len="sm" w="sm" type="none"/>
+            <a:headEnd type="none" w="sm" len="sm"/>
+            <a:tailEnd type="none" w="sm" len="sm"/>
           </a:ln>
         </p:spPr>
         <p:txBody>
-          <a:bodyPr anchorCtr="0" anchor="ctr" bIns="91425" lIns="91425" spcFirstLastPara="1" rIns="70625" wrap="square" tIns="91425">
+          <a:bodyPr spcFirstLastPara="1" wrap="square" lIns="91425" tIns="91425" rIns="70625" bIns="91425" anchor="ctr" anchorCtr="0">
             <a:noAutofit/>
           </a:bodyPr>
           <a:lstStyle/>
           <a:p>
-            <a:pPr indent="0" lvl="0" marL="0" rtl="0" algn="ctr">
+            <a:pPr marL="0" lvl="0" indent="0" algn="ctr" rtl="0">
               <a:spcBef>
                 <a:spcPts val="0"/>
               </a:spcBef>
@@ -11177,9 +11444,6 @@
               </a:spcAft>
               <a:buNone/>
             </a:pPr>
-            <a:r>
-              <a:t/>
-            </a:r>
             <a:endParaRPr/>
           </a:p>
         </p:txBody>
@@ -11204,12 +11468,12 @@
           </a:ln>
         </p:spPr>
         <p:txBody>
-          <a:bodyPr anchorCtr="0" anchor="t" bIns="91425" lIns="91425" spcFirstLastPara="1" rIns="91425" wrap="square" tIns="91425">
+          <a:bodyPr spcFirstLastPara="1" wrap="square" lIns="91425" tIns="91425" rIns="91425" bIns="91425" anchor="t" anchorCtr="0">
             <a:noAutofit/>
           </a:bodyPr>
           <a:lstStyle/>
           <a:p>
-            <a:pPr indent="0" lvl="0" marL="0" rtl="0" algn="l">
+            <a:pPr marL="0" lvl="0" indent="0" algn="l" rtl="0">
               <a:spcBef>
                 <a:spcPts val="0"/>
               </a:spcBef>
@@ -11242,64 +11506,6 @@
           </a:p>
         </p:txBody>
       </p:sp>
-      <p:cxnSp>
-        <p:nvCxnSpPr>
-          <p:cNvPr id="126" name="Google Shape;126;p15"/>
-          <p:cNvCxnSpPr>
-            <a:stCxn id="118" idx="4"/>
-            <a:endCxn id="124" idx="0"/>
-          </p:cNvCxnSpPr>
-          <p:nvPr/>
-        </p:nvCxnSpPr>
-        <p:spPr>
-          <a:xfrm>
-            <a:off x="6643100" y="2239675"/>
-            <a:ext cx="1206900" cy="834600"/>
-          </a:xfrm>
-          <a:prstGeom prst="straightConnector1">
-            <a:avLst/>
-          </a:prstGeom>
-          <a:noFill/>
-          <a:ln cap="flat" cmpd="sng" w="9525">
-            <a:solidFill>
-              <a:schemeClr val="dk2"/>
-            </a:solidFill>
-            <a:prstDash val="solid"/>
-            <a:round/>
-            <a:headEnd len="med" w="med" type="none"/>
-            <a:tailEnd len="med" w="med" type="none"/>
-          </a:ln>
-        </p:spPr>
-      </p:cxnSp>
-      <p:cxnSp>
-        <p:nvCxnSpPr>
-          <p:cNvPr id="127" name="Google Shape;127;p15"/>
-          <p:cNvCxnSpPr>
-            <a:stCxn id="120" idx="6"/>
-            <a:endCxn id="124" idx="2"/>
-          </p:cNvCxnSpPr>
-          <p:nvPr/>
-        </p:nvCxnSpPr>
-        <p:spPr>
-          <a:xfrm>
-            <a:off x="5865500" y="3365950"/>
-            <a:ext cx="1642200" cy="62100"/>
-          </a:xfrm>
-          <a:prstGeom prst="straightConnector1">
-            <a:avLst/>
-          </a:prstGeom>
-          <a:noFill/>
-          <a:ln cap="flat" cmpd="sng" w="9525">
-            <a:solidFill>
-              <a:schemeClr val="dk2"/>
-            </a:solidFill>
-            <a:prstDash val="solid"/>
-            <a:round/>
-            <a:headEnd len="med" w="med" type="none"/>
-            <a:tailEnd len="med" w="med" type="none"/>
-          </a:ln>
-        </p:spPr>
-      </p:cxnSp>
       <p:sp>
         <p:nvSpPr>
           <p:cNvPr id="128" name="Google Shape;128;p15"/>
@@ -11320,12 +11526,12 @@
           </a:ln>
         </p:spPr>
         <p:txBody>
-          <a:bodyPr anchorCtr="0" anchor="t" bIns="91425" lIns="91425" spcFirstLastPara="1" rIns="91425" wrap="square" tIns="91425">
+          <a:bodyPr spcFirstLastPara="1" wrap="square" lIns="91425" tIns="91425" rIns="91425" bIns="91425" anchor="t" anchorCtr="0">
             <a:noAutofit/>
           </a:bodyPr>
           <a:lstStyle/>
           <a:p>
-            <a:pPr indent="0" lvl="0" marL="0" rtl="0" algn="l">
+            <a:pPr marL="0" lvl="0" indent="0" algn="l" rtl="0">
               <a:spcBef>
                 <a:spcPts val="0"/>
               </a:spcBef>
@@ -11372,12 +11578,12 @@
           </a:ln>
         </p:spPr>
         <p:txBody>
-          <a:bodyPr anchorCtr="0" anchor="t" bIns="91425" lIns="91425" spcFirstLastPara="1" rIns="91425" wrap="square" tIns="91425">
+          <a:bodyPr spcFirstLastPara="1" wrap="square" lIns="91425" tIns="91425" rIns="91425" bIns="91425" anchor="t" anchorCtr="0">
             <a:noAutofit/>
           </a:bodyPr>
           <a:lstStyle/>
           <a:p>
-            <a:pPr indent="0" lvl="0" marL="0" rtl="0" algn="l">
+            <a:pPr marL="0" lvl="0" indent="0" algn="l" rtl="0">
               <a:spcBef>
                 <a:spcPts val="0"/>
               </a:spcBef>
@@ -11407,7 +11613,9 @@
       <p:sp>
         <p:nvSpPr>
           <p:cNvPr id="130" name="Google Shape;130;p15"/>
-          <p:cNvSpPr txBox="1"/>
+          <p:cNvSpPr txBox="1">
+            <a:spLocks noGrp="1"/>
+          </p:cNvSpPr>
           <p:nvPr>
             <p:ph type="title"/>
           </p:nvPr>
@@ -11422,12 +11630,12 @@
           </a:prstGeom>
         </p:spPr>
         <p:txBody>
-          <a:bodyPr anchorCtr="0" anchor="t" bIns="91425" lIns="91425" spcFirstLastPara="1" rIns="91425" wrap="square" tIns="91425">
+          <a:bodyPr spcFirstLastPara="1" wrap="square" lIns="91425" tIns="91425" rIns="91425" bIns="91425" anchor="t" anchorCtr="0">
             <a:noAutofit/>
           </a:bodyPr>
           <a:lstStyle/>
           <a:p>
-            <a:pPr indent="0" lvl="0" marL="0" rtl="0" algn="l">
+            <a:pPr marL="0" lvl="0" indent="0" algn="l" rtl="0">
               <a:spcBef>
                 <a:spcPts val="0"/>
               </a:spcBef>
@@ -11487,23 +11695,23 @@
             <a:avLst/>
           </a:prstGeom>
           <a:noFill/>
-          <a:ln cap="flat" cmpd="sng" w="9525">
+          <a:ln w="9525" cap="flat" cmpd="sng">
             <a:solidFill>
               <a:schemeClr val="accent1"/>
             </a:solidFill>
             <a:prstDash val="solid"/>
             <a:round/>
-            <a:headEnd len="sm" w="sm" type="none"/>
-            <a:tailEnd len="sm" w="sm" type="none"/>
+            <a:headEnd type="none" w="sm" len="sm"/>
+            <a:tailEnd type="none" w="sm" len="sm"/>
           </a:ln>
         </p:spPr>
         <p:txBody>
-          <a:bodyPr anchorCtr="0" anchor="ctr" bIns="91425" lIns="91425" spcFirstLastPara="1" rIns="91425" wrap="square" tIns="91425">
+          <a:bodyPr spcFirstLastPara="1" wrap="square" lIns="91425" tIns="91425" rIns="91425" bIns="91425" anchor="ctr" anchorCtr="0">
             <a:noAutofit/>
           </a:bodyPr>
           <a:lstStyle/>
           <a:p>
-            <a:pPr indent="0" lvl="0" marL="0" rtl="0" algn="l">
+            <a:pPr marL="0" lvl="0" indent="0" algn="l" rtl="0">
               <a:spcBef>
                 <a:spcPts val="0"/>
               </a:spcBef>
@@ -11512,9 +11720,6 @@
               </a:spcAft>
               <a:buNone/>
             </a:pPr>
-            <a:r>
-              <a:t/>
-            </a:r>
             <a:endParaRPr/>
           </a:p>
         </p:txBody>
@@ -11534,23 +11739,23 @@
             <a:avLst/>
           </a:prstGeom>
           <a:noFill/>
-          <a:ln cap="flat" cmpd="sng" w="9525">
+          <a:ln w="9525" cap="flat" cmpd="sng">
             <a:solidFill>
               <a:schemeClr val="accent1"/>
             </a:solidFill>
             <a:prstDash val="solid"/>
             <a:round/>
-            <a:headEnd len="sm" w="sm" type="none"/>
-            <a:tailEnd len="sm" w="sm" type="none"/>
+            <a:headEnd type="none" w="sm" len="sm"/>
+            <a:tailEnd type="none" w="sm" len="sm"/>
           </a:ln>
         </p:spPr>
         <p:txBody>
-          <a:bodyPr anchorCtr="0" anchor="ctr" bIns="91425" lIns="91425" spcFirstLastPara="1" rIns="91425" wrap="square" tIns="91425">
+          <a:bodyPr spcFirstLastPara="1" wrap="square" lIns="91425" tIns="91425" rIns="91425" bIns="91425" anchor="ctr" anchorCtr="0">
             <a:noAutofit/>
           </a:bodyPr>
           <a:lstStyle/>
           <a:p>
-            <a:pPr indent="0" lvl="0" marL="0" rtl="0" algn="l">
+            <a:pPr marL="0" lvl="0" indent="0" algn="l" rtl="0">
               <a:spcBef>
                 <a:spcPts val="0"/>
               </a:spcBef>
@@ -11559,9 +11764,6 @@
               </a:spcAft>
               <a:buNone/>
             </a:pPr>
-            <a:r>
-              <a:t/>
-            </a:r>
             <a:endParaRPr/>
           </a:p>
         </p:txBody>
@@ -11581,23 +11783,23 @@
             <a:avLst/>
           </a:prstGeom>
           <a:noFill/>
-          <a:ln cap="flat" cmpd="sng" w="9525">
+          <a:ln w="9525" cap="flat" cmpd="sng">
             <a:solidFill>
               <a:schemeClr val="accent1"/>
             </a:solidFill>
             <a:prstDash val="solid"/>
             <a:round/>
-            <a:headEnd len="sm" w="sm" type="none"/>
-            <a:tailEnd len="sm" w="sm" type="none"/>
+            <a:headEnd type="none" w="sm" len="sm"/>
+            <a:tailEnd type="none" w="sm" len="sm"/>
           </a:ln>
         </p:spPr>
         <p:txBody>
-          <a:bodyPr anchorCtr="0" anchor="ctr" bIns="91425" lIns="91425" spcFirstLastPara="1" rIns="91425" wrap="square" tIns="91425">
+          <a:bodyPr spcFirstLastPara="1" wrap="square" lIns="91425" tIns="91425" rIns="91425" bIns="91425" anchor="ctr" anchorCtr="0">
             <a:noAutofit/>
           </a:bodyPr>
           <a:lstStyle/>
           <a:p>
-            <a:pPr indent="0" lvl="0" marL="0" rtl="0" algn="l">
+            <a:pPr marL="0" lvl="0" indent="0" algn="l" rtl="0">
               <a:spcBef>
                 <a:spcPts val="0"/>
               </a:spcBef>
@@ -11606,9 +11808,6 @@
               </a:spcAft>
               <a:buNone/>
             </a:pPr>
-            <a:r>
-              <a:t/>
-            </a:r>
             <a:endParaRPr/>
           </a:p>
         </p:txBody>
@@ -11628,23 +11827,23 @@
             <a:avLst/>
           </a:prstGeom>
           <a:noFill/>
-          <a:ln cap="flat" cmpd="sng" w="9525">
+          <a:ln w="9525" cap="flat" cmpd="sng">
             <a:solidFill>
               <a:srgbClr val="00FFFF"/>
             </a:solidFill>
             <a:prstDash val="solid"/>
             <a:round/>
-            <a:headEnd len="sm" w="sm" type="none"/>
-            <a:tailEnd len="sm" w="sm" type="none"/>
+            <a:headEnd type="none" w="sm" len="sm"/>
+            <a:tailEnd type="none" w="sm" len="sm"/>
           </a:ln>
         </p:spPr>
         <p:txBody>
-          <a:bodyPr anchorCtr="0" anchor="ctr" bIns="91425" lIns="91425" spcFirstLastPara="1" rIns="91425" wrap="square" tIns="91425">
+          <a:bodyPr spcFirstLastPara="1" wrap="square" lIns="91425" tIns="91425" rIns="91425" bIns="91425" anchor="ctr" anchorCtr="0">
             <a:noAutofit/>
           </a:bodyPr>
           <a:lstStyle/>
           <a:p>
-            <a:pPr indent="0" lvl="0" marL="0" rtl="0" algn="l">
+            <a:pPr marL="0" lvl="0" indent="0" algn="l" rtl="0">
               <a:spcBef>
                 <a:spcPts val="0"/>
               </a:spcBef>
@@ -11653,9 +11852,6 @@
               </a:spcAft>
               <a:buNone/>
             </a:pPr>
-            <a:r>
-              <a:t/>
-            </a:r>
             <a:endParaRPr/>
           </a:p>
         </p:txBody>
@@ -11677,14 +11873,14 @@
             <a:avLst/>
           </a:prstGeom>
           <a:noFill/>
-          <a:ln cap="flat" cmpd="sng" w="28575">
+          <a:ln w="28575" cap="flat" cmpd="sng">
             <a:solidFill>
               <a:srgbClr val="00FFFF"/>
             </a:solidFill>
             <a:prstDash val="solid"/>
             <a:round/>
-            <a:headEnd len="med" w="med" type="none"/>
-            <a:tailEnd len="med" w="med" type="triangle"/>
+            <a:headEnd type="none" w="med" len="med"/>
+            <a:tailEnd type="triangle" w="med" len="med"/>
           </a:ln>
         </p:spPr>
       </p:cxnSp>
@@ -11703,23 +11899,23 @@
             <a:avLst/>
           </a:prstGeom>
           <a:noFill/>
-          <a:ln cap="flat" cmpd="sng" w="9525">
+          <a:ln w="9525" cap="flat" cmpd="sng">
             <a:solidFill>
               <a:srgbClr val="00FFFF"/>
             </a:solidFill>
             <a:prstDash val="solid"/>
             <a:round/>
-            <a:headEnd len="sm" w="sm" type="none"/>
-            <a:tailEnd len="sm" w="sm" type="none"/>
+            <a:headEnd type="none" w="sm" len="sm"/>
+            <a:tailEnd type="none" w="sm" len="sm"/>
           </a:ln>
         </p:spPr>
         <p:txBody>
-          <a:bodyPr anchorCtr="0" anchor="ctr" bIns="91425" lIns="91425" spcFirstLastPara="1" rIns="91425" wrap="square" tIns="91425">
+          <a:bodyPr spcFirstLastPara="1" wrap="square" lIns="91425" tIns="91425" rIns="91425" bIns="91425" anchor="ctr" anchorCtr="0">
             <a:noAutofit/>
           </a:bodyPr>
           <a:lstStyle/>
           <a:p>
-            <a:pPr indent="0" lvl="0" marL="0" rtl="0" algn="l">
+            <a:pPr marL="0" lvl="0" indent="0" algn="l" rtl="0">
               <a:spcBef>
                 <a:spcPts val="0"/>
               </a:spcBef>
@@ -11728,9 +11924,6 @@
               </a:spcAft>
               <a:buNone/>
             </a:pPr>
-            <a:r>
-              <a:t/>
-            </a:r>
             <a:endParaRPr/>
           </a:p>
         </p:txBody>
@@ -11750,14 +11943,14 @@
             <a:avLst/>
           </a:prstGeom>
           <a:noFill/>
-          <a:ln cap="flat" cmpd="sng" w="28575">
+          <a:ln w="28575" cap="flat" cmpd="sng">
             <a:solidFill>
               <a:srgbClr val="00FFFF"/>
             </a:solidFill>
             <a:prstDash val="solid"/>
             <a:round/>
-            <a:headEnd len="med" w="med" type="none"/>
-            <a:tailEnd len="med" w="med" type="triangle"/>
+            <a:headEnd type="none" w="med" len="med"/>
+            <a:tailEnd type="triangle" w="med" len="med"/>
           </a:ln>
         </p:spPr>
       </p:cxnSp>
@@ -11776,23 +11969,23 @@
             <a:avLst/>
           </a:prstGeom>
           <a:noFill/>
-          <a:ln cap="flat" cmpd="sng" w="9525">
+          <a:ln w="9525" cap="flat" cmpd="sng">
             <a:solidFill>
               <a:srgbClr val="00FFFF"/>
             </a:solidFill>
             <a:prstDash val="solid"/>
             <a:round/>
-            <a:headEnd len="sm" w="sm" type="none"/>
-            <a:tailEnd len="sm" w="sm" type="none"/>
+            <a:headEnd type="none" w="sm" len="sm"/>
+            <a:tailEnd type="none" w="sm" len="sm"/>
           </a:ln>
         </p:spPr>
         <p:txBody>
-          <a:bodyPr anchorCtr="0" anchor="ctr" bIns="91425" lIns="91425" spcFirstLastPara="1" rIns="91425" wrap="square" tIns="91425">
+          <a:bodyPr spcFirstLastPara="1" wrap="square" lIns="91425" tIns="91425" rIns="91425" bIns="91425" anchor="ctr" anchorCtr="0">
             <a:noAutofit/>
           </a:bodyPr>
           <a:lstStyle/>
           <a:p>
-            <a:pPr indent="0" lvl="0" marL="0" rtl="0" algn="l">
+            <a:pPr marL="0" lvl="0" indent="0" algn="l" rtl="0">
               <a:spcBef>
                 <a:spcPts val="0"/>
               </a:spcBef>
@@ -11801,9 +11994,6 @@
               </a:spcAft>
               <a:buNone/>
             </a:pPr>
-            <a:r>
-              <a:t/>
-            </a:r>
             <a:endParaRPr/>
           </a:p>
         </p:txBody>
@@ -11823,14 +12013,14 @@
             <a:avLst/>
           </a:prstGeom>
           <a:noFill/>
-          <a:ln cap="flat" cmpd="sng" w="28575">
+          <a:ln w="28575" cap="flat" cmpd="sng">
             <a:solidFill>
               <a:srgbClr val="00FFFF"/>
             </a:solidFill>
             <a:prstDash val="solid"/>
             <a:round/>
-            <a:headEnd len="med" w="med" type="none"/>
-            <a:tailEnd len="med" w="med" type="triangle"/>
+            <a:headEnd type="none" w="med" len="med"/>
+            <a:tailEnd type="triangle" w="med" len="med"/>
           </a:ln>
         </p:spPr>
       </p:cxnSp>
@@ -11854,12 +12044,12 @@
           </a:ln>
         </p:spPr>
         <p:txBody>
-          <a:bodyPr anchorCtr="0" anchor="t" bIns="91425" lIns="91425" spcFirstLastPara="1" rIns="91425" wrap="square" tIns="91425">
+          <a:bodyPr spcFirstLastPara="1" wrap="square" lIns="91425" tIns="91425" rIns="91425" bIns="91425" anchor="t" anchorCtr="0">
             <a:noAutofit/>
           </a:bodyPr>
           <a:lstStyle/>
           <a:p>
-            <a:pPr indent="0" lvl="0" marL="0" rtl="0" algn="l">
+            <a:pPr marL="0" lvl="0" indent="0" algn="l" rtl="0">
               <a:spcBef>
                 <a:spcPts val="0"/>
               </a:spcBef>
@@ -11892,6 +12082,132 @@
           </a:p>
         </p:txBody>
       </p:sp>
+      <p:cxnSp>
+        <p:nvCxnSpPr>
+          <p:cNvPr id="27" name="Straight Arrow Connector 26">
+            <a:extLst>
+              <a:ext uri="{FF2B5EF4-FFF2-40B4-BE49-F238E27FC236}">
+                <a16:creationId xmlns:a16="http://schemas.microsoft.com/office/drawing/2014/main" id="{7E6CC852-1E2E-CB46-85BC-5F2AD46C0D1A}"/>
+              </a:ext>
+            </a:extLst>
+          </p:cNvPr>
+          <p:cNvCxnSpPr>
+            <a:cxnSpLocks/>
+            <a:endCxn id="120" idx="0"/>
+          </p:cNvCxnSpPr>
+          <p:nvPr/>
+        </p:nvCxnSpPr>
+        <p:spPr>
+          <a:xfrm flipH="1">
+            <a:off x="5523350" y="2237225"/>
+            <a:ext cx="1119626" cy="775025"/>
+          </a:xfrm>
+          <a:prstGeom prst="straightConnector1">
+            <a:avLst/>
+          </a:prstGeom>
+          <a:ln>
+            <a:tailEnd type="triangle"/>
+          </a:ln>
+        </p:spPr>
+        <p:style>
+          <a:lnRef idx="1">
+            <a:schemeClr val="accent1"/>
+          </a:lnRef>
+          <a:fillRef idx="0">
+            <a:schemeClr val="accent1"/>
+          </a:fillRef>
+          <a:effectRef idx="0">
+            <a:schemeClr val="accent1"/>
+          </a:effectRef>
+          <a:fontRef idx="minor">
+            <a:schemeClr val="tx1"/>
+          </a:fontRef>
+        </p:style>
+      </p:cxnSp>
+      <p:cxnSp>
+        <p:nvCxnSpPr>
+          <p:cNvPr id="30" name="Straight Arrow Connector 29">
+            <a:extLst>
+              <a:ext uri="{FF2B5EF4-FFF2-40B4-BE49-F238E27FC236}">
+                <a16:creationId xmlns:a16="http://schemas.microsoft.com/office/drawing/2014/main" id="{416FFA24-3BCB-D54E-AA1C-436AA4A5EA33}"/>
+              </a:ext>
+            </a:extLst>
+          </p:cNvPr>
+          <p:cNvCxnSpPr>
+            <a:cxnSpLocks/>
+            <a:stCxn id="118" idx="4"/>
+          </p:cNvCxnSpPr>
+          <p:nvPr/>
+        </p:nvCxnSpPr>
+        <p:spPr>
+          <a:xfrm>
+            <a:off x="6643100" y="2239675"/>
+            <a:ext cx="1206875" cy="871688"/>
+          </a:xfrm>
+          <a:prstGeom prst="straightConnector1">
+            <a:avLst/>
+          </a:prstGeom>
+          <a:ln>
+            <a:tailEnd type="triangle"/>
+          </a:ln>
+        </p:spPr>
+        <p:style>
+          <a:lnRef idx="1">
+            <a:schemeClr val="accent1"/>
+          </a:lnRef>
+          <a:fillRef idx="0">
+            <a:schemeClr val="accent1"/>
+          </a:fillRef>
+          <a:effectRef idx="0">
+            <a:schemeClr val="accent1"/>
+          </a:effectRef>
+          <a:fontRef idx="minor">
+            <a:schemeClr val="tx1"/>
+          </a:fontRef>
+        </p:style>
+      </p:cxnSp>
+      <p:cxnSp>
+        <p:nvCxnSpPr>
+          <p:cNvPr id="33" name="Straight Arrow Connector 32">
+            <a:extLst>
+              <a:ext uri="{FF2B5EF4-FFF2-40B4-BE49-F238E27FC236}">
+                <a16:creationId xmlns:a16="http://schemas.microsoft.com/office/drawing/2014/main" id="{7D8619F4-12E1-AF44-8EC6-AE206124D11C}"/>
+              </a:ext>
+            </a:extLst>
+          </p:cNvPr>
+          <p:cNvCxnSpPr>
+            <a:cxnSpLocks/>
+            <a:stCxn id="124" idx="2"/>
+          </p:cNvCxnSpPr>
+          <p:nvPr/>
+        </p:nvCxnSpPr>
+        <p:spPr>
+          <a:xfrm flipH="1" flipV="1">
+            <a:off x="5865500" y="3365950"/>
+            <a:ext cx="1642325" cy="62000"/>
+          </a:xfrm>
+          <a:prstGeom prst="straightConnector1">
+            <a:avLst/>
+          </a:prstGeom>
+          <a:ln>
+            <a:tailEnd type="triangle"/>
+          </a:ln>
+        </p:spPr>
+        <p:style>
+          <a:lnRef idx="1">
+            <a:schemeClr val="accent1"/>
+          </a:lnRef>
+          <a:fillRef idx="0">
+            <a:schemeClr val="accent1"/>
+          </a:fillRef>
+          <a:effectRef idx="0">
+            <a:schemeClr val="accent1"/>
+          </a:effectRef>
+          <a:fontRef idx="minor">
+            <a:schemeClr val="tx1"/>
+          </a:fontRef>
+        </p:style>
+      </p:cxnSp>
     </p:spTree>
   </p:cSld>
   <p:clrMapOvr>
@@ -11901,11 +12217,11 @@
 </file>
 
 <file path=ppt/slides/slide4.xml><?xml version="1.0" encoding="utf-8"?>
-<p:sld xmlns:a="http://schemas.openxmlformats.org/drawingml/2006/main" xmlns:r="http://schemas.openxmlformats.org/officeDocument/2006/relationships" xmlns:mc="http://schemas.openxmlformats.org/markup-compatibility/2006" xmlns:mv="urn:schemas-microsoft-com:mac:vml" xmlns:p="http://schemas.openxmlformats.org/presentationml/2006/main" xmlns:c="http://schemas.openxmlformats.org/drawingml/2006/chart" xmlns:dgm="http://schemas.openxmlformats.org/drawingml/2006/diagram" xmlns:o="urn:schemas-microsoft-com:office:office" xmlns:v="urn:schemas-microsoft-com:vml" xmlns:pvml="urn:schemas-microsoft-com:office:powerpoint" xmlns:com="http://schemas.openxmlformats.org/drawingml/2006/compatibility" xmlns:p14="http://schemas.microsoft.com/office/powerpoint/2010/main" xmlns:p15="http://schemas.microsoft.com/office/powerpoint/2012/main">
+<p:sld xmlns:a="http://schemas.openxmlformats.org/drawingml/2006/main" xmlns:r="http://schemas.openxmlformats.org/officeDocument/2006/relationships" xmlns:p="http://schemas.openxmlformats.org/presentationml/2006/main">
   <p:cSld>
     <p:spTree>
       <p:nvGrpSpPr>
-        <p:cNvPr id="145" name="Shape 145"/>
+        <p:cNvPr id="1" name="Shape 145"/>
         <p:cNvGrpSpPr/>
         <p:nvPr/>
       </p:nvGrpSpPr>
@@ -11920,7 +12236,9 @@
       <p:sp>
         <p:nvSpPr>
           <p:cNvPr id="146" name="Google Shape;146;p16"/>
-          <p:cNvSpPr txBox="1"/>
+          <p:cNvSpPr txBox="1">
+            <a:spLocks noGrp="1"/>
+          </p:cNvSpPr>
           <p:nvPr>
             <p:ph type="title"/>
           </p:nvPr>
@@ -11935,12 +12253,12 @@
           </a:prstGeom>
         </p:spPr>
         <p:txBody>
-          <a:bodyPr anchorCtr="0" anchor="t" bIns="91425" lIns="91425" spcFirstLastPara="1" rIns="91425" wrap="square" tIns="91425">
+          <a:bodyPr spcFirstLastPara="1" wrap="square" lIns="91425" tIns="91425" rIns="91425" bIns="91425" anchor="t" anchorCtr="0">
             <a:noAutofit/>
           </a:bodyPr>
           <a:lstStyle/>
           <a:p>
-            <a:pPr indent="0" lvl="0" marL="0" rtl="0" algn="l">
+            <a:pPr marL="0" lvl="0" indent="0" algn="l" rtl="0">
               <a:spcBef>
                 <a:spcPts val="0"/>
               </a:spcBef>
@@ -11960,9 +12278,11 @@
       <p:sp>
         <p:nvSpPr>
           <p:cNvPr id="147" name="Google Shape;147;p16"/>
-          <p:cNvSpPr txBox="1"/>
+          <p:cNvSpPr txBox="1">
+            <a:spLocks noGrp="1"/>
+          </p:cNvSpPr>
           <p:nvPr>
-            <p:ph idx="1" type="body"/>
+            <p:ph type="body" idx="1"/>
           </p:nvPr>
         </p:nvSpPr>
         <p:spPr>
@@ -11975,12 +12295,12 @@
           </a:prstGeom>
         </p:spPr>
         <p:txBody>
-          <a:bodyPr anchorCtr="0" anchor="t" bIns="91425" lIns="91425" spcFirstLastPara="1" rIns="91425" wrap="square" tIns="91425">
+          <a:bodyPr spcFirstLastPara="1" wrap="square" lIns="91425" tIns="91425" rIns="91425" bIns="91425" anchor="t" anchorCtr="0">
             <a:noAutofit/>
           </a:bodyPr>
           <a:lstStyle/>
           <a:p>
-            <a:pPr indent="-342900" lvl="0" marL="457200" rtl="0" algn="l">
+            <a:pPr marL="457200" lvl="0" indent="-342900" algn="l" rtl="0">
               <a:spcBef>
                 <a:spcPts val="0"/>
               </a:spcBef>
@@ -11997,7 +12317,7 @@
             <a:endParaRPr/>
           </a:p>
           <a:p>
-            <a:pPr indent="0" lvl="0" marL="457200" rtl="0" algn="l">
+            <a:pPr marL="457200" lvl="0" indent="0" algn="l" rtl="0">
               <a:lnSpc>
                 <a:spcPct val="100000"/>
               </a:lnSpc>
@@ -12009,13 +12329,10 @@
               </a:spcAft>
               <a:buNone/>
             </a:pPr>
-            <a:r>
-              <a:t/>
-            </a:r>
             <a:endParaRPr/>
           </a:p>
           <a:p>
-            <a:pPr indent="-342900" lvl="0" marL="457200" rtl="0" algn="l">
+            <a:pPr marL="457200" lvl="0" indent="-342900" algn="l" rtl="0">
               <a:spcBef>
                 <a:spcPts val="0"/>
               </a:spcBef>
@@ -12032,7 +12349,7 @@
             <a:endParaRPr/>
           </a:p>
           <a:p>
-            <a:pPr indent="0" lvl="0" marL="457200" rtl="0" algn="l">
+            <a:pPr marL="457200" lvl="0" indent="0" algn="l" rtl="0">
               <a:lnSpc>
                 <a:spcPct val="100000"/>
               </a:lnSpc>
@@ -12044,13 +12361,10 @@
               </a:spcAft>
               <a:buNone/>
             </a:pPr>
-            <a:r>
-              <a:t/>
-            </a:r>
             <a:endParaRPr/>
           </a:p>
           <a:p>
-            <a:pPr indent="-342900" lvl="0" marL="457200" rtl="0" algn="l">
+            <a:pPr marL="457200" lvl="0" indent="-342900" algn="l" rtl="0">
               <a:spcBef>
                 <a:spcPts val="0"/>
               </a:spcBef>
@@ -12077,11 +12391,11 @@
 </file>
 
 <file path=ppt/slides/slide5.xml><?xml version="1.0" encoding="utf-8"?>
-<p:sld xmlns:a="http://schemas.openxmlformats.org/drawingml/2006/main" xmlns:r="http://schemas.openxmlformats.org/officeDocument/2006/relationships" xmlns:mc="http://schemas.openxmlformats.org/markup-compatibility/2006" xmlns:mv="urn:schemas-microsoft-com:mac:vml" xmlns:p="http://schemas.openxmlformats.org/presentationml/2006/main" xmlns:c="http://schemas.openxmlformats.org/drawingml/2006/chart" xmlns:dgm="http://schemas.openxmlformats.org/drawingml/2006/diagram" xmlns:o="urn:schemas-microsoft-com:office:office" xmlns:v="urn:schemas-microsoft-com:vml" xmlns:pvml="urn:schemas-microsoft-com:office:powerpoint" xmlns:com="http://schemas.openxmlformats.org/drawingml/2006/compatibility" xmlns:p14="http://schemas.microsoft.com/office/powerpoint/2010/main" xmlns:p15="http://schemas.microsoft.com/office/powerpoint/2012/main">
+<p:sld xmlns:a="http://schemas.openxmlformats.org/drawingml/2006/main" xmlns:r="http://schemas.openxmlformats.org/officeDocument/2006/relationships" xmlns:p="http://schemas.openxmlformats.org/presentationml/2006/main">
   <p:cSld>
     <p:spTree>
       <p:nvGrpSpPr>
-        <p:cNvPr id="151" name="Shape 151"/>
+        <p:cNvPr id="1" name="Shape 151"/>
         <p:cNvGrpSpPr/>
         <p:nvPr/>
       </p:nvGrpSpPr>
@@ -12096,7 +12410,9 @@
       <p:sp>
         <p:nvSpPr>
           <p:cNvPr id="152" name="Google Shape;152;p17"/>
-          <p:cNvSpPr txBox="1"/>
+          <p:cNvSpPr txBox="1">
+            <a:spLocks noGrp="1"/>
+          </p:cNvSpPr>
           <p:nvPr>
             <p:ph type="title"/>
           </p:nvPr>
@@ -12111,12 +12427,12 @@
           </a:prstGeom>
         </p:spPr>
         <p:txBody>
-          <a:bodyPr anchorCtr="0" anchor="t" bIns="91425" lIns="91425" spcFirstLastPara="1" rIns="91425" wrap="square" tIns="91425">
+          <a:bodyPr spcFirstLastPara="1" wrap="square" lIns="91425" tIns="91425" rIns="91425" bIns="91425" anchor="t" anchorCtr="0">
             <a:noAutofit/>
           </a:bodyPr>
           <a:lstStyle/>
           <a:p>
-            <a:pPr indent="0" lvl="0" marL="0" rtl="0" algn="l">
+            <a:pPr marL="0" lvl="0" indent="0" algn="l" rtl="0">
               <a:spcBef>
                 <a:spcPts val="0"/>
               </a:spcBef>
@@ -12136,9 +12452,11 @@
       <p:sp>
         <p:nvSpPr>
           <p:cNvPr id="153" name="Google Shape;153;p17"/>
-          <p:cNvSpPr txBox="1"/>
+          <p:cNvSpPr txBox="1">
+            <a:spLocks noGrp="1"/>
+          </p:cNvSpPr>
           <p:nvPr>
-            <p:ph idx="1" type="body"/>
+            <p:ph type="body" idx="1"/>
           </p:nvPr>
         </p:nvSpPr>
         <p:spPr>
@@ -12151,12 +12469,12 @@
           </a:prstGeom>
         </p:spPr>
         <p:txBody>
-          <a:bodyPr anchorCtr="0" anchor="t" bIns="91425" lIns="91425" spcFirstLastPara="1" rIns="91425" wrap="square" tIns="91425">
+          <a:bodyPr spcFirstLastPara="1" wrap="square" lIns="91425" tIns="91425" rIns="91425" bIns="91425" anchor="t" anchorCtr="0">
             <a:noAutofit/>
           </a:bodyPr>
           <a:lstStyle/>
           <a:p>
-            <a:pPr indent="-342900" lvl="0" marL="457200" rtl="0" algn="l">
+            <a:pPr marL="457200" lvl="0" indent="-342900" algn="l" rtl="0">
               <a:lnSpc>
                 <a:spcPct val="150000"/>
               </a:lnSpc>
@@ -12176,7 +12494,7 @@
             <a:endParaRPr/>
           </a:p>
           <a:p>
-            <a:pPr indent="-317500" lvl="1" marL="914400" rtl="0" algn="l">
+            <a:pPr marL="914400" lvl="1" indent="-317500" algn="l" rtl="0">
               <a:lnSpc>
                 <a:spcPct val="150000"/>
               </a:lnSpc>
@@ -12196,7 +12514,7 @@
             <a:endParaRPr/>
           </a:p>
           <a:p>
-            <a:pPr indent="-317500" lvl="2" marL="1371600" rtl="0" algn="l">
+            <a:pPr marL="1371600" lvl="2" indent="-317500" algn="l" rtl="0">
               <a:lnSpc>
                 <a:spcPct val="150000"/>
               </a:lnSpc>
@@ -12216,7 +12534,7 @@
             <a:endParaRPr/>
           </a:p>
           <a:p>
-            <a:pPr indent="-317500" lvl="1" marL="914400" rtl="0" algn="l">
+            <a:pPr marL="914400" lvl="1" indent="-317500" algn="l" rtl="0">
               <a:lnSpc>
                 <a:spcPct val="150000"/>
               </a:lnSpc>
@@ -12236,7 +12554,7 @@
             <a:endParaRPr/>
           </a:p>
           <a:p>
-            <a:pPr indent="-317500" lvl="1" marL="914400" rtl="0" algn="l">
+            <a:pPr marL="914400" lvl="1" indent="-317500" algn="l" rtl="0">
               <a:lnSpc>
                 <a:spcPct val="150000"/>
               </a:lnSpc>
@@ -12256,7 +12574,7 @@
             <a:endParaRPr/>
           </a:p>
           <a:p>
-            <a:pPr indent="0" lvl="0" marL="0" rtl="0" algn="l">
+            <a:pPr marL="0" lvl="0" indent="0" algn="l" rtl="0">
               <a:lnSpc>
                 <a:spcPct val="150000"/>
               </a:lnSpc>
@@ -12268,13 +12586,10 @@
               </a:spcAft>
               <a:buNone/>
             </a:pPr>
-            <a:r>
-              <a:t/>
-            </a:r>
             <a:endParaRPr/>
           </a:p>
           <a:p>
-            <a:pPr indent="-342900" lvl="0" marL="457200" rtl="0" algn="l">
+            <a:pPr marL="457200" lvl="0" indent="-342900" algn="l" rtl="0">
               <a:lnSpc>
                 <a:spcPct val="150000"/>
               </a:lnSpc>
@@ -12294,7 +12609,7 @@
             <a:endParaRPr/>
           </a:p>
           <a:p>
-            <a:pPr indent="-317500" lvl="1" marL="914400" rtl="0" algn="l">
+            <a:pPr marL="914400" lvl="1" indent="-317500" algn="l" rtl="0">
               <a:lnSpc>
                 <a:spcPct val="150000"/>
               </a:lnSpc>
@@ -12324,11 +12639,11 @@
 </file>
 
 <file path=ppt/slides/slide6.xml><?xml version="1.0" encoding="utf-8"?>
-<p:sld xmlns:a="http://schemas.openxmlformats.org/drawingml/2006/main" xmlns:r="http://schemas.openxmlformats.org/officeDocument/2006/relationships" xmlns:mc="http://schemas.openxmlformats.org/markup-compatibility/2006" xmlns:mv="urn:schemas-microsoft-com:mac:vml" xmlns:p="http://schemas.openxmlformats.org/presentationml/2006/main" xmlns:c="http://schemas.openxmlformats.org/drawingml/2006/chart" xmlns:dgm="http://schemas.openxmlformats.org/drawingml/2006/diagram" xmlns:o="urn:schemas-microsoft-com:office:office" xmlns:v="urn:schemas-microsoft-com:vml" xmlns:pvml="urn:schemas-microsoft-com:office:powerpoint" xmlns:com="http://schemas.openxmlformats.org/drawingml/2006/compatibility" xmlns:p14="http://schemas.microsoft.com/office/powerpoint/2010/main" xmlns:p15="http://schemas.microsoft.com/office/powerpoint/2012/main">
+<p:sld xmlns:a="http://schemas.openxmlformats.org/drawingml/2006/main" xmlns:r="http://schemas.openxmlformats.org/officeDocument/2006/relationships" xmlns:p="http://schemas.openxmlformats.org/presentationml/2006/main">
   <p:cSld>
     <p:spTree>
       <p:nvGrpSpPr>
-        <p:cNvPr id="157" name="Shape 157"/>
+        <p:cNvPr id="1" name="Shape 157"/>
         <p:cNvGrpSpPr/>
         <p:nvPr/>
       </p:nvGrpSpPr>
@@ -12343,7 +12658,9 @@
       <p:sp>
         <p:nvSpPr>
           <p:cNvPr id="158" name="Google Shape;158;p18"/>
-          <p:cNvSpPr txBox="1"/>
+          <p:cNvSpPr txBox="1">
+            <a:spLocks noGrp="1"/>
+          </p:cNvSpPr>
           <p:nvPr>
             <p:ph type="title"/>
           </p:nvPr>
@@ -12358,12 +12675,12 @@
           </a:prstGeom>
         </p:spPr>
         <p:txBody>
-          <a:bodyPr anchorCtr="0" anchor="t" bIns="91425" lIns="91425" spcFirstLastPara="1" rIns="91425" wrap="square" tIns="91425">
+          <a:bodyPr spcFirstLastPara="1" wrap="square" lIns="91425" tIns="91425" rIns="91425" bIns="91425" anchor="t" anchorCtr="0">
             <a:noAutofit/>
           </a:bodyPr>
           <a:lstStyle/>
           <a:p>
-            <a:pPr indent="0" lvl="0" marL="0" rtl="0" algn="l">
+            <a:pPr marL="0" lvl="0" indent="0" algn="l" rtl="0">
               <a:spcBef>
                 <a:spcPts val="0"/>
               </a:spcBef>
@@ -12379,7 +12696,7 @@
             <a:endParaRPr/>
           </a:p>
           <a:p>
-            <a:pPr indent="0" lvl="0" marL="0" rtl="0" algn="l">
+            <a:pPr marL="0" lvl="0" indent="0" algn="l" rtl="0">
               <a:spcBef>
                 <a:spcPts val="0"/>
               </a:spcBef>
@@ -12388,9 +12705,6 @@
               </a:spcAft>
               <a:buNone/>
             </a:pPr>
-            <a:r>
-              <a:t/>
-            </a:r>
             <a:endParaRPr/>
           </a:p>
         </p:txBody>
@@ -12398,9 +12712,11 @@
       <p:sp>
         <p:nvSpPr>
           <p:cNvPr id="159" name="Google Shape;159;p18"/>
-          <p:cNvSpPr txBox="1"/>
+          <p:cNvSpPr txBox="1">
+            <a:spLocks noGrp="1"/>
+          </p:cNvSpPr>
           <p:nvPr>
-            <p:ph idx="1" type="body"/>
+            <p:ph type="body" idx="1"/>
           </p:nvPr>
         </p:nvSpPr>
         <p:spPr>
@@ -12413,12 +12729,12 @@
           </a:prstGeom>
         </p:spPr>
         <p:txBody>
-          <a:bodyPr anchorCtr="0" anchor="t" bIns="91425" lIns="91425" spcFirstLastPara="1" rIns="91425" wrap="square" tIns="91425">
+          <a:bodyPr spcFirstLastPara="1" wrap="square" lIns="91425" tIns="91425" rIns="91425" bIns="91425" anchor="t" anchorCtr="0">
             <a:noAutofit/>
           </a:bodyPr>
           <a:lstStyle/>
           <a:p>
-            <a:pPr indent="-342900" lvl="0" marL="457200" marR="0" rtl="0" algn="l">
+            <a:pPr marL="457200" marR="0" lvl="0" indent="-342900" algn="l" rtl="0">
               <a:lnSpc>
                 <a:spcPct val="200000"/>
               </a:lnSpc>
@@ -12442,7 +12758,7 @@
             <a:endParaRPr/>
           </a:p>
           <a:p>
-            <a:pPr indent="-342900" lvl="0" marL="457200" marR="0" rtl="0" algn="l">
+            <a:pPr marL="457200" marR="0" lvl="0" indent="-342900" algn="l" rtl="0">
               <a:lnSpc>
                 <a:spcPct val="200000"/>
               </a:lnSpc>
@@ -12462,7 +12778,7 @@
             <a:endParaRPr/>
           </a:p>
           <a:p>
-            <a:pPr indent="-342900" lvl="0" marL="457200" marR="0" rtl="0" algn="l">
+            <a:pPr marL="457200" marR="0" lvl="0" indent="-342900" algn="l" rtl="0">
               <a:lnSpc>
                 <a:spcPct val="200000"/>
               </a:lnSpc>
@@ -12482,7 +12798,7 @@
             <a:endParaRPr/>
           </a:p>
           <a:p>
-            <a:pPr indent="-317500" lvl="1" marL="914400" marR="0" rtl="0" algn="l">
+            <a:pPr marL="914400" marR="0" lvl="1" indent="-317500" algn="l" rtl="0">
               <a:lnSpc>
                 <a:spcPct val="200000"/>
               </a:lnSpc>
@@ -12514,7 +12830,7 @@
             </a:endParaRPr>
           </a:p>
           <a:p>
-            <a:pPr indent="-317500" lvl="1" marL="914400" rtl="0" algn="l">
+            <a:pPr marL="914400" lvl="1" indent="-317500" algn="l" rtl="0">
               <a:lnSpc>
                 <a:spcPct val="200000"/>
               </a:lnSpc>
@@ -12537,7 +12853,7 @@
             <a:endParaRPr/>
           </a:p>
           <a:p>
-            <a:pPr indent="-342900" lvl="0" marL="457200" rtl="0" algn="l">
+            <a:pPr marL="457200" lvl="0" indent="-342900" algn="l" rtl="0">
               <a:lnSpc>
                 <a:spcPct val="200000"/>
               </a:lnSpc>
@@ -12567,11 +12883,11 @@
 </file>
 
 <file path=ppt/slides/slide7.xml><?xml version="1.0" encoding="utf-8"?>
-<p:sld xmlns:a="http://schemas.openxmlformats.org/drawingml/2006/main" xmlns:r="http://schemas.openxmlformats.org/officeDocument/2006/relationships" xmlns:mc="http://schemas.openxmlformats.org/markup-compatibility/2006" xmlns:mv="urn:schemas-microsoft-com:mac:vml" xmlns:p="http://schemas.openxmlformats.org/presentationml/2006/main" xmlns:c="http://schemas.openxmlformats.org/drawingml/2006/chart" xmlns:dgm="http://schemas.openxmlformats.org/drawingml/2006/diagram" xmlns:o="urn:schemas-microsoft-com:office:office" xmlns:v="urn:schemas-microsoft-com:vml" xmlns:pvml="urn:schemas-microsoft-com:office:powerpoint" xmlns:com="http://schemas.openxmlformats.org/drawingml/2006/compatibility" xmlns:p14="http://schemas.microsoft.com/office/powerpoint/2010/main" xmlns:p15="http://schemas.microsoft.com/office/powerpoint/2012/main">
+<p:sld xmlns:a="http://schemas.openxmlformats.org/drawingml/2006/main" xmlns:r="http://schemas.openxmlformats.org/officeDocument/2006/relationships" xmlns:p="http://schemas.openxmlformats.org/presentationml/2006/main">
   <p:cSld>
     <p:spTree>
       <p:nvGrpSpPr>
-        <p:cNvPr id="163" name="Shape 163"/>
+        <p:cNvPr id="1" name="Shape 163"/>
         <p:cNvGrpSpPr/>
         <p:nvPr/>
       </p:nvGrpSpPr>
@@ -12586,7 +12902,9 @@
       <p:sp>
         <p:nvSpPr>
           <p:cNvPr id="164" name="Google Shape;164;p19"/>
-          <p:cNvSpPr txBox="1"/>
+          <p:cNvSpPr txBox="1">
+            <a:spLocks noGrp="1"/>
+          </p:cNvSpPr>
           <p:nvPr>
             <p:ph type="title"/>
           </p:nvPr>
@@ -12601,12 +12919,12 @@
           </a:prstGeom>
         </p:spPr>
         <p:txBody>
-          <a:bodyPr anchorCtr="0" anchor="t" bIns="91425" lIns="91425" spcFirstLastPara="1" rIns="91425" wrap="square" tIns="91425">
+          <a:bodyPr spcFirstLastPara="1" wrap="square" lIns="91425" tIns="91425" rIns="91425" bIns="91425" anchor="t" anchorCtr="0">
             <a:noAutofit/>
           </a:bodyPr>
           <a:lstStyle/>
           <a:p>
-            <a:pPr indent="0" lvl="0" marL="0" rtl="0" algn="l">
+            <a:pPr marL="0" lvl="0" indent="0" algn="l" rtl="0">
               <a:spcBef>
                 <a:spcPts val="0"/>
               </a:spcBef>
@@ -12626,9 +12944,11 @@
       <p:sp>
         <p:nvSpPr>
           <p:cNvPr id="165" name="Google Shape;165;p19"/>
-          <p:cNvSpPr txBox="1"/>
+          <p:cNvSpPr txBox="1">
+            <a:spLocks noGrp="1"/>
+          </p:cNvSpPr>
           <p:nvPr>
-            <p:ph idx="1" type="body"/>
+            <p:ph type="body" idx="1"/>
           </p:nvPr>
         </p:nvSpPr>
         <p:spPr>
@@ -12641,12 +12961,12 @@
           </a:prstGeom>
         </p:spPr>
         <p:txBody>
-          <a:bodyPr anchorCtr="0" anchor="t" bIns="91425" lIns="91425" spcFirstLastPara="1" rIns="91425" wrap="square" tIns="91425">
+          <a:bodyPr spcFirstLastPara="1" wrap="square" lIns="91425" tIns="91425" rIns="91425" bIns="91425" anchor="t" anchorCtr="0">
             <a:noAutofit/>
           </a:bodyPr>
           <a:lstStyle/>
           <a:p>
-            <a:pPr indent="-342900" lvl="0" marL="457200" rtl="0" algn="l">
+            <a:pPr marL="457200" lvl="0" indent="-342900" algn="l" rtl="0">
               <a:spcBef>
                 <a:spcPts val="0"/>
               </a:spcBef>
@@ -12663,7 +12983,7 @@
             <a:endParaRPr/>
           </a:p>
           <a:p>
-            <a:pPr indent="0" lvl="0" marL="457200" rtl="0" algn="l">
+            <a:pPr marL="457200" lvl="0" indent="0" algn="l" rtl="0">
               <a:lnSpc>
                 <a:spcPct val="100000"/>
               </a:lnSpc>
@@ -12675,13 +12995,10 @@
               </a:spcAft>
               <a:buNone/>
             </a:pPr>
-            <a:r>
-              <a:t/>
-            </a:r>
             <a:endParaRPr/>
           </a:p>
           <a:p>
-            <a:pPr indent="-342900" lvl="0" marL="457200" rtl="0" algn="l">
+            <a:pPr marL="457200" lvl="0" indent="-342900" algn="l" rtl="0">
               <a:spcBef>
                 <a:spcPts val="0"/>
               </a:spcBef>
@@ -12696,7 +13013,7 @@
               <a:t>Use </a:t>
             </a:r>
             <a:r>
-              <a:rPr i="1" lang="en"/>
+              <a:rPr lang="en" i="1"/>
               <a:t>Wikidata</a:t>
             </a:r>
             <a:r>
@@ -12706,7 +13023,7 @@
             <a:endParaRPr/>
           </a:p>
           <a:p>
-            <a:pPr indent="0" lvl="0" marL="457200" rtl="0" algn="l">
+            <a:pPr marL="457200" lvl="0" indent="0" algn="l" rtl="0">
               <a:lnSpc>
                 <a:spcPct val="100000"/>
               </a:lnSpc>
@@ -12718,13 +13035,10 @@
               </a:spcAft>
               <a:buNone/>
             </a:pPr>
-            <a:r>
-              <a:t/>
-            </a:r>
             <a:endParaRPr/>
           </a:p>
           <a:p>
-            <a:pPr indent="-342900" lvl="0" marL="457200" rtl="0" algn="l">
+            <a:pPr marL="457200" lvl="0" indent="-342900" algn="l" rtl="0">
               <a:spcBef>
                 <a:spcPts val="0"/>
               </a:spcBef>
@@ -12804,12 +13118,12 @@
             </a:ln>
           </p:spPr>
           <p:txBody>
-            <a:bodyPr anchorCtr="0" anchor="t" bIns="91425" lIns="91425" spcFirstLastPara="1" rIns="91425" wrap="square" tIns="91425">
+            <a:bodyPr spcFirstLastPara="1" wrap="square" lIns="91425" tIns="91425" rIns="91425" bIns="91425" anchor="t" anchorCtr="0">
               <a:noAutofit/>
             </a:bodyPr>
             <a:lstStyle/>
             <a:p>
-              <a:pPr indent="0" lvl="0" marL="0" rtl="0" algn="l">
+              <a:pPr marL="0" lvl="0" indent="0" algn="l" rtl="0">
                 <a:spcBef>
                   <a:spcPts val="0"/>
                 </a:spcBef>
@@ -12828,7 +13142,7 @@
                 <a:t>“</a:t>
               </a:r>
               <a:r>
-                <a:rPr b="1" lang="en">
+                <a:rPr lang="en" b="1">
                   <a:latin typeface="Economica"/>
                   <a:ea typeface="Economica"/>
                   <a:cs typeface="Economica"/>
@@ -12846,7 +13160,7 @@
                 <a:t> is one of </a:t>
               </a:r>
               <a:r>
-                <a:rPr b="1" lang="en">
+                <a:rPr lang="en" b="1">
                   <a:latin typeface="Economica"/>
                   <a:ea typeface="Economica"/>
                   <a:cs typeface="Economica"/>
@@ -12882,11 +13196,11 @@
 </file>
 
 <file path=ppt/slides/slide8.xml><?xml version="1.0" encoding="utf-8"?>
-<p:sld xmlns:a="http://schemas.openxmlformats.org/drawingml/2006/main" xmlns:r="http://schemas.openxmlformats.org/officeDocument/2006/relationships" xmlns:mc="http://schemas.openxmlformats.org/markup-compatibility/2006" xmlns:mv="urn:schemas-microsoft-com:mac:vml" xmlns:p="http://schemas.openxmlformats.org/presentationml/2006/main" xmlns:c="http://schemas.openxmlformats.org/drawingml/2006/chart" xmlns:dgm="http://schemas.openxmlformats.org/drawingml/2006/diagram" xmlns:o="urn:schemas-microsoft-com:office:office" xmlns:v="urn:schemas-microsoft-com:vml" xmlns:pvml="urn:schemas-microsoft-com:office:powerpoint" xmlns:com="http://schemas.openxmlformats.org/drawingml/2006/compatibility" xmlns:p14="http://schemas.microsoft.com/office/powerpoint/2010/main" xmlns:p15="http://schemas.microsoft.com/office/powerpoint/2012/main">
+<p:sld xmlns:a="http://schemas.openxmlformats.org/drawingml/2006/main" xmlns:r="http://schemas.openxmlformats.org/officeDocument/2006/relationships" xmlns:p="http://schemas.openxmlformats.org/presentationml/2006/main">
   <p:cSld>
     <p:spTree>
       <p:nvGrpSpPr>
-        <p:cNvPr id="172" name="Shape 172"/>
+        <p:cNvPr id="1" name="Shape 172"/>
         <p:cNvGrpSpPr/>
         <p:nvPr/>
       </p:nvGrpSpPr>
@@ -12901,7 +13215,9 @@
       <p:sp>
         <p:nvSpPr>
           <p:cNvPr id="173" name="Google Shape;173;p20"/>
-          <p:cNvSpPr txBox="1"/>
+          <p:cNvSpPr txBox="1">
+            <a:spLocks noGrp="1"/>
+          </p:cNvSpPr>
           <p:nvPr>
             <p:ph type="title"/>
           </p:nvPr>
@@ -12916,12 +13232,12 @@
           </a:prstGeom>
         </p:spPr>
         <p:txBody>
-          <a:bodyPr anchorCtr="0" anchor="t" bIns="91425" lIns="91425" spcFirstLastPara="1" rIns="91425" wrap="square" tIns="91425">
+          <a:bodyPr spcFirstLastPara="1" wrap="square" lIns="91425" tIns="91425" rIns="91425" bIns="91425" anchor="t" anchorCtr="0">
             <a:noAutofit/>
           </a:bodyPr>
           <a:lstStyle/>
           <a:p>
-            <a:pPr indent="0" lvl="0" marL="0" rtl="0" algn="l">
+            <a:pPr marL="0" lvl="0" indent="0" algn="l" rtl="0">
               <a:spcBef>
                 <a:spcPts val="0"/>
               </a:spcBef>
@@ -12941,9 +13257,11 @@
       <p:sp>
         <p:nvSpPr>
           <p:cNvPr id="174" name="Google Shape;174;p20"/>
-          <p:cNvSpPr txBox="1"/>
+          <p:cNvSpPr txBox="1">
+            <a:spLocks noGrp="1"/>
+          </p:cNvSpPr>
           <p:nvPr>
-            <p:ph idx="1" type="body"/>
+            <p:ph type="body" idx="1"/>
           </p:nvPr>
         </p:nvSpPr>
         <p:spPr>
@@ -12956,12 +13274,12 @@
           </a:prstGeom>
         </p:spPr>
         <p:txBody>
-          <a:bodyPr anchorCtr="0" anchor="t" bIns="91425" lIns="91425" spcFirstLastPara="1" rIns="91425" wrap="square" tIns="91425">
+          <a:bodyPr spcFirstLastPara="1" wrap="square" lIns="91425" tIns="91425" rIns="91425" bIns="91425" anchor="t" anchorCtr="0">
             <a:noAutofit/>
           </a:bodyPr>
           <a:lstStyle/>
           <a:p>
-            <a:pPr indent="-342900" lvl="0" marL="457200" rtl="0" algn="l">
+            <a:pPr marL="457200" lvl="0" indent="-342900" algn="l" rtl="0">
               <a:spcBef>
                 <a:spcPts val="0"/>
               </a:spcBef>
@@ -12978,7 +13296,7 @@
             <a:endParaRPr/>
           </a:p>
           <a:p>
-            <a:pPr indent="0" lvl="0" marL="0" rtl="0" algn="l">
+            <a:pPr marL="0" lvl="0" indent="0" algn="l" rtl="0">
               <a:spcBef>
                 <a:spcPts val="0"/>
               </a:spcBef>
@@ -12987,13 +13305,10 @@
               </a:spcAft>
               <a:buNone/>
             </a:pPr>
-            <a:r>
-              <a:t/>
-            </a:r>
             <a:endParaRPr/>
           </a:p>
           <a:p>
-            <a:pPr indent="-342900" lvl="0" marL="457200" rtl="0" algn="l">
+            <a:pPr marL="457200" lvl="0" indent="-342900" algn="l" rtl="0">
               <a:spcBef>
                 <a:spcPts val="0"/>
               </a:spcBef>
@@ -13010,7 +13325,7 @@
             <a:endParaRPr/>
           </a:p>
           <a:p>
-            <a:pPr indent="0" lvl="0" marL="457200" rtl="0" algn="l">
+            <a:pPr marL="457200" lvl="0" indent="0" algn="l" rtl="0">
               <a:lnSpc>
                 <a:spcPct val="100000"/>
               </a:lnSpc>
@@ -13022,13 +13337,10 @@
               </a:spcAft>
               <a:buNone/>
             </a:pPr>
-            <a:r>
-              <a:t/>
-            </a:r>
             <a:endParaRPr/>
           </a:p>
           <a:p>
-            <a:pPr indent="-342900" lvl="0" marL="457200" rtl="0" algn="l">
+            <a:pPr marL="457200" lvl="0" indent="-342900" algn="l" rtl="0">
               <a:spcBef>
                 <a:spcPts val="0"/>
               </a:spcBef>
@@ -13056,7 +13368,7 @@
           <a:blip r:embed="rId3">
             <a:alphaModFix/>
           </a:blip>
-          <a:srcRect b="0" l="2524" r="0" t="10434"/>
+          <a:srcRect l="2524" t="10434"/>
           <a:stretch/>
         </p:blipFill>
         <p:spPr>
@@ -13082,11 +13394,11 @@
 </file>
 
 <file path=ppt/slides/slide9.xml><?xml version="1.0" encoding="utf-8"?>
-<p:sld xmlns:a="http://schemas.openxmlformats.org/drawingml/2006/main" xmlns:r="http://schemas.openxmlformats.org/officeDocument/2006/relationships" xmlns:mc="http://schemas.openxmlformats.org/markup-compatibility/2006" xmlns:mv="urn:schemas-microsoft-com:mac:vml" xmlns:p="http://schemas.openxmlformats.org/presentationml/2006/main" xmlns:c="http://schemas.openxmlformats.org/drawingml/2006/chart" xmlns:dgm="http://schemas.openxmlformats.org/drawingml/2006/diagram" xmlns:o="urn:schemas-microsoft-com:office:office" xmlns:v="urn:schemas-microsoft-com:vml" xmlns:pvml="urn:schemas-microsoft-com:office:powerpoint" xmlns:com="http://schemas.openxmlformats.org/drawingml/2006/compatibility" xmlns:p14="http://schemas.microsoft.com/office/powerpoint/2010/main" xmlns:p15="http://schemas.microsoft.com/office/powerpoint/2012/main">
+<p:sld xmlns:a="http://schemas.openxmlformats.org/drawingml/2006/main" xmlns:r="http://schemas.openxmlformats.org/officeDocument/2006/relationships" xmlns:p="http://schemas.openxmlformats.org/presentationml/2006/main">
   <p:cSld>
     <p:spTree>
       <p:nvGrpSpPr>
-        <p:cNvPr id="179" name="Shape 179"/>
+        <p:cNvPr id="1" name="Shape 179"/>
         <p:cNvGrpSpPr/>
         <p:nvPr/>
       </p:nvGrpSpPr>
@@ -13101,7 +13413,9 @@
       <p:sp>
         <p:nvSpPr>
           <p:cNvPr id="180" name="Google Shape;180;p21"/>
-          <p:cNvSpPr txBox="1"/>
+          <p:cNvSpPr txBox="1">
+            <a:spLocks noGrp="1"/>
+          </p:cNvSpPr>
           <p:nvPr>
             <p:ph type="title"/>
           </p:nvPr>
@@ -13116,12 +13430,12 @@
           </a:prstGeom>
         </p:spPr>
         <p:txBody>
-          <a:bodyPr anchorCtr="0" anchor="t" bIns="91425" lIns="91425" spcFirstLastPara="1" rIns="91425" wrap="square" tIns="91425">
+          <a:bodyPr spcFirstLastPara="1" wrap="square" lIns="91425" tIns="91425" rIns="91425" bIns="91425" anchor="t" anchorCtr="0">
             <a:noAutofit/>
           </a:bodyPr>
           <a:lstStyle/>
           <a:p>
-            <a:pPr indent="0" lvl="0" marL="0" rtl="0" algn="l">
+            <a:pPr marL="0" lvl="0" indent="0" algn="l" rtl="0">
               <a:spcBef>
                 <a:spcPts val="0"/>
               </a:spcBef>
@@ -13141,9 +13455,11 @@
       <p:sp>
         <p:nvSpPr>
           <p:cNvPr id="181" name="Google Shape;181;p21"/>
-          <p:cNvSpPr txBox="1"/>
+          <p:cNvSpPr txBox="1">
+            <a:spLocks noGrp="1"/>
+          </p:cNvSpPr>
           <p:nvPr>
-            <p:ph idx="1" type="body"/>
+            <p:ph type="body" idx="1"/>
           </p:nvPr>
         </p:nvSpPr>
         <p:spPr>
@@ -13156,12 +13472,12 @@
           </a:prstGeom>
         </p:spPr>
         <p:txBody>
-          <a:bodyPr anchorCtr="0" anchor="t" bIns="91425" lIns="91425" spcFirstLastPara="1" rIns="91425" wrap="square" tIns="91425">
+          <a:bodyPr spcFirstLastPara="1" wrap="square" lIns="91425" tIns="91425" rIns="91425" bIns="91425" anchor="t" anchorCtr="0">
             <a:noAutofit/>
           </a:bodyPr>
           <a:lstStyle/>
           <a:p>
-            <a:pPr indent="-342900" lvl="0" marL="457200" rtl="0" algn="l">
+            <a:pPr marL="457200" lvl="0" indent="-342900" algn="l" rtl="0">
               <a:spcBef>
                 <a:spcPts val="0"/>
               </a:spcBef>
@@ -13178,7 +13494,7 @@
             <a:endParaRPr/>
           </a:p>
           <a:p>
-            <a:pPr indent="0" lvl="0" marL="457200" rtl="0" algn="l">
+            <a:pPr marL="457200" lvl="0" indent="0" algn="l" rtl="0">
               <a:spcBef>
                 <a:spcPts val="1600"/>
               </a:spcBef>
@@ -13187,13 +13503,10 @@
               </a:spcAft>
               <a:buNone/>
             </a:pPr>
-            <a:r>
-              <a:t/>
-            </a:r>
             <a:endParaRPr/>
           </a:p>
           <a:p>
-            <a:pPr indent="-342900" lvl="0" marL="457200" rtl="0" algn="l">
+            <a:pPr marL="457200" lvl="0" indent="-342900" algn="l" rtl="0">
               <a:spcBef>
                 <a:spcPts val="1600"/>
               </a:spcBef>
@@ -13210,7 +13523,7 @@
             <a:endParaRPr/>
           </a:p>
           <a:p>
-            <a:pPr indent="0" lvl="0" marL="0" rtl="0" algn="l">
+            <a:pPr marL="0" lvl="0" indent="0" algn="l" rtl="0">
               <a:spcBef>
                 <a:spcPts val="1600"/>
               </a:spcBef>
@@ -13219,9 +13532,6 @@
               </a:spcAft>
               <a:buNone/>
             </a:pPr>
-            <a:r>
-              <a:t/>
-            </a:r>
             <a:endParaRPr/>
           </a:p>
         </p:txBody>
@@ -13235,7 +13545,288 @@
 </file>
 
 <file path=ppt/theme/theme1.xml><?xml version="1.0" encoding="utf-8"?>
-<a:theme xmlns:a="http://schemas.openxmlformats.org/drawingml/2006/main" xmlns:r="http://schemas.openxmlformats.org/officeDocument/2006/relationships">
+<a:theme xmlns:a="http://schemas.openxmlformats.org/drawingml/2006/main" name="Tropic">
+  <a:themeElements>
+    <a:clrScheme name="Tropic">
+      <a:dk1>
+        <a:srgbClr val="A1E8D9"/>
+      </a:dk1>
+      <a:lt1>
+        <a:srgbClr val="FFFFFF"/>
+      </a:lt1>
+      <a:dk2>
+        <a:srgbClr val="695D46"/>
+      </a:dk2>
+      <a:lt2>
+        <a:srgbClr val="B3A77D"/>
+      </a:lt2>
+      <a:accent1>
+        <a:srgbClr val="EF6C00"/>
+      </a:accent1>
+      <a:accent2>
+        <a:srgbClr val="009668"/>
+      </a:accent2>
+      <a:accent3>
+        <a:srgbClr val="4DB6AC"/>
+      </a:accent3>
+      <a:accent4>
+        <a:srgbClr val="FF9800"/>
+      </a:accent4>
+      <a:accent5>
+        <a:srgbClr val="CE93D8"/>
+      </a:accent5>
+      <a:accent6>
+        <a:srgbClr val="EEFF41"/>
+      </a:accent6>
+      <a:hlink>
+        <a:srgbClr val="CE93D8"/>
+      </a:hlink>
+      <a:folHlink>
+        <a:srgbClr val="CE93D8"/>
+      </a:folHlink>
+    </a:clrScheme>
+    <a:fontScheme name="Office">
+      <a:majorFont>
+        <a:latin typeface="Arial"/>
+        <a:ea typeface=""/>
+        <a:cs typeface=""/>
+        <a:font script="Jpan" typeface="ＭＳ Ｐゴシック"/>
+        <a:font script="Hang" typeface="맑은 고딕"/>
+        <a:font script="Hans" typeface="宋体"/>
+        <a:font script="Hant" typeface="新細明體"/>
+        <a:font script="Arab" typeface="Times New Roman"/>
+        <a:font script="Hebr" typeface="Times New Roman"/>
+        <a:font script="Thai" typeface="Angsana New"/>
+        <a:font script="Ethi" typeface="Nyala"/>
+        <a:font script="Beng" typeface="Vrinda"/>
+        <a:font script="Gujr" typeface="Shruti"/>
+        <a:font script="Khmr" typeface="MoolBoran"/>
+        <a:font script="Knda" typeface="Tunga"/>
+        <a:font script="Guru" typeface="Raavi"/>
+        <a:font script="Cans" typeface="Euphemia"/>
+        <a:font script="Cher" typeface="Plantagenet Cherokee"/>
+        <a:font script="Yiii" typeface="Microsoft Yi Baiti"/>
+        <a:font script="Tibt" typeface="Microsoft Himalaya"/>
+        <a:font script="Thaa" typeface="MV Boli"/>
+        <a:font script="Deva" typeface="Mangal"/>
+        <a:font script="Telu" typeface="Gautami"/>
+        <a:font script="Taml" typeface="Latha"/>
+        <a:font script="Syrc" typeface="Estrangelo Edessa"/>
+        <a:font script="Orya" typeface="Kalinga"/>
+        <a:font script="Mlym" typeface="Kartika"/>
+        <a:font script="Laoo" typeface="DokChampa"/>
+        <a:font script="Sinh" typeface="Iskoola Pota"/>
+        <a:font script="Mong" typeface="Mongolian Baiti"/>
+        <a:font script="Viet" typeface="Times New Roman"/>
+        <a:font script="Uigh" typeface="Microsoft Uighur"/>
+        <a:font script="Geor" typeface="Sylfaen"/>
+      </a:majorFont>
+      <a:minorFont>
+        <a:latin typeface="Arial"/>
+        <a:ea typeface=""/>
+        <a:cs typeface=""/>
+        <a:font script="Jpan" typeface="ＭＳ Ｐゴシック"/>
+        <a:font script="Hang" typeface="맑은 고딕"/>
+        <a:font script="Hans" typeface="宋体"/>
+        <a:font script="Hant" typeface="新細明體"/>
+        <a:font script="Arab" typeface="Arial"/>
+        <a:font script="Hebr" typeface="Arial"/>
+        <a:font script="Thai" typeface="Cordia New"/>
+        <a:font script="Ethi" typeface="Nyala"/>
+        <a:font script="Beng" typeface="Vrinda"/>
+        <a:font script="Gujr" typeface="Shruti"/>
+        <a:font script="Khmr" typeface="DaunPenh"/>
+        <a:font script="Knda" typeface="Tunga"/>
+        <a:font script="Guru" typeface="Raavi"/>
+        <a:font script="Cans" typeface="Euphemia"/>
+        <a:font script="Cher" typeface="Plantagenet Cherokee"/>
+        <a:font script="Yiii" typeface="Microsoft Yi Baiti"/>
+        <a:font script="Tibt" typeface="Microsoft Himalaya"/>
+        <a:font script="Thaa" typeface="MV Boli"/>
+        <a:font script="Deva" typeface="Mangal"/>
+        <a:font script="Telu" typeface="Gautami"/>
+        <a:font script="Taml" typeface="Latha"/>
+        <a:font script="Syrc" typeface="Estrangelo Edessa"/>
+        <a:font script="Orya" typeface="Kalinga"/>
+        <a:font script="Mlym" typeface="Kartika"/>
+        <a:font script="Laoo" typeface="DokChampa"/>
+        <a:font script="Sinh" typeface="Iskoola Pota"/>
+        <a:font script="Mong" typeface="Mongolian Baiti"/>
+        <a:font script="Viet" typeface="Arial"/>
+        <a:font script="Uigh" typeface="Microsoft Uighur"/>
+        <a:font script="Geor" typeface="Sylfaen"/>
+      </a:minorFont>
+    </a:fontScheme>
+    <a:fmtScheme name="Office">
+      <a:fillStyleLst>
+        <a:solidFill>
+          <a:schemeClr val="phClr"/>
+        </a:solidFill>
+        <a:gradFill rotWithShape="1">
+          <a:gsLst>
+            <a:gs pos="0">
+              <a:schemeClr val="phClr">
+                <a:tint val="50000"/>
+                <a:satMod val="300000"/>
+              </a:schemeClr>
+            </a:gs>
+            <a:gs pos="35000">
+              <a:schemeClr val="phClr">
+                <a:tint val="37000"/>
+                <a:satMod val="300000"/>
+              </a:schemeClr>
+            </a:gs>
+            <a:gs pos="100000">
+              <a:schemeClr val="phClr">
+                <a:tint val="15000"/>
+                <a:satMod val="350000"/>
+              </a:schemeClr>
+            </a:gs>
+          </a:gsLst>
+          <a:lin ang="16200000" scaled="1"/>
+        </a:gradFill>
+        <a:gradFill rotWithShape="1">
+          <a:gsLst>
+            <a:gs pos="0">
+              <a:schemeClr val="phClr">
+                <a:tint val="100000"/>
+                <a:shade val="100000"/>
+                <a:satMod val="130000"/>
+              </a:schemeClr>
+            </a:gs>
+            <a:gs pos="100000">
+              <a:schemeClr val="phClr">
+                <a:tint val="50000"/>
+                <a:shade val="100000"/>
+                <a:satMod val="350000"/>
+              </a:schemeClr>
+            </a:gs>
+          </a:gsLst>
+          <a:lin ang="16200000" scaled="0"/>
+        </a:gradFill>
+      </a:fillStyleLst>
+      <a:lnStyleLst>
+        <a:ln w="9525" cap="flat" cmpd="sng" algn="ctr">
+          <a:solidFill>
+            <a:schemeClr val="phClr">
+              <a:shade val="95000"/>
+              <a:satMod val="105000"/>
+            </a:schemeClr>
+          </a:solidFill>
+          <a:prstDash val="solid"/>
+        </a:ln>
+        <a:ln w="25400" cap="flat" cmpd="sng" algn="ctr">
+          <a:solidFill>
+            <a:schemeClr val="phClr"/>
+          </a:solidFill>
+          <a:prstDash val="solid"/>
+        </a:ln>
+        <a:ln w="38100" cap="flat" cmpd="sng" algn="ctr">
+          <a:solidFill>
+            <a:schemeClr val="phClr"/>
+          </a:solidFill>
+          <a:prstDash val="solid"/>
+        </a:ln>
+      </a:lnStyleLst>
+      <a:effectStyleLst>
+        <a:effectStyle>
+          <a:effectLst>
+            <a:outerShdw blurRad="40000" dist="20000" dir="5400000" rotWithShape="0">
+              <a:srgbClr val="000000">
+                <a:alpha val="38000"/>
+              </a:srgbClr>
+            </a:outerShdw>
+          </a:effectLst>
+        </a:effectStyle>
+        <a:effectStyle>
+          <a:effectLst>
+            <a:outerShdw blurRad="40000" dist="23000" dir="5400000" rotWithShape="0">
+              <a:srgbClr val="000000">
+                <a:alpha val="35000"/>
+              </a:srgbClr>
+            </a:outerShdw>
+          </a:effectLst>
+        </a:effectStyle>
+        <a:effectStyle>
+          <a:effectLst>
+            <a:outerShdw blurRad="40000" dist="23000" dir="5400000" rotWithShape="0">
+              <a:srgbClr val="000000">
+                <a:alpha val="35000"/>
+              </a:srgbClr>
+            </a:outerShdw>
+          </a:effectLst>
+          <a:scene3d>
+            <a:camera prst="orthographicFront">
+              <a:rot lat="0" lon="0" rev="0"/>
+            </a:camera>
+            <a:lightRig rig="threePt" dir="t">
+              <a:rot lat="0" lon="0" rev="1200000"/>
+            </a:lightRig>
+          </a:scene3d>
+          <a:sp3d>
+            <a:bevelT w="63500" h="25400"/>
+          </a:sp3d>
+        </a:effectStyle>
+      </a:effectStyleLst>
+      <a:bgFillStyleLst>
+        <a:solidFill>
+          <a:schemeClr val="phClr"/>
+        </a:solidFill>
+        <a:gradFill rotWithShape="1">
+          <a:gsLst>
+            <a:gs pos="0">
+              <a:schemeClr val="phClr">
+                <a:tint val="40000"/>
+                <a:satMod val="350000"/>
+              </a:schemeClr>
+            </a:gs>
+            <a:gs pos="40000">
+              <a:schemeClr val="phClr">
+                <a:tint val="45000"/>
+                <a:shade val="99000"/>
+                <a:satMod val="350000"/>
+              </a:schemeClr>
+            </a:gs>
+            <a:gs pos="100000">
+              <a:schemeClr val="phClr">
+                <a:shade val="20000"/>
+                <a:satMod val="255000"/>
+              </a:schemeClr>
+            </a:gs>
+          </a:gsLst>
+          <a:path path="circle">
+            <a:fillToRect l="50000" t="-80000" r="50000" b="180000"/>
+          </a:path>
+        </a:gradFill>
+        <a:gradFill rotWithShape="1">
+          <a:gsLst>
+            <a:gs pos="0">
+              <a:schemeClr val="phClr">
+                <a:tint val="80000"/>
+                <a:satMod val="300000"/>
+              </a:schemeClr>
+            </a:gs>
+            <a:gs pos="100000">
+              <a:schemeClr val="phClr">
+                <a:shade val="30000"/>
+                <a:satMod val="200000"/>
+              </a:schemeClr>
+            </a:gs>
+          </a:gsLst>
+          <a:path path="circle">
+            <a:fillToRect l="50000" t="50000" r="50000" b="50000"/>
+          </a:path>
+        </a:gradFill>
+      </a:bgFillStyleLst>
+    </a:fmtScheme>
+  </a:themeElements>
+  <a:objectDefaults/>
+  <a:extraClrSchemeLst/>
+</a:theme>
+</file>
+
+<file path=ppt/theme/theme2.xml><?xml version="1.0" encoding="utf-8"?>
+<a:theme xmlns:a="http://schemas.openxmlformats.org/drawingml/2006/main">
   <a:themeElements>
     <a:clrScheme name="Default">
       <a:dk1>
@@ -13510,284 +14101,7 @@
       </a:bgFillStyleLst>
     </a:fmtScheme>
   </a:themeElements>
-</a:theme>
-</file>
-
-<file path=ppt/theme/theme2.xml><?xml version="1.0" encoding="utf-8"?>
-<a:theme xmlns:a="http://schemas.openxmlformats.org/drawingml/2006/main" xmlns:r="http://schemas.openxmlformats.org/officeDocument/2006/relationships" name="Tropic">
-  <a:themeElements>
-    <a:clrScheme name="Tropic">
-      <a:dk1>
-        <a:srgbClr val="A1E8D9"/>
-      </a:dk1>
-      <a:lt1>
-        <a:srgbClr val="FFFFFF"/>
-      </a:lt1>
-      <a:dk2>
-        <a:srgbClr val="695D46"/>
-      </a:dk2>
-      <a:lt2>
-        <a:srgbClr val="B3A77D"/>
-      </a:lt2>
-      <a:accent1>
-        <a:srgbClr val="EF6C00"/>
-      </a:accent1>
-      <a:accent2>
-        <a:srgbClr val="009668"/>
-      </a:accent2>
-      <a:accent3>
-        <a:srgbClr val="4DB6AC"/>
-      </a:accent3>
-      <a:accent4>
-        <a:srgbClr val="FF9800"/>
-      </a:accent4>
-      <a:accent5>
-        <a:srgbClr val="CE93D8"/>
-      </a:accent5>
-      <a:accent6>
-        <a:srgbClr val="EEFF41"/>
-      </a:accent6>
-      <a:hlink>
-        <a:srgbClr val="CE93D8"/>
-      </a:hlink>
-      <a:folHlink>
-        <a:srgbClr val="CE93D8"/>
-      </a:folHlink>
-    </a:clrScheme>
-    <a:fontScheme name="Office">
-      <a:majorFont>
-        <a:latin typeface="Arial"/>
-        <a:ea typeface=""/>
-        <a:cs typeface=""/>
-        <a:font script="Jpan" typeface="ＭＳ Ｐゴシック"/>
-        <a:font script="Hang" typeface="맑은 고딕"/>
-        <a:font script="Hans" typeface="宋体"/>
-        <a:font script="Hant" typeface="新細明體"/>
-        <a:font script="Arab" typeface="Times New Roman"/>
-        <a:font script="Hebr" typeface="Times New Roman"/>
-        <a:font script="Thai" typeface="Angsana New"/>
-        <a:font script="Ethi" typeface="Nyala"/>
-        <a:font script="Beng" typeface="Vrinda"/>
-        <a:font script="Gujr" typeface="Shruti"/>
-        <a:font script="Khmr" typeface="MoolBoran"/>
-        <a:font script="Knda" typeface="Tunga"/>
-        <a:font script="Guru" typeface="Raavi"/>
-        <a:font script="Cans" typeface="Euphemia"/>
-        <a:font script="Cher" typeface="Plantagenet Cherokee"/>
-        <a:font script="Yiii" typeface="Microsoft Yi Baiti"/>
-        <a:font script="Tibt" typeface="Microsoft Himalaya"/>
-        <a:font script="Thaa" typeface="MV Boli"/>
-        <a:font script="Deva" typeface="Mangal"/>
-        <a:font script="Telu" typeface="Gautami"/>
-        <a:font script="Taml" typeface="Latha"/>
-        <a:font script="Syrc" typeface="Estrangelo Edessa"/>
-        <a:font script="Orya" typeface="Kalinga"/>
-        <a:font script="Mlym" typeface="Kartika"/>
-        <a:font script="Laoo" typeface="DokChampa"/>
-        <a:font script="Sinh" typeface="Iskoola Pota"/>
-        <a:font script="Mong" typeface="Mongolian Baiti"/>
-        <a:font script="Viet" typeface="Times New Roman"/>
-        <a:font script="Uigh" typeface="Microsoft Uighur"/>
-        <a:font script="Geor" typeface="Sylfaen"/>
-      </a:majorFont>
-      <a:minorFont>
-        <a:latin typeface="Arial"/>
-        <a:ea typeface=""/>
-        <a:cs typeface=""/>
-        <a:font script="Jpan" typeface="ＭＳ Ｐゴシック"/>
-        <a:font script="Hang" typeface="맑은 고딕"/>
-        <a:font script="Hans" typeface="宋体"/>
-        <a:font script="Hant" typeface="新細明體"/>
-        <a:font script="Arab" typeface="Arial"/>
-        <a:font script="Hebr" typeface="Arial"/>
-        <a:font script="Thai" typeface="Cordia New"/>
-        <a:font script="Ethi" typeface="Nyala"/>
-        <a:font script="Beng" typeface="Vrinda"/>
-        <a:font script="Gujr" typeface="Shruti"/>
-        <a:font script="Khmr" typeface="DaunPenh"/>
-        <a:font script="Knda" typeface="Tunga"/>
-        <a:font script="Guru" typeface="Raavi"/>
-        <a:font script="Cans" typeface="Euphemia"/>
-        <a:font script="Cher" typeface="Plantagenet Cherokee"/>
-        <a:font script="Yiii" typeface="Microsoft Yi Baiti"/>
-        <a:font script="Tibt" typeface="Microsoft Himalaya"/>
-        <a:font script="Thaa" typeface="MV Boli"/>
-        <a:font script="Deva" typeface="Mangal"/>
-        <a:font script="Telu" typeface="Gautami"/>
-        <a:font script="Taml" typeface="Latha"/>
-        <a:font script="Syrc" typeface="Estrangelo Edessa"/>
-        <a:font script="Orya" typeface="Kalinga"/>
-        <a:font script="Mlym" typeface="Kartika"/>
-        <a:font script="Laoo" typeface="DokChampa"/>
-        <a:font script="Sinh" typeface="Iskoola Pota"/>
-        <a:font script="Mong" typeface="Mongolian Baiti"/>
-        <a:font script="Viet" typeface="Arial"/>
-        <a:font script="Uigh" typeface="Microsoft Uighur"/>
-        <a:font script="Geor" typeface="Sylfaen"/>
-      </a:minorFont>
-    </a:fontScheme>
-    <a:fmtScheme name="Office">
-      <a:fillStyleLst>
-        <a:solidFill>
-          <a:schemeClr val="phClr"/>
-        </a:solidFill>
-        <a:gradFill rotWithShape="1">
-          <a:gsLst>
-            <a:gs pos="0">
-              <a:schemeClr val="phClr">
-                <a:tint val="50000"/>
-                <a:satMod val="300000"/>
-              </a:schemeClr>
-            </a:gs>
-            <a:gs pos="35000">
-              <a:schemeClr val="phClr">
-                <a:tint val="37000"/>
-                <a:satMod val="300000"/>
-              </a:schemeClr>
-            </a:gs>
-            <a:gs pos="100000">
-              <a:schemeClr val="phClr">
-                <a:tint val="15000"/>
-                <a:satMod val="350000"/>
-              </a:schemeClr>
-            </a:gs>
-          </a:gsLst>
-          <a:lin ang="16200000" scaled="1"/>
-        </a:gradFill>
-        <a:gradFill rotWithShape="1">
-          <a:gsLst>
-            <a:gs pos="0">
-              <a:schemeClr val="phClr">
-                <a:tint val="100000"/>
-                <a:shade val="100000"/>
-                <a:satMod val="130000"/>
-              </a:schemeClr>
-            </a:gs>
-            <a:gs pos="100000">
-              <a:schemeClr val="phClr">
-                <a:tint val="50000"/>
-                <a:shade val="100000"/>
-                <a:satMod val="350000"/>
-              </a:schemeClr>
-            </a:gs>
-          </a:gsLst>
-          <a:lin ang="16200000" scaled="0"/>
-        </a:gradFill>
-      </a:fillStyleLst>
-      <a:lnStyleLst>
-        <a:ln w="9525" cap="flat" cmpd="sng" algn="ctr">
-          <a:solidFill>
-            <a:schemeClr val="phClr">
-              <a:shade val="95000"/>
-              <a:satMod val="105000"/>
-            </a:schemeClr>
-          </a:solidFill>
-          <a:prstDash val="solid"/>
-        </a:ln>
-        <a:ln w="25400" cap="flat" cmpd="sng" algn="ctr">
-          <a:solidFill>
-            <a:schemeClr val="phClr"/>
-          </a:solidFill>
-          <a:prstDash val="solid"/>
-        </a:ln>
-        <a:ln w="38100" cap="flat" cmpd="sng" algn="ctr">
-          <a:solidFill>
-            <a:schemeClr val="phClr"/>
-          </a:solidFill>
-          <a:prstDash val="solid"/>
-        </a:ln>
-      </a:lnStyleLst>
-      <a:effectStyleLst>
-        <a:effectStyle>
-          <a:effectLst>
-            <a:outerShdw blurRad="40000" dist="20000" dir="5400000" rotWithShape="0">
-              <a:srgbClr val="000000">
-                <a:alpha val="38000"/>
-              </a:srgbClr>
-            </a:outerShdw>
-          </a:effectLst>
-        </a:effectStyle>
-        <a:effectStyle>
-          <a:effectLst>
-            <a:outerShdw blurRad="40000" dist="23000" dir="5400000" rotWithShape="0">
-              <a:srgbClr val="000000">
-                <a:alpha val="35000"/>
-              </a:srgbClr>
-            </a:outerShdw>
-          </a:effectLst>
-        </a:effectStyle>
-        <a:effectStyle>
-          <a:effectLst>
-            <a:outerShdw blurRad="40000" dist="23000" dir="5400000" rotWithShape="0">
-              <a:srgbClr val="000000">
-                <a:alpha val="35000"/>
-              </a:srgbClr>
-            </a:outerShdw>
-          </a:effectLst>
-          <a:scene3d>
-            <a:camera prst="orthographicFront">
-              <a:rot lat="0" lon="0" rev="0"/>
-            </a:camera>
-            <a:lightRig rig="threePt" dir="t">
-              <a:rot lat="0" lon="0" rev="1200000"/>
-            </a:lightRig>
-          </a:scene3d>
-          <a:sp3d>
-            <a:bevelT w="63500" h="25400"/>
-          </a:sp3d>
-        </a:effectStyle>
-      </a:effectStyleLst>
-      <a:bgFillStyleLst>
-        <a:solidFill>
-          <a:schemeClr val="phClr"/>
-        </a:solidFill>
-        <a:gradFill rotWithShape="1">
-          <a:gsLst>
-            <a:gs pos="0">
-              <a:schemeClr val="phClr">
-                <a:tint val="40000"/>
-                <a:satMod val="350000"/>
-              </a:schemeClr>
-            </a:gs>
-            <a:gs pos="40000">
-              <a:schemeClr val="phClr">
-                <a:tint val="45000"/>
-                <a:shade val="99000"/>
-                <a:satMod val="350000"/>
-              </a:schemeClr>
-            </a:gs>
-            <a:gs pos="100000">
-              <a:schemeClr val="phClr">
-                <a:shade val="20000"/>
-                <a:satMod val="255000"/>
-              </a:schemeClr>
-            </a:gs>
-          </a:gsLst>
-          <a:path path="circle">
-            <a:fillToRect l="50000" t="-80000" r="50000" b="180000"/>
-          </a:path>
-        </a:gradFill>
-        <a:gradFill rotWithShape="1">
-          <a:gsLst>
-            <a:gs pos="0">
-              <a:schemeClr val="phClr">
-                <a:tint val="80000"/>
-                <a:satMod val="300000"/>
-              </a:schemeClr>
-            </a:gs>
-            <a:gs pos="100000">
-              <a:schemeClr val="phClr">
-                <a:shade val="30000"/>
-                <a:satMod val="200000"/>
-              </a:schemeClr>
-            </a:gs>
-          </a:gsLst>
-          <a:path path="circle">
-            <a:fillToRect l="50000" t="50000" r="50000" b="50000"/>
-          </a:path>
-        </a:gradFill>
-      </a:bgFillStyleLst>
-    </a:fmtScheme>
-  </a:themeElements>
+  <a:objectDefaults/>
+  <a:extraClrSchemeLst/>
 </a:theme>
 </file>